--- a/spinaker-elasticsearch.pptx
+++ b/spinaker-elasticsearch.pptx
@@ -1,6 +1,6 @@
 
 <file path=ppt/presentation.xml><?xml version="1.0" encoding="utf-8"?>
-<p:presentation xmlns:a="http://schemas.openxmlformats.org/drawingml/2006/main" xmlns:r="http://schemas.openxmlformats.org/officeDocument/2006/relationships" xmlns:p="http://schemas.openxmlformats.org/presentationml/2006/main">
+<p:presentation xmlns:a="http://schemas.openxmlformats.org/drawingml/2006/main" xmlns:r="http://schemas.openxmlformats.org/officeDocument/2006/relationships" xmlns:p="http://schemas.openxmlformats.org/presentationml/2006/main" saveSubsetFonts="1">
   <p:sldMasterIdLst>
     <p:sldMasterId id="2147483648" r:id="rId4"/>
     <p:sldMasterId id="2147483663" r:id="rId5"/>
@@ -20,308 +20,139 @@
   <p:sldSz cx="12192000" cy="6858000"/>
   <p:notesSz cx="6858000" cy="9144000"/>
   <p:defaultTextStyle>
-    <a:defPPr marL="0" marR="0" indent="0" algn="l" defTabSz="914400" rtl="0" fontAlgn="auto" latinLnBrk="1" hangingPunct="0">
-      <a:lnSpc>
-        <a:spcPct val="100000"/>
-      </a:lnSpc>
+    <a:defPPr>
+      <a:defRPr lang="pl-PL"/>
+    </a:defPPr>
+    <a:lvl1pPr algn="l" rtl="0" eaLnBrk="0" fontAlgn="base" hangingPunct="0">
       <a:spcBef>
-        <a:spcPts val="0"/>
+        <a:spcPct val="0"/>
       </a:spcBef>
       <a:spcAft>
-        <a:spcPts val="0"/>
+        <a:spcPct val="0"/>
       </a:spcAft>
-      <a:buClrTx/>
-      <a:buSzTx/>
-      <a:buFontTx/>
-      <a:buNone/>
-      <a:tabLst/>
-      <a:defRPr kumimoji="0" sz="1800" b="0" i="0" u="none" strike="noStrike" cap="none" spc="0" normalizeH="0" baseline="0">
-        <a:ln>
-          <a:noFill/>
-        </a:ln>
+      <a:defRPr kern="1200">
         <a:solidFill>
           <a:srgbClr val="000000"/>
         </a:solidFill>
-        <a:effectLst/>
-        <a:uFillTx/>
+        <a:latin typeface="Calibri" panose="020F0502020204030204" pitchFamily="34" charset="0"/>
+        <a:ea typeface="+mn-ea"/>
+        <a:cs typeface="Calibri" panose="020F0502020204030204" pitchFamily="34" charset="0"/>
+        <a:sym typeface="Calibri" panose="020F0502020204030204" pitchFamily="34" charset="0"/>
       </a:defRPr>
-    </a:defPPr>
-    <a:lvl1pPr marL="0" marR="0" indent="0" algn="l" defTabSz="914400" rtl="0" fontAlgn="auto" latinLnBrk="0" hangingPunct="0">
-      <a:lnSpc>
-        <a:spcPct val="100000"/>
-      </a:lnSpc>
+    </a:lvl1pPr>
+    <a:lvl2pPr indent="457200" algn="l" rtl="0" eaLnBrk="0" fontAlgn="base" hangingPunct="0">
       <a:spcBef>
-        <a:spcPts val="0"/>
+        <a:spcPct val="0"/>
       </a:spcBef>
       <a:spcAft>
-        <a:spcPts val="0"/>
+        <a:spcPct val="0"/>
       </a:spcAft>
-      <a:buClrTx/>
-      <a:buSzTx/>
-      <a:buFontTx/>
-      <a:buNone/>
-      <a:tabLst/>
-      <a:defRPr kumimoji="0" sz="1800" b="0" i="0" u="none" strike="noStrike" cap="none" spc="0" normalizeH="0" baseline="0">
-        <a:ln>
-          <a:noFill/>
-        </a:ln>
+      <a:defRPr kern="1200">
         <a:solidFill>
           <a:srgbClr val="000000"/>
         </a:solidFill>
-        <a:effectLst/>
-        <a:uFillTx/>
-        <a:latin typeface="+mn-lt"/>
+        <a:latin typeface="Calibri" panose="020F0502020204030204" pitchFamily="34" charset="0"/>
         <a:ea typeface="+mn-ea"/>
-        <a:cs typeface="+mn-cs"/>
-        <a:sym typeface="Calibri"/>
+        <a:cs typeface="Calibri" panose="020F0502020204030204" pitchFamily="34" charset="0"/>
+        <a:sym typeface="Calibri" panose="020F0502020204030204" pitchFamily="34" charset="0"/>
       </a:defRPr>
-    </a:lvl1pPr>
-    <a:lvl2pPr marL="0" marR="0" indent="457200" algn="l" defTabSz="914400" rtl="0" fontAlgn="auto" latinLnBrk="0" hangingPunct="0">
-      <a:lnSpc>
-        <a:spcPct val="100000"/>
-      </a:lnSpc>
+    </a:lvl2pPr>
+    <a:lvl3pPr indent="914400" algn="l" rtl="0" eaLnBrk="0" fontAlgn="base" hangingPunct="0">
       <a:spcBef>
-        <a:spcPts val="0"/>
+        <a:spcPct val="0"/>
       </a:spcBef>
       <a:spcAft>
-        <a:spcPts val="0"/>
+        <a:spcPct val="0"/>
       </a:spcAft>
-      <a:buClrTx/>
-      <a:buSzTx/>
-      <a:buFontTx/>
-      <a:buNone/>
-      <a:tabLst/>
-      <a:defRPr kumimoji="0" sz="1800" b="0" i="0" u="none" strike="noStrike" cap="none" spc="0" normalizeH="0" baseline="0">
-        <a:ln>
-          <a:noFill/>
-        </a:ln>
+      <a:defRPr kern="1200">
         <a:solidFill>
           <a:srgbClr val="000000"/>
         </a:solidFill>
-        <a:effectLst/>
-        <a:uFillTx/>
-        <a:latin typeface="+mn-lt"/>
+        <a:latin typeface="Calibri" panose="020F0502020204030204" pitchFamily="34" charset="0"/>
         <a:ea typeface="+mn-ea"/>
-        <a:cs typeface="+mn-cs"/>
-        <a:sym typeface="Calibri"/>
+        <a:cs typeface="Calibri" panose="020F0502020204030204" pitchFamily="34" charset="0"/>
+        <a:sym typeface="Calibri" panose="020F0502020204030204" pitchFamily="34" charset="0"/>
       </a:defRPr>
-    </a:lvl2pPr>
-    <a:lvl3pPr marL="0" marR="0" indent="914400" algn="l" defTabSz="914400" rtl="0" fontAlgn="auto" latinLnBrk="0" hangingPunct="0">
-      <a:lnSpc>
-        <a:spcPct val="100000"/>
-      </a:lnSpc>
+    </a:lvl3pPr>
+    <a:lvl4pPr indent="1371600" algn="l" rtl="0" eaLnBrk="0" fontAlgn="base" hangingPunct="0">
       <a:spcBef>
-        <a:spcPts val="0"/>
+        <a:spcPct val="0"/>
       </a:spcBef>
       <a:spcAft>
-        <a:spcPts val="0"/>
+        <a:spcPct val="0"/>
       </a:spcAft>
-      <a:buClrTx/>
-      <a:buSzTx/>
-      <a:buFontTx/>
-      <a:buNone/>
-      <a:tabLst/>
-      <a:defRPr kumimoji="0" sz="1800" b="0" i="0" u="none" strike="noStrike" cap="none" spc="0" normalizeH="0" baseline="0">
-        <a:ln>
-          <a:noFill/>
-        </a:ln>
+      <a:defRPr kern="1200">
         <a:solidFill>
           <a:srgbClr val="000000"/>
         </a:solidFill>
-        <a:effectLst/>
-        <a:uFillTx/>
-        <a:latin typeface="+mn-lt"/>
+        <a:latin typeface="Calibri" panose="020F0502020204030204" pitchFamily="34" charset="0"/>
         <a:ea typeface="+mn-ea"/>
-        <a:cs typeface="+mn-cs"/>
-        <a:sym typeface="Calibri"/>
+        <a:cs typeface="Calibri" panose="020F0502020204030204" pitchFamily="34" charset="0"/>
+        <a:sym typeface="Calibri" panose="020F0502020204030204" pitchFamily="34" charset="0"/>
       </a:defRPr>
-    </a:lvl3pPr>
-    <a:lvl4pPr marL="0" marR="0" indent="1371600" algn="l" defTabSz="914400" rtl="0" fontAlgn="auto" latinLnBrk="0" hangingPunct="0">
-      <a:lnSpc>
-        <a:spcPct val="100000"/>
-      </a:lnSpc>
+    </a:lvl4pPr>
+    <a:lvl5pPr indent="1828800" algn="l" rtl="0" eaLnBrk="0" fontAlgn="base" hangingPunct="0">
       <a:spcBef>
-        <a:spcPts val="0"/>
+        <a:spcPct val="0"/>
       </a:spcBef>
       <a:spcAft>
-        <a:spcPts val="0"/>
+        <a:spcPct val="0"/>
       </a:spcAft>
-      <a:buClrTx/>
-      <a:buSzTx/>
-      <a:buFontTx/>
-      <a:buNone/>
-      <a:tabLst/>
-      <a:defRPr kumimoji="0" sz="1800" b="0" i="0" u="none" strike="noStrike" cap="none" spc="0" normalizeH="0" baseline="0">
-        <a:ln>
-          <a:noFill/>
-        </a:ln>
+      <a:defRPr kern="1200">
         <a:solidFill>
           <a:srgbClr val="000000"/>
         </a:solidFill>
-        <a:effectLst/>
-        <a:uFillTx/>
-        <a:latin typeface="+mn-lt"/>
+        <a:latin typeface="Calibri" panose="020F0502020204030204" pitchFamily="34" charset="0"/>
         <a:ea typeface="+mn-ea"/>
-        <a:cs typeface="+mn-cs"/>
-        <a:sym typeface="Calibri"/>
+        <a:cs typeface="Calibri" panose="020F0502020204030204" pitchFamily="34" charset="0"/>
+        <a:sym typeface="Calibri" panose="020F0502020204030204" pitchFamily="34" charset="0"/>
       </a:defRPr>
-    </a:lvl4pPr>
-    <a:lvl5pPr marL="0" marR="0" indent="1828800" algn="l" defTabSz="914400" rtl="0" fontAlgn="auto" latinLnBrk="0" hangingPunct="0">
-      <a:lnSpc>
-        <a:spcPct val="100000"/>
-      </a:lnSpc>
-      <a:spcBef>
-        <a:spcPts val="0"/>
-      </a:spcBef>
-      <a:spcAft>
-        <a:spcPts val="0"/>
-      </a:spcAft>
-      <a:buClrTx/>
-      <a:buSzTx/>
-      <a:buFontTx/>
-      <a:buNone/>
-      <a:tabLst/>
-      <a:defRPr kumimoji="0" sz="1800" b="0" i="0" u="none" strike="noStrike" cap="none" spc="0" normalizeH="0" baseline="0">
-        <a:ln>
-          <a:noFill/>
-        </a:ln>
+    </a:lvl5pPr>
+    <a:lvl6pPr marL="2286000" algn="l" defTabSz="914400" rtl="0" eaLnBrk="1" latinLnBrk="0" hangingPunct="1">
+      <a:defRPr kern="1200">
         <a:solidFill>
           <a:srgbClr val="000000"/>
         </a:solidFill>
-        <a:effectLst/>
-        <a:uFillTx/>
-        <a:latin typeface="+mn-lt"/>
+        <a:latin typeface="Calibri" panose="020F0502020204030204" pitchFamily="34" charset="0"/>
         <a:ea typeface="+mn-ea"/>
-        <a:cs typeface="+mn-cs"/>
-        <a:sym typeface="Calibri"/>
+        <a:cs typeface="Calibri" panose="020F0502020204030204" pitchFamily="34" charset="0"/>
+        <a:sym typeface="Calibri" panose="020F0502020204030204" pitchFamily="34" charset="0"/>
       </a:defRPr>
-    </a:lvl5pPr>
-    <a:lvl6pPr marL="0" marR="0" indent="2286000" algn="l" defTabSz="914400" rtl="0" fontAlgn="auto" latinLnBrk="0" hangingPunct="0">
-      <a:lnSpc>
-        <a:spcPct val="100000"/>
-      </a:lnSpc>
-      <a:spcBef>
-        <a:spcPts val="0"/>
-      </a:spcBef>
-      <a:spcAft>
-        <a:spcPts val="0"/>
-      </a:spcAft>
-      <a:buClrTx/>
-      <a:buSzTx/>
-      <a:buFontTx/>
-      <a:buNone/>
-      <a:tabLst/>
-      <a:defRPr kumimoji="0" sz="1800" b="0" i="0" u="none" strike="noStrike" cap="none" spc="0" normalizeH="0" baseline="0">
-        <a:ln>
-          <a:noFill/>
-        </a:ln>
+    </a:lvl6pPr>
+    <a:lvl7pPr marL="2743200" algn="l" defTabSz="914400" rtl="0" eaLnBrk="1" latinLnBrk="0" hangingPunct="1">
+      <a:defRPr kern="1200">
         <a:solidFill>
           <a:srgbClr val="000000"/>
         </a:solidFill>
-        <a:effectLst/>
-        <a:uFillTx/>
-        <a:latin typeface="+mn-lt"/>
+        <a:latin typeface="Calibri" panose="020F0502020204030204" pitchFamily="34" charset="0"/>
         <a:ea typeface="+mn-ea"/>
-        <a:cs typeface="+mn-cs"/>
-        <a:sym typeface="Calibri"/>
+        <a:cs typeface="Calibri" panose="020F0502020204030204" pitchFamily="34" charset="0"/>
+        <a:sym typeface="Calibri" panose="020F0502020204030204" pitchFamily="34" charset="0"/>
       </a:defRPr>
-    </a:lvl6pPr>
-    <a:lvl7pPr marL="0" marR="0" indent="2743200" algn="l" defTabSz="914400" rtl="0" fontAlgn="auto" latinLnBrk="0" hangingPunct="0">
-      <a:lnSpc>
-        <a:spcPct val="100000"/>
-      </a:lnSpc>
-      <a:spcBef>
-        <a:spcPts val="0"/>
-      </a:spcBef>
-      <a:spcAft>
-        <a:spcPts val="0"/>
-      </a:spcAft>
-      <a:buClrTx/>
-      <a:buSzTx/>
-      <a:buFontTx/>
-      <a:buNone/>
-      <a:tabLst/>
-      <a:defRPr kumimoji="0" sz="1800" b="0" i="0" u="none" strike="noStrike" cap="none" spc="0" normalizeH="0" baseline="0">
-        <a:ln>
-          <a:noFill/>
-        </a:ln>
+    </a:lvl7pPr>
+    <a:lvl8pPr marL="3200400" algn="l" defTabSz="914400" rtl="0" eaLnBrk="1" latinLnBrk="0" hangingPunct="1">
+      <a:defRPr kern="1200">
         <a:solidFill>
           <a:srgbClr val="000000"/>
         </a:solidFill>
-        <a:effectLst/>
-        <a:uFillTx/>
-        <a:latin typeface="+mn-lt"/>
+        <a:latin typeface="Calibri" panose="020F0502020204030204" pitchFamily="34" charset="0"/>
         <a:ea typeface="+mn-ea"/>
-        <a:cs typeface="+mn-cs"/>
-        <a:sym typeface="Calibri"/>
+        <a:cs typeface="Calibri" panose="020F0502020204030204" pitchFamily="34" charset="0"/>
+        <a:sym typeface="Calibri" panose="020F0502020204030204" pitchFamily="34" charset="0"/>
       </a:defRPr>
-    </a:lvl7pPr>
-    <a:lvl8pPr marL="0" marR="0" indent="3200400" algn="l" defTabSz="914400" rtl="0" fontAlgn="auto" latinLnBrk="0" hangingPunct="0">
-      <a:lnSpc>
-        <a:spcPct val="100000"/>
-      </a:lnSpc>
-      <a:spcBef>
-        <a:spcPts val="0"/>
-      </a:spcBef>
-      <a:spcAft>
-        <a:spcPts val="0"/>
-      </a:spcAft>
-      <a:buClrTx/>
-      <a:buSzTx/>
-      <a:buFontTx/>
-      <a:buNone/>
-      <a:tabLst/>
-      <a:defRPr kumimoji="0" sz="1800" b="0" i="0" u="none" strike="noStrike" cap="none" spc="0" normalizeH="0" baseline="0">
-        <a:ln>
-          <a:noFill/>
-        </a:ln>
+    </a:lvl8pPr>
+    <a:lvl9pPr marL="3657600" algn="l" defTabSz="914400" rtl="0" eaLnBrk="1" latinLnBrk="0" hangingPunct="1">
+      <a:defRPr kern="1200">
         <a:solidFill>
           <a:srgbClr val="000000"/>
         </a:solidFill>
-        <a:effectLst/>
-        <a:uFillTx/>
-        <a:latin typeface="+mn-lt"/>
+        <a:latin typeface="Calibri" panose="020F0502020204030204" pitchFamily="34" charset="0"/>
         <a:ea typeface="+mn-ea"/>
-        <a:cs typeface="+mn-cs"/>
-        <a:sym typeface="Calibri"/>
-      </a:defRPr>
-    </a:lvl8pPr>
-    <a:lvl9pPr marL="0" marR="0" indent="3657600" algn="l" defTabSz="914400" rtl="0" fontAlgn="auto" latinLnBrk="0" hangingPunct="0">
-      <a:lnSpc>
-        <a:spcPct val="100000"/>
-      </a:lnSpc>
-      <a:spcBef>
-        <a:spcPts val="0"/>
-      </a:spcBef>
-      <a:spcAft>
-        <a:spcPts val="0"/>
-      </a:spcAft>
-      <a:buClrTx/>
-      <a:buSzTx/>
-      <a:buFontTx/>
-      <a:buNone/>
-      <a:tabLst/>
-      <a:defRPr kumimoji="0" sz="1800" b="0" i="0" u="none" strike="noStrike" cap="none" spc="0" normalizeH="0" baseline="0">
-        <a:ln>
-          <a:noFill/>
-        </a:ln>
-        <a:solidFill>
-          <a:srgbClr val="000000"/>
-        </a:solidFill>
-        <a:effectLst/>
-        <a:uFillTx/>
-        <a:latin typeface="+mn-lt"/>
-        <a:ea typeface="+mn-ea"/>
-        <a:cs typeface="+mn-cs"/>
-        <a:sym typeface="Calibri"/>
+        <a:cs typeface="Calibri" panose="020F0502020204030204" pitchFamily="34" charset="0"/>
+        <a:sym typeface="Calibri" panose="020F0502020204030204" pitchFamily="34" charset="0"/>
       </a:defRPr>
     </a:lvl9pPr>
   </p:defaultTextStyle>
-  <p:extLst>
-    <p:ext uri="{EFAFB233-063F-42B5-8137-9DF3F51BA10A}">
-      <p15:sldGuideLst xmlns:p15="http://schemas.microsoft.com/office/powerpoint/2012/main"/>
-    </p:ext>
-  </p:extLst>
 </p:presentation>
 </file>
 
@@ -329,9 +160,12 @@
 <p:notesMaster xmlns:a="http://schemas.openxmlformats.org/drawingml/2006/main" xmlns:r="http://schemas.openxmlformats.org/officeDocument/2006/relationships" xmlns:p="http://schemas.openxmlformats.org/presentationml/2006/main">
   <p:cSld>
     <p:bg>
-      <p:bgRef idx="1001">
-        <a:schemeClr val="bg1"/>
-      </p:bgRef>
+      <p:bgPr>
+        <a:solidFill>
+          <a:schemeClr val="bg1"/>
+        </a:solidFill>
+        <a:effectLst/>
+      </p:bgPr>
     </p:bg>
     <p:spTree>
       <p:nvGrpSpPr>
@@ -349,7 +183,13 @@
       </p:grpSpPr>
       <p:sp>
         <p:nvSpPr>
-          <p:cNvPr id="131" name="Shape 131"/>
+          <p:cNvPr id="8194" name="Shape 131">
+            <a:extLst>
+              <a:ext uri="{FF2B5EF4-FFF2-40B4-BE49-F238E27FC236}">
+                <a16:creationId xmlns:a16="http://schemas.microsoft.com/office/drawing/2014/main" id="{F82E3C09-1054-63C6-D269-B3B86FD61CE2}"/>
+              </a:ext>
+            </a:extLst>
+          </p:cNvPr>
           <p:cNvSpPr>
             <a:spLocks noGrp="1" noRot="1" noChangeAspect="1"/>
           </p:cNvSpPr>
@@ -357,7 +197,7 @@
             <p:ph type="sldImg"/>
           </p:nvPr>
         </p:nvSpPr>
-        <p:spPr>
+        <p:spPr bwMode="auto">
           <a:xfrm>
             <a:off x="1143000" y="685800"/>
             <a:ext cx="4572000" cy="3429000"/>
@@ -365,18 +205,40 @@
           <a:prstGeom prst="rect">
             <a:avLst/>
           </a:prstGeom>
+          <a:noFill/>
+          <a:ln>
+            <a:noFill/>
+          </a:ln>
+          <a:extLst>
+            <a:ext uri="{909E8E84-426E-40DD-AFC4-6F175D3DCCD1}">
+              <a14:hiddenFill xmlns:a14="http://schemas.microsoft.com/office/drawing/2010/main">
+                <a:solidFill>
+                  <a:srgbClr val="FFFFFF"/>
+                </a:solidFill>
+              </a14:hiddenFill>
+            </a:ext>
+            <a:ext uri="{91240B29-F687-4F45-9708-019B960494DF}">
+              <a14:hiddenLine xmlns:a14="http://schemas.microsoft.com/office/drawing/2010/main" w="9525">
+                <a:solidFill>
+                  <a:srgbClr val="000000"/>
+                </a:solidFill>
+                <a:miter lim="800000"/>
+                <a:headEnd/>
+                <a:tailEnd/>
+              </a14:hiddenLine>
+            </a:ext>
+          </a:extLst>
         </p:spPr>
-        <p:txBody>
-          <a:bodyPr/>
-          <a:lstStyle/>
-          <a:p>
-            <a:endParaRPr/>
-          </a:p>
-        </p:txBody>
       </p:sp>
       <p:sp>
         <p:nvSpPr>
-          <p:cNvPr id="132" name="Shape 132"/>
+          <p:cNvPr id="8195" name="Shape 132">
+            <a:extLst>
+              <a:ext uri="{FF2B5EF4-FFF2-40B4-BE49-F238E27FC236}">
+                <a16:creationId xmlns:a16="http://schemas.microsoft.com/office/drawing/2014/main" id="{3100370E-533A-3E73-EA1C-2A302EF7D5F3}"/>
+              </a:ext>
+            </a:extLst>
+          </p:cNvPr>
           <p:cNvSpPr>
             <a:spLocks noGrp="1"/>
           </p:cNvSpPr>
@@ -384,7 +246,7 @@
             <p:ph type="body" sz="quarter" idx="1"/>
           </p:nvPr>
         </p:nvSpPr>
-        <p:spPr>
+        <p:spPr bwMode="auto">
           <a:xfrm>
             <a:off x="914400" y="4343400"/>
             <a:ext cx="5029200" cy="4114800"/>
@@ -392,12 +254,42 @@
           <a:prstGeom prst="rect">
             <a:avLst/>
           </a:prstGeom>
+          <a:noFill/>
+          <a:ln>
+            <a:noFill/>
+          </a:ln>
+          <a:extLst>
+            <a:ext uri="{909E8E84-426E-40DD-AFC4-6F175D3DCCD1}">
+              <a14:hiddenFill xmlns:a14="http://schemas.microsoft.com/office/drawing/2010/main">
+                <a:solidFill>
+                  <a:srgbClr val="FFFFFF"/>
+                </a:solidFill>
+              </a14:hiddenFill>
+            </a:ext>
+            <a:ext uri="{91240B29-F687-4F45-9708-019B960494DF}">
+              <a14:hiddenLine xmlns:a14="http://schemas.microsoft.com/office/drawing/2010/main" w="9525">
+                <a:solidFill>
+                  <a:srgbClr val="000000"/>
+                </a:solidFill>
+                <a:miter lim="800000"/>
+                <a:headEnd/>
+                <a:tailEnd/>
+              </a14:hiddenLine>
+            </a:ext>
+          </a:extLst>
         </p:spPr>
         <p:txBody>
-          <a:bodyPr/>
+          <a:bodyPr vert="horz" wrap="square" lIns="91440" tIns="45720" rIns="91440" bIns="45720" numCol="1" anchor="t" anchorCtr="0" compatLnSpc="1">
+            <a:prstTxWarp prst="textNoShape">
+              <a:avLst/>
+            </a:prstTxWarp>
+          </a:bodyPr>
           <a:lstStyle/>
           <a:p>
-            <a:endParaRPr/>
+            <a:pPr lvl="0"/>
+            <a:endParaRPr lang="pl-PL" altLang="pl-PL">
+              <a:sym typeface="Calibri" panose="020F0502020204030204" pitchFamily="34" charset="0"/>
+            </a:endParaRPr>
           </a:p>
         </p:txBody>
       </p:sp>
@@ -405,44 +297,89 @@
   </p:cSld>
   <p:clrMap bg1="lt1" tx1="dk1" bg2="lt2" tx2="dk2" accent1="accent1" accent2="accent2" accent3="accent3" accent4="accent4" accent5="accent5" accent6="accent6" hlink="hlink" folHlink="folHlink"/>
   <p:notesStyle>
-    <a:lvl1pPr latinLnBrk="0">
+    <a:lvl1pPr algn="l" rtl="0" eaLnBrk="0" fontAlgn="base" hangingPunct="0">
+      <a:spcBef>
+        <a:spcPct val="30000"/>
+      </a:spcBef>
+      <a:spcAft>
+        <a:spcPct val="0"/>
+      </a:spcAft>
       <a:defRPr sz="1200">
+        <a:solidFill>
+          <a:schemeClr val="tx1"/>
+        </a:solidFill>
         <a:latin typeface="+mn-lt"/>
         <a:ea typeface="+mn-ea"/>
         <a:cs typeface="+mn-cs"/>
-        <a:sym typeface="Calibri"/>
+        <a:sym typeface="Calibri" panose="020F0502020204030204" pitchFamily="34" charset="0"/>
       </a:defRPr>
     </a:lvl1pPr>
-    <a:lvl2pPr indent="228600" latinLnBrk="0">
+    <a:lvl2pPr marL="742950" indent="-285750" algn="l" rtl="0" eaLnBrk="0" fontAlgn="base" hangingPunct="0">
+      <a:spcBef>
+        <a:spcPct val="30000"/>
+      </a:spcBef>
+      <a:spcAft>
+        <a:spcPct val="0"/>
+      </a:spcAft>
       <a:defRPr sz="1200">
+        <a:solidFill>
+          <a:schemeClr val="tx1"/>
+        </a:solidFill>
         <a:latin typeface="+mn-lt"/>
         <a:ea typeface="+mn-ea"/>
         <a:cs typeface="+mn-cs"/>
-        <a:sym typeface="Calibri"/>
+        <a:sym typeface="Calibri" panose="020F0502020204030204" pitchFamily="34" charset="0"/>
       </a:defRPr>
     </a:lvl2pPr>
-    <a:lvl3pPr indent="457200" latinLnBrk="0">
+    <a:lvl3pPr marL="1143000" indent="-228600" algn="l" rtl="0" eaLnBrk="0" fontAlgn="base" hangingPunct="0">
+      <a:spcBef>
+        <a:spcPct val="30000"/>
+      </a:spcBef>
+      <a:spcAft>
+        <a:spcPct val="0"/>
+      </a:spcAft>
       <a:defRPr sz="1200">
+        <a:solidFill>
+          <a:schemeClr val="tx1"/>
+        </a:solidFill>
         <a:latin typeface="+mn-lt"/>
         <a:ea typeface="+mn-ea"/>
         <a:cs typeface="+mn-cs"/>
-        <a:sym typeface="Calibri"/>
+        <a:sym typeface="Calibri" panose="020F0502020204030204" pitchFamily="34" charset="0"/>
       </a:defRPr>
     </a:lvl3pPr>
-    <a:lvl4pPr indent="685800" latinLnBrk="0">
+    <a:lvl4pPr marL="1600200" indent="-228600" algn="l" rtl="0" eaLnBrk="0" fontAlgn="base" hangingPunct="0">
+      <a:spcBef>
+        <a:spcPct val="30000"/>
+      </a:spcBef>
+      <a:spcAft>
+        <a:spcPct val="0"/>
+      </a:spcAft>
       <a:defRPr sz="1200">
+        <a:solidFill>
+          <a:schemeClr val="tx1"/>
+        </a:solidFill>
         <a:latin typeface="+mn-lt"/>
         <a:ea typeface="+mn-ea"/>
         <a:cs typeface="+mn-cs"/>
-        <a:sym typeface="Calibri"/>
+        <a:sym typeface="Calibri" panose="020F0502020204030204" pitchFamily="34" charset="0"/>
       </a:defRPr>
     </a:lvl4pPr>
-    <a:lvl5pPr indent="914400" latinLnBrk="0">
+    <a:lvl5pPr marL="2057400" indent="-228600" algn="l" rtl="0" eaLnBrk="0" fontAlgn="base" hangingPunct="0">
+      <a:spcBef>
+        <a:spcPct val="30000"/>
+      </a:spcBef>
+      <a:spcAft>
+        <a:spcPct val="0"/>
+      </a:spcAft>
       <a:defRPr sz="1200">
+        <a:solidFill>
+          <a:schemeClr val="tx1"/>
+        </a:solidFill>
         <a:latin typeface="+mn-lt"/>
         <a:ea typeface="+mn-ea"/>
         <a:cs typeface="+mn-cs"/>
-        <a:sym typeface="Calibri"/>
+        <a:sym typeface="Calibri" panose="020F0502020204030204" pitchFamily="34" charset="0"/>
       </a:defRPr>
     </a:lvl5pPr>
     <a:lvl6pPr indent="1143000" latinLnBrk="0">
@@ -486,7 +423,7 @@
   <p:cSld name="Slajd tytułowy">
     <p:bg>
       <p:bgPr>
-        <a:blipFill rotWithShape="1">
+        <a:blipFill dpi="0" rotWithShape="0">
           <a:blip r:embed="rId2"/>
           <a:srcRect/>
           <a:stretch>
@@ -510,6 +447,126 @@
           <a:chExt cx="0" cy="0"/>
         </a:xfrm>
       </p:grpSpPr>
+      <p:pic>
+        <p:nvPicPr>
+          <p:cNvPr id="4" name="Picture 4" descr="Power Eng">
+            <a:extLst>
+              <a:ext uri="{FF2B5EF4-FFF2-40B4-BE49-F238E27FC236}">
+                <a16:creationId xmlns:a16="http://schemas.microsoft.com/office/drawing/2014/main" id="{F6985F64-CE85-C165-E7D0-CA08F437D488}"/>
+              </a:ext>
+            </a:extLst>
+          </p:cNvPr>
+          <p:cNvPicPr>
+            <a:picLocks noChangeAspect="1" noChangeArrowheads="1"/>
+          </p:cNvPicPr>
+          <p:nvPr userDrawn="1"/>
+        </p:nvPicPr>
+        <p:blipFill>
+          <a:blip r:embed="rId3">
+            <a:extLst>
+              <a:ext uri="{28A0092B-C50C-407E-A947-70E740481C1C}">
+                <a14:useLocalDpi xmlns:a14="http://schemas.microsoft.com/office/drawing/2010/main" val="0"/>
+              </a:ext>
+            </a:extLst>
+          </a:blip>
+          <a:srcRect/>
+          <a:stretch>
+            <a:fillRect/>
+          </a:stretch>
+        </p:blipFill>
+        <p:spPr bwMode="auto">
+          <a:xfrm>
+            <a:off x="2100263" y="5053013"/>
+            <a:ext cx="7991475" cy="952500"/>
+          </a:xfrm>
+          <a:prstGeom prst="rect">
+            <a:avLst/>
+          </a:prstGeom>
+          <a:noFill/>
+          <a:ln>
+            <a:noFill/>
+          </a:ln>
+          <a:extLst>
+            <a:ext uri="{909E8E84-426E-40DD-AFC4-6F175D3DCCD1}">
+              <a14:hiddenFill xmlns:a14="http://schemas.microsoft.com/office/drawing/2010/main">
+                <a:solidFill>
+                  <a:srgbClr val="FFFFFF"/>
+                </a:solidFill>
+              </a14:hiddenFill>
+            </a:ext>
+            <a:ext uri="{91240B29-F687-4F45-9708-019B960494DF}">
+              <a14:hiddenLine xmlns:a14="http://schemas.microsoft.com/office/drawing/2010/main" w="9525">
+                <a:solidFill>
+                  <a:srgbClr val="000000"/>
+                </a:solidFill>
+                <a:miter lim="800000"/>
+                <a:headEnd/>
+                <a:tailEnd/>
+              </a14:hiddenLine>
+            </a:ext>
+          </a:extLst>
+        </p:spPr>
+      </p:pic>
+      <p:pic>
+        <p:nvPicPr>
+          <p:cNvPr id="5" name="Picture 6">
+            <a:extLst>
+              <a:ext uri="{FF2B5EF4-FFF2-40B4-BE49-F238E27FC236}">
+                <a16:creationId xmlns:a16="http://schemas.microsoft.com/office/drawing/2014/main" id="{9DEB554F-60F6-6D52-6AC1-A7D647021FEE}"/>
+              </a:ext>
+            </a:extLst>
+          </p:cNvPr>
+          <p:cNvPicPr>
+            <a:picLocks noChangeAspect="1" noChangeArrowheads="1"/>
+          </p:cNvPicPr>
+          <p:nvPr userDrawn="1"/>
+        </p:nvPicPr>
+        <p:blipFill>
+          <a:blip r:embed="rId4">
+            <a:extLst>
+              <a:ext uri="{28A0092B-C50C-407E-A947-70E740481C1C}">
+                <a14:useLocalDpi xmlns:a14="http://schemas.microsoft.com/office/drawing/2010/main" val="0"/>
+              </a:ext>
+            </a:extLst>
+          </a:blip>
+          <a:srcRect/>
+          <a:stretch>
+            <a:fillRect/>
+          </a:stretch>
+        </p:blipFill>
+        <p:spPr bwMode="auto">
+          <a:xfrm>
+            <a:off x="9650413" y="0"/>
+            <a:ext cx="2268537" cy="1701800"/>
+          </a:xfrm>
+          <a:prstGeom prst="rect">
+            <a:avLst/>
+          </a:prstGeom>
+          <a:noFill/>
+          <a:ln>
+            <a:noFill/>
+          </a:ln>
+          <a:extLst>
+            <a:ext uri="{909E8E84-426E-40DD-AFC4-6F175D3DCCD1}">
+              <a14:hiddenFill xmlns:a14="http://schemas.microsoft.com/office/drawing/2010/main">
+                <a:solidFill>
+                  <a:srgbClr val="FFFFFF"/>
+                </a:solidFill>
+              </a14:hiddenFill>
+            </a:ext>
+            <a:ext uri="{91240B29-F687-4F45-9708-019B960494DF}">
+              <a14:hiddenLine xmlns:a14="http://schemas.microsoft.com/office/drawing/2010/main" w="9525">
+                <a:solidFill>
+                  <a:srgbClr val="000000"/>
+                </a:solidFill>
+                <a:miter lim="800000"/>
+                <a:headEnd/>
+                <a:tailEnd/>
+              </a14:hiddenLine>
+            </a:ext>
+          </a:extLst>
+        </p:spPr>
+      </p:pic>
       <p:sp>
         <p:nvSpPr>
           <p:cNvPr id="11" name="Nagłówek Gill Sans Nova"/>
@@ -517,7 +574,7 @@
             <a:spLocks noGrp="1"/>
           </p:cNvSpPr>
           <p:nvPr>
-            <p:ph type="title" hasCustomPrompt="1"/>
+            <p:ph type="title"/>
           </p:nvPr>
         </p:nvSpPr>
         <p:spPr>
@@ -538,8 +595,10 @@
           </a:lstStyle>
           <a:p>
             <a:r>
-              <a:t>Nagłówek Gill Sans Nova</a:t>
-            </a:r>
+              <a:rPr lang="pl-PL"/>
+              <a:t>Kliknij, aby edytować styl</a:t>
+            </a:r>
+            <a:endParaRPr/>
           </a:p>
         </p:txBody>
       </p:sp>
@@ -627,125 +686,44 @@
       </p:sp>
       <p:sp>
         <p:nvSpPr>
-          <p:cNvPr id="13" name="Slide Number"/>
+          <p:cNvPr id="6" name="Slide Number">
+            <a:extLst>
+              <a:ext uri="{FF2B5EF4-FFF2-40B4-BE49-F238E27FC236}">
+                <a16:creationId xmlns:a16="http://schemas.microsoft.com/office/drawing/2014/main" id="{6558B840-2508-30E2-10F6-808512BCD39B}"/>
+              </a:ext>
+            </a:extLst>
+          </p:cNvPr>
           <p:cNvSpPr txBox="1">
             <a:spLocks noGrp="1"/>
           </p:cNvSpPr>
           <p:nvPr>
-            <p:ph type="sldNum" sz="quarter" idx="2"/>
+            <p:ph type="sldNum" sz="quarter" idx="10"/>
           </p:nvPr>
         </p:nvSpPr>
-        <p:spPr>
-          <a:prstGeom prst="rect">
-            <a:avLst/>
-          </a:prstGeom>
-        </p:spPr>
+        <p:spPr/>
         <p:txBody>
           <a:bodyPr/>
-          <a:lstStyle/>
-          <a:p>
-            <a:fld id="{86CB4B4D-7CA3-9044-876B-883B54F8677D}" type="slidenum">
+          <a:lstStyle>
+            <a:lvl1pPr>
+              <a:defRPr/>
+            </a:lvl1pPr>
+          </a:lstStyle>
+          <a:p>
+            <a:fld id="{8A27964B-2D63-4730-82D3-1D9302B74447}" type="slidenum">
+              <a:rPr lang="pl-PL" altLang="pl-PL"/>
+              <a:pPr/>
               <a:t>‹#›</a:t>
             </a:fld>
-            <a:endParaRPr/>
+            <a:endParaRPr lang="pl-PL" altLang="pl-PL"/>
           </a:p>
         </p:txBody>
       </p:sp>
-      <p:pic>
-        <p:nvPicPr>
-          <p:cNvPr id="5" name="Picture 4" descr="Power Eng">
-            <a:extLst>
-              <a:ext uri="{FF2B5EF4-FFF2-40B4-BE49-F238E27FC236}">
-                <a16:creationId xmlns:a16="http://schemas.microsoft.com/office/drawing/2014/main" id="{E5A1ADAD-67AC-46C2-95C2-E26C09277C53}"/>
-              </a:ext>
-            </a:extLst>
-          </p:cNvPr>
-          <p:cNvPicPr>
-            <a:picLocks noChangeAspect="1" noChangeArrowheads="1"/>
-          </p:cNvPicPr>
-          <p:nvPr userDrawn="1"/>
-        </p:nvPicPr>
-        <p:blipFill>
-          <a:blip r:embed="rId3">
-            <a:extLst>
-              <a:ext uri="{28A0092B-C50C-407E-A947-70E740481C1C}">
-                <a14:useLocalDpi xmlns:a14="http://schemas.microsoft.com/office/drawing/2010/main" val="0"/>
-              </a:ext>
-            </a:extLst>
-          </a:blip>
-          <a:srcRect/>
-          <a:stretch>
-            <a:fillRect/>
-          </a:stretch>
-        </p:blipFill>
-        <p:spPr bwMode="auto">
-          <a:xfrm>
-            <a:off x="2100262" y="5052605"/>
-            <a:ext cx="7991475" cy="952500"/>
-          </a:xfrm>
-          <a:prstGeom prst="rect">
-            <a:avLst/>
-          </a:prstGeom>
-          <a:noFill/>
-          <a:extLst>
-            <a:ext uri="{909E8E84-426E-40DD-AFC4-6F175D3DCCD1}">
-              <a14:hiddenFill xmlns:a14="http://schemas.microsoft.com/office/drawing/2010/main">
-                <a:solidFill>
-                  <a:srgbClr val="FFFFFF"/>
-                </a:solidFill>
-              </a14:hiddenFill>
-            </a:ext>
-          </a:extLst>
-        </p:spPr>
-      </p:pic>
-      <p:pic>
-        <p:nvPicPr>
-          <p:cNvPr id="6" name="Picture 6">
-            <a:extLst>
-              <a:ext uri="{FF2B5EF4-FFF2-40B4-BE49-F238E27FC236}">
-                <a16:creationId xmlns:a16="http://schemas.microsoft.com/office/drawing/2014/main" id="{B36FD7AA-D672-482A-9BE6-9B3633FF7240}"/>
-              </a:ext>
-            </a:extLst>
-          </p:cNvPr>
-          <p:cNvPicPr>
-            <a:picLocks noChangeAspect="1" noChangeArrowheads="1"/>
-          </p:cNvPicPr>
-          <p:nvPr userDrawn="1"/>
-        </p:nvPicPr>
-        <p:blipFill>
-          <a:blip r:embed="rId4">
-            <a:extLst>
-              <a:ext uri="{28A0092B-C50C-407E-A947-70E740481C1C}">
-                <a14:useLocalDpi xmlns:a14="http://schemas.microsoft.com/office/drawing/2010/main" val="0"/>
-              </a:ext>
-            </a:extLst>
-          </a:blip>
-          <a:srcRect/>
-          <a:stretch>
-            <a:fillRect/>
-          </a:stretch>
-        </p:blipFill>
-        <p:spPr bwMode="auto">
-          <a:xfrm>
-            <a:off x="9650436" y="1"/>
-            <a:ext cx="2268269" cy="1701202"/>
-          </a:xfrm>
-          <a:prstGeom prst="rect">
-            <a:avLst/>
-          </a:prstGeom>
-          <a:noFill/>
-          <a:extLst>
-            <a:ext uri="{909E8E84-426E-40DD-AFC4-6F175D3DCCD1}">
-              <a14:hiddenFill xmlns:a14="http://schemas.microsoft.com/office/drawing/2010/main">
-                <a:solidFill>
-                  <a:srgbClr val="FFFFFF"/>
-                </a:solidFill>
-              </a14:hiddenFill>
-            </a:ext>
-          </a:extLst>
-        </p:spPr>
-      </p:pic>
     </p:spTree>
+    <p:extLst>
+      <p:ext uri="{BB962C8B-B14F-4D97-AF65-F5344CB8AC3E}">
+        <p14:creationId xmlns:p14="http://schemas.microsoft.com/office/powerpoint/2010/main" val="3073813384"/>
+      </p:ext>
+    </p:extLst>
   </p:cSld>
   <p:clrMapOvr>
     <a:masterClrMapping/>
@@ -861,7 +839,7 @@
           <p:cNvPr id="4" name="Symbol zastępczy daty 3">
             <a:extLst>
               <a:ext uri="{FF2B5EF4-FFF2-40B4-BE49-F238E27FC236}">
-                <a16:creationId xmlns:a16="http://schemas.microsoft.com/office/drawing/2014/main" id="{F7E9F47D-943D-4B04-942F-B1C099BCFE16}"/>
+                <a16:creationId xmlns:a16="http://schemas.microsoft.com/office/drawing/2014/main" id="{7829288E-E0B0-B54D-0889-9D548E10BAA9}"/>
               </a:ext>
             </a:extLst>
           </p:cNvPr>
@@ -872,16 +850,23 @@
             <p:ph type="dt" sz="half" idx="10"/>
           </p:nvPr>
         </p:nvSpPr>
-        <p:spPr/>
+        <p:spPr>
+          <a:ln/>
+        </p:spPr>
         <p:txBody>
           <a:bodyPr/>
-          <a:lstStyle/>
-          <a:p>
-            <a:fld id="{BBA8BB16-983D-4C0E-B9C7-D369BA46457F}" type="datetimeFigureOut">
-              <a:rPr lang="pl-PL" smtClean="0"/>
-              <a:t>19.05.2022</a:t>
+          <a:lstStyle>
+            <a:lvl1pPr>
+              <a:defRPr/>
+            </a:lvl1pPr>
+          </a:lstStyle>
+          <a:p>
+            <a:fld id="{82DBDF3D-99CB-4FE1-A423-D14FE3DE57AB}" type="datetimeFigureOut">
+              <a:rPr lang="pl-PL" altLang="pl-PL"/>
+              <a:pPr/>
+              <a:t>20.05.2022</a:t>
             </a:fld>
-            <a:endParaRPr lang="pl-PL"/>
+            <a:endParaRPr lang="pl-PL" altLang="pl-PL"/>
           </a:p>
         </p:txBody>
       </p:sp>
@@ -890,7 +875,7 @@
           <p:cNvPr id="5" name="Symbol zastępczy stopki 4">
             <a:extLst>
               <a:ext uri="{FF2B5EF4-FFF2-40B4-BE49-F238E27FC236}">
-                <a16:creationId xmlns:a16="http://schemas.microsoft.com/office/drawing/2014/main" id="{9E916451-921A-4664-AC10-B2240141B8A7}"/>
+                <a16:creationId xmlns:a16="http://schemas.microsoft.com/office/drawing/2014/main" id="{DCA7A46B-7E34-9FEF-76B9-6A110E4AFFDA}"/>
               </a:ext>
             </a:extLst>
           </p:cNvPr>
@@ -901,12 +886,18 @@
             <p:ph type="ftr" sz="quarter" idx="11"/>
           </p:nvPr>
         </p:nvSpPr>
-        <p:spPr/>
+        <p:spPr>
+          <a:ln/>
+        </p:spPr>
         <p:txBody>
           <a:bodyPr/>
-          <a:lstStyle/>
-          <a:p>
-            <a:endParaRPr lang="pl-PL"/>
+          <a:lstStyle>
+            <a:lvl1pPr>
+              <a:defRPr/>
+            </a:lvl1pPr>
+          </a:lstStyle>
+          <a:p>
+            <a:endParaRPr lang="pl-PL" altLang="pl-PL"/>
           </a:p>
         </p:txBody>
       </p:sp>
@@ -915,7 +906,7 @@
           <p:cNvPr id="6" name="Symbol zastępczy numeru slajdu 5">
             <a:extLst>
               <a:ext uri="{FF2B5EF4-FFF2-40B4-BE49-F238E27FC236}">
-                <a16:creationId xmlns:a16="http://schemas.microsoft.com/office/drawing/2014/main" id="{805743EE-BADE-40EB-86AC-DFBA497149E1}"/>
+                <a16:creationId xmlns:a16="http://schemas.microsoft.com/office/drawing/2014/main" id="{45D7118B-EB21-B9D9-6AF0-343A372B4199}"/>
               </a:ext>
             </a:extLst>
           </p:cNvPr>
@@ -926,23 +917,30 @@
             <p:ph type="sldNum" sz="quarter" idx="12"/>
           </p:nvPr>
         </p:nvSpPr>
-        <p:spPr/>
+        <p:spPr>
+          <a:ln/>
+        </p:spPr>
         <p:txBody>
           <a:bodyPr/>
-          <a:lstStyle/>
-          <a:p>
-            <a:fld id="{2CE986DA-9C6F-4852-8B4F-0585B8E50254}" type="slidenum">
-              <a:rPr lang="pl-PL" smtClean="0"/>
+          <a:lstStyle>
+            <a:lvl1pPr>
+              <a:defRPr/>
+            </a:lvl1pPr>
+          </a:lstStyle>
+          <a:p>
+            <a:fld id="{E9AA0FF2-D659-4CFC-B76D-554D52DF706F}" type="slidenum">
+              <a:rPr lang="pl-PL" altLang="pl-PL"/>
+              <a:pPr/>
               <a:t>‹#›</a:t>
             </a:fld>
-            <a:endParaRPr lang="pl-PL"/>
+            <a:endParaRPr lang="pl-PL" altLang="pl-PL"/>
           </a:p>
         </p:txBody>
       </p:sp>
     </p:spTree>
     <p:extLst>
       <p:ext uri="{BB962C8B-B14F-4D97-AF65-F5344CB8AC3E}">
-        <p14:creationId xmlns:p14="http://schemas.microsoft.com/office/powerpoint/2010/main" val="2901692897"/>
+        <p14:creationId xmlns:p14="http://schemas.microsoft.com/office/powerpoint/2010/main" val="4084027449"/>
       </p:ext>
     </p:extLst>
   </p:cSld>
@@ -1136,7 +1134,7 @@
           <p:cNvPr id="4" name="Symbol zastępczy daty 3">
             <a:extLst>
               <a:ext uri="{FF2B5EF4-FFF2-40B4-BE49-F238E27FC236}">
-                <a16:creationId xmlns:a16="http://schemas.microsoft.com/office/drawing/2014/main" id="{66D50191-E7C6-45A4-B570-0E7FC88165F0}"/>
+                <a16:creationId xmlns:a16="http://schemas.microsoft.com/office/drawing/2014/main" id="{A0CB2D6D-07C0-81BD-A195-968A350F03E5}"/>
               </a:ext>
             </a:extLst>
           </p:cNvPr>
@@ -1147,16 +1145,23 @@
             <p:ph type="dt" sz="half" idx="10"/>
           </p:nvPr>
         </p:nvSpPr>
-        <p:spPr/>
+        <p:spPr>
+          <a:ln/>
+        </p:spPr>
         <p:txBody>
           <a:bodyPr/>
-          <a:lstStyle/>
-          <a:p>
-            <a:fld id="{BBA8BB16-983D-4C0E-B9C7-D369BA46457F}" type="datetimeFigureOut">
-              <a:rPr lang="pl-PL" smtClean="0"/>
-              <a:t>19.05.2022</a:t>
+          <a:lstStyle>
+            <a:lvl1pPr>
+              <a:defRPr/>
+            </a:lvl1pPr>
+          </a:lstStyle>
+          <a:p>
+            <a:fld id="{A24B1316-D43C-44FB-85EA-80AB5DEC1843}" type="datetimeFigureOut">
+              <a:rPr lang="pl-PL" altLang="pl-PL"/>
+              <a:pPr/>
+              <a:t>20.05.2022</a:t>
             </a:fld>
-            <a:endParaRPr lang="pl-PL"/>
+            <a:endParaRPr lang="pl-PL" altLang="pl-PL"/>
           </a:p>
         </p:txBody>
       </p:sp>
@@ -1165,7 +1170,7 @@
           <p:cNvPr id="5" name="Symbol zastępczy stopki 4">
             <a:extLst>
               <a:ext uri="{FF2B5EF4-FFF2-40B4-BE49-F238E27FC236}">
-                <a16:creationId xmlns:a16="http://schemas.microsoft.com/office/drawing/2014/main" id="{59220F30-9835-4FFF-BD1C-6CE7EC604DDD}"/>
+                <a16:creationId xmlns:a16="http://schemas.microsoft.com/office/drawing/2014/main" id="{5BC3BF2C-BF28-0DA9-00EB-45531BD03A33}"/>
               </a:ext>
             </a:extLst>
           </p:cNvPr>
@@ -1176,12 +1181,18 @@
             <p:ph type="ftr" sz="quarter" idx="11"/>
           </p:nvPr>
         </p:nvSpPr>
-        <p:spPr/>
+        <p:spPr>
+          <a:ln/>
+        </p:spPr>
         <p:txBody>
           <a:bodyPr/>
-          <a:lstStyle/>
-          <a:p>
-            <a:endParaRPr lang="pl-PL"/>
+          <a:lstStyle>
+            <a:lvl1pPr>
+              <a:defRPr/>
+            </a:lvl1pPr>
+          </a:lstStyle>
+          <a:p>
+            <a:endParaRPr lang="pl-PL" altLang="pl-PL"/>
           </a:p>
         </p:txBody>
       </p:sp>
@@ -1190,7 +1201,7 @@
           <p:cNvPr id="6" name="Symbol zastępczy numeru slajdu 5">
             <a:extLst>
               <a:ext uri="{FF2B5EF4-FFF2-40B4-BE49-F238E27FC236}">
-                <a16:creationId xmlns:a16="http://schemas.microsoft.com/office/drawing/2014/main" id="{D3CB3A17-354A-4BD9-8EBB-E83082F064A0}"/>
+                <a16:creationId xmlns:a16="http://schemas.microsoft.com/office/drawing/2014/main" id="{31ED5E00-DF20-AA68-E53B-BED8A909B664}"/>
               </a:ext>
             </a:extLst>
           </p:cNvPr>
@@ -1201,23 +1212,30 @@
             <p:ph type="sldNum" sz="quarter" idx="12"/>
           </p:nvPr>
         </p:nvSpPr>
-        <p:spPr/>
+        <p:spPr>
+          <a:ln/>
+        </p:spPr>
         <p:txBody>
           <a:bodyPr/>
-          <a:lstStyle/>
-          <a:p>
-            <a:fld id="{2CE986DA-9C6F-4852-8B4F-0585B8E50254}" type="slidenum">
-              <a:rPr lang="pl-PL" smtClean="0"/>
+          <a:lstStyle>
+            <a:lvl1pPr>
+              <a:defRPr/>
+            </a:lvl1pPr>
+          </a:lstStyle>
+          <a:p>
+            <a:fld id="{B3221949-ECA5-49FE-AF5E-60816CBE1A52}" type="slidenum">
+              <a:rPr lang="pl-PL" altLang="pl-PL"/>
+              <a:pPr/>
               <a:t>‹#›</a:t>
             </a:fld>
-            <a:endParaRPr lang="pl-PL"/>
+            <a:endParaRPr lang="pl-PL" altLang="pl-PL"/>
           </a:p>
         </p:txBody>
       </p:sp>
     </p:spTree>
     <p:extLst>
       <p:ext uri="{BB962C8B-B14F-4D97-AF65-F5344CB8AC3E}">
-        <p14:creationId xmlns:p14="http://schemas.microsoft.com/office/powerpoint/2010/main" val="3384484467"/>
+        <p14:creationId xmlns:p14="http://schemas.microsoft.com/office/powerpoint/2010/main" val="575593583"/>
       </p:ext>
     </p:extLst>
   </p:cSld>
@@ -1398,10 +1416,10 @@
       </p:sp>
       <p:sp>
         <p:nvSpPr>
-          <p:cNvPr id="5" name="Symbol zastępczy daty 4">
+          <p:cNvPr id="5" name="Symbol zastępczy daty 3">
             <a:extLst>
               <a:ext uri="{FF2B5EF4-FFF2-40B4-BE49-F238E27FC236}">
-                <a16:creationId xmlns:a16="http://schemas.microsoft.com/office/drawing/2014/main" id="{C9D9C1B1-8E63-468C-A799-31181B9AB49D}"/>
+                <a16:creationId xmlns:a16="http://schemas.microsoft.com/office/drawing/2014/main" id="{9F874DAA-A4A7-3EE6-4311-DA871D519926}"/>
               </a:ext>
             </a:extLst>
           </p:cNvPr>
@@ -1412,25 +1430,32 @@
             <p:ph type="dt" sz="half" idx="10"/>
           </p:nvPr>
         </p:nvSpPr>
-        <p:spPr/>
+        <p:spPr>
+          <a:ln/>
+        </p:spPr>
         <p:txBody>
           <a:bodyPr/>
-          <a:lstStyle/>
-          <a:p>
-            <a:fld id="{BBA8BB16-983D-4C0E-B9C7-D369BA46457F}" type="datetimeFigureOut">
-              <a:rPr lang="pl-PL" smtClean="0"/>
-              <a:t>19.05.2022</a:t>
+          <a:lstStyle>
+            <a:lvl1pPr>
+              <a:defRPr/>
+            </a:lvl1pPr>
+          </a:lstStyle>
+          <a:p>
+            <a:fld id="{D62E81C2-7691-4AEA-81E1-80BEB2BA65AF}" type="datetimeFigureOut">
+              <a:rPr lang="pl-PL" altLang="pl-PL"/>
+              <a:pPr/>
+              <a:t>20.05.2022</a:t>
             </a:fld>
-            <a:endParaRPr lang="pl-PL"/>
+            <a:endParaRPr lang="pl-PL" altLang="pl-PL"/>
           </a:p>
         </p:txBody>
       </p:sp>
       <p:sp>
         <p:nvSpPr>
-          <p:cNvPr id="6" name="Symbol zastępczy stopki 5">
+          <p:cNvPr id="6" name="Symbol zastępczy stopki 4">
             <a:extLst>
               <a:ext uri="{FF2B5EF4-FFF2-40B4-BE49-F238E27FC236}">
-                <a16:creationId xmlns:a16="http://schemas.microsoft.com/office/drawing/2014/main" id="{5870988D-404A-42F9-BFF6-06DAD1949872}"/>
+                <a16:creationId xmlns:a16="http://schemas.microsoft.com/office/drawing/2014/main" id="{BFC55D80-D594-D8AC-F50F-C3BBF0AE6197}"/>
               </a:ext>
             </a:extLst>
           </p:cNvPr>
@@ -1441,21 +1466,27 @@
             <p:ph type="ftr" sz="quarter" idx="11"/>
           </p:nvPr>
         </p:nvSpPr>
-        <p:spPr/>
+        <p:spPr>
+          <a:ln/>
+        </p:spPr>
         <p:txBody>
           <a:bodyPr/>
-          <a:lstStyle/>
-          <a:p>
-            <a:endParaRPr lang="pl-PL"/>
+          <a:lstStyle>
+            <a:lvl1pPr>
+              <a:defRPr/>
+            </a:lvl1pPr>
+          </a:lstStyle>
+          <a:p>
+            <a:endParaRPr lang="pl-PL" altLang="pl-PL"/>
           </a:p>
         </p:txBody>
       </p:sp>
       <p:sp>
         <p:nvSpPr>
-          <p:cNvPr id="7" name="Symbol zastępczy numeru slajdu 6">
+          <p:cNvPr id="7" name="Symbol zastępczy numeru slajdu 5">
             <a:extLst>
               <a:ext uri="{FF2B5EF4-FFF2-40B4-BE49-F238E27FC236}">
-                <a16:creationId xmlns:a16="http://schemas.microsoft.com/office/drawing/2014/main" id="{329E85A1-844F-4407-8A19-BC9BD438823D}"/>
+                <a16:creationId xmlns:a16="http://schemas.microsoft.com/office/drawing/2014/main" id="{DA5FC1AD-998E-5B14-92B3-A5A50F80024D}"/>
               </a:ext>
             </a:extLst>
           </p:cNvPr>
@@ -1466,23 +1497,30 @@
             <p:ph type="sldNum" sz="quarter" idx="12"/>
           </p:nvPr>
         </p:nvSpPr>
-        <p:spPr/>
+        <p:spPr>
+          <a:ln/>
+        </p:spPr>
         <p:txBody>
           <a:bodyPr/>
-          <a:lstStyle/>
-          <a:p>
-            <a:fld id="{2CE986DA-9C6F-4852-8B4F-0585B8E50254}" type="slidenum">
-              <a:rPr lang="pl-PL" smtClean="0"/>
+          <a:lstStyle>
+            <a:lvl1pPr>
+              <a:defRPr/>
+            </a:lvl1pPr>
+          </a:lstStyle>
+          <a:p>
+            <a:fld id="{D868719A-F6AC-4920-95EF-1ECF0F62265E}" type="slidenum">
+              <a:rPr lang="pl-PL" altLang="pl-PL"/>
+              <a:pPr/>
               <a:t>‹#›</a:t>
             </a:fld>
-            <a:endParaRPr lang="pl-PL"/>
+            <a:endParaRPr lang="pl-PL" altLang="pl-PL"/>
           </a:p>
         </p:txBody>
       </p:sp>
     </p:spTree>
     <p:extLst>
       <p:ext uri="{BB962C8B-B14F-4D97-AF65-F5344CB8AC3E}">
-        <p14:creationId xmlns:p14="http://schemas.microsoft.com/office/powerpoint/2010/main" val="237656511"/>
+        <p14:creationId xmlns:p14="http://schemas.microsoft.com/office/powerpoint/2010/main" val="2803621925"/>
       </p:ext>
     </p:extLst>
   </p:cSld>
@@ -1810,10 +1848,10 @@
       </p:sp>
       <p:sp>
         <p:nvSpPr>
-          <p:cNvPr id="7" name="Symbol zastępczy daty 6">
+          <p:cNvPr id="7" name="Symbol zastępczy daty 3">
             <a:extLst>
               <a:ext uri="{FF2B5EF4-FFF2-40B4-BE49-F238E27FC236}">
-                <a16:creationId xmlns:a16="http://schemas.microsoft.com/office/drawing/2014/main" id="{FC2120B0-100F-45C5-95A7-E9909D172EE4}"/>
+                <a16:creationId xmlns:a16="http://schemas.microsoft.com/office/drawing/2014/main" id="{D503B0C3-F8CE-3851-0825-E78D88234851}"/>
               </a:ext>
             </a:extLst>
           </p:cNvPr>
@@ -1824,25 +1862,32 @@
             <p:ph type="dt" sz="half" idx="10"/>
           </p:nvPr>
         </p:nvSpPr>
-        <p:spPr/>
+        <p:spPr>
+          <a:ln/>
+        </p:spPr>
         <p:txBody>
           <a:bodyPr/>
-          <a:lstStyle/>
-          <a:p>
-            <a:fld id="{BBA8BB16-983D-4C0E-B9C7-D369BA46457F}" type="datetimeFigureOut">
-              <a:rPr lang="pl-PL" smtClean="0"/>
-              <a:t>19.05.2022</a:t>
+          <a:lstStyle>
+            <a:lvl1pPr>
+              <a:defRPr/>
+            </a:lvl1pPr>
+          </a:lstStyle>
+          <a:p>
+            <a:fld id="{016D6860-3DB7-4660-A897-B8CC5AABA1A5}" type="datetimeFigureOut">
+              <a:rPr lang="pl-PL" altLang="pl-PL"/>
+              <a:pPr/>
+              <a:t>20.05.2022</a:t>
             </a:fld>
-            <a:endParaRPr lang="pl-PL"/>
+            <a:endParaRPr lang="pl-PL" altLang="pl-PL"/>
           </a:p>
         </p:txBody>
       </p:sp>
       <p:sp>
         <p:nvSpPr>
-          <p:cNvPr id="8" name="Symbol zastępczy stopki 7">
+          <p:cNvPr id="8" name="Symbol zastępczy stopki 4">
             <a:extLst>
               <a:ext uri="{FF2B5EF4-FFF2-40B4-BE49-F238E27FC236}">
-                <a16:creationId xmlns:a16="http://schemas.microsoft.com/office/drawing/2014/main" id="{6452E971-B008-42E6-9B6E-1FE5ABA5352E}"/>
+                <a16:creationId xmlns:a16="http://schemas.microsoft.com/office/drawing/2014/main" id="{CD7CCFC2-6E2C-C385-4BF4-F4CC81F7E12D}"/>
               </a:ext>
             </a:extLst>
           </p:cNvPr>
@@ -1853,21 +1898,27 @@
             <p:ph type="ftr" sz="quarter" idx="11"/>
           </p:nvPr>
         </p:nvSpPr>
-        <p:spPr/>
+        <p:spPr>
+          <a:ln/>
+        </p:spPr>
         <p:txBody>
           <a:bodyPr/>
-          <a:lstStyle/>
-          <a:p>
-            <a:endParaRPr lang="pl-PL"/>
+          <a:lstStyle>
+            <a:lvl1pPr>
+              <a:defRPr/>
+            </a:lvl1pPr>
+          </a:lstStyle>
+          <a:p>
+            <a:endParaRPr lang="pl-PL" altLang="pl-PL"/>
           </a:p>
         </p:txBody>
       </p:sp>
       <p:sp>
         <p:nvSpPr>
-          <p:cNvPr id="9" name="Symbol zastępczy numeru slajdu 8">
+          <p:cNvPr id="9" name="Symbol zastępczy numeru slajdu 5">
             <a:extLst>
               <a:ext uri="{FF2B5EF4-FFF2-40B4-BE49-F238E27FC236}">
-                <a16:creationId xmlns:a16="http://schemas.microsoft.com/office/drawing/2014/main" id="{D252DD68-5383-4B1A-9B53-7B9DDAC1B1AF}"/>
+                <a16:creationId xmlns:a16="http://schemas.microsoft.com/office/drawing/2014/main" id="{9CF46D9C-C12F-BB7C-A477-0D260D7EA25D}"/>
               </a:ext>
             </a:extLst>
           </p:cNvPr>
@@ -1878,23 +1929,30 @@
             <p:ph type="sldNum" sz="quarter" idx="12"/>
           </p:nvPr>
         </p:nvSpPr>
-        <p:spPr/>
+        <p:spPr>
+          <a:ln/>
+        </p:spPr>
         <p:txBody>
           <a:bodyPr/>
-          <a:lstStyle/>
-          <a:p>
-            <a:fld id="{2CE986DA-9C6F-4852-8B4F-0585B8E50254}" type="slidenum">
-              <a:rPr lang="pl-PL" smtClean="0"/>
+          <a:lstStyle>
+            <a:lvl1pPr>
+              <a:defRPr/>
+            </a:lvl1pPr>
+          </a:lstStyle>
+          <a:p>
+            <a:fld id="{5CF81405-95A1-4CEE-B2BD-CE6E5C1CAD17}" type="slidenum">
+              <a:rPr lang="pl-PL" altLang="pl-PL"/>
+              <a:pPr/>
               <a:t>‹#›</a:t>
             </a:fld>
-            <a:endParaRPr lang="pl-PL"/>
+            <a:endParaRPr lang="pl-PL" altLang="pl-PL"/>
           </a:p>
         </p:txBody>
       </p:sp>
     </p:spTree>
     <p:extLst>
       <p:ext uri="{BB962C8B-B14F-4D97-AF65-F5344CB8AC3E}">
-        <p14:creationId xmlns:p14="http://schemas.microsoft.com/office/powerpoint/2010/main" val="1455163858"/>
+        <p14:creationId xmlns:p14="http://schemas.microsoft.com/office/powerpoint/2010/main" val="1869926576"/>
       </p:ext>
     </p:extLst>
   </p:cSld>
@@ -1951,10 +2009,10 @@
       </p:sp>
       <p:sp>
         <p:nvSpPr>
-          <p:cNvPr id="3" name="Symbol zastępczy daty 2">
+          <p:cNvPr id="3" name="Symbol zastępczy daty 3">
             <a:extLst>
               <a:ext uri="{FF2B5EF4-FFF2-40B4-BE49-F238E27FC236}">
-                <a16:creationId xmlns:a16="http://schemas.microsoft.com/office/drawing/2014/main" id="{8D3D031F-9EE4-423B-820F-7880C812E2BB}"/>
+                <a16:creationId xmlns:a16="http://schemas.microsoft.com/office/drawing/2014/main" id="{ABCFCE49-CB35-84CE-5FC9-3863CED930F8}"/>
               </a:ext>
             </a:extLst>
           </p:cNvPr>
@@ -1965,25 +2023,32 @@
             <p:ph type="dt" sz="half" idx="10"/>
           </p:nvPr>
         </p:nvSpPr>
-        <p:spPr/>
+        <p:spPr>
+          <a:ln/>
+        </p:spPr>
         <p:txBody>
           <a:bodyPr/>
-          <a:lstStyle/>
-          <a:p>
-            <a:fld id="{BBA8BB16-983D-4C0E-B9C7-D369BA46457F}" type="datetimeFigureOut">
-              <a:rPr lang="pl-PL" smtClean="0"/>
-              <a:t>19.05.2022</a:t>
+          <a:lstStyle>
+            <a:lvl1pPr>
+              <a:defRPr/>
+            </a:lvl1pPr>
+          </a:lstStyle>
+          <a:p>
+            <a:fld id="{FF9B2D11-B312-43EE-B05B-77585268258E}" type="datetimeFigureOut">
+              <a:rPr lang="pl-PL" altLang="pl-PL"/>
+              <a:pPr/>
+              <a:t>20.05.2022</a:t>
             </a:fld>
-            <a:endParaRPr lang="pl-PL"/>
+            <a:endParaRPr lang="pl-PL" altLang="pl-PL"/>
           </a:p>
         </p:txBody>
       </p:sp>
       <p:sp>
         <p:nvSpPr>
-          <p:cNvPr id="4" name="Symbol zastępczy stopki 3">
+          <p:cNvPr id="4" name="Symbol zastępczy stopki 4">
             <a:extLst>
               <a:ext uri="{FF2B5EF4-FFF2-40B4-BE49-F238E27FC236}">
-                <a16:creationId xmlns:a16="http://schemas.microsoft.com/office/drawing/2014/main" id="{594CC30C-D49B-441A-8810-87914260025C}"/>
+                <a16:creationId xmlns:a16="http://schemas.microsoft.com/office/drawing/2014/main" id="{6944941F-D7B6-93A3-05C5-5CA4D16643C2}"/>
               </a:ext>
             </a:extLst>
           </p:cNvPr>
@@ -1994,21 +2059,27 @@
             <p:ph type="ftr" sz="quarter" idx="11"/>
           </p:nvPr>
         </p:nvSpPr>
-        <p:spPr/>
+        <p:spPr>
+          <a:ln/>
+        </p:spPr>
         <p:txBody>
           <a:bodyPr/>
-          <a:lstStyle/>
-          <a:p>
-            <a:endParaRPr lang="pl-PL"/>
+          <a:lstStyle>
+            <a:lvl1pPr>
+              <a:defRPr/>
+            </a:lvl1pPr>
+          </a:lstStyle>
+          <a:p>
+            <a:endParaRPr lang="pl-PL" altLang="pl-PL"/>
           </a:p>
         </p:txBody>
       </p:sp>
       <p:sp>
         <p:nvSpPr>
-          <p:cNvPr id="5" name="Symbol zastępczy numeru slajdu 4">
+          <p:cNvPr id="5" name="Symbol zastępczy numeru slajdu 5">
             <a:extLst>
               <a:ext uri="{FF2B5EF4-FFF2-40B4-BE49-F238E27FC236}">
-                <a16:creationId xmlns:a16="http://schemas.microsoft.com/office/drawing/2014/main" id="{6337C946-C919-49BE-986E-729378CDED6D}"/>
+                <a16:creationId xmlns:a16="http://schemas.microsoft.com/office/drawing/2014/main" id="{BA87630B-835A-C6A9-831F-63556B5FA4CF}"/>
               </a:ext>
             </a:extLst>
           </p:cNvPr>
@@ -2019,23 +2090,30 @@
             <p:ph type="sldNum" sz="quarter" idx="12"/>
           </p:nvPr>
         </p:nvSpPr>
-        <p:spPr/>
+        <p:spPr>
+          <a:ln/>
+        </p:spPr>
         <p:txBody>
           <a:bodyPr/>
-          <a:lstStyle/>
-          <a:p>
-            <a:fld id="{2CE986DA-9C6F-4852-8B4F-0585B8E50254}" type="slidenum">
-              <a:rPr lang="pl-PL" smtClean="0"/>
+          <a:lstStyle>
+            <a:lvl1pPr>
+              <a:defRPr/>
+            </a:lvl1pPr>
+          </a:lstStyle>
+          <a:p>
+            <a:fld id="{9E629DF1-146B-4465-8490-D610B5205549}" type="slidenum">
+              <a:rPr lang="pl-PL" altLang="pl-PL"/>
+              <a:pPr/>
               <a:t>‹#›</a:t>
             </a:fld>
-            <a:endParaRPr lang="pl-PL"/>
+            <a:endParaRPr lang="pl-PL" altLang="pl-PL"/>
           </a:p>
         </p:txBody>
       </p:sp>
     </p:spTree>
     <p:extLst>
       <p:ext uri="{BB962C8B-B14F-4D97-AF65-F5344CB8AC3E}">
-        <p14:creationId xmlns:p14="http://schemas.microsoft.com/office/powerpoint/2010/main" val="2926780026"/>
+        <p14:creationId xmlns:p14="http://schemas.microsoft.com/office/powerpoint/2010/main" val="3947231947"/>
       </p:ext>
     </p:extLst>
   </p:cSld>
@@ -2064,10 +2142,10 @@
       </p:grpSpPr>
       <p:sp>
         <p:nvSpPr>
-          <p:cNvPr id="2" name="Symbol zastępczy daty 1">
+          <p:cNvPr id="2" name="Symbol zastępczy daty 3">
             <a:extLst>
               <a:ext uri="{FF2B5EF4-FFF2-40B4-BE49-F238E27FC236}">
-                <a16:creationId xmlns:a16="http://schemas.microsoft.com/office/drawing/2014/main" id="{D9F5409F-C863-4487-85E9-E57FB39B76E4}"/>
+                <a16:creationId xmlns:a16="http://schemas.microsoft.com/office/drawing/2014/main" id="{66018F97-373F-5DD4-0165-63B9916824C1}"/>
               </a:ext>
             </a:extLst>
           </p:cNvPr>
@@ -2078,25 +2156,32 @@
             <p:ph type="dt" sz="half" idx="10"/>
           </p:nvPr>
         </p:nvSpPr>
-        <p:spPr/>
+        <p:spPr>
+          <a:ln/>
+        </p:spPr>
         <p:txBody>
           <a:bodyPr/>
-          <a:lstStyle/>
-          <a:p>
-            <a:fld id="{BBA8BB16-983D-4C0E-B9C7-D369BA46457F}" type="datetimeFigureOut">
-              <a:rPr lang="pl-PL" smtClean="0"/>
-              <a:t>19.05.2022</a:t>
+          <a:lstStyle>
+            <a:lvl1pPr>
+              <a:defRPr/>
+            </a:lvl1pPr>
+          </a:lstStyle>
+          <a:p>
+            <a:fld id="{D4F080C7-4B41-4567-922A-1842566EDCDA}" type="datetimeFigureOut">
+              <a:rPr lang="pl-PL" altLang="pl-PL"/>
+              <a:pPr/>
+              <a:t>20.05.2022</a:t>
             </a:fld>
-            <a:endParaRPr lang="pl-PL"/>
+            <a:endParaRPr lang="pl-PL" altLang="pl-PL"/>
           </a:p>
         </p:txBody>
       </p:sp>
       <p:sp>
         <p:nvSpPr>
-          <p:cNvPr id="3" name="Symbol zastępczy stopki 2">
+          <p:cNvPr id="3" name="Symbol zastępczy stopki 4">
             <a:extLst>
               <a:ext uri="{FF2B5EF4-FFF2-40B4-BE49-F238E27FC236}">
-                <a16:creationId xmlns:a16="http://schemas.microsoft.com/office/drawing/2014/main" id="{F017E10A-5959-4346-A808-61419822F909}"/>
+                <a16:creationId xmlns:a16="http://schemas.microsoft.com/office/drawing/2014/main" id="{83C78051-7690-CF1A-36CB-D5A9EBE6152C}"/>
               </a:ext>
             </a:extLst>
           </p:cNvPr>
@@ -2107,21 +2192,27 @@
             <p:ph type="ftr" sz="quarter" idx="11"/>
           </p:nvPr>
         </p:nvSpPr>
-        <p:spPr/>
+        <p:spPr>
+          <a:ln/>
+        </p:spPr>
         <p:txBody>
           <a:bodyPr/>
-          <a:lstStyle/>
-          <a:p>
-            <a:endParaRPr lang="pl-PL"/>
+          <a:lstStyle>
+            <a:lvl1pPr>
+              <a:defRPr/>
+            </a:lvl1pPr>
+          </a:lstStyle>
+          <a:p>
+            <a:endParaRPr lang="pl-PL" altLang="pl-PL"/>
           </a:p>
         </p:txBody>
       </p:sp>
       <p:sp>
         <p:nvSpPr>
-          <p:cNvPr id="4" name="Symbol zastępczy numeru slajdu 3">
+          <p:cNvPr id="4" name="Symbol zastępczy numeru slajdu 5">
             <a:extLst>
               <a:ext uri="{FF2B5EF4-FFF2-40B4-BE49-F238E27FC236}">
-                <a16:creationId xmlns:a16="http://schemas.microsoft.com/office/drawing/2014/main" id="{D53ECF2F-415B-4958-9D9E-4D6694A955F7}"/>
+                <a16:creationId xmlns:a16="http://schemas.microsoft.com/office/drawing/2014/main" id="{AD25088B-2D5F-3736-6CC1-2042A65D826C}"/>
               </a:ext>
             </a:extLst>
           </p:cNvPr>
@@ -2132,23 +2223,30 @@
             <p:ph type="sldNum" sz="quarter" idx="12"/>
           </p:nvPr>
         </p:nvSpPr>
-        <p:spPr/>
+        <p:spPr>
+          <a:ln/>
+        </p:spPr>
         <p:txBody>
           <a:bodyPr/>
-          <a:lstStyle/>
-          <a:p>
-            <a:fld id="{2CE986DA-9C6F-4852-8B4F-0585B8E50254}" type="slidenum">
-              <a:rPr lang="pl-PL" smtClean="0"/>
+          <a:lstStyle>
+            <a:lvl1pPr>
+              <a:defRPr/>
+            </a:lvl1pPr>
+          </a:lstStyle>
+          <a:p>
+            <a:fld id="{6A3178F8-3792-4892-8247-BDF1DCCD26DC}" type="slidenum">
+              <a:rPr lang="pl-PL" altLang="pl-PL"/>
+              <a:pPr/>
               <a:t>‹#›</a:t>
             </a:fld>
-            <a:endParaRPr lang="pl-PL"/>
+            <a:endParaRPr lang="pl-PL" altLang="pl-PL"/>
           </a:p>
         </p:txBody>
       </p:sp>
     </p:spTree>
     <p:extLst>
       <p:ext uri="{BB962C8B-B14F-4D97-AF65-F5344CB8AC3E}">
-        <p14:creationId xmlns:p14="http://schemas.microsoft.com/office/powerpoint/2010/main" val="603802541"/>
+        <p14:creationId xmlns:p14="http://schemas.microsoft.com/office/powerpoint/2010/main" val="2748764341"/>
       </p:ext>
     </p:extLst>
   </p:cSld>
@@ -2375,10 +2473,10 @@
       </p:sp>
       <p:sp>
         <p:nvSpPr>
-          <p:cNvPr id="5" name="Symbol zastępczy daty 4">
+          <p:cNvPr id="5" name="Symbol zastępczy daty 3">
             <a:extLst>
               <a:ext uri="{FF2B5EF4-FFF2-40B4-BE49-F238E27FC236}">
-                <a16:creationId xmlns:a16="http://schemas.microsoft.com/office/drawing/2014/main" id="{A48A8134-74B5-4DF5-A321-756EA73A1758}"/>
+                <a16:creationId xmlns:a16="http://schemas.microsoft.com/office/drawing/2014/main" id="{FACBD13F-D68E-704F-DC14-2125870BA64C}"/>
               </a:ext>
             </a:extLst>
           </p:cNvPr>
@@ -2389,25 +2487,32 @@
             <p:ph type="dt" sz="half" idx="10"/>
           </p:nvPr>
         </p:nvSpPr>
-        <p:spPr/>
+        <p:spPr>
+          <a:ln/>
+        </p:spPr>
         <p:txBody>
           <a:bodyPr/>
-          <a:lstStyle/>
-          <a:p>
-            <a:fld id="{BBA8BB16-983D-4C0E-B9C7-D369BA46457F}" type="datetimeFigureOut">
-              <a:rPr lang="pl-PL" smtClean="0"/>
-              <a:t>19.05.2022</a:t>
+          <a:lstStyle>
+            <a:lvl1pPr>
+              <a:defRPr/>
+            </a:lvl1pPr>
+          </a:lstStyle>
+          <a:p>
+            <a:fld id="{D7B2EFBC-EF4F-4D5C-8AC0-7056533B41F2}" type="datetimeFigureOut">
+              <a:rPr lang="pl-PL" altLang="pl-PL"/>
+              <a:pPr/>
+              <a:t>20.05.2022</a:t>
             </a:fld>
-            <a:endParaRPr lang="pl-PL"/>
+            <a:endParaRPr lang="pl-PL" altLang="pl-PL"/>
           </a:p>
         </p:txBody>
       </p:sp>
       <p:sp>
         <p:nvSpPr>
-          <p:cNvPr id="6" name="Symbol zastępczy stopki 5">
+          <p:cNvPr id="6" name="Symbol zastępczy stopki 4">
             <a:extLst>
               <a:ext uri="{FF2B5EF4-FFF2-40B4-BE49-F238E27FC236}">
-                <a16:creationId xmlns:a16="http://schemas.microsoft.com/office/drawing/2014/main" id="{A38DAB72-0E05-4E39-8033-B59FDE06F3EB}"/>
+                <a16:creationId xmlns:a16="http://schemas.microsoft.com/office/drawing/2014/main" id="{D7E77BCA-BCA1-C90D-5E26-61C000041B4A}"/>
               </a:ext>
             </a:extLst>
           </p:cNvPr>
@@ -2418,21 +2523,27 @@
             <p:ph type="ftr" sz="quarter" idx="11"/>
           </p:nvPr>
         </p:nvSpPr>
-        <p:spPr/>
+        <p:spPr>
+          <a:ln/>
+        </p:spPr>
         <p:txBody>
           <a:bodyPr/>
-          <a:lstStyle/>
-          <a:p>
-            <a:endParaRPr lang="pl-PL"/>
+          <a:lstStyle>
+            <a:lvl1pPr>
+              <a:defRPr/>
+            </a:lvl1pPr>
+          </a:lstStyle>
+          <a:p>
+            <a:endParaRPr lang="pl-PL" altLang="pl-PL"/>
           </a:p>
         </p:txBody>
       </p:sp>
       <p:sp>
         <p:nvSpPr>
-          <p:cNvPr id="7" name="Symbol zastępczy numeru slajdu 6">
+          <p:cNvPr id="7" name="Symbol zastępczy numeru slajdu 5">
             <a:extLst>
               <a:ext uri="{FF2B5EF4-FFF2-40B4-BE49-F238E27FC236}">
-                <a16:creationId xmlns:a16="http://schemas.microsoft.com/office/drawing/2014/main" id="{D3CBB012-03B4-4302-85C8-06AAB04AB920}"/>
+                <a16:creationId xmlns:a16="http://schemas.microsoft.com/office/drawing/2014/main" id="{A641527E-1730-2100-7550-8EDE2248D907}"/>
               </a:ext>
             </a:extLst>
           </p:cNvPr>
@@ -2443,23 +2554,30 @@
             <p:ph type="sldNum" sz="quarter" idx="12"/>
           </p:nvPr>
         </p:nvSpPr>
-        <p:spPr/>
+        <p:spPr>
+          <a:ln/>
+        </p:spPr>
         <p:txBody>
           <a:bodyPr/>
-          <a:lstStyle/>
-          <a:p>
-            <a:fld id="{2CE986DA-9C6F-4852-8B4F-0585B8E50254}" type="slidenum">
-              <a:rPr lang="pl-PL" smtClean="0"/>
+          <a:lstStyle>
+            <a:lvl1pPr>
+              <a:defRPr/>
+            </a:lvl1pPr>
+          </a:lstStyle>
+          <a:p>
+            <a:fld id="{F44F972B-46EC-436A-8B1C-5614444BFEB5}" type="slidenum">
+              <a:rPr lang="pl-PL" altLang="pl-PL"/>
+              <a:pPr/>
               <a:t>‹#›</a:t>
             </a:fld>
-            <a:endParaRPr lang="pl-PL"/>
+            <a:endParaRPr lang="pl-PL" altLang="pl-PL"/>
           </a:p>
         </p:txBody>
       </p:sp>
     </p:spTree>
     <p:extLst>
       <p:ext uri="{BB962C8B-B14F-4D97-AF65-F5344CB8AC3E}">
-        <p14:creationId xmlns:p14="http://schemas.microsoft.com/office/powerpoint/2010/main" val="1793307676"/>
+        <p14:creationId xmlns:p14="http://schemas.microsoft.com/office/powerpoint/2010/main" val="2158440186"/>
       </p:ext>
     </p:extLst>
   </p:cSld>
@@ -2546,7 +2664,9 @@
           </a:xfrm>
         </p:spPr>
         <p:txBody>
-          <a:bodyPr/>
+          <a:bodyPr rtlCol="0">
+            <a:normAutofit/>
+          </a:bodyPr>
           <a:lstStyle>
             <a:lvl1pPr marL="0" indent="0">
               <a:buNone/>
@@ -2586,7 +2706,8 @@
             </a:lvl9pPr>
           </a:lstStyle>
           <a:p>
-            <a:endParaRPr lang="pl-PL"/>
+            <a:pPr lvl="0"/>
+            <a:endParaRPr lang="pl-PL" noProof="0"/>
           </a:p>
         </p:txBody>
       </p:sp>
@@ -2663,10 +2784,10 @@
       </p:sp>
       <p:sp>
         <p:nvSpPr>
-          <p:cNvPr id="5" name="Symbol zastępczy daty 4">
+          <p:cNvPr id="5" name="Symbol zastępczy daty 3">
             <a:extLst>
               <a:ext uri="{FF2B5EF4-FFF2-40B4-BE49-F238E27FC236}">
-                <a16:creationId xmlns:a16="http://schemas.microsoft.com/office/drawing/2014/main" id="{2BD011EF-C886-416F-B105-1955816AF067}"/>
+                <a16:creationId xmlns:a16="http://schemas.microsoft.com/office/drawing/2014/main" id="{A11A7BDC-2CFC-3B52-18FB-534484ED76DE}"/>
               </a:ext>
             </a:extLst>
           </p:cNvPr>
@@ -2677,25 +2798,32 @@
             <p:ph type="dt" sz="half" idx="10"/>
           </p:nvPr>
         </p:nvSpPr>
-        <p:spPr/>
+        <p:spPr>
+          <a:ln/>
+        </p:spPr>
         <p:txBody>
           <a:bodyPr/>
-          <a:lstStyle/>
-          <a:p>
-            <a:fld id="{BBA8BB16-983D-4C0E-B9C7-D369BA46457F}" type="datetimeFigureOut">
-              <a:rPr lang="pl-PL" smtClean="0"/>
-              <a:t>19.05.2022</a:t>
+          <a:lstStyle>
+            <a:lvl1pPr>
+              <a:defRPr/>
+            </a:lvl1pPr>
+          </a:lstStyle>
+          <a:p>
+            <a:fld id="{CDB5CE22-DC5E-4AC9-9CE4-5FD0C43ABA0C}" type="datetimeFigureOut">
+              <a:rPr lang="pl-PL" altLang="pl-PL"/>
+              <a:pPr/>
+              <a:t>20.05.2022</a:t>
             </a:fld>
-            <a:endParaRPr lang="pl-PL"/>
+            <a:endParaRPr lang="pl-PL" altLang="pl-PL"/>
           </a:p>
         </p:txBody>
       </p:sp>
       <p:sp>
         <p:nvSpPr>
-          <p:cNvPr id="6" name="Symbol zastępczy stopki 5">
+          <p:cNvPr id="6" name="Symbol zastępczy stopki 4">
             <a:extLst>
               <a:ext uri="{FF2B5EF4-FFF2-40B4-BE49-F238E27FC236}">
-                <a16:creationId xmlns:a16="http://schemas.microsoft.com/office/drawing/2014/main" id="{F7F95389-3A85-48D1-9315-E379FD282D5E}"/>
+                <a16:creationId xmlns:a16="http://schemas.microsoft.com/office/drawing/2014/main" id="{936AD2CB-392A-31A2-CCC1-7A07CF4E3346}"/>
               </a:ext>
             </a:extLst>
           </p:cNvPr>
@@ -2706,21 +2834,27 @@
             <p:ph type="ftr" sz="quarter" idx="11"/>
           </p:nvPr>
         </p:nvSpPr>
-        <p:spPr/>
+        <p:spPr>
+          <a:ln/>
+        </p:spPr>
         <p:txBody>
           <a:bodyPr/>
-          <a:lstStyle/>
-          <a:p>
-            <a:endParaRPr lang="pl-PL"/>
+          <a:lstStyle>
+            <a:lvl1pPr>
+              <a:defRPr/>
+            </a:lvl1pPr>
+          </a:lstStyle>
+          <a:p>
+            <a:endParaRPr lang="pl-PL" altLang="pl-PL"/>
           </a:p>
         </p:txBody>
       </p:sp>
       <p:sp>
         <p:nvSpPr>
-          <p:cNvPr id="7" name="Symbol zastępczy numeru slajdu 6">
+          <p:cNvPr id="7" name="Symbol zastępczy numeru slajdu 5">
             <a:extLst>
               <a:ext uri="{FF2B5EF4-FFF2-40B4-BE49-F238E27FC236}">
-                <a16:creationId xmlns:a16="http://schemas.microsoft.com/office/drawing/2014/main" id="{B01283F4-29B5-44FC-AAF5-65CAC0C3A327}"/>
+                <a16:creationId xmlns:a16="http://schemas.microsoft.com/office/drawing/2014/main" id="{164811CC-B595-ED3C-F039-A563D4ED0BB6}"/>
               </a:ext>
             </a:extLst>
           </p:cNvPr>
@@ -2731,23 +2865,30 @@
             <p:ph type="sldNum" sz="quarter" idx="12"/>
           </p:nvPr>
         </p:nvSpPr>
-        <p:spPr/>
+        <p:spPr>
+          <a:ln/>
+        </p:spPr>
         <p:txBody>
           <a:bodyPr/>
-          <a:lstStyle/>
-          <a:p>
-            <a:fld id="{2CE986DA-9C6F-4852-8B4F-0585B8E50254}" type="slidenum">
-              <a:rPr lang="pl-PL" smtClean="0"/>
+          <a:lstStyle>
+            <a:lvl1pPr>
+              <a:defRPr/>
+            </a:lvl1pPr>
+          </a:lstStyle>
+          <a:p>
+            <a:fld id="{AC5685AA-E8FE-4883-9CDD-D28AE20740F7}" type="slidenum">
+              <a:rPr lang="pl-PL" altLang="pl-PL"/>
+              <a:pPr/>
               <a:t>‹#›</a:t>
             </a:fld>
-            <a:endParaRPr lang="pl-PL"/>
+            <a:endParaRPr lang="pl-PL" altLang="pl-PL"/>
           </a:p>
         </p:txBody>
       </p:sp>
     </p:spTree>
     <p:extLst>
       <p:ext uri="{BB962C8B-B14F-4D97-AF65-F5344CB8AC3E}">
-        <p14:creationId xmlns:p14="http://schemas.microsoft.com/office/powerpoint/2010/main" val="2210956268"/>
+        <p14:creationId xmlns:p14="http://schemas.microsoft.com/office/powerpoint/2010/main" val="4024440074"/>
       </p:ext>
     </p:extLst>
   </p:cSld>
@@ -2864,7 +3005,7 @@
           <p:cNvPr id="4" name="Symbol zastępczy daty 3">
             <a:extLst>
               <a:ext uri="{FF2B5EF4-FFF2-40B4-BE49-F238E27FC236}">
-                <a16:creationId xmlns:a16="http://schemas.microsoft.com/office/drawing/2014/main" id="{1601FDCD-5C14-486B-B2B5-C6A3BE6E8FB5}"/>
+                <a16:creationId xmlns:a16="http://schemas.microsoft.com/office/drawing/2014/main" id="{34E3A74A-B1E4-150B-60A0-C5BE5B2F947C}"/>
               </a:ext>
             </a:extLst>
           </p:cNvPr>
@@ -2875,16 +3016,23 @@
             <p:ph type="dt" sz="half" idx="10"/>
           </p:nvPr>
         </p:nvSpPr>
-        <p:spPr/>
+        <p:spPr>
+          <a:ln/>
+        </p:spPr>
         <p:txBody>
           <a:bodyPr/>
-          <a:lstStyle/>
-          <a:p>
-            <a:fld id="{BBA8BB16-983D-4C0E-B9C7-D369BA46457F}" type="datetimeFigureOut">
-              <a:rPr lang="pl-PL" smtClean="0"/>
-              <a:t>19.05.2022</a:t>
+          <a:lstStyle>
+            <a:lvl1pPr>
+              <a:defRPr/>
+            </a:lvl1pPr>
+          </a:lstStyle>
+          <a:p>
+            <a:fld id="{265C6CB3-DD19-4EFA-B33B-A464216AA4EC}" type="datetimeFigureOut">
+              <a:rPr lang="pl-PL" altLang="pl-PL"/>
+              <a:pPr/>
+              <a:t>20.05.2022</a:t>
             </a:fld>
-            <a:endParaRPr lang="pl-PL"/>
+            <a:endParaRPr lang="pl-PL" altLang="pl-PL"/>
           </a:p>
         </p:txBody>
       </p:sp>
@@ -2893,7 +3041,7 @@
           <p:cNvPr id="5" name="Symbol zastępczy stopki 4">
             <a:extLst>
               <a:ext uri="{FF2B5EF4-FFF2-40B4-BE49-F238E27FC236}">
-                <a16:creationId xmlns:a16="http://schemas.microsoft.com/office/drawing/2014/main" id="{28C55F00-63AB-4086-AEBD-EBB6BF9FB226}"/>
+                <a16:creationId xmlns:a16="http://schemas.microsoft.com/office/drawing/2014/main" id="{EDC7D4D1-99F3-5B2D-5132-45835F6EE738}"/>
               </a:ext>
             </a:extLst>
           </p:cNvPr>
@@ -2904,12 +3052,18 @@
             <p:ph type="ftr" sz="quarter" idx="11"/>
           </p:nvPr>
         </p:nvSpPr>
-        <p:spPr/>
+        <p:spPr>
+          <a:ln/>
+        </p:spPr>
         <p:txBody>
           <a:bodyPr/>
-          <a:lstStyle/>
-          <a:p>
-            <a:endParaRPr lang="pl-PL"/>
+          <a:lstStyle>
+            <a:lvl1pPr>
+              <a:defRPr/>
+            </a:lvl1pPr>
+          </a:lstStyle>
+          <a:p>
+            <a:endParaRPr lang="pl-PL" altLang="pl-PL"/>
           </a:p>
         </p:txBody>
       </p:sp>
@@ -2918,7 +3072,7 @@
           <p:cNvPr id="6" name="Symbol zastępczy numeru slajdu 5">
             <a:extLst>
               <a:ext uri="{FF2B5EF4-FFF2-40B4-BE49-F238E27FC236}">
-                <a16:creationId xmlns:a16="http://schemas.microsoft.com/office/drawing/2014/main" id="{9A4E42E7-5779-43C6-9BE5-0844C7D760F8}"/>
+                <a16:creationId xmlns:a16="http://schemas.microsoft.com/office/drawing/2014/main" id="{79594726-1C46-5776-A0A9-5919640C1138}"/>
               </a:ext>
             </a:extLst>
           </p:cNvPr>
@@ -2929,23 +3083,30 @@
             <p:ph type="sldNum" sz="quarter" idx="12"/>
           </p:nvPr>
         </p:nvSpPr>
-        <p:spPr/>
+        <p:spPr>
+          <a:ln/>
+        </p:spPr>
         <p:txBody>
           <a:bodyPr/>
-          <a:lstStyle/>
-          <a:p>
-            <a:fld id="{2CE986DA-9C6F-4852-8B4F-0585B8E50254}" type="slidenum">
-              <a:rPr lang="pl-PL" smtClean="0"/>
+          <a:lstStyle>
+            <a:lvl1pPr>
+              <a:defRPr/>
+            </a:lvl1pPr>
+          </a:lstStyle>
+          <a:p>
+            <a:fld id="{ADE59184-6D98-4F60-8679-FA8DD0BF3010}" type="slidenum">
+              <a:rPr lang="pl-PL" altLang="pl-PL"/>
+              <a:pPr/>
               <a:t>‹#›</a:t>
             </a:fld>
-            <a:endParaRPr lang="pl-PL"/>
+            <a:endParaRPr lang="pl-PL" altLang="pl-PL"/>
           </a:p>
         </p:txBody>
       </p:sp>
     </p:spTree>
     <p:extLst>
       <p:ext uri="{BB962C8B-B14F-4D97-AF65-F5344CB8AC3E}">
-        <p14:creationId xmlns:p14="http://schemas.microsoft.com/office/powerpoint/2010/main" val="1497003893"/>
+        <p14:creationId xmlns:p14="http://schemas.microsoft.com/office/powerpoint/2010/main" val="2426189005"/>
       </p:ext>
     </p:extLst>
   </p:cSld>
@@ -3072,7 +3233,7 @@
           <p:cNvPr id="4" name="Symbol zastępczy daty 3">
             <a:extLst>
               <a:ext uri="{FF2B5EF4-FFF2-40B4-BE49-F238E27FC236}">
-                <a16:creationId xmlns:a16="http://schemas.microsoft.com/office/drawing/2014/main" id="{01AD1AA1-427B-461F-A975-21B2BF59EB8C}"/>
+                <a16:creationId xmlns:a16="http://schemas.microsoft.com/office/drawing/2014/main" id="{4C3E3D8F-C8C8-D757-704F-AC397E73085B}"/>
               </a:ext>
             </a:extLst>
           </p:cNvPr>
@@ -3083,16 +3244,23 @@
             <p:ph type="dt" sz="half" idx="10"/>
           </p:nvPr>
         </p:nvSpPr>
-        <p:spPr/>
+        <p:spPr>
+          <a:ln/>
+        </p:spPr>
         <p:txBody>
           <a:bodyPr/>
-          <a:lstStyle/>
-          <a:p>
-            <a:fld id="{BBA8BB16-983D-4C0E-B9C7-D369BA46457F}" type="datetimeFigureOut">
-              <a:rPr lang="pl-PL" smtClean="0"/>
-              <a:t>19.05.2022</a:t>
+          <a:lstStyle>
+            <a:lvl1pPr>
+              <a:defRPr/>
+            </a:lvl1pPr>
+          </a:lstStyle>
+          <a:p>
+            <a:fld id="{AEFD6F16-3EEB-45C8-88F6-86B418E2F1A7}" type="datetimeFigureOut">
+              <a:rPr lang="pl-PL" altLang="pl-PL"/>
+              <a:pPr/>
+              <a:t>20.05.2022</a:t>
             </a:fld>
-            <a:endParaRPr lang="pl-PL"/>
+            <a:endParaRPr lang="pl-PL" altLang="pl-PL"/>
           </a:p>
         </p:txBody>
       </p:sp>
@@ -3101,7 +3269,7 @@
           <p:cNvPr id="5" name="Symbol zastępczy stopki 4">
             <a:extLst>
               <a:ext uri="{FF2B5EF4-FFF2-40B4-BE49-F238E27FC236}">
-                <a16:creationId xmlns:a16="http://schemas.microsoft.com/office/drawing/2014/main" id="{9EFDAA65-221C-4549-A02D-6DCD4F54E426}"/>
+                <a16:creationId xmlns:a16="http://schemas.microsoft.com/office/drawing/2014/main" id="{2C0992EF-B005-24BE-4397-E8E55FF08D73}"/>
               </a:ext>
             </a:extLst>
           </p:cNvPr>
@@ -3112,12 +3280,18 @@
             <p:ph type="ftr" sz="quarter" idx="11"/>
           </p:nvPr>
         </p:nvSpPr>
-        <p:spPr/>
+        <p:spPr>
+          <a:ln/>
+        </p:spPr>
         <p:txBody>
           <a:bodyPr/>
-          <a:lstStyle/>
-          <a:p>
-            <a:endParaRPr lang="pl-PL"/>
+          <a:lstStyle>
+            <a:lvl1pPr>
+              <a:defRPr/>
+            </a:lvl1pPr>
+          </a:lstStyle>
+          <a:p>
+            <a:endParaRPr lang="pl-PL" altLang="pl-PL"/>
           </a:p>
         </p:txBody>
       </p:sp>
@@ -3126,7 +3300,7 @@
           <p:cNvPr id="6" name="Symbol zastępczy numeru slajdu 5">
             <a:extLst>
               <a:ext uri="{FF2B5EF4-FFF2-40B4-BE49-F238E27FC236}">
-                <a16:creationId xmlns:a16="http://schemas.microsoft.com/office/drawing/2014/main" id="{785F87D1-1A1B-4168-885F-D7367012FA74}"/>
+                <a16:creationId xmlns:a16="http://schemas.microsoft.com/office/drawing/2014/main" id="{B4DF2C41-600A-5A8B-1881-44E01CD1748C}"/>
               </a:ext>
             </a:extLst>
           </p:cNvPr>
@@ -3137,23 +3311,30 @@
             <p:ph type="sldNum" sz="quarter" idx="12"/>
           </p:nvPr>
         </p:nvSpPr>
-        <p:spPr/>
+        <p:spPr>
+          <a:ln/>
+        </p:spPr>
         <p:txBody>
           <a:bodyPr/>
-          <a:lstStyle/>
-          <a:p>
-            <a:fld id="{2CE986DA-9C6F-4852-8B4F-0585B8E50254}" type="slidenum">
-              <a:rPr lang="pl-PL" smtClean="0"/>
+          <a:lstStyle>
+            <a:lvl1pPr>
+              <a:defRPr/>
+            </a:lvl1pPr>
+          </a:lstStyle>
+          <a:p>
+            <a:fld id="{8DE5DB3E-22BC-4656-9F7B-BB7A18E89CB0}" type="slidenum">
+              <a:rPr lang="pl-PL" altLang="pl-PL"/>
+              <a:pPr/>
               <a:t>‹#›</a:t>
             </a:fld>
-            <a:endParaRPr lang="pl-PL"/>
+            <a:endParaRPr lang="pl-PL" altLang="pl-PL"/>
           </a:p>
         </p:txBody>
       </p:sp>
     </p:spTree>
     <p:extLst>
       <p:ext uri="{BB962C8B-B14F-4D97-AF65-F5344CB8AC3E}">
-        <p14:creationId xmlns:p14="http://schemas.microsoft.com/office/powerpoint/2010/main" val="2865863362"/>
+        <p14:creationId xmlns:p14="http://schemas.microsoft.com/office/powerpoint/2010/main" val="469875485"/>
       </p:ext>
     </p:extLst>
   </p:cSld>
@@ -3187,7 +3368,7 @@
             <a:spLocks noGrp="1"/>
           </p:cNvSpPr>
           <p:nvPr>
-            <p:ph type="title" hasCustomPrompt="1"/>
+            <p:ph type="title"/>
           </p:nvPr>
         </p:nvSpPr>
         <p:spPr>
@@ -3206,8 +3387,10 @@
           </a:lstStyle>
           <a:p>
             <a:r>
-              <a:t>Nagłówek</a:t>
-            </a:r>
+              <a:rPr lang="pl-PL"/>
+              <a:t>Kliknij, aby edytować styl</a:t>
+            </a:r>
+            <a:endParaRPr/>
           </a:p>
         </p:txBody>
       </p:sp>
@@ -3272,31 +3455,46 @@
       </p:sp>
       <p:sp>
         <p:nvSpPr>
-          <p:cNvPr id="22" name="Slide Number"/>
+          <p:cNvPr id="4" name="Slide Number">
+            <a:extLst>
+              <a:ext uri="{FF2B5EF4-FFF2-40B4-BE49-F238E27FC236}">
+                <a16:creationId xmlns:a16="http://schemas.microsoft.com/office/drawing/2014/main" id="{6014E670-FB4D-513F-2748-1D1F96411236}"/>
+              </a:ext>
+            </a:extLst>
+          </p:cNvPr>
           <p:cNvSpPr txBox="1">
             <a:spLocks noGrp="1"/>
           </p:cNvSpPr>
           <p:nvPr>
-            <p:ph type="sldNum" sz="quarter" idx="2"/>
+            <p:ph type="sldNum" sz="quarter" idx="10"/>
           </p:nvPr>
         </p:nvSpPr>
         <p:spPr>
-          <a:prstGeom prst="rect">
-            <a:avLst/>
-          </a:prstGeom>
+          <a:ln/>
         </p:spPr>
         <p:txBody>
           <a:bodyPr/>
-          <a:lstStyle/>
-          <a:p>
-            <a:fld id="{86CB4B4D-7CA3-9044-876B-883B54F8677D}" type="slidenum">
+          <a:lstStyle>
+            <a:lvl1pPr>
+              <a:defRPr/>
+            </a:lvl1pPr>
+          </a:lstStyle>
+          <a:p>
+            <a:fld id="{36FF520E-9B6B-41B9-82BA-B45DBFEE2318}" type="slidenum">
+              <a:rPr lang="pl-PL" altLang="pl-PL"/>
+              <a:pPr/>
               <a:t>‹#›</a:t>
             </a:fld>
-            <a:endParaRPr/>
+            <a:endParaRPr lang="pl-PL" altLang="pl-PL"/>
           </a:p>
         </p:txBody>
       </p:sp>
     </p:spTree>
+    <p:extLst>
+      <p:ext uri="{BB962C8B-B14F-4D97-AF65-F5344CB8AC3E}">
+        <p14:creationId xmlns:p14="http://schemas.microsoft.com/office/powerpoint/2010/main" val="2973492401"/>
+      </p:ext>
+    </p:extLst>
   </p:cSld>
   <p:clrMapOvr>
     <a:masterClrMapping/>
@@ -3451,40 +3649,52 @@
           <a:bodyPr anchor="b"/>
           <a:lstStyle/>
           <a:p>
-            <a:pPr>
-              <a:defRPr sz="2400" b="1"/>
-            </a:pPr>
             <a:endParaRPr/>
           </a:p>
         </p:txBody>
       </p:sp>
       <p:sp>
         <p:nvSpPr>
-          <p:cNvPr id="48" name="Slide Number"/>
+          <p:cNvPr id="5" name="Slide Number">
+            <a:extLst>
+              <a:ext uri="{FF2B5EF4-FFF2-40B4-BE49-F238E27FC236}">
+                <a16:creationId xmlns:a16="http://schemas.microsoft.com/office/drawing/2014/main" id="{5F0DF0F7-AB4A-4F63-9C54-CED274775F30}"/>
+              </a:ext>
+            </a:extLst>
+          </p:cNvPr>
           <p:cNvSpPr txBox="1">
             <a:spLocks noGrp="1"/>
           </p:cNvSpPr>
           <p:nvPr>
-            <p:ph type="sldNum" sz="quarter" idx="2"/>
+            <p:ph type="sldNum" sz="quarter" idx="22"/>
           </p:nvPr>
         </p:nvSpPr>
         <p:spPr>
-          <a:prstGeom prst="rect">
-            <a:avLst/>
-          </a:prstGeom>
+          <a:ln/>
         </p:spPr>
         <p:txBody>
           <a:bodyPr/>
-          <a:lstStyle/>
-          <a:p>
-            <a:fld id="{86CB4B4D-7CA3-9044-876B-883B54F8677D}" type="slidenum">
+          <a:lstStyle>
+            <a:lvl1pPr>
+              <a:defRPr/>
+            </a:lvl1pPr>
+          </a:lstStyle>
+          <a:p>
+            <a:fld id="{57884CD1-9F11-4C88-9DEA-675298F48B12}" type="slidenum">
+              <a:rPr lang="pl-PL" altLang="pl-PL"/>
+              <a:pPr/>
               <a:t>‹#›</a:t>
             </a:fld>
-            <a:endParaRPr/>
+            <a:endParaRPr lang="pl-PL" altLang="pl-PL"/>
           </a:p>
         </p:txBody>
       </p:sp>
     </p:spTree>
+    <p:extLst>
+      <p:ext uri="{BB962C8B-B14F-4D97-AF65-F5344CB8AC3E}">
+        <p14:creationId xmlns:p14="http://schemas.microsoft.com/office/powerpoint/2010/main" val="3985988882"/>
+      </p:ext>
+    </p:extLst>
   </p:cSld>
   <p:clrMapOvr>
     <a:masterClrMapping/>
@@ -3635,40 +3845,52 @@
           <a:bodyPr/>
           <a:lstStyle/>
           <a:p>
-            <a:pPr>
-              <a:defRPr sz="1600"/>
-            </a:pPr>
             <a:endParaRPr/>
           </a:p>
         </p:txBody>
       </p:sp>
       <p:sp>
         <p:nvSpPr>
-          <p:cNvPr id="73" name="Slide Number"/>
+          <p:cNvPr id="5" name="Slide Number">
+            <a:extLst>
+              <a:ext uri="{FF2B5EF4-FFF2-40B4-BE49-F238E27FC236}">
+                <a16:creationId xmlns:a16="http://schemas.microsoft.com/office/drawing/2014/main" id="{3B8BCCA9-C0C9-C644-BC87-7628A2679802}"/>
+              </a:ext>
+            </a:extLst>
+          </p:cNvPr>
           <p:cNvSpPr txBox="1">
             <a:spLocks noGrp="1"/>
           </p:cNvSpPr>
           <p:nvPr>
-            <p:ph type="sldNum" sz="quarter" idx="2"/>
+            <p:ph type="sldNum" sz="quarter" idx="22"/>
           </p:nvPr>
         </p:nvSpPr>
         <p:spPr>
-          <a:prstGeom prst="rect">
-            <a:avLst/>
-          </a:prstGeom>
+          <a:ln/>
         </p:spPr>
         <p:txBody>
           <a:bodyPr/>
-          <a:lstStyle/>
-          <a:p>
-            <a:fld id="{86CB4B4D-7CA3-9044-876B-883B54F8677D}" type="slidenum">
+          <a:lstStyle>
+            <a:lvl1pPr>
+              <a:defRPr/>
+            </a:lvl1pPr>
+          </a:lstStyle>
+          <a:p>
+            <a:fld id="{98FACE22-7A17-4C86-8BA0-5FFF581E1004}" type="slidenum">
+              <a:rPr lang="pl-PL" altLang="pl-PL"/>
+              <a:pPr/>
               <a:t>‹#›</a:t>
             </a:fld>
-            <a:endParaRPr/>
+            <a:endParaRPr lang="pl-PL" altLang="pl-PL"/>
           </a:p>
         </p:txBody>
       </p:sp>
     </p:spTree>
+    <p:extLst>
+      <p:ext uri="{BB962C8B-B14F-4D97-AF65-F5344CB8AC3E}">
+        <p14:creationId xmlns:p14="http://schemas.microsoft.com/office/powerpoint/2010/main" val="1471584705"/>
+      </p:ext>
+    </p:extLst>
   </p:cSld>
   <p:clrMapOvr>
     <a:masterClrMapping/>
@@ -3748,27 +3970,30 @@
       </p:sp>
       <p:sp>
         <p:nvSpPr>
-          <p:cNvPr id="99" name="Slide Number"/>
+          <p:cNvPr id="3" name="Slide Number">
+            <a:extLst>
+              <a:ext uri="{FF2B5EF4-FFF2-40B4-BE49-F238E27FC236}">
+                <a16:creationId xmlns:a16="http://schemas.microsoft.com/office/drawing/2014/main" id="{1BCA0607-C5C1-3458-851D-555D6EC0365A}"/>
+              </a:ext>
+            </a:extLst>
+          </p:cNvPr>
           <p:cNvSpPr txBox="1">
             <a:spLocks noGrp="1"/>
           </p:cNvSpPr>
           <p:nvPr>
-            <p:ph type="sldNum" sz="quarter" idx="2"/>
+            <p:ph type="sldNum" sz="quarter" idx="10"/>
           </p:nvPr>
         </p:nvSpPr>
         <p:spPr>
           <a:xfrm>
-            <a:off x="5973876" y="6536531"/>
-            <a:ext cx="239485" cy="232486"/>
+            <a:off x="5973763" y="6535738"/>
+            <a:ext cx="239712" cy="233362"/>
           </a:xfrm>
-          <a:prstGeom prst="rect">
-            <a:avLst/>
-          </a:prstGeom>
         </p:spPr>
         <p:txBody>
           <a:bodyPr lIns="35718" tIns="35718" rIns="35718" bIns="35718" anchor="t"/>
           <a:lstStyle>
-            <a:lvl1pPr algn="ctr" defTabSz="410765">
+            <a:lvl1pPr algn="ctr" defTabSz="409575">
               <a:defRPr sz="1100">
                 <a:latin typeface="Helvetica Neue Light"/>
                 <a:ea typeface="Helvetica Neue Light"/>
@@ -3778,14 +4003,21 @@
             </a:lvl1pPr>
           </a:lstStyle>
           <a:p>
-            <a:fld id="{86CB4B4D-7CA3-9044-876B-883B54F8677D}" type="slidenum">
+            <a:fld id="{4DC2EA66-79CE-4E31-A87F-BB7CE19D25A0}" type="slidenum">
+              <a:rPr lang="pl-PL" altLang="pl-PL"/>
+              <a:pPr/>
               <a:t>‹#›</a:t>
             </a:fld>
-            <a:endParaRPr/>
+            <a:endParaRPr lang="pl-PL" altLang="pl-PL"/>
           </a:p>
         </p:txBody>
       </p:sp>
     </p:spTree>
+    <p:extLst>
+      <p:ext uri="{BB962C8B-B14F-4D97-AF65-F5344CB8AC3E}">
+        <p14:creationId xmlns:p14="http://schemas.microsoft.com/office/powerpoint/2010/main" val="641744605"/>
+      </p:ext>
+    </p:extLst>
   </p:cSld>
   <p:clrMapOvr>
     <a:masterClrMapping/>
@@ -4010,27 +4242,30 @@
       </p:sp>
       <p:sp>
         <p:nvSpPr>
-          <p:cNvPr id="108" name="Slide Number"/>
+          <p:cNvPr id="4" name="Slide Number">
+            <a:extLst>
+              <a:ext uri="{FF2B5EF4-FFF2-40B4-BE49-F238E27FC236}">
+                <a16:creationId xmlns:a16="http://schemas.microsoft.com/office/drawing/2014/main" id="{F67014B9-83D0-4E66-8D0E-54FC740707BB}"/>
+              </a:ext>
+            </a:extLst>
+          </p:cNvPr>
           <p:cNvSpPr txBox="1">
             <a:spLocks noGrp="1"/>
           </p:cNvSpPr>
           <p:nvPr>
-            <p:ph type="sldNum" sz="quarter" idx="2"/>
+            <p:ph type="sldNum" sz="quarter" idx="10"/>
           </p:nvPr>
         </p:nvSpPr>
         <p:spPr>
           <a:xfrm>
-            <a:off x="5973876" y="6536531"/>
-            <a:ext cx="239485" cy="232486"/>
+            <a:off x="5973763" y="6535738"/>
+            <a:ext cx="239712" cy="233362"/>
           </a:xfrm>
-          <a:prstGeom prst="rect">
-            <a:avLst/>
-          </a:prstGeom>
         </p:spPr>
         <p:txBody>
           <a:bodyPr lIns="35718" tIns="35718" rIns="35718" bIns="35718" anchor="t"/>
           <a:lstStyle>
-            <a:lvl1pPr algn="ctr" defTabSz="410765">
+            <a:lvl1pPr algn="ctr" defTabSz="409575">
               <a:defRPr sz="1100">
                 <a:latin typeface="Helvetica Neue Light"/>
                 <a:ea typeface="Helvetica Neue Light"/>
@@ -4040,14 +4275,21 @@
             </a:lvl1pPr>
           </a:lstStyle>
           <a:p>
-            <a:fld id="{86CB4B4D-7CA3-9044-876B-883B54F8677D}" type="slidenum">
+            <a:fld id="{A2DEB5A4-7664-4030-9BFE-B789741AEA94}" type="slidenum">
+              <a:rPr lang="pl-PL" altLang="pl-PL"/>
+              <a:pPr/>
               <a:t>‹#›</a:t>
             </a:fld>
-            <a:endParaRPr/>
+            <a:endParaRPr lang="pl-PL" altLang="pl-PL"/>
           </a:p>
         </p:txBody>
       </p:sp>
     </p:spTree>
+    <p:extLst>
+      <p:ext uri="{BB962C8B-B14F-4D97-AF65-F5344CB8AC3E}">
+        <p14:creationId xmlns:p14="http://schemas.microsoft.com/office/powerpoint/2010/main" val="2306653414"/>
+      </p:ext>
+    </p:extLst>
   </p:cSld>
   <p:clrMapOvr>
     <a:masterClrMapping/>
@@ -4127,27 +4369,30 @@
       </p:sp>
       <p:sp>
         <p:nvSpPr>
-          <p:cNvPr id="116" name="Slide Number"/>
+          <p:cNvPr id="3" name="Slide Number">
+            <a:extLst>
+              <a:ext uri="{FF2B5EF4-FFF2-40B4-BE49-F238E27FC236}">
+                <a16:creationId xmlns:a16="http://schemas.microsoft.com/office/drawing/2014/main" id="{06918FA8-EA7C-C147-9EC1-7DBFB5CE863B}"/>
+              </a:ext>
+            </a:extLst>
+          </p:cNvPr>
           <p:cNvSpPr txBox="1">
             <a:spLocks noGrp="1"/>
           </p:cNvSpPr>
           <p:nvPr>
-            <p:ph type="sldNum" sz="quarter" idx="2"/>
+            <p:ph type="sldNum" sz="quarter" idx="10"/>
           </p:nvPr>
         </p:nvSpPr>
         <p:spPr>
           <a:xfrm>
-            <a:off x="5973876" y="6536531"/>
-            <a:ext cx="239485" cy="232486"/>
+            <a:off x="5973763" y="6535738"/>
+            <a:ext cx="239712" cy="233362"/>
           </a:xfrm>
-          <a:prstGeom prst="rect">
-            <a:avLst/>
-          </a:prstGeom>
         </p:spPr>
         <p:txBody>
           <a:bodyPr lIns="35718" tIns="35718" rIns="35718" bIns="35718" anchor="t"/>
           <a:lstStyle>
-            <a:lvl1pPr algn="ctr" defTabSz="410765">
+            <a:lvl1pPr algn="ctr" defTabSz="409575">
               <a:defRPr sz="1100">
                 <a:latin typeface="Helvetica Neue Light"/>
                 <a:ea typeface="Helvetica Neue Light"/>
@@ -4157,14 +4402,21 @@
             </a:lvl1pPr>
           </a:lstStyle>
           <a:p>
-            <a:fld id="{86CB4B4D-7CA3-9044-876B-883B54F8677D}" type="slidenum">
+            <a:fld id="{D8CB5EE9-8F98-4294-ABDE-D0AB8B3E0733}" type="slidenum">
+              <a:rPr lang="pl-PL" altLang="pl-PL"/>
+              <a:pPr/>
               <a:t>‹#›</a:t>
             </a:fld>
-            <a:endParaRPr/>
+            <a:endParaRPr lang="pl-PL" altLang="pl-PL"/>
           </a:p>
         </p:txBody>
       </p:sp>
     </p:spTree>
+    <p:extLst>
+      <p:ext uri="{BB962C8B-B14F-4D97-AF65-F5344CB8AC3E}">
+        <p14:creationId xmlns:p14="http://schemas.microsoft.com/office/powerpoint/2010/main" val="4005267239"/>
+      </p:ext>
+    </p:extLst>
   </p:cSld>
   <p:clrMapOvr>
     <a:masterClrMapping/>
@@ -4391,27 +4643,30 @@
       </p:sp>
       <p:sp>
         <p:nvSpPr>
-          <p:cNvPr id="125" name="Slide Number"/>
+          <p:cNvPr id="4" name="Slide Number">
+            <a:extLst>
+              <a:ext uri="{FF2B5EF4-FFF2-40B4-BE49-F238E27FC236}">
+                <a16:creationId xmlns:a16="http://schemas.microsoft.com/office/drawing/2014/main" id="{A8B6C5F2-1D50-36CB-AFCE-DFD9058FF072}"/>
+              </a:ext>
+            </a:extLst>
+          </p:cNvPr>
           <p:cNvSpPr txBox="1">
             <a:spLocks noGrp="1"/>
           </p:cNvSpPr>
           <p:nvPr>
-            <p:ph type="sldNum" sz="quarter" idx="2"/>
+            <p:ph type="sldNum" sz="quarter" idx="10"/>
           </p:nvPr>
         </p:nvSpPr>
         <p:spPr>
           <a:xfrm>
-            <a:off x="5973876" y="6536531"/>
-            <a:ext cx="239485" cy="232486"/>
+            <a:off x="5973763" y="6535738"/>
+            <a:ext cx="239712" cy="233362"/>
           </a:xfrm>
-          <a:prstGeom prst="rect">
-            <a:avLst/>
-          </a:prstGeom>
         </p:spPr>
         <p:txBody>
           <a:bodyPr lIns="35718" tIns="35718" rIns="35718" bIns="35718" anchor="t"/>
           <a:lstStyle>
-            <a:lvl1pPr algn="ctr" defTabSz="410765">
+            <a:lvl1pPr algn="ctr" defTabSz="409575">
               <a:defRPr sz="1100">
                 <a:latin typeface="Helvetica Neue Thin"/>
                 <a:ea typeface="Helvetica Neue Thin"/>
@@ -4421,14 +4676,21 @@
             </a:lvl1pPr>
           </a:lstStyle>
           <a:p>
-            <a:fld id="{86CB4B4D-7CA3-9044-876B-883B54F8677D}" type="slidenum">
+            <a:fld id="{FA05F4FD-F013-427F-A833-720F6E89E27B}" type="slidenum">
+              <a:rPr lang="pl-PL" altLang="pl-PL"/>
+              <a:pPr/>
               <a:t>‹#›</a:t>
             </a:fld>
-            <a:endParaRPr/>
+            <a:endParaRPr lang="pl-PL" altLang="pl-PL"/>
           </a:p>
         </p:txBody>
       </p:sp>
     </p:spTree>
+    <p:extLst>
+      <p:ext uri="{BB962C8B-B14F-4D97-AF65-F5344CB8AC3E}">
+        <p14:creationId xmlns:p14="http://schemas.microsoft.com/office/powerpoint/2010/main" val="1439797273"/>
+      </p:ext>
+    </p:extLst>
   </p:cSld>
   <p:clrMapOvr>
     <a:masterClrMapping/>
@@ -4566,7 +4828,7 @@
           <p:cNvPr id="4" name="Symbol zastępczy daty 3">
             <a:extLst>
               <a:ext uri="{FF2B5EF4-FFF2-40B4-BE49-F238E27FC236}">
-                <a16:creationId xmlns:a16="http://schemas.microsoft.com/office/drawing/2014/main" id="{68DCCA8C-885E-45B0-B2FA-C1B45BBA1EF2}"/>
+                <a16:creationId xmlns:a16="http://schemas.microsoft.com/office/drawing/2014/main" id="{0B477CE8-B99A-EF1A-81F4-3C4ED4423F33}"/>
               </a:ext>
             </a:extLst>
           </p:cNvPr>
@@ -4577,16 +4839,23 @@
             <p:ph type="dt" sz="half" idx="10"/>
           </p:nvPr>
         </p:nvSpPr>
-        <p:spPr/>
+        <p:spPr>
+          <a:ln/>
+        </p:spPr>
         <p:txBody>
           <a:bodyPr/>
-          <a:lstStyle/>
-          <a:p>
-            <a:fld id="{BBA8BB16-983D-4C0E-B9C7-D369BA46457F}" type="datetimeFigureOut">
-              <a:rPr lang="pl-PL" smtClean="0"/>
-              <a:t>19.05.2022</a:t>
+          <a:lstStyle>
+            <a:lvl1pPr>
+              <a:defRPr/>
+            </a:lvl1pPr>
+          </a:lstStyle>
+          <a:p>
+            <a:fld id="{5FAD9AB5-B232-4A4B-B46D-C99F707A37AC}" type="datetimeFigureOut">
+              <a:rPr lang="pl-PL" altLang="pl-PL"/>
+              <a:pPr/>
+              <a:t>20.05.2022</a:t>
             </a:fld>
-            <a:endParaRPr lang="pl-PL"/>
+            <a:endParaRPr lang="pl-PL" altLang="pl-PL"/>
           </a:p>
         </p:txBody>
       </p:sp>
@@ -4595,7 +4864,7 @@
           <p:cNvPr id="5" name="Symbol zastępczy stopki 4">
             <a:extLst>
               <a:ext uri="{FF2B5EF4-FFF2-40B4-BE49-F238E27FC236}">
-                <a16:creationId xmlns:a16="http://schemas.microsoft.com/office/drawing/2014/main" id="{FAB58335-D4F5-4AA6-B1ED-27D386AE1DD0}"/>
+                <a16:creationId xmlns:a16="http://schemas.microsoft.com/office/drawing/2014/main" id="{1556A7A4-7A04-4051-23D0-C0E5340AA36D}"/>
               </a:ext>
             </a:extLst>
           </p:cNvPr>
@@ -4606,12 +4875,18 @@
             <p:ph type="ftr" sz="quarter" idx="11"/>
           </p:nvPr>
         </p:nvSpPr>
-        <p:spPr/>
+        <p:spPr>
+          <a:ln/>
+        </p:spPr>
         <p:txBody>
           <a:bodyPr/>
-          <a:lstStyle/>
-          <a:p>
-            <a:endParaRPr lang="pl-PL"/>
+          <a:lstStyle>
+            <a:lvl1pPr>
+              <a:defRPr/>
+            </a:lvl1pPr>
+          </a:lstStyle>
+          <a:p>
+            <a:endParaRPr lang="pl-PL" altLang="pl-PL"/>
           </a:p>
         </p:txBody>
       </p:sp>
@@ -4620,7 +4895,7 @@
           <p:cNvPr id="6" name="Symbol zastępczy numeru slajdu 5">
             <a:extLst>
               <a:ext uri="{FF2B5EF4-FFF2-40B4-BE49-F238E27FC236}">
-                <a16:creationId xmlns:a16="http://schemas.microsoft.com/office/drawing/2014/main" id="{FB0D7799-EF3D-470F-9716-11CD505BBB83}"/>
+                <a16:creationId xmlns:a16="http://schemas.microsoft.com/office/drawing/2014/main" id="{C1AE654E-F573-395B-124A-BC99F96DA6A1}"/>
               </a:ext>
             </a:extLst>
           </p:cNvPr>
@@ -4631,23 +4906,30 @@
             <p:ph type="sldNum" sz="quarter" idx="12"/>
           </p:nvPr>
         </p:nvSpPr>
-        <p:spPr/>
+        <p:spPr>
+          <a:ln/>
+        </p:spPr>
         <p:txBody>
           <a:bodyPr/>
-          <a:lstStyle/>
-          <a:p>
-            <a:fld id="{2CE986DA-9C6F-4852-8B4F-0585B8E50254}" type="slidenum">
-              <a:rPr lang="pl-PL" smtClean="0"/>
+          <a:lstStyle>
+            <a:lvl1pPr>
+              <a:defRPr/>
+            </a:lvl1pPr>
+          </a:lstStyle>
+          <a:p>
+            <a:fld id="{027DDA41-FC1D-48D8-BE4C-E0B793602953}" type="slidenum">
+              <a:rPr lang="pl-PL" altLang="pl-PL"/>
+              <a:pPr/>
               <a:t>‹#›</a:t>
             </a:fld>
-            <a:endParaRPr lang="pl-PL"/>
+            <a:endParaRPr lang="pl-PL" altLang="pl-PL"/>
           </a:p>
         </p:txBody>
       </p:sp>
     </p:spTree>
     <p:extLst>
       <p:ext uri="{BB962C8B-B14F-4D97-AF65-F5344CB8AC3E}">
-        <p14:creationId xmlns:p14="http://schemas.microsoft.com/office/powerpoint/2010/main" val="689596208"/>
+        <p14:creationId xmlns:p14="http://schemas.microsoft.com/office/powerpoint/2010/main" val="3094174904"/>
       </p:ext>
     </p:extLst>
   </p:cSld>
@@ -4662,7 +4944,7 @@
   <p:cSld>
     <p:bg>
       <p:bgPr>
-        <a:blipFill rotWithShape="1">
+        <a:blipFill dpi="0" rotWithShape="0">
           <a:blip r:embed="rId10"/>
           <a:srcRect/>
           <a:stretch>
@@ -4688,7 +4970,13 @@
       </p:grpSpPr>
       <p:sp>
         <p:nvSpPr>
-          <p:cNvPr id="2" name="Title Text"/>
+          <p:cNvPr id="1026" name="Title Text">
+            <a:extLst>
+              <a:ext uri="{FF2B5EF4-FFF2-40B4-BE49-F238E27FC236}">
+                <a16:creationId xmlns:a16="http://schemas.microsoft.com/office/drawing/2014/main" id="{AF69A369-B8CB-4A2B-0AB5-516270E4D008}"/>
+              </a:ext>
+            </a:extLst>
+          </p:cNvPr>
           <p:cNvSpPr txBox="1">
             <a:spLocks noGrp="1"/>
           </p:cNvSpPr>
@@ -4696,30 +4984,51 @@
             <p:ph type="title"/>
           </p:nvPr>
         </p:nvSpPr>
-        <p:spPr>
+        <p:spPr bwMode="auto">
           <a:xfrm>
-            <a:off x="609600" y="92074"/>
-            <a:ext cx="10972800" cy="1508126"/>
+            <a:off x="609600" y="92075"/>
+            <a:ext cx="10972800" cy="1508125"/>
           </a:xfrm>
           <a:prstGeom prst="rect">
             <a:avLst/>
           </a:prstGeom>
-          <a:ln w="12700">
-            <a:miter lim="400000"/>
+          <a:noFill/>
+          <a:ln>
+            <a:noFill/>
           </a:ln>
           <a:extLst>
-            <a:ext uri="{C572A759-6A51-4108-AA02-DFA0A04FC94B}">
-              <ma14:wrappingTextBoxFlag xmlns:ma14="http://schemas.microsoft.com/office/mac/drawingml/2011/main" xmlns:a14="http://schemas.microsoft.com/office/drawing/2010/main" xmlns:m="http://schemas.openxmlformats.org/officeDocument/2006/math" xmlns="" val="1"/>
+            <a:ext uri="{909E8E84-426E-40DD-AFC4-6F175D3DCCD1}">
+              <a14:hiddenFill xmlns:a14="http://schemas.microsoft.com/office/drawing/2010/main">
+                <a:solidFill>
+                  <a:srgbClr val="FFFFFF"/>
+                </a:solidFill>
+              </a14:hiddenFill>
+            </a:ext>
+            <a:ext uri="{91240B29-F687-4F45-9708-019B960494DF}">
+              <a14:hiddenLine xmlns:a14="http://schemas.microsoft.com/office/drawing/2010/main" w="12700">
+                <a:solidFill>
+                  <a:srgbClr val="000000"/>
+                </a:solidFill>
+                <a:miter lim="400000"/>
+                <a:headEnd/>
+                <a:tailEnd/>
+              </a14:hiddenLine>
             </a:ext>
           </a:extLst>
         </p:spPr>
         <p:txBody>
-          <a:bodyPr lIns="45719" rIns="45719" anchor="ctr">
-            <a:normAutofit/>
+          <a:bodyPr vert="horz" wrap="square" lIns="45719" tIns="45720" rIns="45719" bIns="45720" numCol="1" anchor="ctr" anchorCtr="0" compatLnSpc="1">
+            <a:prstTxWarp prst="textNoShape">
+              <a:avLst/>
+            </a:prstTxWarp>
           </a:bodyPr>
           <a:lstStyle/>
           <a:p>
-            <a:r>
+            <a:pPr lvl="0"/>
+            <a:r>
+              <a:rPr lang="pl-PL" altLang="pl-PL">
+                <a:sym typeface="Gill Sans Nova" panose="020B0602020104020203" pitchFamily="34" charset="0"/>
+              </a:rPr>
               <a:t>Title Text</a:t>
             </a:r>
           </a:p>
@@ -4727,7 +5036,13 @@
       </p:sp>
       <p:sp>
         <p:nvSpPr>
-          <p:cNvPr id="3" name="Body Level One…"/>
+          <p:cNvPr id="1027" name="Body Level One…">
+            <a:extLst>
+              <a:ext uri="{FF2B5EF4-FFF2-40B4-BE49-F238E27FC236}">
+                <a16:creationId xmlns:a16="http://schemas.microsoft.com/office/drawing/2014/main" id="{135355A4-E4A3-9C7E-4CED-1E8A0D489726}"/>
+              </a:ext>
+            </a:extLst>
+          </p:cNvPr>
           <p:cNvSpPr txBox="1">
             <a:spLocks noGrp="1"/>
           </p:cNvSpPr>
@@ -4735,7 +5050,7 @@
             <p:ph type="body" idx="1"/>
           </p:nvPr>
         </p:nvSpPr>
-        <p:spPr>
+        <p:spPr bwMode="auto">
           <a:xfrm>
             <a:off x="609600" y="1600200"/>
             <a:ext cx="10972800" cy="5257800"/>
@@ -4743,46 +5058,79 @@
           <a:prstGeom prst="rect">
             <a:avLst/>
           </a:prstGeom>
-          <a:ln w="12700">
-            <a:miter lim="400000"/>
+          <a:noFill/>
+          <a:ln>
+            <a:noFill/>
           </a:ln>
           <a:extLst>
-            <a:ext uri="{C572A759-6A51-4108-AA02-DFA0A04FC94B}">
-              <ma14:wrappingTextBoxFlag xmlns:ma14="http://schemas.microsoft.com/office/mac/drawingml/2011/main" xmlns:a14="http://schemas.microsoft.com/office/drawing/2010/main" xmlns:m="http://schemas.openxmlformats.org/officeDocument/2006/math" xmlns="" val="1"/>
+            <a:ext uri="{909E8E84-426E-40DD-AFC4-6F175D3DCCD1}">
+              <a14:hiddenFill xmlns:a14="http://schemas.microsoft.com/office/drawing/2010/main">
+                <a:solidFill>
+                  <a:srgbClr val="FFFFFF"/>
+                </a:solidFill>
+              </a14:hiddenFill>
+            </a:ext>
+            <a:ext uri="{91240B29-F687-4F45-9708-019B960494DF}">
+              <a14:hiddenLine xmlns:a14="http://schemas.microsoft.com/office/drawing/2010/main" w="12700">
+                <a:solidFill>
+                  <a:srgbClr val="000000"/>
+                </a:solidFill>
+                <a:miter lim="400000"/>
+                <a:headEnd/>
+                <a:tailEnd/>
+              </a14:hiddenLine>
             </a:ext>
           </a:extLst>
         </p:spPr>
         <p:txBody>
-          <a:bodyPr lIns="45719" rIns="45719">
-            <a:normAutofit/>
+          <a:bodyPr vert="horz" wrap="square" lIns="45719" tIns="45720" rIns="45719" bIns="45720" numCol="1" anchor="t" anchorCtr="0" compatLnSpc="1">
+            <a:prstTxWarp prst="textNoShape">
+              <a:avLst/>
+            </a:prstTxWarp>
           </a:bodyPr>
           <a:lstStyle/>
           <a:p>
-            <a:r>
+            <a:pPr lvl="0"/>
+            <a:r>
+              <a:rPr lang="pl-PL" altLang="pl-PL">
+                <a:sym typeface="Gill Sans Nova" panose="020B0602020104020203" pitchFamily="34" charset="0"/>
+              </a:rPr>
               <a:t>Body Level One</a:t>
             </a:r>
           </a:p>
           <a:p>
             <a:pPr lvl="1"/>
             <a:r>
+              <a:rPr lang="pl-PL" altLang="pl-PL">
+                <a:sym typeface="Gill Sans Nova" panose="020B0602020104020203" pitchFamily="34" charset="0"/>
+              </a:rPr>
               <a:t>Body Level Two</a:t>
             </a:r>
           </a:p>
           <a:p>
             <a:pPr lvl="2"/>
             <a:r>
+              <a:rPr lang="pl-PL" altLang="pl-PL">
+                <a:sym typeface="Gill Sans Nova" panose="020B0602020104020203" pitchFamily="34" charset="0"/>
+              </a:rPr>
               <a:t>Body Level Three</a:t>
             </a:r>
           </a:p>
           <a:p>
             <a:pPr lvl="3"/>
             <a:r>
+              <a:rPr lang="pl-PL" altLang="pl-PL">
+                <a:sym typeface="Gill Sans Nova" panose="020B0602020104020203" pitchFamily="34" charset="0"/>
+              </a:rPr>
               <a:t>Body Level Four</a:t>
             </a:r>
           </a:p>
           <a:p>
             <a:pPr lvl="4"/>
             <a:r>
+              <a:rPr lang="pl-PL" altLang="pl-PL">
+                <a:sym typeface="Gill Sans Nova" panose="020B0602020104020203" pitchFamily="34" charset="0"/>
+              </a:rPr>
               <a:t>Body Level Five</a:t>
             </a:r>
           </a:p>
@@ -4790,7 +5138,13 @@
       </p:sp>
       <p:sp>
         <p:nvSpPr>
-          <p:cNvPr id="4" name="Slide Number"/>
+          <p:cNvPr id="1028" name="Slide Number">
+            <a:extLst>
+              <a:ext uri="{FF2B5EF4-FFF2-40B4-BE49-F238E27FC236}">
+                <a16:creationId xmlns:a16="http://schemas.microsoft.com/office/drawing/2014/main" id="{8E6EBF15-6417-BE6B-616B-DB17BF0C6786}"/>
+              </a:ext>
+            </a:extLst>
+          </p:cNvPr>
           <p:cNvSpPr txBox="1">
             <a:spLocks noGrp="1"/>
           </p:cNvSpPr>
@@ -4798,32 +5152,57 @@
             <p:ph type="sldNum" sz="quarter" idx="2"/>
           </p:nvPr>
         </p:nvSpPr>
-        <p:spPr>
+        <p:spPr bwMode="auto">
           <a:xfrm>
             <a:off x="5892800" y="6172200"/>
-            <a:ext cx="2844800" cy="368301"/>
+            <a:ext cx="2844800" cy="368300"/>
           </a:xfrm>
           <a:prstGeom prst="rect">
             <a:avLst/>
           </a:prstGeom>
-          <a:ln w="12700">
-            <a:miter lim="400000"/>
+          <a:noFill/>
+          <a:ln>
+            <a:noFill/>
           </a:ln>
+          <a:extLst>
+            <a:ext uri="{909E8E84-426E-40DD-AFC4-6F175D3DCCD1}">
+              <a14:hiddenFill xmlns:a14="http://schemas.microsoft.com/office/drawing/2010/main">
+                <a:solidFill>
+                  <a:srgbClr val="FFFFFF"/>
+                </a:solidFill>
+              </a14:hiddenFill>
+            </a:ext>
+            <a:ext uri="{91240B29-F687-4F45-9708-019B960494DF}">
+              <a14:hiddenLine xmlns:a14="http://schemas.microsoft.com/office/drawing/2010/main" w="12700">
+                <a:solidFill>
+                  <a:srgbClr val="000000"/>
+                </a:solidFill>
+                <a:miter lim="400000"/>
+                <a:headEnd/>
+                <a:tailEnd/>
+              </a14:hiddenLine>
+            </a:ext>
+          </a:extLst>
         </p:spPr>
         <p:txBody>
-          <a:bodyPr wrap="none" lIns="45719" rIns="45719" anchor="ctr">
+          <a:bodyPr vert="horz" wrap="none" lIns="45719" tIns="45720" rIns="45719" bIns="45720" numCol="1" anchor="ctr" anchorCtr="0" compatLnSpc="1">
+            <a:prstTxWarp prst="textNoShape">
+              <a:avLst/>
+            </a:prstTxWarp>
             <a:spAutoFit/>
           </a:bodyPr>
           <a:lstStyle>
-            <a:lvl1pPr algn="r">
+            <a:lvl1pPr algn="r" eaLnBrk="1">
               <a:defRPr sz="1200"/>
             </a:lvl1pPr>
           </a:lstStyle>
           <a:p>
-            <a:fld id="{86CB4B4D-7CA3-9044-876B-883B54F8677D}" type="slidenum">
+            <a:fld id="{FE6EBE27-8BAA-4770-BBC1-3DCCB87D5630}" type="slidenum">
+              <a:rPr lang="pl-PL" altLang="pl-PL"/>
+              <a:pPr/>
               <a:t>‹#›</a:t>
             </a:fld>
-            <a:endParaRPr/>
+            <a:endParaRPr lang="pl-PL" altLang="pl-PL"/>
           </a:p>
         </p:txBody>
       </p:sp>
@@ -4831,146 +5210,116 @@
   </p:cSld>
   <p:clrMap bg1="lt1" tx1="dk1" bg2="lt2" tx2="dk2" accent1="accent1" accent2="accent2" accent3="accent3" accent4="accent4" accent5="accent5" accent6="accent6" hlink="hlink" folHlink="folHlink"/>
   <p:sldLayoutIdLst>
-    <p:sldLayoutId id="2147483649" r:id="rId1"/>
-    <p:sldLayoutId id="2147483650" r:id="rId2"/>
-    <p:sldLayoutId id="2147483653" r:id="rId3"/>
-    <p:sldLayoutId id="2147483656" r:id="rId4"/>
-    <p:sldLayoutId id="2147483659" r:id="rId5"/>
-    <p:sldLayoutId id="2147483660" r:id="rId6"/>
-    <p:sldLayoutId id="2147483661" r:id="rId7"/>
-    <p:sldLayoutId id="2147483662" r:id="rId8"/>
+    <p:sldLayoutId id="2147483694" r:id="rId1"/>
+    <p:sldLayoutId id="2147483680" r:id="rId2"/>
+    <p:sldLayoutId id="2147483681" r:id="rId3"/>
+    <p:sldLayoutId id="2147483682" r:id="rId4"/>
+    <p:sldLayoutId id="2147483695" r:id="rId5"/>
+    <p:sldLayoutId id="2147483696" r:id="rId6"/>
+    <p:sldLayoutId id="2147483697" r:id="rId7"/>
+    <p:sldLayoutId id="2147483698" r:id="rId8"/>
   </p:sldLayoutIdLst>
   <p:transition spd="med"/>
   <p:txStyles>
     <p:titleStyle>
-      <a:lvl1pPr marL="0" marR="0" indent="0" algn="ctr" defTabSz="914400" rtl="0" latinLnBrk="0">
+      <a:lvl1pPr algn="ctr" rtl="0" eaLnBrk="0" fontAlgn="base" hangingPunct="0">
         <a:lnSpc>
           <a:spcPct val="90000"/>
         </a:lnSpc>
         <a:spcBef>
-          <a:spcPts val="0"/>
+          <a:spcPct val="0"/>
         </a:spcBef>
         <a:spcAft>
-          <a:spcPts val="0"/>
+          <a:spcPct val="0"/>
         </a:spcAft>
-        <a:buClrTx/>
-        <a:buSzTx/>
-        <a:buFontTx/>
-        <a:buNone/>
-        <a:tabLst/>
-        <a:defRPr sz="4400" b="0" i="0" u="none" strike="noStrike" cap="none" spc="0" baseline="0">
+        <a:defRPr sz="4400">
           <a:solidFill>
             <a:srgbClr val="004FA3"/>
           </a:solidFill>
-          <a:uFillTx/>
           <a:latin typeface="Gill Sans Nova"/>
           <a:ea typeface="Gill Sans Nova"/>
           <a:cs typeface="Gill Sans Nova"/>
-          <a:sym typeface="Gill Sans Nova"/>
+          <a:sym typeface="Gill Sans Nova" panose="020B0602020104020203" pitchFamily="34" charset="0"/>
         </a:defRPr>
       </a:lvl1pPr>
-      <a:lvl2pPr marL="0" marR="0" indent="0" algn="ctr" defTabSz="914400" rtl="0" latinLnBrk="0">
+      <a:lvl2pPr algn="ctr" rtl="0" eaLnBrk="0" fontAlgn="base" hangingPunct="0">
         <a:lnSpc>
           <a:spcPct val="90000"/>
         </a:lnSpc>
         <a:spcBef>
-          <a:spcPts val="0"/>
+          <a:spcPct val="0"/>
         </a:spcBef>
         <a:spcAft>
-          <a:spcPts val="0"/>
+          <a:spcPct val="0"/>
         </a:spcAft>
-        <a:buClrTx/>
-        <a:buSzTx/>
-        <a:buFontTx/>
-        <a:buNone/>
-        <a:tabLst/>
-        <a:defRPr sz="4400" b="0" i="0" u="none" strike="noStrike" cap="none" spc="0" baseline="0">
+        <a:defRPr sz="4400">
           <a:solidFill>
             <a:srgbClr val="004FA3"/>
           </a:solidFill>
-          <a:uFillTx/>
           <a:latin typeface="Gill Sans Nova"/>
           <a:ea typeface="Gill Sans Nova"/>
           <a:cs typeface="Gill Sans Nova"/>
-          <a:sym typeface="Gill Sans Nova"/>
+          <a:sym typeface="Gill Sans Nova" panose="020B0602020104020203" pitchFamily="34" charset="0"/>
         </a:defRPr>
       </a:lvl2pPr>
-      <a:lvl3pPr marL="0" marR="0" indent="0" algn="ctr" defTabSz="914400" rtl="0" latinLnBrk="0">
+      <a:lvl3pPr algn="ctr" rtl="0" eaLnBrk="0" fontAlgn="base" hangingPunct="0">
         <a:lnSpc>
           <a:spcPct val="90000"/>
         </a:lnSpc>
         <a:spcBef>
-          <a:spcPts val="0"/>
+          <a:spcPct val="0"/>
         </a:spcBef>
         <a:spcAft>
-          <a:spcPts val="0"/>
+          <a:spcPct val="0"/>
         </a:spcAft>
-        <a:buClrTx/>
-        <a:buSzTx/>
-        <a:buFontTx/>
-        <a:buNone/>
-        <a:tabLst/>
-        <a:defRPr sz="4400" b="0" i="0" u="none" strike="noStrike" cap="none" spc="0" baseline="0">
+        <a:defRPr sz="4400">
           <a:solidFill>
             <a:srgbClr val="004FA3"/>
           </a:solidFill>
-          <a:uFillTx/>
           <a:latin typeface="Gill Sans Nova"/>
           <a:ea typeface="Gill Sans Nova"/>
           <a:cs typeface="Gill Sans Nova"/>
-          <a:sym typeface="Gill Sans Nova"/>
+          <a:sym typeface="Gill Sans Nova" panose="020B0602020104020203" pitchFamily="34" charset="0"/>
         </a:defRPr>
       </a:lvl3pPr>
-      <a:lvl4pPr marL="0" marR="0" indent="0" algn="ctr" defTabSz="914400" rtl="0" latinLnBrk="0">
+      <a:lvl4pPr algn="ctr" rtl="0" eaLnBrk="0" fontAlgn="base" hangingPunct="0">
         <a:lnSpc>
           <a:spcPct val="90000"/>
         </a:lnSpc>
         <a:spcBef>
-          <a:spcPts val="0"/>
+          <a:spcPct val="0"/>
         </a:spcBef>
         <a:spcAft>
-          <a:spcPts val="0"/>
+          <a:spcPct val="0"/>
         </a:spcAft>
-        <a:buClrTx/>
-        <a:buSzTx/>
-        <a:buFontTx/>
-        <a:buNone/>
-        <a:tabLst/>
-        <a:defRPr sz="4400" b="0" i="0" u="none" strike="noStrike" cap="none" spc="0" baseline="0">
+        <a:defRPr sz="4400">
           <a:solidFill>
             <a:srgbClr val="004FA3"/>
           </a:solidFill>
-          <a:uFillTx/>
           <a:latin typeface="Gill Sans Nova"/>
           <a:ea typeface="Gill Sans Nova"/>
           <a:cs typeface="Gill Sans Nova"/>
-          <a:sym typeface="Gill Sans Nova"/>
+          <a:sym typeface="Gill Sans Nova" panose="020B0602020104020203" pitchFamily="34" charset="0"/>
         </a:defRPr>
       </a:lvl4pPr>
-      <a:lvl5pPr marL="0" marR="0" indent="0" algn="ctr" defTabSz="914400" rtl="0" latinLnBrk="0">
+      <a:lvl5pPr algn="ctr" rtl="0" eaLnBrk="0" fontAlgn="base" hangingPunct="0">
         <a:lnSpc>
           <a:spcPct val="90000"/>
         </a:lnSpc>
         <a:spcBef>
-          <a:spcPts val="0"/>
+          <a:spcPct val="0"/>
         </a:spcBef>
         <a:spcAft>
-          <a:spcPts val="0"/>
+          <a:spcPct val="0"/>
         </a:spcAft>
-        <a:buClrTx/>
-        <a:buSzTx/>
-        <a:buFontTx/>
-        <a:buNone/>
-        <a:tabLst/>
-        <a:defRPr sz="4400" b="0" i="0" u="none" strike="noStrike" cap="none" spc="0" baseline="0">
+        <a:defRPr sz="4400">
           <a:solidFill>
             <a:srgbClr val="004FA3"/>
           </a:solidFill>
-          <a:uFillTx/>
           <a:latin typeface="Gill Sans Nova"/>
           <a:ea typeface="Gill Sans Nova"/>
           <a:cs typeface="Gill Sans Nova"/>
-          <a:sym typeface="Gill Sans Nova"/>
+          <a:sym typeface="Gill Sans Nova" panose="020B0602020104020203" pitchFamily="34" charset="0"/>
         </a:defRPr>
       </a:lvl5pPr>
       <a:lvl6pPr marL="0" marR="0" indent="0" algn="ctr" defTabSz="914400" rtl="0" latinLnBrk="0">
@@ -5079,7 +5428,7 @@
       </a:lvl9pPr>
     </p:titleStyle>
     <p:bodyStyle>
-      <a:lvl1pPr marL="0" marR="0" indent="0" algn="ctr" defTabSz="914400" rtl="0" latinLnBrk="0">
+      <a:lvl1pPr algn="ctr" rtl="0" eaLnBrk="0" fontAlgn="base" hangingPunct="0">
         <a:lnSpc>
           <a:spcPct val="90000"/>
         </a:lnSpc>
@@ -5087,25 +5436,19 @@
           <a:spcPts val="1000"/>
         </a:spcBef>
         <a:spcAft>
-          <a:spcPts val="0"/>
+          <a:spcPct val="0"/>
         </a:spcAft>
-        <a:buClrTx/>
-        <a:buSzTx/>
-        <a:buFontTx/>
-        <a:buNone/>
-        <a:tabLst/>
-        <a:defRPr sz="2800" b="0" i="0" u="none" strike="noStrike" cap="none" spc="0" baseline="0">
+        <a:defRPr sz="2800">
           <a:solidFill>
             <a:srgbClr val="404040"/>
           </a:solidFill>
-          <a:uFillTx/>
           <a:latin typeface="Gill Sans Nova"/>
           <a:ea typeface="Gill Sans Nova"/>
           <a:cs typeface="Gill Sans Nova"/>
-          <a:sym typeface="Gill Sans Nova"/>
+          <a:sym typeface="Gill Sans Nova" panose="020B0602020104020203" pitchFamily="34" charset="0"/>
         </a:defRPr>
       </a:lvl1pPr>
-      <a:lvl2pPr marL="723900" marR="0" indent="-266700" algn="ctr" defTabSz="914400" rtl="0" latinLnBrk="0">
+      <a:lvl2pPr marL="723900" indent="-266700" algn="ctr" rtl="0" eaLnBrk="0" fontAlgn="base" hangingPunct="0">
         <a:lnSpc>
           <a:spcPct val="90000"/>
         </a:lnSpc>
@@ -5113,25 +5456,21 @@
           <a:spcPts val="1000"/>
         </a:spcBef>
         <a:spcAft>
-          <a:spcPts val="0"/>
+          <a:spcPct val="0"/>
         </a:spcAft>
-        <a:buClrTx/>
         <a:buSzPct val="100000"/>
-        <a:buFontTx/>
         <a:buChar char="•"/>
-        <a:tabLst/>
-        <a:defRPr sz="2800" b="0" i="0" u="none" strike="noStrike" cap="none" spc="0" baseline="0">
+        <a:defRPr sz="2800">
           <a:solidFill>
             <a:srgbClr val="404040"/>
           </a:solidFill>
-          <a:uFillTx/>
           <a:latin typeface="Gill Sans Nova"/>
           <a:ea typeface="Gill Sans Nova"/>
           <a:cs typeface="Gill Sans Nova"/>
-          <a:sym typeface="Gill Sans Nova"/>
+          <a:sym typeface="Gill Sans Nova" panose="020B0602020104020203" pitchFamily="34" charset="0"/>
         </a:defRPr>
       </a:lvl2pPr>
-      <a:lvl3pPr marL="1234439" marR="0" indent="-320039" algn="ctr" defTabSz="914400" rtl="0" latinLnBrk="0">
+      <a:lvl3pPr marL="1233488" indent="-319088" algn="ctr" rtl="0" eaLnBrk="0" fontAlgn="base" hangingPunct="0">
         <a:lnSpc>
           <a:spcPct val="90000"/>
         </a:lnSpc>
@@ -5139,25 +5478,21 @@
           <a:spcPts val="1000"/>
         </a:spcBef>
         <a:spcAft>
-          <a:spcPts val="0"/>
+          <a:spcPct val="0"/>
         </a:spcAft>
-        <a:buClrTx/>
         <a:buSzPct val="100000"/>
-        <a:buFontTx/>
         <a:buChar char="•"/>
-        <a:tabLst/>
-        <a:defRPr sz="2800" b="0" i="0" u="none" strike="noStrike" cap="none" spc="0" baseline="0">
+        <a:defRPr sz="2800">
           <a:solidFill>
             <a:srgbClr val="404040"/>
           </a:solidFill>
-          <a:uFillTx/>
           <a:latin typeface="Gill Sans Nova"/>
           <a:ea typeface="Gill Sans Nova"/>
           <a:cs typeface="Gill Sans Nova"/>
-          <a:sym typeface="Gill Sans Nova"/>
+          <a:sym typeface="Gill Sans Nova" panose="020B0602020104020203" pitchFamily="34" charset="0"/>
         </a:defRPr>
       </a:lvl3pPr>
-      <a:lvl4pPr marL="1727200" marR="0" indent="-355600" algn="ctr" defTabSz="914400" rtl="0" latinLnBrk="0">
+      <a:lvl4pPr marL="1727200" indent="-355600" algn="ctr" rtl="0" eaLnBrk="0" fontAlgn="base" hangingPunct="0">
         <a:lnSpc>
           <a:spcPct val="90000"/>
         </a:lnSpc>
@@ -5165,25 +5500,21 @@
           <a:spcPts val="1000"/>
         </a:spcBef>
         <a:spcAft>
-          <a:spcPts val="0"/>
+          <a:spcPct val="0"/>
         </a:spcAft>
-        <a:buClrTx/>
         <a:buSzPct val="100000"/>
-        <a:buFontTx/>
         <a:buChar char="•"/>
-        <a:tabLst/>
-        <a:defRPr sz="2800" b="0" i="0" u="none" strike="noStrike" cap="none" spc="0" baseline="0">
+        <a:defRPr sz="2800">
           <a:solidFill>
             <a:srgbClr val="404040"/>
           </a:solidFill>
-          <a:uFillTx/>
           <a:latin typeface="Gill Sans Nova"/>
           <a:ea typeface="Gill Sans Nova"/>
           <a:cs typeface="Gill Sans Nova"/>
-          <a:sym typeface="Gill Sans Nova"/>
+          <a:sym typeface="Gill Sans Nova" panose="020B0602020104020203" pitchFamily="34" charset="0"/>
         </a:defRPr>
       </a:lvl4pPr>
-      <a:lvl5pPr marL="2184400" marR="0" indent="-355600" algn="ctr" defTabSz="914400" rtl="0" latinLnBrk="0">
+      <a:lvl5pPr marL="2184400" indent="-355600" algn="ctr" rtl="0" eaLnBrk="0" fontAlgn="base" hangingPunct="0">
         <a:lnSpc>
           <a:spcPct val="90000"/>
         </a:lnSpc>
@@ -5191,22 +5522,18 @@
           <a:spcPts val="1000"/>
         </a:spcBef>
         <a:spcAft>
-          <a:spcPts val="0"/>
+          <a:spcPct val="0"/>
         </a:spcAft>
-        <a:buClrTx/>
         <a:buSzPct val="100000"/>
-        <a:buFontTx/>
         <a:buChar char="•"/>
-        <a:tabLst/>
-        <a:defRPr sz="2800" b="0" i="0" u="none" strike="noStrike" cap="none" spc="0" baseline="0">
+        <a:defRPr sz="2800">
           <a:solidFill>
             <a:srgbClr val="404040"/>
           </a:solidFill>
-          <a:uFillTx/>
           <a:latin typeface="Gill Sans Nova"/>
           <a:ea typeface="Gill Sans Nova"/>
           <a:cs typeface="Gill Sans Nova"/>
-          <a:sym typeface="Gill Sans Nova"/>
+          <a:sym typeface="Gill Sans Nova" panose="020B0602020104020203" pitchFamily="34" charset="0"/>
         </a:defRPr>
       </a:lvl5pPr>
       <a:lvl6pPr marL="2641600" marR="0" indent="-355600" algn="ctr" defTabSz="914400" rtl="0" latinLnBrk="0">
@@ -5558,9 +5885,12 @@
 <p:sldMaster xmlns:a="http://schemas.openxmlformats.org/drawingml/2006/main" xmlns:r="http://schemas.openxmlformats.org/officeDocument/2006/relationships" xmlns:p="http://schemas.openxmlformats.org/presentationml/2006/main" preserve="1">
   <p:cSld>
     <p:bg>
-      <p:bgRef idx="1001">
-        <a:schemeClr val="bg1"/>
-      </p:bgRef>
+      <p:bgPr>
+        <a:solidFill>
+          <a:schemeClr val="bg1"/>
+        </a:solidFill>
+        <a:effectLst/>
+      </p:bgPr>
     </p:bg>
     <p:spTree>
       <p:nvGrpSpPr>
@@ -5578,10 +5908,10 @@
       </p:grpSpPr>
       <p:sp>
         <p:nvSpPr>
-          <p:cNvPr id="2" name="Symbol zastępczy tytułu 1">
+          <p:cNvPr id="2050" name="Symbol zastępczy tytułu 1">
             <a:extLst>
               <a:ext uri="{FF2B5EF4-FFF2-40B4-BE49-F238E27FC236}">
-                <a16:creationId xmlns:a16="http://schemas.microsoft.com/office/drawing/2014/main" id="{45E7CFEC-C766-43EF-909D-EAF53D3D3E01}"/>
+                <a16:creationId xmlns:a16="http://schemas.microsoft.com/office/drawing/2014/main" id="{565D7DB4-5BD7-F4D1-2A07-476C8B8257E8}"/>
               </a:ext>
             </a:extLst>
           </p:cNvPr>
@@ -5592,7 +5922,7 @@
             <p:ph type="title"/>
           </p:nvPr>
         </p:nvSpPr>
-        <p:spPr>
+        <p:spPr bwMode="auto">
           <a:xfrm>
             <a:off x="838200" y="365125"/>
             <a:ext cx="10515600" cy="1325563"/>
@@ -5600,15 +5930,41 @@
           <a:prstGeom prst="rect">
             <a:avLst/>
           </a:prstGeom>
+          <a:noFill/>
+          <a:ln>
+            <a:noFill/>
+          </a:ln>
+          <a:extLst>
+            <a:ext uri="{909E8E84-426E-40DD-AFC4-6F175D3DCCD1}">
+              <a14:hiddenFill xmlns:a14="http://schemas.microsoft.com/office/drawing/2010/main">
+                <a:solidFill>
+                  <a:srgbClr val="FFFFFF"/>
+                </a:solidFill>
+              </a14:hiddenFill>
+            </a:ext>
+            <a:ext uri="{91240B29-F687-4F45-9708-019B960494DF}">
+              <a14:hiddenLine xmlns:a14="http://schemas.microsoft.com/office/drawing/2010/main" w="9525">
+                <a:solidFill>
+                  <a:srgbClr val="000000"/>
+                </a:solidFill>
+                <a:miter lim="800000"/>
+                <a:headEnd/>
+                <a:tailEnd/>
+              </a14:hiddenLine>
+            </a:ext>
+          </a:extLst>
         </p:spPr>
         <p:txBody>
-          <a:bodyPr vert="horz" lIns="91440" tIns="45720" rIns="91440" bIns="45720" rtlCol="0" anchor="ctr">
-            <a:normAutofit/>
+          <a:bodyPr vert="horz" wrap="square" lIns="91440" tIns="45720" rIns="91440" bIns="45720" numCol="1" anchor="ctr" anchorCtr="0" compatLnSpc="1">
+            <a:prstTxWarp prst="textNoShape">
+              <a:avLst/>
+            </a:prstTxWarp>
           </a:bodyPr>
           <a:lstStyle/>
           <a:p>
-            <a:r>
-              <a:rPr lang="pl-PL"/>
+            <a:pPr lvl="0"/>
+            <a:r>
+              <a:rPr lang="pl-PL" altLang="pl-PL"/>
               <a:t>Kliknij, aby edytować styl</a:t>
             </a:r>
           </a:p>
@@ -5616,10 +5972,10 @@
       </p:sp>
       <p:sp>
         <p:nvSpPr>
-          <p:cNvPr id="3" name="Symbol zastępczy tekstu 2">
+          <p:cNvPr id="2051" name="Symbol zastępczy tekstu 2">
             <a:extLst>
               <a:ext uri="{FF2B5EF4-FFF2-40B4-BE49-F238E27FC236}">
-                <a16:creationId xmlns:a16="http://schemas.microsoft.com/office/drawing/2014/main" id="{F1B4498E-016E-4F56-8972-38177B36078E}"/>
+                <a16:creationId xmlns:a16="http://schemas.microsoft.com/office/drawing/2014/main" id="{72373E4B-0AEA-43A2-9035-82FCA499BD67}"/>
               </a:ext>
             </a:extLst>
           </p:cNvPr>
@@ -5630,7 +5986,7 @@
             <p:ph type="body" idx="1"/>
           </p:nvPr>
         </p:nvSpPr>
-        <p:spPr>
+        <p:spPr bwMode="auto">
           <a:xfrm>
             <a:off x="838200" y="1825625"/>
             <a:ext cx="10515600" cy="4351338"/>
@@ -5638,44 +5994,69 @@
           <a:prstGeom prst="rect">
             <a:avLst/>
           </a:prstGeom>
+          <a:noFill/>
+          <a:ln>
+            <a:noFill/>
+          </a:ln>
+          <a:extLst>
+            <a:ext uri="{909E8E84-426E-40DD-AFC4-6F175D3DCCD1}">
+              <a14:hiddenFill xmlns:a14="http://schemas.microsoft.com/office/drawing/2010/main">
+                <a:solidFill>
+                  <a:srgbClr val="FFFFFF"/>
+                </a:solidFill>
+              </a14:hiddenFill>
+            </a:ext>
+            <a:ext uri="{91240B29-F687-4F45-9708-019B960494DF}">
+              <a14:hiddenLine xmlns:a14="http://schemas.microsoft.com/office/drawing/2010/main" w="9525">
+                <a:solidFill>
+                  <a:srgbClr val="000000"/>
+                </a:solidFill>
+                <a:miter lim="800000"/>
+                <a:headEnd/>
+                <a:tailEnd/>
+              </a14:hiddenLine>
+            </a:ext>
+          </a:extLst>
         </p:spPr>
         <p:txBody>
-          <a:bodyPr vert="horz" lIns="91440" tIns="45720" rIns="91440" bIns="45720" rtlCol="0">
-            <a:normAutofit/>
+          <a:bodyPr vert="horz" wrap="square" lIns="91440" tIns="45720" rIns="91440" bIns="45720" numCol="1" anchor="t" anchorCtr="0" compatLnSpc="1">
+            <a:prstTxWarp prst="textNoShape">
+              <a:avLst/>
+            </a:prstTxWarp>
           </a:bodyPr>
           <a:lstStyle/>
           <a:p>
             <a:pPr lvl="0"/>
             <a:r>
-              <a:rPr lang="pl-PL"/>
+              <a:rPr lang="pl-PL" altLang="pl-PL"/>
               <a:t>Kliknij, aby edytować style wzorca tekstu</a:t>
             </a:r>
           </a:p>
           <a:p>
             <a:pPr lvl="1"/>
             <a:r>
-              <a:rPr lang="pl-PL"/>
+              <a:rPr lang="pl-PL" altLang="pl-PL"/>
               <a:t>Drugi poziom</a:t>
             </a:r>
           </a:p>
           <a:p>
             <a:pPr lvl="2"/>
             <a:r>
-              <a:rPr lang="pl-PL"/>
+              <a:rPr lang="pl-PL" altLang="pl-PL"/>
               <a:t>Trzeci poziom</a:t>
             </a:r>
           </a:p>
           <a:p>
             <a:pPr lvl="3"/>
             <a:r>
-              <a:rPr lang="pl-PL"/>
+              <a:rPr lang="pl-PL" altLang="pl-PL"/>
               <a:t>Czwarty poziom</a:t>
             </a:r>
           </a:p>
           <a:p>
             <a:pPr lvl="4"/>
             <a:r>
-              <a:rPr lang="pl-PL"/>
+              <a:rPr lang="pl-PL" altLang="pl-PL"/>
               <a:t>Piąty poziom</a:t>
             </a:r>
           </a:p>
@@ -5683,10 +6064,10 @@
       </p:sp>
       <p:sp>
         <p:nvSpPr>
-          <p:cNvPr id="4" name="Symbol zastępczy daty 3">
+          <p:cNvPr id="2052" name="Symbol zastępczy daty 3">
             <a:extLst>
               <a:ext uri="{FF2B5EF4-FFF2-40B4-BE49-F238E27FC236}">
-                <a16:creationId xmlns:a16="http://schemas.microsoft.com/office/drawing/2014/main" id="{D150D5F1-FE16-4150-8AB9-CE9231008E82}"/>
+                <a16:creationId xmlns:a16="http://schemas.microsoft.com/office/drawing/2014/main" id="{4ABFA4E3-F8DB-CDEA-C979-C93E2882A3CE}"/>
               </a:ext>
             </a:extLst>
           </p:cNvPr>
@@ -5697,7 +6078,7 @@
             <p:ph type="dt" sz="half" idx="2"/>
           </p:nvPr>
         </p:nvSpPr>
-        <p:spPr>
+        <p:spPr bwMode="auto">
           <a:xfrm>
             <a:off x="838200" y="6356350"/>
             <a:ext cx="2743200" cy="365125"/>
@@ -5705,35 +6086,61 @@
           <a:prstGeom prst="rect">
             <a:avLst/>
           </a:prstGeom>
+          <a:noFill/>
+          <a:ln>
+            <a:noFill/>
+          </a:ln>
+          <a:extLst>
+            <a:ext uri="{909E8E84-426E-40DD-AFC4-6F175D3DCCD1}">
+              <a14:hiddenFill xmlns:a14="http://schemas.microsoft.com/office/drawing/2010/main">
+                <a:solidFill>
+                  <a:srgbClr val="FFFFFF"/>
+                </a:solidFill>
+              </a14:hiddenFill>
+            </a:ext>
+            <a:ext uri="{91240B29-F687-4F45-9708-019B960494DF}">
+              <a14:hiddenLine xmlns:a14="http://schemas.microsoft.com/office/drawing/2010/main" w="9525">
+                <a:solidFill>
+                  <a:srgbClr val="000000"/>
+                </a:solidFill>
+                <a:miter lim="800000"/>
+                <a:headEnd/>
+                <a:tailEnd/>
+              </a14:hiddenLine>
+            </a:ext>
+          </a:extLst>
         </p:spPr>
         <p:txBody>
-          <a:bodyPr vert="horz" lIns="91440" tIns="45720" rIns="91440" bIns="45720" rtlCol="0" anchor="ctr"/>
+          <a:bodyPr vert="horz" wrap="square" lIns="91440" tIns="45720" rIns="91440" bIns="45720" numCol="1" anchor="ctr" anchorCtr="0" compatLnSpc="1">
+            <a:prstTxWarp prst="textNoShape">
+              <a:avLst/>
+            </a:prstTxWarp>
+          </a:bodyPr>
           <a:lstStyle>
-            <a:lvl1pPr algn="l">
+            <a:lvl1pPr eaLnBrk="1">
               <a:defRPr sz="1200">
                 <a:solidFill>
-                  <a:schemeClr val="tx1">
-                    <a:tint val="75000"/>
-                  </a:schemeClr>
+                  <a:srgbClr val="898989"/>
                 </a:solidFill>
               </a:defRPr>
             </a:lvl1pPr>
           </a:lstStyle>
           <a:p>
-            <a:fld id="{BBA8BB16-983D-4C0E-B9C7-D369BA46457F}" type="datetimeFigureOut">
-              <a:rPr lang="pl-PL" smtClean="0"/>
-              <a:t>19.05.2022</a:t>
+            <a:fld id="{526FE429-860E-44F4-BAA4-83B26C7E1917}" type="datetimeFigureOut">
+              <a:rPr lang="pl-PL" altLang="pl-PL"/>
+              <a:pPr/>
+              <a:t>20.05.2022</a:t>
             </a:fld>
-            <a:endParaRPr lang="pl-PL"/>
+            <a:endParaRPr lang="pl-PL" altLang="pl-PL"/>
           </a:p>
         </p:txBody>
       </p:sp>
       <p:sp>
         <p:nvSpPr>
-          <p:cNvPr id="5" name="Symbol zastępczy stopki 4">
+          <p:cNvPr id="2053" name="Symbol zastępczy stopki 4">
             <a:extLst>
               <a:ext uri="{FF2B5EF4-FFF2-40B4-BE49-F238E27FC236}">
-                <a16:creationId xmlns:a16="http://schemas.microsoft.com/office/drawing/2014/main" id="{D89BF841-CAC9-43B2-AB41-68A8ABACBD78}"/>
+                <a16:creationId xmlns:a16="http://schemas.microsoft.com/office/drawing/2014/main" id="{F9E85836-A452-A538-815E-750F6A636069}"/>
               </a:ext>
             </a:extLst>
           </p:cNvPr>
@@ -5744,7 +6151,7 @@
             <p:ph type="ftr" sz="quarter" idx="3"/>
           </p:nvPr>
         </p:nvSpPr>
-        <p:spPr>
+        <p:spPr bwMode="auto">
           <a:xfrm>
             <a:off x="4038600" y="6356350"/>
             <a:ext cx="4114800" cy="365125"/>
@@ -5752,31 +6159,56 @@
           <a:prstGeom prst="rect">
             <a:avLst/>
           </a:prstGeom>
+          <a:noFill/>
+          <a:ln>
+            <a:noFill/>
+          </a:ln>
+          <a:extLst>
+            <a:ext uri="{909E8E84-426E-40DD-AFC4-6F175D3DCCD1}">
+              <a14:hiddenFill xmlns:a14="http://schemas.microsoft.com/office/drawing/2010/main">
+                <a:solidFill>
+                  <a:srgbClr val="FFFFFF"/>
+                </a:solidFill>
+              </a14:hiddenFill>
+            </a:ext>
+            <a:ext uri="{91240B29-F687-4F45-9708-019B960494DF}">
+              <a14:hiddenLine xmlns:a14="http://schemas.microsoft.com/office/drawing/2010/main" w="9525">
+                <a:solidFill>
+                  <a:srgbClr val="000000"/>
+                </a:solidFill>
+                <a:miter lim="800000"/>
+                <a:headEnd/>
+                <a:tailEnd/>
+              </a14:hiddenLine>
+            </a:ext>
+          </a:extLst>
         </p:spPr>
         <p:txBody>
-          <a:bodyPr vert="horz" lIns="91440" tIns="45720" rIns="91440" bIns="45720" rtlCol="0" anchor="ctr"/>
+          <a:bodyPr vert="horz" wrap="square" lIns="91440" tIns="45720" rIns="91440" bIns="45720" numCol="1" anchor="ctr" anchorCtr="0" compatLnSpc="1">
+            <a:prstTxWarp prst="textNoShape">
+              <a:avLst/>
+            </a:prstTxWarp>
+          </a:bodyPr>
           <a:lstStyle>
-            <a:lvl1pPr algn="ctr">
+            <a:lvl1pPr algn="ctr" eaLnBrk="1">
               <a:defRPr sz="1200">
                 <a:solidFill>
-                  <a:schemeClr val="tx1">
-                    <a:tint val="75000"/>
-                  </a:schemeClr>
+                  <a:srgbClr val="898989"/>
                 </a:solidFill>
               </a:defRPr>
             </a:lvl1pPr>
           </a:lstStyle>
           <a:p>
-            <a:endParaRPr lang="pl-PL"/>
+            <a:endParaRPr lang="pl-PL" altLang="pl-PL"/>
           </a:p>
         </p:txBody>
       </p:sp>
       <p:sp>
         <p:nvSpPr>
-          <p:cNvPr id="6" name="Symbol zastępczy numeru slajdu 5">
+          <p:cNvPr id="2054" name="Symbol zastępczy numeru slajdu 5">
             <a:extLst>
               <a:ext uri="{FF2B5EF4-FFF2-40B4-BE49-F238E27FC236}">
-                <a16:creationId xmlns:a16="http://schemas.microsoft.com/office/drawing/2014/main" id="{3457E7FE-709D-4B47-9DB9-475EA0F6F36E}"/>
+                <a16:creationId xmlns:a16="http://schemas.microsoft.com/office/drawing/2014/main" id="{17F1C9BB-34F4-B7DC-1DB6-EB3014399B99}"/>
               </a:ext>
             </a:extLst>
           </p:cNvPr>
@@ -5787,7 +6219,7 @@
             <p:ph type="sldNum" sz="quarter" idx="4"/>
           </p:nvPr>
         </p:nvSpPr>
-        <p:spPr>
+        <p:spPr bwMode="auto">
           <a:xfrm>
             <a:off x="8610600" y="6356350"/>
             <a:ext cx="2743200" cy="365125"/>
@@ -5795,60 +6227,83 @@
           <a:prstGeom prst="rect">
             <a:avLst/>
           </a:prstGeom>
+          <a:noFill/>
+          <a:ln>
+            <a:noFill/>
+          </a:ln>
+          <a:extLst>
+            <a:ext uri="{909E8E84-426E-40DD-AFC4-6F175D3DCCD1}">
+              <a14:hiddenFill xmlns:a14="http://schemas.microsoft.com/office/drawing/2010/main">
+                <a:solidFill>
+                  <a:srgbClr val="FFFFFF"/>
+                </a:solidFill>
+              </a14:hiddenFill>
+            </a:ext>
+            <a:ext uri="{91240B29-F687-4F45-9708-019B960494DF}">
+              <a14:hiddenLine xmlns:a14="http://schemas.microsoft.com/office/drawing/2010/main" w="9525">
+                <a:solidFill>
+                  <a:srgbClr val="000000"/>
+                </a:solidFill>
+                <a:miter lim="800000"/>
+                <a:headEnd/>
+                <a:tailEnd/>
+              </a14:hiddenLine>
+            </a:ext>
+          </a:extLst>
         </p:spPr>
         <p:txBody>
-          <a:bodyPr vert="horz" lIns="91440" tIns="45720" rIns="91440" bIns="45720" rtlCol="0" anchor="ctr"/>
+          <a:bodyPr vert="horz" wrap="square" lIns="91440" tIns="45720" rIns="91440" bIns="45720" numCol="1" anchor="ctr" anchorCtr="0" compatLnSpc="1">
+            <a:prstTxWarp prst="textNoShape">
+              <a:avLst/>
+            </a:prstTxWarp>
+          </a:bodyPr>
           <a:lstStyle>
-            <a:lvl1pPr algn="r">
+            <a:lvl1pPr algn="r" eaLnBrk="1">
               <a:defRPr sz="1200">
                 <a:solidFill>
-                  <a:schemeClr val="tx1">
-                    <a:tint val="75000"/>
-                  </a:schemeClr>
+                  <a:srgbClr val="898989"/>
                 </a:solidFill>
               </a:defRPr>
             </a:lvl1pPr>
           </a:lstStyle>
           <a:p>
-            <a:fld id="{2CE986DA-9C6F-4852-8B4F-0585B8E50254}" type="slidenum">
-              <a:rPr lang="pl-PL" smtClean="0"/>
+            <a:fld id="{1BEB1D58-E205-4942-9E46-499BF443FACD}" type="slidenum">
+              <a:rPr lang="pl-PL" altLang="pl-PL"/>
+              <a:pPr/>
               <a:t>‹#›</a:t>
             </a:fld>
-            <a:endParaRPr lang="pl-PL"/>
+            <a:endParaRPr lang="pl-PL" altLang="pl-PL"/>
           </a:p>
         </p:txBody>
       </p:sp>
     </p:spTree>
-    <p:extLst>
-      <p:ext uri="{BB962C8B-B14F-4D97-AF65-F5344CB8AC3E}">
-        <p14:creationId xmlns:p14="http://schemas.microsoft.com/office/powerpoint/2010/main" val="1114959767"/>
-      </p:ext>
-    </p:extLst>
   </p:cSld>
   <p:clrMap bg1="lt1" tx1="dk1" bg2="lt2" tx2="dk2" accent1="accent1" accent2="accent2" accent3="accent3" accent4="accent4" accent5="accent5" accent6="accent6" hlink="hlink" folHlink="folHlink"/>
   <p:sldLayoutIdLst>
-    <p:sldLayoutId id="2147483664" r:id="rId1"/>
-    <p:sldLayoutId id="2147483665" r:id="rId2"/>
-    <p:sldLayoutId id="2147483666" r:id="rId3"/>
-    <p:sldLayoutId id="2147483667" r:id="rId4"/>
-    <p:sldLayoutId id="2147483668" r:id="rId5"/>
-    <p:sldLayoutId id="2147483669" r:id="rId6"/>
-    <p:sldLayoutId id="2147483670" r:id="rId7"/>
-    <p:sldLayoutId id="2147483671" r:id="rId8"/>
-    <p:sldLayoutId id="2147483672" r:id="rId9"/>
-    <p:sldLayoutId id="2147483673" r:id="rId10"/>
-    <p:sldLayoutId id="2147483674" r:id="rId11"/>
+    <p:sldLayoutId id="2147483683" r:id="rId1"/>
+    <p:sldLayoutId id="2147483684" r:id="rId2"/>
+    <p:sldLayoutId id="2147483685" r:id="rId3"/>
+    <p:sldLayoutId id="2147483686" r:id="rId4"/>
+    <p:sldLayoutId id="2147483687" r:id="rId5"/>
+    <p:sldLayoutId id="2147483688" r:id="rId6"/>
+    <p:sldLayoutId id="2147483689" r:id="rId7"/>
+    <p:sldLayoutId id="2147483690" r:id="rId8"/>
+    <p:sldLayoutId id="2147483691" r:id="rId9"/>
+    <p:sldLayoutId id="2147483692" r:id="rId10"/>
+    <p:sldLayoutId id="2147483693" r:id="rId11"/>
   </p:sldLayoutIdLst>
   <p:txStyles>
     <p:titleStyle>
-      <a:lvl1pPr algn="l" defTabSz="914400" rtl="0" eaLnBrk="1" latinLnBrk="0" hangingPunct="1">
+      <a:lvl1pPr algn="l" rtl="0" fontAlgn="base">
         <a:lnSpc>
           <a:spcPct val="90000"/>
         </a:lnSpc>
         <a:spcBef>
           <a:spcPct val="0"/>
         </a:spcBef>
-        <a:buNone/>
+        <a:spcAft>
+          <a:spcPct val="0"/>
+        </a:spcAft>
         <a:defRPr sz="4400" kern="1200">
           <a:solidFill>
             <a:schemeClr val="tx1"/>
@@ -5858,15 +6313,154 @@
           <a:cs typeface="+mj-cs"/>
         </a:defRPr>
       </a:lvl1pPr>
+      <a:lvl2pPr algn="l" rtl="0" fontAlgn="base">
+        <a:lnSpc>
+          <a:spcPct val="90000"/>
+        </a:lnSpc>
+        <a:spcBef>
+          <a:spcPct val="0"/>
+        </a:spcBef>
+        <a:spcAft>
+          <a:spcPct val="0"/>
+        </a:spcAft>
+        <a:defRPr sz="4400">
+          <a:solidFill>
+            <a:schemeClr val="tx1"/>
+          </a:solidFill>
+          <a:latin typeface="Calibri Light" panose="020F0302020204030204" pitchFamily="34" charset="0"/>
+        </a:defRPr>
+      </a:lvl2pPr>
+      <a:lvl3pPr algn="l" rtl="0" fontAlgn="base">
+        <a:lnSpc>
+          <a:spcPct val="90000"/>
+        </a:lnSpc>
+        <a:spcBef>
+          <a:spcPct val="0"/>
+        </a:spcBef>
+        <a:spcAft>
+          <a:spcPct val="0"/>
+        </a:spcAft>
+        <a:defRPr sz="4400">
+          <a:solidFill>
+            <a:schemeClr val="tx1"/>
+          </a:solidFill>
+          <a:latin typeface="Calibri Light" panose="020F0302020204030204" pitchFamily="34" charset="0"/>
+        </a:defRPr>
+      </a:lvl3pPr>
+      <a:lvl4pPr algn="l" rtl="0" fontAlgn="base">
+        <a:lnSpc>
+          <a:spcPct val="90000"/>
+        </a:lnSpc>
+        <a:spcBef>
+          <a:spcPct val="0"/>
+        </a:spcBef>
+        <a:spcAft>
+          <a:spcPct val="0"/>
+        </a:spcAft>
+        <a:defRPr sz="4400">
+          <a:solidFill>
+            <a:schemeClr val="tx1"/>
+          </a:solidFill>
+          <a:latin typeface="Calibri Light" panose="020F0302020204030204" pitchFamily="34" charset="0"/>
+        </a:defRPr>
+      </a:lvl4pPr>
+      <a:lvl5pPr algn="l" rtl="0" fontAlgn="base">
+        <a:lnSpc>
+          <a:spcPct val="90000"/>
+        </a:lnSpc>
+        <a:spcBef>
+          <a:spcPct val="0"/>
+        </a:spcBef>
+        <a:spcAft>
+          <a:spcPct val="0"/>
+        </a:spcAft>
+        <a:defRPr sz="4400">
+          <a:solidFill>
+            <a:schemeClr val="tx1"/>
+          </a:solidFill>
+          <a:latin typeface="Calibri Light" panose="020F0302020204030204" pitchFamily="34" charset="0"/>
+        </a:defRPr>
+      </a:lvl5pPr>
+      <a:lvl6pPr marL="457200" algn="l" rtl="0" fontAlgn="base">
+        <a:lnSpc>
+          <a:spcPct val="90000"/>
+        </a:lnSpc>
+        <a:spcBef>
+          <a:spcPct val="0"/>
+        </a:spcBef>
+        <a:spcAft>
+          <a:spcPct val="0"/>
+        </a:spcAft>
+        <a:defRPr sz="4400">
+          <a:solidFill>
+            <a:schemeClr val="tx1"/>
+          </a:solidFill>
+          <a:latin typeface="Calibri Light" panose="020F0302020204030204" pitchFamily="34" charset="0"/>
+        </a:defRPr>
+      </a:lvl6pPr>
+      <a:lvl7pPr marL="914400" algn="l" rtl="0" fontAlgn="base">
+        <a:lnSpc>
+          <a:spcPct val="90000"/>
+        </a:lnSpc>
+        <a:spcBef>
+          <a:spcPct val="0"/>
+        </a:spcBef>
+        <a:spcAft>
+          <a:spcPct val="0"/>
+        </a:spcAft>
+        <a:defRPr sz="4400">
+          <a:solidFill>
+            <a:schemeClr val="tx1"/>
+          </a:solidFill>
+          <a:latin typeface="Calibri Light" panose="020F0302020204030204" pitchFamily="34" charset="0"/>
+        </a:defRPr>
+      </a:lvl7pPr>
+      <a:lvl8pPr marL="1371600" algn="l" rtl="0" fontAlgn="base">
+        <a:lnSpc>
+          <a:spcPct val="90000"/>
+        </a:lnSpc>
+        <a:spcBef>
+          <a:spcPct val="0"/>
+        </a:spcBef>
+        <a:spcAft>
+          <a:spcPct val="0"/>
+        </a:spcAft>
+        <a:defRPr sz="4400">
+          <a:solidFill>
+            <a:schemeClr val="tx1"/>
+          </a:solidFill>
+          <a:latin typeface="Calibri Light" panose="020F0302020204030204" pitchFamily="34" charset="0"/>
+        </a:defRPr>
+      </a:lvl8pPr>
+      <a:lvl9pPr marL="1828800" algn="l" rtl="0" fontAlgn="base">
+        <a:lnSpc>
+          <a:spcPct val="90000"/>
+        </a:lnSpc>
+        <a:spcBef>
+          <a:spcPct val="0"/>
+        </a:spcBef>
+        <a:spcAft>
+          <a:spcPct val="0"/>
+        </a:spcAft>
+        <a:defRPr sz="4400">
+          <a:solidFill>
+            <a:schemeClr val="tx1"/>
+          </a:solidFill>
+          <a:latin typeface="Calibri Light" panose="020F0302020204030204" pitchFamily="34" charset="0"/>
+        </a:defRPr>
+      </a:lvl9pPr>
     </p:titleStyle>
     <p:bodyStyle>
-      <a:lvl1pPr marL="228600" indent="-228600" algn="l" defTabSz="914400" rtl="0" eaLnBrk="1" latinLnBrk="0" hangingPunct="1">
+      <a:lvl1pPr marL="228600" indent="-228600" algn="l" rtl="0" fontAlgn="base">
         <a:lnSpc>
           <a:spcPct val="90000"/>
         </a:lnSpc>
         <a:spcBef>
           <a:spcPts val="1000"/>
         </a:spcBef>
+        <a:spcAft>
+          <a:spcPct val="0"/>
+        </a:spcAft>
         <a:buFont typeface="Arial" panose="020B0604020202020204" pitchFamily="34" charset="0"/>
         <a:buChar char="•"/>
         <a:defRPr sz="2800" kern="1200">
@@ -5878,13 +6472,16 @@
           <a:cs typeface="+mn-cs"/>
         </a:defRPr>
       </a:lvl1pPr>
-      <a:lvl2pPr marL="685800" indent="-228600" algn="l" defTabSz="914400" rtl="0" eaLnBrk="1" latinLnBrk="0" hangingPunct="1">
+      <a:lvl2pPr marL="685800" indent="-228600" algn="l" rtl="0" fontAlgn="base">
         <a:lnSpc>
           <a:spcPct val="90000"/>
         </a:lnSpc>
         <a:spcBef>
           <a:spcPts val="500"/>
         </a:spcBef>
+        <a:spcAft>
+          <a:spcPct val="0"/>
+        </a:spcAft>
         <a:buFont typeface="Arial" panose="020B0604020202020204" pitchFamily="34" charset="0"/>
         <a:buChar char="•"/>
         <a:defRPr sz="2400" kern="1200">
@@ -5896,13 +6493,16 @@
           <a:cs typeface="+mn-cs"/>
         </a:defRPr>
       </a:lvl2pPr>
-      <a:lvl3pPr marL="1143000" indent="-228600" algn="l" defTabSz="914400" rtl="0" eaLnBrk="1" latinLnBrk="0" hangingPunct="1">
+      <a:lvl3pPr marL="1143000" indent="-228600" algn="l" rtl="0" fontAlgn="base">
         <a:lnSpc>
           <a:spcPct val="90000"/>
         </a:lnSpc>
         <a:spcBef>
           <a:spcPts val="500"/>
         </a:spcBef>
+        <a:spcAft>
+          <a:spcPct val="0"/>
+        </a:spcAft>
         <a:buFont typeface="Arial" panose="020B0604020202020204" pitchFamily="34" charset="0"/>
         <a:buChar char="•"/>
         <a:defRPr sz="2000" kern="1200">
@@ -5914,16 +6514,19 @@
           <a:cs typeface="+mn-cs"/>
         </a:defRPr>
       </a:lvl3pPr>
-      <a:lvl4pPr marL="1600200" indent="-228600" algn="l" defTabSz="914400" rtl="0" eaLnBrk="1" latinLnBrk="0" hangingPunct="1">
+      <a:lvl4pPr marL="1600200" indent="-228600" algn="l" rtl="0" fontAlgn="base">
         <a:lnSpc>
           <a:spcPct val="90000"/>
         </a:lnSpc>
         <a:spcBef>
           <a:spcPts val="500"/>
         </a:spcBef>
+        <a:spcAft>
+          <a:spcPct val="0"/>
+        </a:spcAft>
         <a:buFont typeface="Arial" panose="020B0604020202020204" pitchFamily="34" charset="0"/>
         <a:buChar char="•"/>
-        <a:defRPr sz="1800" kern="1200">
+        <a:defRPr kern="1200">
           <a:solidFill>
             <a:schemeClr val="tx1"/>
           </a:solidFill>
@@ -5932,16 +6535,19 @@
           <a:cs typeface="+mn-cs"/>
         </a:defRPr>
       </a:lvl4pPr>
-      <a:lvl5pPr marL="2057400" indent="-228600" algn="l" defTabSz="914400" rtl="0" eaLnBrk="1" latinLnBrk="0" hangingPunct="1">
+      <a:lvl5pPr marL="2057400" indent="-228600" algn="l" rtl="0" fontAlgn="base">
         <a:lnSpc>
           <a:spcPct val="90000"/>
         </a:lnSpc>
         <a:spcBef>
           <a:spcPts val="500"/>
         </a:spcBef>
+        <a:spcAft>
+          <a:spcPct val="0"/>
+        </a:spcAft>
         <a:buFont typeface="Arial" panose="020B0604020202020204" pitchFamily="34" charset="0"/>
         <a:buChar char="•"/>
-        <a:defRPr sz="1800" kern="1200">
+        <a:defRPr kern="1200">
           <a:solidFill>
             <a:schemeClr val="tx1"/>
           </a:solidFill>
@@ -6141,7 +6747,13 @@
       </p:grpSpPr>
       <p:sp>
         <p:nvSpPr>
-          <p:cNvPr id="134" name="Tytuł 1"/>
+          <p:cNvPr id="9218" name="Tytuł 1">
+            <a:extLst>
+              <a:ext uri="{FF2B5EF4-FFF2-40B4-BE49-F238E27FC236}">
+                <a16:creationId xmlns:a16="http://schemas.microsoft.com/office/drawing/2014/main" id="{71E7BCD9-FE9B-0607-B5B0-3BB8193BDAE6}"/>
+              </a:ext>
+            </a:extLst>
+          </p:cNvPr>
           <p:cNvSpPr txBox="1">
             <a:spLocks noGrp="1"/>
           </p:cNvSpPr>
@@ -6151,122 +6763,79 @@
         </p:nvSpPr>
         <p:spPr>
           <a:xfrm>
-            <a:off x="1524000" y="1058427"/>
-            <a:ext cx="9144000" cy="2106804"/>
+            <a:off x="1524000" y="1058863"/>
+            <a:ext cx="9144000" cy="2106612"/>
           </a:xfrm>
-          <a:prstGeom prst="rect">
-            <a:avLst/>
-          </a:prstGeom>
         </p:spPr>
         <p:txBody>
-          <a:bodyPr>
-            <a:normAutofit/>
-          </a:bodyPr>
-          <a:lstStyle>
-            <a:lvl1pPr>
-              <a:defRPr sz="5900" b="1">
+          <a:bodyPr/>
+          <a:lstStyle/>
+          <a:p>
+            <a:pPr eaLnBrk="1" hangingPunct="1"/>
+            <a:r>
+              <a:rPr lang="pl-PL" altLang="pl-PL" b="1">
                 <a:latin typeface="Gill Sans"/>
                 <a:ea typeface="Gill Sans"/>
                 <a:cs typeface="Gill Sans"/>
                 <a:sym typeface="Gill Sans"/>
-              </a:defRPr>
-            </a:lvl1pPr>
-          </a:lstStyle>
-          <a:p>
-            <a:r>
-              <a:rPr lang="pl-PL" sz="3600" dirty="0" smtClean="0"/>
-              <a:t>Full </a:t>
-            </a:r>
-            <a:r>
-              <a:rPr lang="pl-PL" sz="3600" dirty="0" err="1" smtClean="0"/>
-              <a:t>text</a:t>
-            </a:r>
-            <a:r>
-              <a:rPr lang="pl-PL" sz="3600" dirty="0" smtClean="0"/>
-              <a:t> </a:t>
-            </a:r>
-            <a:r>
-              <a:rPr lang="pl-PL" sz="3600" dirty="0" err="1" smtClean="0"/>
-              <a:t>search</a:t>
-            </a:r>
-            <a:r>
-              <a:rPr lang="pl-PL" sz="3600" dirty="0"/>
-              <a:t> </a:t>
-            </a:r>
-            <a:r>
-              <a:rPr lang="pl-PL" sz="3600" dirty="0" smtClean="0"/>
-              <a:t>and </a:t>
-            </a:r>
-            <a:r>
-              <a:rPr lang="pl-PL" sz="3600" dirty="0" err="1" smtClean="0"/>
-              <a:t>other</a:t>
-            </a:r>
-            <a:r>
-              <a:rPr lang="pl-PL" sz="3600" dirty="0" smtClean="0"/>
-              <a:t> </a:t>
-            </a:r>
-            <a:r>
-              <a:rPr lang="pl-PL" sz="3600" dirty="0" err="1" smtClean="0"/>
-              <a:t>things</a:t>
-            </a:r>
-            <a:r>
-              <a:rPr lang="pl-PL" sz="3600" dirty="0" smtClean="0"/>
-              <a:t>…</a:t>
+              </a:rPr>
+              <a:t>Full text search and other things…</a:t>
             </a:r>
             <a:br>
-              <a:rPr lang="pl-PL" sz="3600" dirty="0" smtClean="0"/>
+              <a:rPr lang="pl-PL" altLang="pl-PL" b="1">
+                <a:latin typeface="Gill Sans"/>
+                <a:ea typeface="Gill Sans"/>
+                <a:cs typeface="Gill Sans"/>
+                <a:sym typeface="Gill Sans"/>
+              </a:rPr>
             </a:br>
             <a:r>
-              <a:rPr lang="pl-PL" sz="3600" dirty="0" smtClean="0"/>
-              <a:t>(</a:t>
-            </a:r>
-            <a:r>
-              <a:rPr lang="pl-PL" sz="3600" dirty="0" err="1" smtClean="0"/>
-              <a:t>based</a:t>
-            </a:r>
-            <a:r>
-              <a:rPr lang="pl-PL" sz="3600" dirty="0" smtClean="0"/>
-              <a:t> on </a:t>
-            </a:r>
-            <a:r>
-              <a:rPr lang="pl-PL" sz="3600" dirty="0" err="1" smtClean="0"/>
-              <a:t>Elasticsearch</a:t>
-            </a:r>
-            <a:r>
-              <a:rPr lang="pl-PL" sz="3600" dirty="0" smtClean="0"/>
-              <a:t>)</a:t>
-            </a:r>
-            <a:endParaRPr sz="3600" dirty="0"/>
+              <a:rPr lang="pl-PL" altLang="pl-PL" b="1">
+                <a:latin typeface="Gill Sans"/>
+                <a:ea typeface="Gill Sans"/>
+                <a:cs typeface="Gill Sans"/>
+                <a:sym typeface="Gill Sans"/>
+              </a:rPr>
+              <a:t>(based on Elasticsearch)</a:t>
+            </a:r>
           </a:p>
         </p:txBody>
       </p:sp>
       <p:sp>
         <p:nvSpPr>
-          <p:cNvPr id="3" name="Symbol zastępczy tekstu 2">
+          <p:cNvPr id="9219" name="Symbol zastępczy tekstu 2">
             <a:extLst>
               <a:ext uri="{FF2B5EF4-FFF2-40B4-BE49-F238E27FC236}">
-                <a16:creationId xmlns:a16="http://schemas.microsoft.com/office/drawing/2014/main" id="{5FF4F68C-7862-4147-998A-870D08566D2A}"/>
+                <a16:creationId xmlns:a16="http://schemas.microsoft.com/office/drawing/2014/main" id="{97CA64E5-4B70-FF25-0C98-816689EBEBBF}"/>
               </a:ext>
             </a:extLst>
           </p:cNvPr>
-          <p:cNvSpPr>
+          <p:cNvSpPr txBox="1">
             <a:spLocks noGrp="1"/>
           </p:cNvSpPr>
           <p:nvPr>
             <p:ph type="body" sz="quarter" idx="1"/>
           </p:nvPr>
         </p:nvSpPr>
-        <p:spPr/>
+        <p:spPr>
+          <a:xfrm>
+            <a:off x="1524000" y="3602038"/>
+            <a:ext cx="9144000" cy="1282700"/>
+          </a:xfrm>
+        </p:spPr>
         <p:txBody>
           <a:bodyPr/>
           <a:lstStyle/>
           <a:p>
-            <a:pPr algn="r"/>
-            <a:r>
-              <a:rPr lang="pl-PL" dirty="0" smtClean="0"/>
+            <a:pPr algn="r" eaLnBrk="1" hangingPunct="1"/>
+            <a:r>
+              <a:rPr lang="pl-PL" altLang="pl-PL">
+                <a:latin typeface="Gill Sans Nova" panose="020B0602020104020203" pitchFamily="34" charset="0"/>
+                <a:ea typeface="Gill Sans Nova" panose="020B0602020104020203" pitchFamily="34" charset="0"/>
+                <a:cs typeface="Gill Sans Nova" panose="020B0602020104020203" pitchFamily="34" charset="0"/>
+              </a:rPr>
               <a:t>Maciej Kowalski</a:t>
             </a:r>
-            <a:endParaRPr lang="pl-PL" dirty="0"/>
           </a:p>
         </p:txBody>
       </p:sp>
@@ -6276,13 +6845,6 @@
     <a:masterClrMapping/>
   </p:clrMapOvr>
   <p:transition spd="med"/>
-  <p:timing>
-    <p:tnLst>
-      <p:par>
-        <p:cTn id="1" dur="indefinite" restart="never" nodeType="tmRoot"/>
-      </p:par>
-    </p:tnLst>
-  </p:timing>
 </p:sld>
 </file>
 
@@ -6305,50 +6867,56 @@
       </p:grpSpPr>
       <p:sp>
         <p:nvSpPr>
-          <p:cNvPr id="5" name="Tytuł 4"/>
-          <p:cNvSpPr>
+          <p:cNvPr id="10242" name="Tytuł 4">
+            <a:extLst>
+              <a:ext uri="{FF2B5EF4-FFF2-40B4-BE49-F238E27FC236}">
+                <a16:creationId xmlns:a16="http://schemas.microsoft.com/office/drawing/2014/main" id="{4DE38A3D-C3B4-4706-D7FF-E55DBDC952EE}"/>
+              </a:ext>
+            </a:extLst>
+          </p:cNvPr>
+          <p:cNvSpPr txBox="1">
             <a:spLocks noGrp="1"/>
           </p:cNvSpPr>
           <p:nvPr>
             <p:ph type="title"/>
           </p:nvPr>
         </p:nvSpPr>
-        <p:spPr/>
+        <p:spPr>
+          <a:xfrm>
+            <a:off x="625475" y="590550"/>
+            <a:ext cx="10515600" cy="1325563"/>
+          </a:xfrm>
+        </p:spPr>
         <p:txBody>
           <a:bodyPr/>
           <a:lstStyle/>
           <a:p>
-            <a:r>
-              <a:rPr lang="pl-PL" dirty="0" err="1" smtClean="0"/>
-              <a:t>Text</a:t>
-            </a:r>
-            <a:r>
-              <a:rPr lang="pl-PL" dirty="0" smtClean="0"/>
-              <a:t> </a:t>
-            </a:r>
-            <a:r>
-              <a:rPr lang="pl-PL" dirty="0" err="1" smtClean="0"/>
-              <a:t>search</a:t>
-            </a:r>
-            <a:r>
-              <a:rPr lang="pl-PL" dirty="0" smtClean="0"/>
-              <a:t> </a:t>
-            </a:r>
-            <a:r>
-              <a:rPr lang="pl-PL" dirty="0" err="1" smtClean="0"/>
-              <a:t>engines</a:t>
-            </a:r>
-            <a:r>
-              <a:rPr lang="pl-PL" dirty="0" smtClean="0"/>
-              <a:t>?</a:t>
-            </a:r>
-            <a:endParaRPr lang="en-GB" dirty="0"/>
+            <a:pPr eaLnBrk="1" hangingPunct="1"/>
+            <a:r>
+              <a:rPr lang="pl-PL" altLang="pl-PL">
+                <a:latin typeface="Gill Sans Nova" panose="020B0602020104020203" pitchFamily="34" charset="0"/>
+                <a:ea typeface="Gill Sans Nova" panose="020B0602020104020203" pitchFamily="34" charset="0"/>
+                <a:cs typeface="Gill Sans Nova" panose="020B0602020104020203" pitchFamily="34" charset="0"/>
+              </a:rPr>
+              <a:t>Text search engines?</a:t>
+            </a:r>
+            <a:endParaRPr lang="en-GB" altLang="pl-PL">
+              <a:latin typeface="Gill Sans Nova" panose="020B0602020104020203" pitchFamily="34" charset="0"/>
+              <a:ea typeface="Gill Sans Nova" panose="020B0602020104020203" pitchFamily="34" charset="0"/>
+              <a:cs typeface="Gill Sans Nova" panose="020B0602020104020203" pitchFamily="34" charset="0"/>
+            </a:endParaRPr>
           </a:p>
         </p:txBody>
       </p:sp>
       <p:sp>
         <p:nvSpPr>
-          <p:cNvPr id="6" name="Symbol zastępczy tekstu 5"/>
+          <p:cNvPr id="6" name="Symbol zastępczy tekstu 5">
+            <a:extLst>
+              <a:ext uri="{FF2B5EF4-FFF2-40B4-BE49-F238E27FC236}">
+                <a16:creationId xmlns:a16="http://schemas.microsoft.com/office/drawing/2014/main" id="{C634BEBC-E711-086A-C83E-E1F42F8D101E}"/>
+              </a:ext>
+            </a:extLst>
+          </p:cNvPr>
           <p:cNvSpPr>
             <a:spLocks noGrp="1"/>
           </p:cNvSpPr>
@@ -6356,101 +6924,166 @@
             <p:ph type="body" idx="1"/>
           </p:nvPr>
         </p:nvSpPr>
-        <p:spPr/>
+        <p:spPr>
+          <a:xfrm>
+            <a:off x="625475" y="2074863"/>
+            <a:ext cx="10515600" cy="4071937"/>
+          </a:xfrm>
+        </p:spPr>
         <p:txBody>
-          <a:bodyPr/>
+          <a:bodyPr>
+            <a:normAutofit/>
+          </a:bodyPr>
           <a:lstStyle/>
           <a:p>
-            <a:r>
-              <a:rPr lang="pl-PL" dirty="0" err="1" smtClean="0"/>
+            <a:pPr eaLnBrk="1" fontAlgn="auto" hangingPunct="1">
+              <a:spcAft>
+                <a:spcPts val="0"/>
+              </a:spcAft>
+              <a:defRPr/>
+            </a:pPr>
+            <a:r>
+              <a:rPr lang="pl-PL" dirty="0" err="1">
+                <a:sym typeface="Gill Sans Nova"/>
+              </a:rPr>
               <a:t>Imagine</a:t>
             </a:r>
             <a:r>
-              <a:rPr lang="pl-PL" dirty="0" smtClean="0"/>
+              <a:rPr lang="pl-PL" dirty="0">
+                <a:sym typeface="Gill Sans Nova"/>
+              </a:rPr>
               <a:t> a </a:t>
             </a:r>
             <a:r>
-              <a:rPr lang="pl-PL" dirty="0" err="1" smtClean="0"/>
+              <a:rPr lang="pl-PL" dirty="0" err="1">
+                <a:sym typeface="Gill Sans Nova"/>
+              </a:rPr>
               <a:t>bunch</a:t>
             </a:r>
             <a:r>
-              <a:rPr lang="pl-PL" dirty="0" smtClean="0"/>
+              <a:rPr lang="pl-PL" dirty="0">
+                <a:sym typeface="Gill Sans Nova"/>
+              </a:rPr>
               <a:t> of </a:t>
             </a:r>
             <a:r>
-              <a:rPr lang="pl-PL" dirty="0" err="1" smtClean="0"/>
+              <a:rPr lang="pl-PL" dirty="0" err="1">
+                <a:sym typeface="Gill Sans Nova"/>
+              </a:rPr>
               <a:t>documents</a:t>
             </a:r>
             <a:r>
-              <a:rPr lang="pl-PL" dirty="0" smtClean="0"/>
+              <a:rPr lang="pl-PL" dirty="0">
+                <a:sym typeface="Gill Sans Nova"/>
+              </a:rPr>
               <a:t>:</a:t>
             </a:r>
           </a:p>
           <a:p>
-            <a:pPr marL="457200" indent="-457200">
+            <a:pPr marL="457200" indent="-457200" eaLnBrk="1" fontAlgn="auto" hangingPunct="1">
+              <a:spcAft>
+                <a:spcPts val="0"/>
+              </a:spcAft>
               <a:buFont typeface="Arial" panose="020B0604020202020204" pitchFamily="34" charset="0"/>
               <a:buChar char="•"/>
+              <a:defRPr/>
             </a:pPr>
             <a:r>
-              <a:rPr lang="pl-PL" dirty="0" smtClean="0"/>
+              <a:rPr lang="pl-PL" dirty="0">
+                <a:sym typeface="Gill Sans Nova"/>
+              </a:rPr>
               <a:t>How to </a:t>
             </a:r>
             <a:r>
-              <a:rPr lang="pl-PL" dirty="0" err="1" smtClean="0"/>
+              <a:rPr lang="pl-PL" dirty="0" err="1">
+                <a:sym typeface="Gill Sans Nova"/>
+              </a:rPr>
               <a:t>find</a:t>
             </a:r>
             <a:r>
-              <a:rPr lang="pl-PL" dirty="0" smtClean="0"/>
+              <a:rPr lang="pl-PL" dirty="0">
+                <a:sym typeface="Gill Sans Nova"/>
+              </a:rPr>
               <a:t> </a:t>
             </a:r>
             <a:r>
-              <a:rPr lang="pl-PL" dirty="0" err="1" smtClean="0"/>
+              <a:rPr lang="pl-PL" dirty="0" err="1">
+                <a:sym typeface="Gill Sans Nova"/>
+              </a:rPr>
               <a:t>ones</a:t>
             </a:r>
             <a:r>
-              <a:rPr lang="pl-PL" dirty="0" smtClean="0"/>
+              <a:rPr lang="pl-PL" dirty="0">
+                <a:sym typeface="Gill Sans Nova"/>
+              </a:rPr>
               <a:t> with </a:t>
             </a:r>
             <a:r>
-              <a:rPr lang="pl-PL" dirty="0" err="1" smtClean="0"/>
+              <a:rPr lang="pl-PL" dirty="0" err="1">
+                <a:sym typeface="Gill Sans Nova"/>
+              </a:rPr>
               <a:t>particular</a:t>
             </a:r>
             <a:r>
-              <a:rPr lang="pl-PL" dirty="0" smtClean="0"/>
+              <a:rPr lang="pl-PL" dirty="0">
+                <a:sym typeface="Gill Sans Nova"/>
+              </a:rPr>
               <a:t> </a:t>
             </a:r>
             <a:r>
-              <a:rPr lang="pl-PL" dirty="0" err="1" smtClean="0"/>
+              <a:rPr lang="pl-PL" dirty="0" err="1">
+                <a:sym typeface="Gill Sans Nova"/>
+              </a:rPr>
               <a:t>phrase</a:t>
             </a:r>
             <a:r>
-              <a:rPr lang="pl-PL" dirty="0" smtClean="0"/>
+              <a:rPr lang="pl-PL" dirty="0">
+                <a:sym typeface="Gill Sans Nova"/>
+              </a:rPr>
               <a:t> </a:t>
             </a:r>
             <a:r>
-              <a:rPr lang="pl-PL" dirty="0" err="1" smtClean="0"/>
+              <a:rPr lang="pl-PL" dirty="0" err="1">
+                <a:sym typeface="Gill Sans Nova"/>
+              </a:rPr>
               <a:t>inside</a:t>
             </a:r>
             <a:r>
-              <a:rPr lang="pl-PL" dirty="0" smtClean="0"/>
+              <a:rPr lang="pl-PL" dirty="0">
+                <a:sym typeface="Gill Sans Nova"/>
+              </a:rPr>
               <a:t>?</a:t>
             </a:r>
           </a:p>
           <a:p>
-            <a:endParaRPr lang="en-GB" dirty="0"/>
+            <a:pPr eaLnBrk="1" fontAlgn="auto" hangingPunct="1">
+              <a:spcAft>
+                <a:spcPts val="0"/>
+              </a:spcAft>
+              <a:defRPr/>
+            </a:pPr>
+            <a:endParaRPr lang="en-GB" dirty="0">
+              <a:sym typeface="Gill Sans Nova"/>
+            </a:endParaRPr>
           </a:p>
         </p:txBody>
       </p:sp>
       <p:pic>
         <p:nvPicPr>
-          <p:cNvPr id="1026" name="Picture 2" descr="Being at ease with not knowing | J2 Solutions"/>
+          <p:cNvPr id="10244" name="Picture 2" descr="Being at ease with not knowing | J2 Solutions">
+            <a:extLst>
+              <a:ext uri="{FF2B5EF4-FFF2-40B4-BE49-F238E27FC236}">
+                <a16:creationId xmlns:a16="http://schemas.microsoft.com/office/drawing/2014/main" id="{DDFEC55A-3312-DB30-A84F-CB4F0715E2E8}"/>
+              </a:ext>
+            </a:extLst>
+          </p:cNvPr>
           <p:cNvPicPr>
             <a:picLocks noChangeAspect="1" noChangeArrowheads="1"/>
           </p:cNvPicPr>
           <p:nvPr/>
         </p:nvPicPr>
         <p:blipFill>
-          <a:blip r:embed="rId2" cstate="print">
+          <a:blip r:embed="rId2">
             <a:extLst>
               <a:ext uri="{28A0092B-C50C-407E-A947-70E740481C1C}">
                 <a14:useLocalDpi xmlns:a14="http://schemas.microsoft.com/office/drawing/2010/main" val="0"/>
@@ -6464,13 +7097,16 @@
         </p:blipFill>
         <p:spPr bwMode="auto">
           <a:xfrm rot="473622">
-            <a:off x="9280959" y="2949745"/>
-            <a:ext cx="2273398" cy="2652298"/>
+            <a:off x="9280525" y="2949575"/>
+            <a:ext cx="2273300" cy="2652713"/>
           </a:xfrm>
           <a:prstGeom prst="rect">
             <a:avLst/>
           </a:prstGeom>
           <a:noFill/>
+          <a:ln>
+            <a:noFill/>
+          </a:ln>
           <a:extLst>
             <a:ext uri="{909E8E84-426E-40DD-AFC4-6F175D3DCCD1}">
               <a14:hiddenFill xmlns:a14="http://schemas.microsoft.com/office/drawing/2010/main">
@@ -6479,27 +7115,25 @@
                 </a:solidFill>
               </a14:hiddenFill>
             </a:ext>
+            <a:ext uri="{91240B29-F687-4F45-9708-019B960494DF}">
+              <a14:hiddenLine xmlns:a14="http://schemas.microsoft.com/office/drawing/2010/main" w="9525">
+                <a:solidFill>
+                  <a:srgbClr val="000000"/>
+                </a:solidFill>
+                <a:miter lim="800000"/>
+                <a:headEnd/>
+                <a:tailEnd/>
+              </a14:hiddenLine>
+            </a:ext>
           </a:extLst>
         </p:spPr>
       </p:pic>
     </p:spTree>
-    <p:extLst>
-      <p:ext uri="{BB962C8B-B14F-4D97-AF65-F5344CB8AC3E}">
-        <p14:creationId xmlns:p14="http://schemas.microsoft.com/office/powerpoint/2010/main" val="2801095372"/>
-      </p:ext>
-    </p:extLst>
   </p:cSld>
   <p:clrMapOvr>
     <a:masterClrMapping/>
   </p:clrMapOvr>
   <p:transition spd="med"/>
-  <p:timing>
-    <p:tnLst>
-      <p:par>
-        <p:cTn id="1" dur="indefinite" restart="never" nodeType="tmRoot"/>
-      </p:par>
-    </p:tnLst>
-  </p:timing>
 </p:sld>
 </file>
 
@@ -6522,35 +7156,57 @@
       </p:grpSpPr>
       <p:sp>
         <p:nvSpPr>
-          <p:cNvPr id="2" name="Tytuł 1"/>
-          <p:cNvSpPr>
+          <p:cNvPr id="11266" name="Tytuł 1">
+            <a:extLst>
+              <a:ext uri="{FF2B5EF4-FFF2-40B4-BE49-F238E27FC236}">
+                <a16:creationId xmlns:a16="http://schemas.microsoft.com/office/drawing/2014/main" id="{6911AAEB-0DE0-29F5-1185-E2B0AFFEC073}"/>
+              </a:ext>
+            </a:extLst>
+          </p:cNvPr>
+          <p:cNvSpPr txBox="1">
             <a:spLocks noGrp="1"/>
           </p:cNvSpPr>
           <p:nvPr>
             <p:ph type="title"/>
           </p:nvPr>
         </p:nvSpPr>
-        <p:spPr/>
+        <p:spPr>
+          <a:xfrm>
+            <a:off x="625475" y="590550"/>
+            <a:ext cx="10515600" cy="1325563"/>
+          </a:xfrm>
+        </p:spPr>
         <p:txBody>
           <a:bodyPr/>
           <a:lstStyle/>
           <a:p>
-            <a:r>
-              <a:rPr lang="pl-PL" dirty="0" err="1" smtClean="0"/>
-              <a:t>Inverted</a:t>
-            </a:r>
-            <a:r>
-              <a:rPr lang="pl-PL" dirty="0" smtClean="0"/>
-              <a:t> Index</a:t>
-            </a:r>
-            <a:endParaRPr lang="en-GB" dirty="0"/>
+            <a:pPr eaLnBrk="1" hangingPunct="1"/>
+            <a:r>
+              <a:rPr lang="pl-PL" altLang="pl-PL">
+                <a:latin typeface="Gill Sans Nova" panose="020B0602020104020203" pitchFamily="34" charset="0"/>
+                <a:ea typeface="Gill Sans Nova" panose="020B0602020104020203" pitchFamily="34" charset="0"/>
+                <a:cs typeface="Gill Sans Nova" panose="020B0602020104020203" pitchFamily="34" charset="0"/>
+              </a:rPr>
+              <a:t>Inverted Index</a:t>
+            </a:r>
+            <a:endParaRPr lang="en-GB" altLang="pl-PL">
+              <a:latin typeface="Gill Sans Nova" panose="020B0602020104020203" pitchFamily="34" charset="0"/>
+              <a:ea typeface="Gill Sans Nova" panose="020B0602020104020203" pitchFamily="34" charset="0"/>
+              <a:cs typeface="Gill Sans Nova" panose="020B0602020104020203" pitchFamily="34" charset="0"/>
+            </a:endParaRPr>
           </a:p>
         </p:txBody>
       </p:sp>
       <p:sp>
         <p:nvSpPr>
-          <p:cNvPr id="3" name="Symbol zastępczy tekstu 2"/>
-          <p:cNvSpPr>
+          <p:cNvPr id="11267" name="Symbol zastępczy tekstu 2">
+            <a:extLst>
+              <a:ext uri="{FF2B5EF4-FFF2-40B4-BE49-F238E27FC236}">
+                <a16:creationId xmlns:a16="http://schemas.microsoft.com/office/drawing/2014/main" id="{B431815D-DE66-7482-96D2-69469E880588}"/>
+              </a:ext>
+            </a:extLst>
+          </p:cNvPr>
+          <p:cNvSpPr txBox="1">
             <a:spLocks noGrp="1"/>
           </p:cNvSpPr>
           <p:nvPr>
@@ -6559,305 +7215,108 @@
         </p:nvSpPr>
         <p:spPr>
           <a:xfrm>
-            <a:off x="624840" y="1736232"/>
-            <a:ext cx="10515601" cy="4072256"/>
+            <a:off x="625475" y="1736725"/>
+            <a:ext cx="10515600" cy="4071938"/>
           </a:xfrm>
         </p:spPr>
         <p:txBody>
           <a:bodyPr/>
           <a:lstStyle/>
           <a:p>
-            <a:r>
-              <a:rPr lang="pl-PL" dirty="0" smtClean="0"/>
-              <a:t>It </a:t>
-            </a:r>
-            <a:r>
-              <a:rPr lang="pl-PL" dirty="0" err="1" smtClean="0"/>
-              <a:t>is</a:t>
-            </a:r>
-            <a:r>
-              <a:rPr lang="pl-PL" dirty="0" smtClean="0"/>
-              <a:t> the </a:t>
-            </a:r>
-            <a:r>
-              <a:rPr lang="pl-PL" dirty="0" err="1" smtClean="0"/>
-              <a:t>basis</a:t>
-            </a:r>
-            <a:r>
-              <a:rPr lang="pl-PL" dirty="0" smtClean="0"/>
-              <a:t> of </a:t>
-            </a:r>
-            <a:r>
-              <a:rPr lang="pl-PL" dirty="0" err="1" smtClean="0"/>
-              <a:t>every</a:t>
-            </a:r>
-            <a:r>
-              <a:rPr lang="pl-PL" dirty="0" smtClean="0"/>
-              <a:t> </a:t>
-            </a:r>
-            <a:r>
-              <a:rPr lang="pl-PL" dirty="0" err="1" smtClean="0"/>
-              <a:t>search</a:t>
-            </a:r>
-            <a:r>
-              <a:rPr lang="pl-PL" dirty="0" smtClean="0"/>
-              <a:t> </a:t>
-            </a:r>
-            <a:r>
-              <a:rPr lang="pl-PL" dirty="0" err="1" smtClean="0"/>
-              <a:t>algorithm</a:t>
-            </a:r>
-            <a:r>
-              <a:rPr lang="pl-PL" dirty="0" smtClean="0"/>
-              <a:t>. </a:t>
-            </a:r>
-            <a:r>
-              <a:rPr lang="pl-PL" dirty="0" err="1" smtClean="0"/>
-              <a:t>Each</a:t>
-            </a:r>
-            <a:r>
-              <a:rPr lang="pl-PL" dirty="0" smtClean="0"/>
-              <a:t> index </a:t>
-            </a:r>
-            <a:r>
-              <a:rPr lang="pl-PL" dirty="0" err="1" smtClean="0"/>
-              <a:t>entry</a:t>
-            </a:r>
-            <a:r>
-              <a:rPr lang="pl-PL" dirty="0" smtClean="0"/>
-              <a:t> </a:t>
-            </a:r>
-            <a:r>
-              <a:rPr lang="pl-PL" dirty="0" err="1" smtClean="0"/>
-              <a:t>is</a:t>
-            </a:r>
-            <a:r>
-              <a:rPr lang="pl-PL" dirty="0" smtClean="0"/>
-              <a:t> a </a:t>
-            </a:r>
-            <a:r>
-              <a:rPr lang="pl-PL" dirty="0" err="1" smtClean="0"/>
-              <a:t>word</a:t>
-            </a:r>
-            <a:r>
-              <a:rPr lang="pl-PL" dirty="0" smtClean="0"/>
-              <a:t> (</a:t>
-            </a:r>
-            <a:r>
-              <a:rPr lang="pl-PL" dirty="0" err="1" smtClean="0"/>
-              <a:t>or</a:t>
-            </a:r>
-            <a:r>
-              <a:rPr lang="pl-PL" dirty="0" smtClean="0"/>
-              <a:t> term, </a:t>
-            </a:r>
-            <a:r>
-              <a:rPr lang="pl-PL" dirty="0" err="1" smtClean="0"/>
-              <a:t>it</a:t>
-            </a:r>
-            <a:r>
-              <a:rPr lang="pl-PL" dirty="0" smtClean="0"/>
-              <a:t> </a:t>
-            </a:r>
-            <a:r>
-              <a:rPr lang="pl-PL" dirty="0" err="1" smtClean="0"/>
-              <a:t>depends</a:t>
-            </a:r>
-            <a:r>
-              <a:rPr lang="pl-PL" dirty="0" smtClean="0"/>
-              <a:t> </a:t>
-            </a:r>
-            <a:r>
-              <a:rPr lang="pl-PL" dirty="0" err="1" smtClean="0"/>
-              <a:t>how</a:t>
-            </a:r>
-            <a:r>
-              <a:rPr lang="pl-PL" dirty="0" smtClean="0"/>
-              <a:t> </a:t>
-            </a:r>
-            <a:r>
-              <a:rPr lang="pl-PL" dirty="0" err="1" smtClean="0"/>
-              <a:t>you</a:t>
-            </a:r>
-            <a:r>
-              <a:rPr lang="pl-PL" dirty="0" smtClean="0"/>
-              <a:t> </a:t>
-            </a:r>
-            <a:r>
-              <a:rPr lang="pl-PL" dirty="0" err="1" smtClean="0"/>
-              <a:t>divide</a:t>
-            </a:r>
-            <a:r>
-              <a:rPr lang="pl-PL" dirty="0" smtClean="0"/>
-              <a:t> </a:t>
-            </a:r>
-            <a:r>
-              <a:rPr lang="pl-PL" dirty="0" err="1" smtClean="0"/>
-              <a:t>it</a:t>
-            </a:r>
-            <a:r>
-              <a:rPr lang="pl-PL" dirty="0" smtClean="0"/>
-              <a:t>) and a list of </a:t>
-            </a:r>
-            <a:r>
-              <a:rPr lang="pl-PL" dirty="0" err="1" smtClean="0"/>
-              <a:t>document</a:t>
-            </a:r>
-            <a:r>
-              <a:rPr lang="pl-PL" dirty="0" smtClean="0"/>
-              <a:t> </a:t>
-            </a:r>
-            <a:r>
-              <a:rPr lang="pl-PL" dirty="0" err="1" smtClean="0"/>
-              <a:t>where</a:t>
-            </a:r>
-            <a:r>
-              <a:rPr lang="pl-PL" dirty="0" smtClean="0"/>
-              <a:t> </a:t>
-            </a:r>
-            <a:r>
-              <a:rPr lang="pl-PL" dirty="0" err="1" smtClean="0"/>
-              <a:t>that</a:t>
-            </a:r>
-            <a:r>
-              <a:rPr lang="pl-PL" dirty="0" smtClean="0"/>
-              <a:t> </a:t>
-            </a:r>
-            <a:r>
-              <a:rPr lang="pl-PL" dirty="0" err="1" smtClean="0"/>
-              <a:t>particular</a:t>
-            </a:r>
-            <a:r>
-              <a:rPr lang="pl-PL" dirty="0" smtClean="0"/>
-              <a:t> </a:t>
-            </a:r>
-            <a:r>
-              <a:rPr lang="pl-PL" dirty="0" err="1" smtClean="0"/>
-              <a:t>word</a:t>
-            </a:r>
-            <a:r>
-              <a:rPr lang="pl-PL" dirty="0" smtClean="0"/>
-              <a:t> </a:t>
-            </a:r>
-            <a:r>
-              <a:rPr lang="pl-PL" dirty="0" err="1" smtClean="0"/>
-              <a:t>is</a:t>
-            </a:r>
-            <a:r>
-              <a:rPr lang="pl-PL" dirty="0" smtClean="0"/>
-              <a:t> </a:t>
-            </a:r>
-            <a:r>
-              <a:rPr lang="pl-PL" dirty="0" err="1" smtClean="0"/>
-              <a:t>located</a:t>
-            </a:r>
-            <a:r>
-              <a:rPr lang="pl-PL" dirty="0" smtClean="0"/>
-              <a:t> (</a:t>
-            </a:r>
-            <a:r>
-              <a:rPr lang="pl-PL" dirty="0" err="1" smtClean="0"/>
-              <a:t>possibly</a:t>
-            </a:r>
-            <a:r>
-              <a:rPr lang="pl-PL" dirty="0" smtClean="0"/>
-              <a:t> with </a:t>
-            </a:r>
-            <a:r>
-              <a:rPr lang="pl-PL" dirty="0" err="1" smtClean="0"/>
-              <a:t>locations</a:t>
-            </a:r>
-            <a:r>
-              <a:rPr lang="pl-PL" dirty="0" smtClean="0"/>
-              <a:t> </a:t>
-            </a:r>
-            <a:r>
-              <a:rPr lang="pl-PL" dirty="0" err="1" smtClean="0"/>
-              <a:t>within</a:t>
-            </a:r>
-            <a:r>
-              <a:rPr lang="pl-PL" dirty="0" smtClean="0"/>
-              <a:t> </a:t>
-            </a:r>
-            <a:r>
-              <a:rPr lang="pl-PL" dirty="0" err="1" smtClean="0"/>
-              <a:t>that</a:t>
-            </a:r>
-            <a:r>
-              <a:rPr lang="pl-PL" dirty="0" smtClean="0"/>
-              <a:t> </a:t>
-            </a:r>
-            <a:r>
-              <a:rPr lang="pl-PL" dirty="0" err="1" smtClean="0"/>
-              <a:t>document</a:t>
-            </a:r>
-            <a:r>
-              <a:rPr lang="pl-PL" dirty="0" smtClean="0"/>
-              <a:t>).</a:t>
-            </a:r>
-          </a:p>
-          <a:p>
-            <a:endParaRPr lang="pl-PL" dirty="0"/>
-          </a:p>
-          <a:p>
-            <a:pPr lvl="4"/>
-            <a:r>
-              <a:rPr lang="pl-PL" dirty="0" smtClean="0"/>
+            <a:pPr eaLnBrk="1" hangingPunct="1"/>
+            <a:r>
+              <a:rPr lang="pl-PL" altLang="pl-PL">
+                <a:latin typeface="Gill Sans Nova" panose="020B0602020104020203" pitchFamily="34" charset="0"/>
+                <a:ea typeface="Gill Sans Nova" panose="020B0602020104020203" pitchFamily="34" charset="0"/>
+                <a:cs typeface="Gill Sans Nova" panose="020B0602020104020203" pitchFamily="34" charset="0"/>
+              </a:rPr>
+              <a:t>It is the basis of every search algorithm. Each index entry is a word (or term, it depends how you divide it) and a list of document where that particular word is located (possibly with locations within that document).</a:t>
+            </a:r>
+          </a:p>
+          <a:p>
+            <a:pPr eaLnBrk="1" hangingPunct="1"/>
+            <a:endParaRPr lang="pl-PL" altLang="pl-PL">
+              <a:latin typeface="Gill Sans Nova" panose="020B0602020104020203" pitchFamily="34" charset="0"/>
+              <a:ea typeface="Gill Sans Nova" panose="020B0602020104020203" pitchFamily="34" charset="0"/>
+              <a:cs typeface="Gill Sans Nova" panose="020B0602020104020203" pitchFamily="34" charset="0"/>
+            </a:endParaRPr>
+          </a:p>
+          <a:p>
+            <a:pPr lvl="4" eaLnBrk="1" hangingPunct="1"/>
+            <a:r>
+              <a:rPr lang="pl-PL" altLang="pl-PL">
+                <a:latin typeface="Gill Sans Nova" panose="020B0602020104020203" pitchFamily="34" charset="0"/>
+                <a:ea typeface="Gill Sans Nova" panose="020B0602020104020203" pitchFamily="34" charset="0"/>
+                <a:cs typeface="Gill Sans Nova" panose="020B0602020104020203" pitchFamily="34" charset="0"/>
+              </a:rPr>
               <a:t>D1) </a:t>
             </a:r>
             <a:r>
-              <a:rPr lang="pl-PL" i="1" dirty="0" smtClean="0"/>
-              <a:t>I love </a:t>
-            </a:r>
-            <a:r>
-              <a:rPr lang="pl-PL" i="1" dirty="0" err="1" smtClean="0"/>
-              <a:t>you</a:t>
-            </a:r>
-            <a:endParaRPr lang="pl-PL" i="1" dirty="0" smtClean="0"/>
-          </a:p>
-          <a:p>
-            <a:pPr lvl="4"/>
-            <a:r>
-              <a:rPr lang="pl-PL" dirty="0" smtClean="0"/>
+              <a:rPr lang="pl-PL" altLang="pl-PL" i="1">
+                <a:latin typeface="Gill Sans Nova" panose="020B0602020104020203" pitchFamily="34" charset="0"/>
+                <a:ea typeface="Gill Sans Nova" panose="020B0602020104020203" pitchFamily="34" charset="0"/>
+                <a:cs typeface="Gill Sans Nova" panose="020B0602020104020203" pitchFamily="34" charset="0"/>
+              </a:rPr>
+              <a:t>I love you</a:t>
+            </a:r>
+          </a:p>
+          <a:p>
+            <a:pPr lvl="4" eaLnBrk="1" hangingPunct="1"/>
+            <a:r>
+              <a:rPr lang="pl-PL" altLang="pl-PL">
+                <a:latin typeface="Gill Sans Nova" panose="020B0602020104020203" pitchFamily="34" charset="0"/>
+                <a:ea typeface="Gill Sans Nova" panose="020B0602020104020203" pitchFamily="34" charset="0"/>
+                <a:cs typeface="Gill Sans Nova" panose="020B0602020104020203" pitchFamily="34" charset="0"/>
+              </a:rPr>
               <a:t>D2) </a:t>
             </a:r>
             <a:r>
-              <a:rPr lang="pl-PL" i="1" dirty="0" smtClean="0"/>
-              <a:t>Love </a:t>
-            </a:r>
-            <a:r>
-              <a:rPr lang="pl-PL" i="1" dirty="0" err="1" smtClean="0"/>
-              <a:t>is</a:t>
-            </a:r>
-            <a:r>
-              <a:rPr lang="pl-PL" i="1" dirty="0" smtClean="0"/>
-              <a:t> blind</a:t>
-            </a:r>
-          </a:p>
-          <a:p>
-            <a:pPr lvl="4"/>
-            <a:r>
-              <a:rPr lang="pl-PL" dirty="0" smtClean="0"/>
+              <a:rPr lang="pl-PL" altLang="pl-PL" i="1">
+                <a:latin typeface="Gill Sans Nova" panose="020B0602020104020203" pitchFamily="34" charset="0"/>
+                <a:ea typeface="Gill Sans Nova" panose="020B0602020104020203" pitchFamily="34" charset="0"/>
+                <a:cs typeface="Gill Sans Nova" panose="020B0602020104020203" pitchFamily="34" charset="0"/>
+              </a:rPr>
+              <a:t>Love is blind</a:t>
+            </a:r>
+          </a:p>
+          <a:p>
+            <a:pPr lvl="4" eaLnBrk="1" hangingPunct="1"/>
+            <a:r>
+              <a:rPr lang="pl-PL" altLang="pl-PL">
+                <a:latin typeface="Gill Sans Nova" panose="020B0602020104020203" pitchFamily="34" charset="0"/>
+                <a:ea typeface="Gill Sans Nova" panose="020B0602020104020203" pitchFamily="34" charset="0"/>
+                <a:cs typeface="Gill Sans Nova" panose="020B0602020104020203" pitchFamily="34" charset="0"/>
+              </a:rPr>
               <a:t>D3) </a:t>
             </a:r>
             <a:r>
-              <a:rPr lang="pl-PL" i="1" dirty="0" smtClean="0"/>
-              <a:t>Blind </a:t>
-            </a:r>
-            <a:r>
-              <a:rPr lang="pl-PL" i="1" dirty="0" err="1" smtClean="0"/>
-              <a:t>justice</a:t>
-            </a:r>
-            <a:endParaRPr lang="pl-PL" i="1" dirty="0" smtClean="0"/>
-          </a:p>
-          <a:p>
-            <a:endParaRPr lang="en-GB" dirty="0"/>
+              <a:rPr lang="pl-PL" altLang="pl-PL" i="1">
+                <a:latin typeface="Gill Sans Nova" panose="020B0602020104020203" pitchFamily="34" charset="0"/>
+                <a:ea typeface="Gill Sans Nova" panose="020B0602020104020203" pitchFamily="34" charset="0"/>
+                <a:cs typeface="Gill Sans Nova" panose="020B0602020104020203" pitchFamily="34" charset="0"/>
+              </a:rPr>
+              <a:t>Blind justice</a:t>
+            </a:r>
+          </a:p>
+          <a:p>
+            <a:pPr eaLnBrk="1" hangingPunct="1"/>
+            <a:endParaRPr lang="en-GB" altLang="pl-PL">
+              <a:latin typeface="Gill Sans Nova" panose="020B0602020104020203" pitchFamily="34" charset="0"/>
+              <a:ea typeface="Gill Sans Nova" panose="020B0602020104020203" pitchFamily="34" charset="0"/>
+              <a:cs typeface="Gill Sans Nova" panose="020B0602020104020203" pitchFamily="34" charset="0"/>
+            </a:endParaRPr>
           </a:p>
         </p:txBody>
       </p:sp>
       <p:sp>
         <p:nvSpPr>
-          <p:cNvPr id="4" name="Nawias klamrowy zamykający 3"/>
+          <p:cNvPr id="4" name="Nawias klamrowy zamykający 3">
+            <a:extLst>
+              <a:ext uri="{FF2B5EF4-FFF2-40B4-BE49-F238E27FC236}">
+                <a16:creationId xmlns:a16="http://schemas.microsoft.com/office/drawing/2014/main" id="{213B13EA-22E7-987F-2B5C-EA4DFF2EA3F3}"/>
+              </a:ext>
+            </a:extLst>
+          </p:cNvPr>
           <p:cNvSpPr/>
           <p:nvPr/>
         </p:nvSpPr>
@@ -6896,53 +7355,39 @@
           <a:fontRef idx="none"/>
         </p:style>
         <p:txBody>
-          <a:bodyPr rot="0" spcFirstLastPara="1" vertOverflow="overflow" horzOverflow="overflow" vert="horz" wrap="square" lIns="91439" tIns="45719" rIns="91439" bIns="45719" numCol="1" spcCol="38100" rtlCol="0" anchor="t">
-            <a:noAutofit/>
-          </a:bodyPr>
+          <a:bodyPr spcFirstLastPara="1" lIns="91439" tIns="45719" rIns="91439" bIns="45719" spcCol="38100"/>
           <a:lstStyle/>
           <a:p>
-            <a:pPr marL="0" marR="0" indent="0" algn="l" defTabSz="914400" rtl="0" fontAlgn="auto" latinLnBrk="1" hangingPunct="0">
-              <a:lnSpc>
-                <a:spcPct val="100000"/>
-              </a:lnSpc>
+            <a:pPr eaLnBrk="1" fontAlgn="auto" latinLnBrk="1">
               <a:spcBef>
                 <a:spcPts val="0"/>
               </a:spcBef>
               <a:spcAft>
                 <a:spcPts val="0"/>
               </a:spcAft>
-              <a:buClrTx/>
-              <a:buSzTx/>
-              <a:buFontTx/>
-              <a:buNone/>
-              <a:tabLst/>
+              <a:defRPr/>
             </a:pPr>
-            <a:endParaRPr kumimoji="0" lang="en-GB" sz="1800" b="0" i="0" u="none" strike="noStrike" cap="none" spc="0" normalizeH="0" baseline="0">
-              <a:ln>
-                <a:noFill/>
-              </a:ln>
-              <a:solidFill>
-                <a:srgbClr val="000000"/>
-              </a:solidFill>
-              <a:effectLst/>
-              <a:uFillTx/>
+            <a:endParaRPr lang="en-GB" kern="0">
+              <a:latin typeface="+mn-lt"/>
+              <a:cs typeface="+mn-cs"/>
+              <a:sym typeface="Calibri"/>
             </a:endParaRPr>
           </a:p>
         </p:txBody>
       </p:sp>
       <p:graphicFrame>
         <p:nvGraphicFramePr>
-          <p:cNvPr id="5" name="Tabela 4"/>
+          <p:cNvPr id="5" name="Tabela 4">
+            <a:extLst>
+              <a:ext uri="{FF2B5EF4-FFF2-40B4-BE49-F238E27FC236}">
+                <a16:creationId xmlns:a16="http://schemas.microsoft.com/office/drawing/2014/main" id="{2B848431-1B74-48C7-F649-682FBCA3D7E0}"/>
+              </a:ext>
+            </a:extLst>
+          </p:cNvPr>
           <p:cNvGraphicFramePr>
             <a:graphicFrameLocks noGrp="1"/>
           </p:cNvGraphicFramePr>
-          <p:nvPr>
-            <p:extLst>
-              <p:ext uri="{D42A27DB-BD31-4B8C-83A1-F6EECF244321}">
-                <p14:modId xmlns:p14="http://schemas.microsoft.com/office/powerpoint/2010/main" val="795670744"/>
-              </p:ext>
-            </p:extLst>
-          </p:nvPr>
+          <p:nvPr/>
         </p:nvGraphicFramePr>
         <p:xfrm>
           <a:off x="6336349" y="3772457"/>
@@ -6977,7 +7422,7 @@
                     <a:lstStyle/>
                     <a:p>
                       <a:r>
-                        <a:rPr lang="pl-PL" sz="1050" dirty="0" err="1" smtClean="0"/>
+                        <a:rPr lang="pl-PL" sz="1050" dirty="0" err="1"/>
                         <a:t>word</a:t>
                       </a:r>
                       <a:endParaRPr lang="en-GB" sz="1050" dirty="0"/>
@@ -6991,7 +7436,7 @@
                     <a:lstStyle/>
                     <a:p>
                       <a:r>
-                        <a:rPr lang="pl-PL" sz="1050" dirty="0" err="1" smtClean="0"/>
+                        <a:rPr lang="pl-PL" sz="1050" dirty="0" err="1"/>
                         <a:t>documents</a:t>
                       </a:r>
                       <a:endParaRPr lang="en-GB" sz="1050" dirty="0"/>
@@ -7012,7 +7457,7 @@
                     <a:lstStyle/>
                     <a:p>
                       <a:r>
-                        <a:rPr lang="pl-PL" sz="1050" dirty="0" smtClean="0"/>
+                        <a:rPr lang="pl-PL" sz="1050" dirty="0"/>
                         <a:t>i</a:t>
                       </a:r>
                       <a:endParaRPr lang="en-GB" sz="1050" dirty="0"/>
@@ -7026,7 +7471,7 @@
                     <a:lstStyle/>
                     <a:p>
                       <a:r>
-                        <a:rPr lang="pl-PL" sz="1050" dirty="0" smtClean="0"/>
+                        <a:rPr lang="pl-PL" sz="1050" dirty="0"/>
                         <a:t>(1, 1)</a:t>
                       </a:r>
                       <a:endParaRPr lang="en-GB" sz="1050" dirty="0"/>
@@ -7047,7 +7492,7 @@
                     <a:lstStyle/>
                     <a:p>
                       <a:r>
-                        <a:rPr lang="pl-PL" sz="1050" dirty="0" smtClean="0"/>
+                        <a:rPr lang="pl-PL" sz="1050" dirty="0"/>
                         <a:t>love</a:t>
                       </a:r>
                       <a:endParaRPr lang="en-GB" sz="1050" dirty="0"/>
@@ -7061,11 +7506,11 @@
                     <a:lstStyle/>
                     <a:p>
                       <a:r>
-                        <a:rPr lang="pl-PL" sz="1050" dirty="0" smtClean="0"/>
+                        <a:rPr lang="pl-PL" sz="1050" dirty="0"/>
                         <a:t>(1, 2), (2,</a:t>
                       </a:r>
                       <a:r>
-                        <a:rPr lang="pl-PL" sz="1050" baseline="0" dirty="0" smtClean="0"/>
+                        <a:rPr lang="pl-PL" sz="1050" baseline="0" dirty="0"/>
                         <a:t> 1)</a:t>
                       </a:r>
                       <a:endParaRPr lang="en-GB" sz="1050" dirty="0"/>
@@ -7086,7 +7531,7 @@
                     <a:lstStyle/>
                     <a:p>
                       <a:r>
-                        <a:rPr lang="pl-PL" sz="1050" dirty="0" err="1" smtClean="0"/>
+                        <a:rPr lang="pl-PL" sz="1050" dirty="0" err="1"/>
                         <a:t>you</a:t>
                       </a:r>
                       <a:endParaRPr lang="en-GB" sz="1050" dirty="0"/>
@@ -7100,7 +7545,7 @@
                     <a:lstStyle/>
                     <a:p>
                       <a:r>
-                        <a:rPr lang="pl-PL" sz="1050" dirty="0" smtClean="0"/>
+                        <a:rPr lang="pl-PL" sz="1050" dirty="0"/>
                         <a:t>(1, 3)</a:t>
                       </a:r>
                       <a:endParaRPr lang="en-GB" sz="1050" dirty="0"/>
@@ -7121,7 +7566,7 @@
                     <a:lstStyle/>
                     <a:p>
                       <a:r>
-                        <a:rPr lang="pl-PL" sz="1050" dirty="0" err="1" smtClean="0"/>
+                        <a:rPr lang="pl-PL" sz="1050" dirty="0" err="1"/>
                         <a:t>is</a:t>
                       </a:r>
                       <a:endParaRPr lang="en-GB" sz="1050" dirty="0"/>
@@ -7135,7 +7580,7 @@
                     <a:lstStyle/>
                     <a:p>
                       <a:r>
-                        <a:rPr lang="pl-PL" sz="1050" dirty="0" smtClean="0"/>
+                        <a:rPr lang="pl-PL" sz="1050" dirty="0"/>
                         <a:t>(2, 2)</a:t>
                       </a:r>
                       <a:endParaRPr lang="en-GB" sz="1050" dirty="0"/>
@@ -7156,7 +7601,7 @@
                     <a:lstStyle/>
                     <a:p>
                       <a:r>
-                        <a:rPr lang="pl-PL" sz="1050" dirty="0" smtClean="0"/>
+                        <a:rPr lang="pl-PL" sz="1050" dirty="0"/>
                         <a:t>blind</a:t>
                       </a:r>
                       <a:endParaRPr lang="en-GB" sz="1050" dirty="0"/>
@@ -7170,11 +7615,11 @@
                     <a:lstStyle/>
                     <a:p>
                       <a:r>
-                        <a:rPr lang="pl-PL" sz="1050" dirty="0" smtClean="0"/>
+                        <a:rPr lang="pl-PL" sz="1050" dirty="0"/>
                         <a:t>(2, 3), (3,</a:t>
                       </a:r>
                       <a:r>
-                        <a:rPr lang="pl-PL" sz="1050" baseline="0" dirty="0" smtClean="0"/>
+                        <a:rPr lang="pl-PL" sz="1050" baseline="0" dirty="0"/>
                         <a:t> 1)</a:t>
                       </a:r>
                       <a:endParaRPr lang="en-GB" sz="1050" dirty="0"/>
@@ -7195,7 +7640,7 @@
                     <a:lstStyle/>
                     <a:p>
                       <a:r>
-                        <a:rPr lang="pl-PL" sz="1050" dirty="0" err="1" smtClean="0"/>
+                        <a:rPr lang="pl-PL" sz="1050" dirty="0" err="1"/>
                         <a:t>justice</a:t>
                       </a:r>
                       <a:endParaRPr lang="en-GB" sz="1050" dirty="0"/>
@@ -7209,11 +7654,11 @@
                     <a:lstStyle/>
                     <a:p>
                       <a:r>
-                        <a:rPr lang="pl-PL" sz="1050" dirty="0" smtClean="0"/>
+                        <a:rPr lang="pl-PL" sz="1050" dirty="0"/>
                         <a:t>(3,</a:t>
                       </a:r>
                       <a:r>
-                        <a:rPr lang="pl-PL" sz="1050" baseline="0" dirty="0" smtClean="0"/>
+                        <a:rPr lang="pl-PL" sz="1050" baseline="0" dirty="0"/>
                         <a:t> 2)</a:t>
                       </a:r>
                       <a:endParaRPr lang="en-GB" sz="1050" dirty="0"/>
@@ -7233,7 +7678,13 @@
       </p:graphicFrame>
       <p:sp>
         <p:nvSpPr>
-          <p:cNvPr id="6" name="pole tekstowe 5"/>
+          <p:cNvPr id="6" name="pole tekstowe 5">
+            <a:extLst>
+              <a:ext uri="{FF2B5EF4-FFF2-40B4-BE49-F238E27FC236}">
+                <a16:creationId xmlns:a16="http://schemas.microsoft.com/office/drawing/2014/main" id="{DC276183-3A3E-B823-A2F1-28D72709F208}"/>
+              </a:ext>
+            </a:extLst>
+          </p:cNvPr>
           <p:cNvSpPr txBox="1"/>
           <p:nvPr/>
         </p:nvSpPr>
@@ -7266,43 +7717,38 @@
           <a:fontRef idx="none"/>
         </p:style>
         <p:txBody>
-          <a:bodyPr rot="0" spcFirstLastPara="1" vertOverflow="overflow" horzOverflow="overflow" vert="horz" wrap="none" lIns="45719" tIns="45719" rIns="45719" bIns="45719" numCol="1" spcCol="38100" rtlCol="0" anchor="t">
+          <a:bodyPr spcFirstLastPara="1" wrap="none" lIns="45719" tIns="45719" rIns="45719" bIns="45719" spcCol="38100">
             <a:spAutoFit/>
           </a:bodyPr>
           <a:lstStyle/>
           <a:p>
-            <a:r>
-              <a:rPr kumimoji="0" lang="pl-PL" sz="1800" b="0" i="0" u="none" strike="noStrike" cap="none" spc="0" normalizeH="0" baseline="0" dirty="0" err="1" smtClean="0">
-                <a:ln>
-                  <a:noFill/>
-                </a:ln>
-                <a:solidFill>
-                  <a:srgbClr val="000000"/>
-                </a:solidFill>
-                <a:effectLst/>
-                <a:uFillTx/>
+            <a:pPr eaLnBrk="1" fontAlgn="auto">
+              <a:spcBef>
+                <a:spcPts val="0"/>
+              </a:spcBef>
+              <a:spcAft>
+                <a:spcPts val="0"/>
+              </a:spcAft>
+              <a:defRPr/>
+            </a:pPr>
+            <a:r>
+              <a:rPr lang="pl-PL" kern="0" dirty="0" err="1">
                 <a:latin typeface="+mn-lt"/>
-                <a:ea typeface="+mn-ea"/>
                 <a:cs typeface="+mn-cs"/>
                 <a:sym typeface="Calibri"/>
               </a:rPr>
               <a:t>More</a:t>
             </a:r>
             <a:r>
-              <a:rPr lang="pl-PL" dirty="0"/>
+              <a:rPr lang="pl-PL" kern="0" dirty="0">
+                <a:latin typeface="+mn-lt"/>
+                <a:cs typeface="+mn-cs"/>
+                <a:sym typeface="Calibri"/>
+              </a:rPr>
               <a:t>: https://xlinux.nist.gov/dads/HTML/invertedIndex.html</a:t>
             </a:r>
-            <a:endParaRPr kumimoji="0" lang="en-GB" sz="1800" b="0" i="0" u="none" strike="noStrike" cap="none" spc="0" normalizeH="0" baseline="0" dirty="0">
-              <a:ln>
-                <a:noFill/>
-              </a:ln>
-              <a:solidFill>
-                <a:srgbClr val="000000"/>
-              </a:solidFill>
-              <a:effectLst/>
-              <a:uFillTx/>
+            <a:endParaRPr lang="en-GB" kern="0" dirty="0">
               <a:latin typeface="+mn-lt"/>
-              <a:ea typeface="+mn-ea"/>
               <a:cs typeface="+mn-cs"/>
               <a:sym typeface="Calibri"/>
             </a:endParaRPr>
@@ -7310,23 +7756,11 @@
         </p:txBody>
       </p:sp>
     </p:spTree>
-    <p:extLst>
-      <p:ext uri="{BB962C8B-B14F-4D97-AF65-F5344CB8AC3E}">
-        <p14:creationId xmlns:p14="http://schemas.microsoft.com/office/powerpoint/2010/main" val="1611437769"/>
-      </p:ext>
-    </p:extLst>
   </p:cSld>
   <p:clrMapOvr>
     <a:masterClrMapping/>
   </p:clrMapOvr>
   <p:transition spd="med"/>
-  <p:timing>
-    <p:tnLst>
-      <p:par>
-        <p:cTn id="1" dur="indefinite" restart="never" nodeType="tmRoot"/>
-      </p:par>
-    </p:tnLst>
-  </p:timing>
 </p:sld>
 </file>
 
@@ -7349,105 +7783,123 @@
       </p:grpSpPr>
       <p:sp>
         <p:nvSpPr>
-          <p:cNvPr id="2" name="Tytuł 1"/>
-          <p:cNvSpPr>
+          <p:cNvPr id="12290" name="Tytuł 1">
+            <a:extLst>
+              <a:ext uri="{FF2B5EF4-FFF2-40B4-BE49-F238E27FC236}">
+                <a16:creationId xmlns:a16="http://schemas.microsoft.com/office/drawing/2014/main" id="{6E45B09E-64E1-46FD-243D-B9AE4A0E3C4C}"/>
+              </a:ext>
+            </a:extLst>
+          </p:cNvPr>
+          <p:cNvSpPr txBox="1">
             <a:spLocks noGrp="1"/>
           </p:cNvSpPr>
           <p:nvPr>
             <p:ph type="title"/>
           </p:nvPr>
         </p:nvSpPr>
-        <p:spPr/>
+        <p:spPr>
+          <a:xfrm>
+            <a:off x="625475" y="590550"/>
+            <a:ext cx="10515600" cy="1325563"/>
+          </a:xfrm>
+        </p:spPr>
         <p:txBody>
           <a:bodyPr/>
           <a:lstStyle/>
           <a:p>
-            <a:r>
-              <a:rPr lang="pl-PL" dirty="0" err="1" smtClean="0"/>
-              <a:t>Text</a:t>
-            </a:r>
-            <a:r>
-              <a:rPr lang="pl-PL" dirty="0" smtClean="0"/>
-              <a:t> </a:t>
-            </a:r>
-            <a:r>
-              <a:rPr lang="pl-PL" dirty="0" err="1" smtClean="0"/>
-              <a:t>Search</a:t>
-            </a:r>
-            <a:r>
-              <a:rPr lang="pl-PL" dirty="0" smtClean="0"/>
-              <a:t> </a:t>
-            </a:r>
-            <a:r>
-              <a:rPr lang="pl-PL" dirty="0" err="1" smtClean="0"/>
-              <a:t>Engines</a:t>
-            </a:r>
-            <a:r>
-              <a:rPr lang="pl-PL" dirty="0" smtClean="0"/>
-              <a:t>?</a:t>
-            </a:r>
-            <a:endParaRPr lang="en-GB" dirty="0"/>
+            <a:pPr eaLnBrk="1" hangingPunct="1"/>
+            <a:r>
+              <a:rPr lang="pl-PL" altLang="pl-PL">
+                <a:latin typeface="Gill Sans Nova" panose="020B0602020104020203" pitchFamily="34" charset="0"/>
+                <a:ea typeface="Gill Sans Nova" panose="020B0602020104020203" pitchFamily="34" charset="0"/>
+                <a:cs typeface="Gill Sans Nova" panose="020B0602020104020203" pitchFamily="34" charset="0"/>
+              </a:rPr>
+              <a:t>Text Search Engines?</a:t>
+            </a:r>
+            <a:endParaRPr lang="en-GB" altLang="pl-PL">
+              <a:latin typeface="Gill Sans Nova" panose="020B0602020104020203" pitchFamily="34" charset="0"/>
+              <a:ea typeface="Gill Sans Nova" panose="020B0602020104020203" pitchFamily="34" charset="0"/>
+              <a:cs typeface="Gill Sans Nova" panose="020B0602020104020203" pitchFamily="34" charset="0"/>
+            </a:endParaRPr>
           </a:p>
         </p:txBody>
       </p:sp>
       <p:pic>
         <p:nvPicPr>
-          <p:cNvPr id="4" name="Obraz 3"/>
+          <p:cNvPr id="12291" name="Obraz 3">
+            <a:extLst>
+              <a:ext uri="{FF2B5EF4-FFF2-40B4-BE49-F238E27FC236}">
+                <a16:creationId xmlns:a16="http://schemas.microsoft.com/office/drawing/2014/main" id="{35D5955D-FADA-A0DC-38A7-912848EBE7B2}"/>
+              </a:ext>
+            </a:extLst>
+          </p:cNvPr>
           <p:cNvPicPr>
             <a:picLocks noChangeAspect="1"/>
           </p:cNvPicPr>
           <p:nvPr/>
         </p:nvPicPr>
         <p:blipFill>
-          <a:blip r:embed="rId2"/>
+          <a:blip r:embed="rId2">
+            <a:extLst>
+              <a:ext uri="{28A0092B-C50C-407E-A947-70E740481C1C}">
+                <a14:useLocalDpi xmlns:a14="http://schemas.microsoft.com/office/drawing/2010/main" val="0"/>
+              </a:ext>
+            </a:extLst>
+          </a:blip>
+          <a:srcRect/>
           <a:stretch>
             <a:fillRect/>
           </a:stretch>
         </p:blipFill>
-        <p:spPr>
-          <a:xfrm rot="21274431">
-            <a:off x="973700" y="2077528"/>
-            <a:ext cx="3548510" cy="2864336"/>
+        <p:spPr bwMode="auto">
+          <a:xfrm rot="-325569">
+            <a:off x="973138" y="2078038"/>
+            <a:ext cx="3549650" cy="2863850"/>
           </a:xfrm>
           <a:prstGeom prst="rect">
             <a:avLst/>
           </a:prstGeom>
+          <a:noFill/>
+          <a:ln>
+            <a:noFill/>
+          </a:ln>
+          <a:extLst>
+            <a:ext uri="{909E8E84-426E-40DD-AFC4-6F175D3DCCD1}">
+              <a14:hiddenFill xmlns:a14="http://schemas.microsoft.com/office/drawing/2010/main">
+                <a:solidFill>
+                  <a:srgbClr val="FFFFFF"/>
+                </a:solidFill>
+              </a14:hiddenFill>
+            </a:ext>
+            <a:ext uri="{91240B29-F687-4F45-9708-019B960494DF}">
+              <a14:hiddenLine xmlns:a14="http://schemas.microsoft.com/office/drawing/2010/main" w="9525">
+                <a:solidFill>
+                  <a:srgbClr val="000000"/>
+                </a:solidFill>
+                <a:miter lim="800000"/>
+                <a:headEnd/>
+                <a:tailEnd/>
+              </a14:hiddenLine>
+            </a:ext>
+          </a:extLst>
         </p:spPr>
       </p:pic>
       <p:pic>
         <p:nvPicPr>
-          <p:cNvPr id="5" name="Obraz 4"/>
+          <p:cNvPr id="12292" name="Obraz 4">
+            <a:extLst>
+              <a:ext uri="{FF2B5EF4-FFF2-40B4-BE49-F238E27FC236}">
+                <a16:creationId xmlns:a16="http://schemas.microsoft.com/office/drawing/2014/main" id="{74BEE345-1158-4771-328D-924CB71AFDF3}"/>
+              </a:ext>
+            </a:extLst>
+          </p:cNvPr>
           <p:cNvPicPr>
             <a:picLocks noChangeAspect="1"/>
           </p:cNvPicPr>
           <p:nvPr/>
         </p:nvPicPr>
         <p:blipFill>
-          <a:blip r:embed="rId3"/>
-          <a:stretch>
-            <a:fillRect/>
-          </a:stretch>
-        </p:blipFill>
-        <p:spPr>
-          <a:xfrm>
-            <a:off x="8393917" y="1916166"/>
-            <a:ext cx="3336706" cy="1683682"/>
-          </a:xfrm>
-          <a:prstGeom prst="rect">
-            <a:avLst/>
-          </a:prstGeom>
-        </p:spPr>
-      </p:pic>
-      <p:pic>
-        <p:nvPicPr>
-          <p:cNvPr id="2052" name="Picture 4" descr="Lucene logo"/>
-          <p:cNvPicPr>
-            <a:picLocks noChangeAspect="1" noChangeArrowheads="1"/>
-          </p:cNvPicPr>
-          <p:nvPr/>
-        </p:nvPicPr>
-        <p:blipFill>
-          <a:blip r:embed="rId4" cstate="print">
+          <a:blip r:embed="rId3">
             <a:extLst>
               <a:ext uri="{28A0092B-C50C-407E-A947-70E740481C1C}">
                 <a14:useLocalDpi xmlns:a14="http://schemas.microsoft.com/office/drawing/2010/main" val="0"/>
@@ -7461,13 +7913,16 @@
         </p:blipFill>
         <p:spPr bwMode="auto">
           <a:xfrm>
-            <a:off x="4764857" y="1916166"/>
-            <a:ext cx="3313438" cy="606877"/>
+            <a:off x="8394700" y="1916113"/>
+            <a:ext cx="3335338" cy="1684337"/>
           </a:xfrm>
           <a:prstGeom prst="rect">
             <a:avLst/>
           </a:prstGeom>
           <a:noFill/>
+          <a:ln>
+            <a:noFill/>
+          </a:ln>
           <a:extLst>
             <a:ext uri="{909E8E84-426E-40DD-AFC4-6F175D3DCCD1}">
               <a14:hiddenFill xmlns:a14="http://schemas.microsoft.com/office/drawing/2010/main">
@@ -7476,12 +7931,88 @@
                 </a:solidFill>
               </a14:hiddenFill>
             </a:ext>
+            <a:ext uri="{91240B29-F687-4F45-9708-019B960494DF}">
+              <a14:hiddenLine xmlns:a14="http://schemas.microsoft.com/office/drawing/2010/main" w="9525">
+                <a:solidFill>
+                  <a:srgbClr val="000000"/>
+                </a:solidFill>
+                <a:miter lim="800000"/>
+                <a:headEnd/>
+                <a:tailEnd/>
+              </a14:hiddenLine>
+            </a:ext>
           </a:extLst>
         </p:spPr>
       </p:pic>
       <p:pic>
         <p:nvPicPr>
-          <p:cNvPr id="2056" name="Picture 8" descr="https://upload.wikimedia.org/wikipedia/commons/thumb/d/d1/Apache_Nutch_logo.svg/320px-Apache_Nutch_logo.svg.png"/>
+          <p:cNvPr id="12293" name="Picture 4" descr="Lucene logo">
+            <a:extLst>
+              <a:ext uri="{FF2B5EF4-FFF2-40B4-BE49-F238E27FC236}">
+                <a16:creationId xmlns:a16="http://schemas.microsoft.com/office/drawing/2014/main" id="{E109F0A1-EB09-F4D2-1788-877B01DEF499}"/>
+              </a:ext>
+            </a:extLst>
+          </p:cNvPr>
+          <p:cNvPicPr>
+            <a:picLocks noChangeAspect="1" noChangeArrowheads="1"/>
+          </p:cNvPicPr>
+          <p:nvPr/>
+        </p:nvPicPr>
+        <p:blipFill>
+          <a:blip r:embed="rId4">
+            <a:extLst>
+              <a:ext uri="{28A0092B-C50C-407E-A947-70E740481C1C}">
+                <a14:useLocalDpi xmlns:a14="http://schemas.microsoft.com/office/drawing/2010/main" val="0"/>
+              </a:ext>
+            </a:extLst>
+          </a:blip>
+          <a:srcRect/>
+          <a:stretch>
+            <a:fillRect/>
+          </a:stretch>
+        </p:blipFill>
+        <p:spPr bwMode="auto">
+          <a:xfrm>
+            <a:off x="4764088" y="1916113"/>
+            <a:ext cx="3314700" cy="606425"/>
+          </a:xfrm>
+          <a:prstGeom prst="rect">
+            <a:avLst/>
+          </a:prstGeom>
+          <a:noFill/>
+          <a:ln>
+            <a:noFill/>
+          </a:ln>
+          <a:extLst>
+            <a:ext uri="{909E8E84-426E-40DD-AFC4-6F175D3DCCD1}">
+              <a14:hiddenFill xmlns:a14="http://schemas.microsoft.com/office/drawing/2010/main">
+                <a:solidFill>
+                  <a:srgbClr val="FFFFFF"/>
+                </a:solidFill>
+              </a14:hiddenFill>
+            </a:ext>
+            <a:ext uri="{91240B29-F687-4F45-9708-019B960494DF}">
+              <a14:hiddenLine xmlns:a14="http://schemas.microsoft.com/office/drawing/2010/main" w="9525">
+                <a:solidFill>
+                  <a:srgbClr val="000000"/>
+                </a:solidFill>
+                <a:miter lim="800000"/>
+                <a:headEnd/>
+                <a:tailEnd/>
+              </a14:hiddenLine>
+            </a:ext>
+          </a:extLst>
+        </p:spPr>
+      </p:pic>
+      <p:pic>
+        <p:nvPicPr>
+          <p:cNvPr id="12294" name="Picture 8" descr="https://upload.wikimedia.org/wikipedia/commons/thumb/d/d1/Apache_Nutch_logo.svg/320px-Apache_Nutch_logo.svg.png">
+            <a:extLst>
+              <a:ext uri="{FF2B5EF4-FFF2-40B4-BE49-F238E27FC236}">
+                <a16:creationId xmlns:a16="http://schemas.microsoft.com/office/drawing/2014/main" id="{9DBC77C3-8B7D-8B51-575D-A930DC6B2FDC}"/>
+              </a:ext>
+            </a:extLst>
+          </p:cNvPr>
           <p:cNvPicPr>
             <a:picLocks noChangeAspect="1" noChangeArrowheads="1"/>
           </p:cNvPicPr>
@@ -7502,13 +8033,16 @@
         </p:blipFill>
         <p:spPr bwMode="auto">
           <a:xfrm rot="650059">
-            <a:off x="2021657" y="4371021"/>
-            <a:ext cx="3048000" cy="1133476"/>
+            <a:off x="2020888" y="4370388"/>
+            <a:ext cx="3048000" cy="1133475"/>
           </a:xfrm>
           <a:prstGeom prst="rect">
             <a:avLst/>
           </a:prstGeom>
           <a:noFill/>
+          <a:ln>
+            <a:noFill/>
+          </a:ln>
           <a:extLst>
             <a:ext uri="{909E8E84-426E-40DD-AFC4-6F175D3DCCD1}">
               <a14:hiddenFill xmlns:a14="http://schemas.microsoft.com/office/drawing/2010/main">
@@ -7517,12 +8051,28 @@
                 </a:solidFill>
               </a14:hiddenFill>
             </a:ext>
+            <a:ext uri="{91240B29-F687-4F45-9708-019B960494DF}">
+              <a14:hiddenLine xmlns:a14="http://schemas.microsoft.com/office/drawing/2010/main" w="9525">
+                <a:solidFill>
+                  <a:srgbClr val="000000"/>
+                </a:solidFill>
+                <a:miter lim="800000"/>
+                <a:headEnd/>
+                <a:tailEnd/>
+              </a14:hiddenLine>
+            </a:ext>
           </a:extLst>
         </p:spPr>
       </p:pic>
       <p:pic>
         <p:nvPicPr>
-          <p:cNvPr id="2058" name="Picture 10" descr="victorroblesweb.es/wp-content/uploads/2014/12/s..."/>
+          <p:cNvPr id="12295" name="Picture 10" descr="victorroblesweb.es/wp-content/uploads/2014/12/s...">
+            <a:extLst>
+              <a:ext uri="{FF2B5EF4-FFF2-40B4-BE49-F238E27FC236}">
+                <a16:creationId xmlns:a16="http://schemas.microsoft.com/office/drawing/2014/main" id="{81DF7120-1184-D91F-BBB6-AE632F29A128}"/>
+              </a:ext>
+            </a:extLst>
+          </p:cNvPr>
           <p:cNvPicPr>
             <a:picLocks noChangeAspect="1" noChangeArrowheads="1"/>
           </p:cNvPicPr>
@@ -7543,13 +8093,16 @@
         </p:blipFill>
         <p:spPr bwMode="auto">
           <a:xfrm rot="455990">
-            <a:off x="4781248" y="2759663"/>
-            <a:ext cx="2743200" cy="2171701"/>
+            <a:off x="4781550" y="2759075"/>
+            <a:ext cx="2743200" cy="2171700"/>
           </a:xfrm>
           <a:prstGeom prst="rect">
             <a:avLst/>
           </a:prstGeom>
           <a:noFill/>
+          <a:ln>
+            <a:noFill/>
+          </a:ln>
           <a:extLst>
             <a:ext uri="{909E8E84-426E-40DD-AFC4-6F175D3DCCD1}">
               <a14:hiddenFill xmlns:a14="http://schemas.microsoft.com/office/drawing/2010/main">
@@ -7558,12 +8111,28 @@
                 </a:solidFill>
               </a14:hiddenFill>
             </a:ext>
+            <a:ext uri="{91240B29-F687-4F45-9708-019B960494DF}">
+              <a14:hiddenLine xmlns:a14="http://schemas.microsoft.com/office/drawing/2010/main" w="9525">
+                <a:solidFill>
+                  <a:srgbClr val="000000"/>
+                </a:solidFill>
+                <a:miter lim="800000"/>
+                <a:headEnd/>
+                <a:tailEnd/>
+              </a14:hiddenLine>
+            </a:ext>
           </a:extLst>
         </p:spPr>
       </p:pic>
       <p:pic>
         <p:nvPicPr>
-          <p:cNvPr id="2054" name="Picture 6" descr="https://upload.wikimedia.org/wikipedia/commons/thumb/f/f4/Elasticsearch_logo.svg/512px-Elasticsearch_logo.svg.png"/>
+          <p:cNvPr id="12296" name="Picture 6" descr="https://upload.wikimedia.org/wikipedia/commons/thumb/f/f4/Elasticsearch_logo.svg/512px-Elasticsearch_logo.svg.png">
+            <a:extLst>
+              <a:ext uri="{FF2B5EF4-FFF2-40B4-BE49-F238E27FC236}">
+                <a16:creationId xmlns:a16="http://schemas.microsoft.com/office/drawing/2014/main" id="{73D50CC4-3262-D717-A6AA-0F2C058337B6}"/>
+              </a:ext>
+            </a:extLst>
+          </p:cNvPr>
           <p:cNvPicPr>
             <a:picLocks noChangeAspect="1" noChangeArrowheads="1"/>
           </p:cNvPicPr>
@@ -7583,14 +8152,17 @@
           </a:stretch>
         </p:blipFill>
         <p:spPr bwMode="auto">
-          <a:xfrm rot="21077667">
-            <a:off x="7066514" y="4211528"/>
-            <a:ext cx="4876800" cy="1066801"/>
+          <a:xfrm rot="-522333">
+            <a:off x="7065963" y="4211638"/>
+            <a:ext cx="4876800" cy="1066800"/>
           </a:xfrm>
           <a:prstGeom prst="rect">
             <a:avLst/>
           </a:prstGeom>
           <a:noFill/>
+          <a:ln>
+            <a:noFill/>
+          </a:ln>
           <a:extLst>
             <a:ext uri="{909E8E84-426E-40DD-AFC4-6F175D3DCCD1}">
               <a14:hiddenFill xmlns:a14="http://schemas.microsoft.com/office/drawing/2010/main">
@@ -7599,27 +8171,25 @@
                 </a:solidFill>
               </a14:hiddenFill>
             </a:ext>
+            <a:ext uri="{91240B29-F687-4F45-9708-019B960494DF}">
+              <a14:hiddenLine xmlns:a14="http://schemas.microsoft.com/office/drawing/2010/main" w="9525">
+                <a:solidFill>
+                  <a:srgbClr val="000000"/>
+                </a:solidFill>
+                <a:miter lim="800000"/>
+                <a:headEnd/>
+                <a:tailEnd/>
+              </a14:hiddenLine>
+            </a:ext>
           </a:extLst>
         </p:spPr>
       </p:pic>
     </p:spTree>
-    <p:extLst>
-      <p:ext uri="{BB962C8B-B14F-4D97-AF65-F5344CB8AC3E}">
-        <p14:creationId xmlns:p14="http://schemas.microsoft.com/office/powerpoint/2010/main" val="1132805810"/>
-      </p:ext>
-    </p:extLst>
   </p:cSld>
   <p:clrMapOvr>
     <a:masterClrMapping/>
   </p:clrMapOvr>
   <p:transition spd="med"/>
-  <p:timing>
-    <p:tnLst>
-      <p:par>
-        <p:cTn id="1" dur="indefinite" restart="never" nodeType="tmRoot"/>
-      </p:par>
-    </p:tnLst>
-  </p:timing>
 </p:sld>
 </file>
 
@@ -7642,218 +8212,130 @@
       </p:grpSpPr>
       <p:sp>
         <p:nvSpPr>
-          <p:cNvPr id="2" name="Tytuł 1"/>
-          <p:cNvSpPr>
+          <p:cNvPr id="13314" name="Tytuł 1">
+            <a:extLst>
+              <a:ext uri="{FF2B5EF4-FFF2-40B4-BE49-F238E27FC236}">
+                <a16:creationId xmlns:a16="http://schemas.microsoft.com/office/drawing/2014/main" id="{0E4B54EE-A268-9B2D-D684-AF4D58A9D74C}"/>
+              </a:ext>
+            </a:extLst>
+          </p:cNvPr>
+          <p:cNvSpPr txBox="1">
             <a:spLocks noGrp="1"/>
           </p:cNvSpPr>
           <p:nvPr>
             <p:ph type="title"/>
           </p:nvPr>
         </p:nvSpPr>
-        <p:spPr/>
+        <p:spPr>
+          <a:xfrm>
+            <a:off x="625475" y="590550"/>
+            <a:ext cx="10515600" cy="1325563"/>
+          </a:xfrm>
+        </p:spPr>
         <p:txBody>
           <a:bodyPr/>
           <a:lstStyle/>
           <a:p>
-            <a:r>
-              <a:rPr lang="pl-PL" dirty="0" err="1" smtClean="0"/>
+            <a:pPr eaLnBrk="1" hangingPunct="1"/>
+            <a:r>
+              <a:rPr lang="pl-PL" altLang="pl-PL">
+                <a:latin typeface="Gill Sans Nova" panose="020B0602020104020203" pitchFamily="34" charset="0"/>
+                <a:ea typeface="Gill Sans Nova" panose="020B0602020104020203" pitchFamily="34" charset="0"/>
+                <a:cs typeface="Gill Sans Nova" panose="020B0602020104020203" pitchFamily="34" charset="0"/>
+              </a:rPr>
               <a:t>Elasticsearch</a:t>
             </a:r>
-            <a:endParaRPr lang="en-GB" dirty="0"/>
+            <a:endParaRPr lang="en-GB" altLang="pl-PL">
+              <a:latin typeface="Gill Sans Nova" panose="020B0602020104020203" pitchFamily="34" charset="0"/>
+              <a:ea typeface="Gill Sans Nova" panose="020B0602020104020203" pitchFamily="34" charset="0"/>
+              <a:cs typeface="Gill Sans Nova" panose="020B0602020104020203" pitchFamily="34" charset="0"/>
+            </a:endParaRPr>
           </a:p>
         </p:txBody>
       </p:sp>
       <p:sp>
         <p:nvSpPr>
-          <p:cNvPr id="3" name="Symbol zastępczy tekstu 2"/>
-          <p:cNvSpPr>
+          <p:cNvPr id="13315" name="Symbol zastępczy tekstu 2">
+            <a:extLst>
+              <a:ext uri="{FF2B5EF4-FFF2-40B4-BE49-F238E27FC236}">
+                <a16:creationId xmlns:a16="http://schemas.microsoft.com/office/drawing/2014/main" id="{AD7A1989-68BA-4C0A-8694-F85241EF33E6}"/>
+              </a:ext>
+            </a:extLst>
+          </p:cNvPr>
+          <p:cNvSpPr txBox="1">
             <a:spLocks noGrp="1"/>
           </p:cNvSpPr>
           <p:nvPr>
             <p:ph type="body" idx="1"/>
           </p:nvPr>
         </p:nvSpPr>
-        <p:spPr/>
+        <p:spPr>
+          <a:xfrm>
+            <a:off x="625475" y="2074863"/>
+            <a:ext cx="10515600" cy="4071937"/>
+          </a:xfrm>
+        </p:spPr>
         <p:txBody>
           <a:bodyPr/>
           <a:lstStyle/>
           <a:p>
-            <a:pPr marL="457200" indent="-457200">
-              <a:buFont typeface="Arial" panose="020B0604020202020204" pitchFamily="34" charset="0"/>
+            <a:pPr marL="457200" indent="-457200" eaLnBrk="1" hangingPunct="1">
+              <a:buFontTx/>
               <a:buChar char="•"/>
             </a:pPr>
             <a:r>
-              <a:rPr lang="pl-PL" dirty="0" err="1" smtClean="0"/>
-              <a:t>Used</a:t>
-            </a:r>
-            <a:r>
-              <a:rPr lang="pl-PL" dirty="0" smtClean="0"/>
-              <a:t> as </a:t>
-            </a:r>
-            <a:r>
-              <a:rPr lang="pl-PL" dirty="0" err="1" smtClean="0"/>
-              <a:t>Search</a:t>
-            </a:r>
-            <a:r>
-              <a:rPr lang="pl-PL" dirty="0" smtClean="0"/>
-              <a:t> Engine in Uniform </a:t>
-            </a:r>
-            <a:r>
-              <a:rPr lang="pl-PL" dirty="0" err="1" smtClean="0"/>
-              <a:t>Antiplagiarism</a:t>
-            </a:r>
-            <a:r>
-              <a:rPr lang="pl-PL" dirty="0" smtClean="0"/>
-              <a:t> System (JSA),</a:t>
-            </a:r>
-          </a:p>
-          <a:p>
-            <a:pPr marL="457200" indent="-457200">
-              <a:buFont typeface="Arial" panose="020B0604020202020204" pitchFamily="34" charset="0"/>
+              <a:rPr lang="pl-PL" altLang="pl-PL">
+                <a:latin typeface="Gill Sans Nova" panose="020B0602020104020203" pitchFamily="34" charset="0"/>
+                <a:ea typeface="Gill Sans Nova" panose="020B0602020104020203" pitchFamily="34" charset="0"/>
+                <a:cs typeface="Gill Sans Nova" panose="020B0602020104020203" pitchFamily="34" charset="0"/>
+              </a:rPr>
+              <a:t>Used as Search Engine in Uniform Antiplagiarism System (JSA),</a:t>
+            </a:r>
+          </a:p>
+          <a:p>
+            <a:pPr marL="457200" indent="-457200" eaLnBrk="1" hangingPunct="1">
+              <a:buFontTx/>
               <a:buChar char="•"/>
             </a:pPr>
             <a:r>
-              <a:rPr lang="pl-PL" dirty="0" smtClean="0"/>
-              <a:t>Distributed (</a:t>
-            </a:r>
-            <a:r>
-              <a:rPr lang="pl-PL" dirty="0" err="1" smtClean="0"/>
-              <a:t>can</a:t>
-            </a:r>
-            <a:r>
-              <a:rPr lang="pl-PL" dirty="0" smtClean="0"/>
-              <a:t> </a:t>
-            </a:r>
-            <a:r>
-              <a:rPr lang="pl-PL" dirty="0" err="1" smtClean="0"/>
-              <a:t>contain</a:t>
-            </a:r>
-            <a:r>
-              <a:rPr lang="pl-PL" dirty="0" smtClean="0"/>
-              <a:t> </a:t>
-            </a:r>
-            <a:r>
-              <a:rPr lang="pl-PL" dirty="0" err="1" smtClean="0"/>
-              <a:t>multiple</a:t>
-            </a:r>
-            <a:r>
-              <a:rPr lang="pl-PL" dirty="0" smtClean="0"/>
-              <a:t> </a:t>
-            </a:r>
-            <a:r>
-              <a:rPr lang="pl-PL" dirty="0" err="1" smtClean="0"/>
-              <a:t>nodes</a:t>
-            </a:r>
-            <a:r>
-              <a:rPr lang="pl-PL" dirty="0" smtClean="0"/>
-              <a:t> – a </a:t>
-            </a:r>
-            <a:r>
-              <a:rPr lang="pl-PL" dirty="0" err="1" smtClean="0"/>
-              <a:t>cluster</a:t>
-            </a:r>
-            <a:r>
-              <a:rPr lang="pl-PL" dirty="0" smtClean="0"/>
-              <a:t>, </a:t>
-            </a:r>
-            <a:r>
-              <a:rPr lang="pl-PL" dirty="0" err="1" smtClean="0"/>
-              <a:t>which</a:t>
-            </a:r>
-            <a:r>
-              <a:rPr lang="pl-PL" dirty="0" smtClean="0"/>
-              <a:t> </a:t>
-            </a:r>
-            <a:r>
-              <a:rPr lang="pl-PL" dirty="0" err="1" smtClean="0"/>
-              <a:t>makes</a:t>
-            </a:r>
-            <a:r>
-              <a:rPr lang="pl-PL" dirty="0" smtClean="0"/>
-              <a:t> </a:t>
-            </a:r>
-            <a:r>
-              <a:rPr lang="pl-PL" dirty="0" err="1" smtClean="0"/>
-              <a:t>whole</a:t>
-            </a:r>
-            <a:r>
-              <a:rPr lang="pl-PL" dirty="0" smtClean="0"/>
-              <a:t> </a:t>
-            </a:r>
-            <a:r>
-              <a:rPr lang="pl-PL" dirty="0" err="1" smtClean="0"/>
-              <a:t>infrastructure</a:t>
-            </a:r>
-            <a:r>
-              <a:rPr lang="pl-PL" dirty="0" smtClean="0"/>
-              <a:t> </a:t>
-            </a:r>
-            <a:r>
-              <a:rPr lang="pl-PL" dirty="0" err="1" smtClean="0"/>
-              <a:t>fault</a:t>
-            </a:r>
-            <a:r>
-              <a:rPr lang="pl-PL" dirty="0" smtClean="0"/>
-              <a:t>-tolerant),</a:t>
-            </a:r>
-            <a:endParaRPr lang="pl-PL" dirty="0" smtClean="0"/>
-          </a:p>
-          <a:p>
-            <a:pPr marL="457200" indent="-457200">
-              <a:buFont typeface="Arial" panose="020B0604020202020204" pitchFamily="34" charset="0"/>
+              <a:rPr lang="pl-PL" altLang="pl-PL">
+                <a:latin typeface="Gill Sans Nova" panose="020B0602020104020203" pitchFamily="34" charset="0"/>
+                <a:ea typeface="Gill Sans Nova" panose="020B0602020104020203" pitchFamily="34" charset="0"/>
+                <a:cs typeface="Gill Sans Nova" panose="020B0602020104020203" pitchFamily="34" charset="0"/>
+              </a:rPr>
+              <a:t>Distributed (can contain multiple nodes – a cluster, which makes whole infrastructure fault-tolerant),</a:t>
+            </a:r>
+          </a:p>
+          <a:p>
+            <a:pPr marL="457200" indent="-457200" eaLnBrk="1" hangingPunct="1">
+              <a:buFontTx/>
               <a:buChar char="•"/>
             </a:pPr>
             <a:r>
-              <a:rPr lang="pl-PL" dirty="0" err="1" smtClean="0"/>
-              <a:t>Managed</a:t>
-            </a:r>
-            <a:r>
-              <a:rPr lang="pl-PL" dirty="0" smtClean="0"/>
-              <a:t> by REST </a:t>
-            </a:r>
-            <a:r>
-              <a:rPr lang="pl-PL" dirty="0" smtClean="0"/>
-              <a:t>API (</a:t>
-            </a:r>
-            <a:r>
-              <a:rPr lang="pl-PL" dirty="0" err="1" smtClean="0"/>
-              <a:t>can</a:t>
-            </a:r>
-            <a:r>
-              <a:rPr lang="pl-PL" dirty="0" smtClean="0"/>
-              <a:t> be </a:t>
-            </a:r>
-            <a:r>
-              <a:rPr lang="pl-PL" dirty="0" err="1" smtClean="0"/>
-              <a:t>accessed</a:t>
-            </a:r>
-            <a:r>
-              <a:rPr lang="pl-PL" dirty="0" smtClean="0"/>
-              <a:t> </a:t>
-            </a:r>
-            <a:r>
-              <a:rPr lang="pl-PL" dirty="0" err="1" smtClean="0"/>
-              <a:t>through</a:t>
-            </a:r>
-            <a:r>
-              <a:rPr lang="pl-PL" dirty="0" smtClean="0"/>
-              <a:t> a web </a:t>
-            </a:r>
-            <a:r>
-              <a:rPr lang="pl-PL" dirty="0" err="1" smtClean="0"/>
-              <a:t>browser</a:t>
-            </a:r>
-            <a:r>
-              <a:rPr lang="pl-PL" dirty="0" smtClean="0"/>
-              <a:t>).</a:t>
-            </a:r>
-            <a:endParaRPr lang="en-GB" dirty="0"/>
+              <a:rPr lang="pl-PL" altLang="pl-PL">
+                <a:latin typeface="Gill Sans Nova" panose="020B0602020104020203" pitchFamily="34" charset="0"/>
+                <a:ea typeface="Gill Sans Nova" panose="020B0602020104020203" pitchFamily="34" charset="0"/>
+                <a:cs typeface="Gill Sans Nova" panose="020B0602020104020203" pitchFamily="34" charset="0"/>
+              </a:rPr>
+              <a:t>Managed by REST API (can be accessed through a web browser).</a:t>
+            </a:r>
+            <a:endParaRPr lang="en-GB" altLang="pl-PL">
+              <a:latin typeface="Gill Sans Nova" panose="020B0602020104020203" pitchFamily="34" charset="0"/>
+              <a:ea typeface="Gill Sans Nova" panose="020B0602020104020203" pitchFamily="34" charset="0"/>
+              <a:cs typeface="Gill Sans Nova" panose="020B0602020104020203" pitchFamily="34" charset="0"/>
+            </a:endParaRPr>
           </a:p>
         </p:txBody>
       </p:sp>
       <p:pic>
         <p:nvPicPr>
-          <p:cNvPr id="3074" name="Picture 2" descr="https://upload.wikimedia.org/wikipedia/commons/thumb/f/f4/Elasticsearch_logo.svg/1024px-Elasticsearch_logo.svg.png"/>
+          <p:cNvPr id="13316" name="Picture 2" descr="https://upload.wikimedia.org/wikipedia/commons/thumb/f/f4/Elasticsearch_logo.svg/1024px-Elasticsearch_logo.svg.png">
+            <a:extLst>
+              <a:ext uri="{FF2B5EF4-FFF2-40B4-BE49-F238E27FC236}">
+                <a16:creationId xmlns:a16="http://schemas.microsoft.com/office/drawing/2014/main" id="{54B93364-81B7-9701-C851-F91865B1E5E0}"/>
+              </a:ext>
+            </a:extLst>
+          </p:cNvPr>
           <p:cNvPicPr>
             <a:picLocks noChangeAspect="1" noChangeArrowheads="1"/>
           </p:cNvPicPr>
@@ -7874,13 +8356,16 @@
         </p:blipFill>
         <p:spPr bwMode="auto">
           <a:xfrm>
-            <a:off x="2097522" y="4483471"/>
-            <a:ext cx="7570236" cy="1663382"/>
+            <a:off x="2097088" y="4483100"/>
+            <a:ext cx="7570787" cy="1663700"/>
           </a:xfrm>
           <a:prstGeom prst="rect">
             <a:avLst/>
           </a:prstGeom>
           <a:noFill/>
+          <a:ln>
+            <a:noFill/>
+          </a:ln>
           <a:extLst>
             <a:ext uri="{909E8E84-426E-40DD-AFC4-6F175D3DCCD1}">
               <a14:hiddenFill xmlns:a14="http://schemas.microsoft.com/office/drawing/2010/main">
@@ -7889,27 +8374,25 @@
                 </a:solidFill>
               </a14:hiddenFill>
             </a:ext>
+            <a:ext uri="{91240B29-F687-4F45-9708-019B960494DF}">
+              <a14:hiddenLine xmlns:a14="http://schemas.microsoft.com/office/drawing/2010/main" w="9525">
+                <a:solidFill>
+                  <a:srgbClr val="000000"/>
+                </a:solidFill>
+                <a:miter lim="800000"/>
+                <a:headEnd/>
+                <a:tailEnd/>
+              </a14:hiddenLine>
+            </a:ext>
           </a:extLst>
         </p:spPr>
       </p:pic>
     </p:spTree>
-    <p:extLst>
-      <p:ext uri="{BB962C8B-B14F-4D97-AF65-F5344CB8AC3E}">
-        <p14:creationId xmlns:p14="http://schemas.microsoft.com/office/powerpoint/2010/main" val="84201156"/>
-      </p:ext>
-    </p:extLst>
   </p:cSld>
   <p:clrMapOvr>
     <a:masterClrMapping/>
   </p:clrMapOvr>
   <p:transition spd="med"/>
-  <p:timing>
-    <p:tnLst>
-      <p:par>
-        <p:cTn id="1" dur="indefinite" restart="never" nodeType="tmRoot"/>
-      </p:par>
-    </p:tnLst>
-  </p:timing>
 </p:sld>
 </file>
 
@@ -7932,147 +8415,116 @@
       </p:grpSpPr>
       <p:sp>
         <p:nvSpPr>
-          <p:cNvPr id="2" name="Tytuł 1"/>
-          <p:cNvSpPr>
+          <p:cNvPr id="14338" name="Tytuł 1">
+            <a:extLst>
+              <a:ext uri="{FF2B5EF4-FFF2-40B4-BE49-F238E27FC236}">
+                <a16:creationId xmlns:a16="http://schemas.microsoft.com/office/drawing/2014/main" id="{5CBB0A62-26D2-B224-3251-6FD419C72837}"/>
+              </a:ext>
+            </a:extLst>
+          </p:cNvPr>
+          <p:cNvSpPr txBox="1">
             <a:spLocks noGrp="1"/>
           </p:cNvSpPr>
           <p:nvPr>
             <p:ph type="title"/>
           </p:nvPr>
         </p:nvSpPr>
-        <p:spPr/>
+        <p:spPr>
+          <a:xfrm>
+            <a:off x="625475" y="590550"/>
+            <a:ext cx="10515600" cy="1325563"/>
+          </a:xfrm>
+        </p:spPr>
         <p:txBody>
           <a:bodyPr/>
           <a:lstStyle/>
           <a:p>
-            <a:r>
-              <a:rPr lang="pl-PL" dirty="0" err="1" smtClean="0"/>
+            <a:pPr eaLnBrk="1" hangingPunct="1"/>
+            <a:r>
+              <a:rPr lang="pl-PL" altLang="pl-PL">
+                <a:latin typeface="Gill Sans Nova" panose="020B0602020104020203" pitchFamily="34" charset="0"/>
+                <a:ea typeface="Gill Sans Nova" panose="020B0602020104020203" pitchFamily="34" charset="0"/>
+                <a:cs typeface="Gill Sans Nova" panose="020B0602020104020203" pitchFamily="34" charset="0"/>
+              </a:rPr>
               <a:t>Kibana</a:t>
             </a:r>
-            <a:endParaRPr lang="en-GB" dirty="0"/>
+            <a:endParaRPr lang="en-GB" altLang="pl-PL">
+              <a:latin typeface="Gill Sans Nova" panose="020B0602020104020203" pitchFamily="34" charset="0"/>
+              <a:ea typeface="Gill Sans Nova" panose="020B0602020104020203" pitchFamily="34" charset="0"/>
+              <a:cs typeface="Gill Sans Nova" panose="020B0602020104020203" pitchFamily="34" charset="0"/>
+            </a:endParaRPr>
           </a:p>
         </p:txBody>
       </p:sp>
       <p:sp>
         <p:nvSpPr>
-          <p:cNvPr id="3" name="Symbol zastępczy tekstu 2"/>
-          <p:cNvSpPr>
+          <p:cNvPr id="14339" name="Symbol zastępczy tekstu 2">
+            <a:extLst>
+              <a:ext uri="{FF2B5EF4-FFF2-40B4-BE49-F238E27FC236}">
+                <a16:creationId xmlns:a16="http://schemas.microsoft.com/office/drawing/2014/main" id="{70A5BCDE-A2D7-6D3F-7991-50606F78FD8E}"/>
+              </a:ext>
+            </a:extLst>
+          </p:cNvPr>
+          <p:cNvSpPr txBox="1">
             <a:spLocks noGrp="1"/>
           </p:cNvSpPr>
           <p:nvPr>
             <p:ph type="body" idx="1"/>
           </p:nvPr>
         </p:nvSpPr>
-        <p:spPr/>
+        <p:spPr>
+          <a:xfrm>
+            <a:off x="625475" y="2074863"/>
+            <a:ext cx="10515600" cy="4071937"/>
+          </a:xfrm>
+        </p:spPr>
         <p:txBody>
           <a:bodyPr/>
           <a:lstStyle/>
           <a:p>
-            <a:pPr marL="457200" indent="-457200">
-              <a:buFont typeface="Arial" panose="020B0604020202020204" pitchFamily="34" charset="0"/>
+            <a:pPr marL="457200" indent="-457200" eaLnBrk="1" hangingPunct="1">
+              <a:buFontTx/>
               <a:buChar char="•"/>
             </a:pPr>
             <a:r>
-              <a:rPr lang="pl-PL" dirty="0" err="1" smtClean="0"/>
-              <a:t>Provides</a:t>
-            </a:r>
-            <a:r>
-              <a:rPr lang="pl-PL" dirty="0" smtClean="0"/>
-              <a:t> Web UI for </a:t>
-            </a:r>
-            <a:r>
-              <a:rPr lang="pl-PL" dirty="0" err="1" smtClean="0"/>
-              <a:t>accessing</a:t>
-            </a:r>
-            <a:r>
-              <a:rPr lang="pl-PL" dirty="0" smtClean="0"/>
-              <a:t> and </a:t>
-            </a:r>
-            <a:r>
-              <a:rPr lang="pl-PL" dirty="0" err="1" smtClean="0"/>
-              <a:t>managing</a:t>
-            </a:r>
-            <a:r>
-              <a:rPr lang="pl-PL" dirty="0" smtClean="0"/>
-              <a:t> </a:t>
-            </a:r>
-            <a:r>
-              <a:rPr lang="pl-PL" dirty="0" err="1" smtClean="0"/>
-              <a:t>your</a:t>
-            </a:r>
-            <a:r>
-              <a:rPr lang="pl-PL" dirty="0" smtClean="0"/>
-              <a:t> </a:t>
-            </a:r>
-            <a:r>
-              <a:rPr lang="pl-PL" dirty="0" err="1" smtClean="0"/>
-              <a:t>Elasticsearch</a:t>
-            </a:r>
-            <a:r>
-              <a:rPr lang="pl-PL" dirty="0" smtClean="0"/>
-              <a:t> </a:t>
-            </a:r>
-            <a:r>
-              <a:rPr lang="pl-PL" dirty="0" err="1" smtClean="0"/>
-              <a:t>cluster</a:t>
-            </a:r>
-            <a:r>
-              <a:rPr lang="pl-PL" dirty="0" smtClean="0"/>
-              <a:t>,</a:t>
-            </a:r>
-          </a:p>
-          <a:p>
-            <a:pPr marL="457200" indent="-457200">
-              <a:buFont typeface="Arial" panose="020B0604020202020204" pitchFamily="34" charset="0"/>
+              <a:rPr lang="pl-PL" altLang="pl-PL">
+                <a:latin typeface="Gill Sans Nova" panose="020B0602020104020203" pitchFamily="34" charset="0"/>
+                <a:ea typeface="Gill Sans Nova" panose="020B0602020104020203" pitchFamily="34" charset="0"/>
+                <a:cs typeface="Gill Sans Nova" panose="020B0602020104020203" pitchFamily="34" charset="0"/>
+              </a:rPr>
+              <a:t>Provides Web UI for accessing and managing your Elasticsearch cluster,</a:t>
+            </a:r>
+          </a:p>
+          <a:p>
+            <a:pPr marL="457200" indent="-457200" eaLnBrk="1" hangingPunct="1">
+              <a:buFontTx/>
               <a:buChar char="•"/>
             </a:pPr>
             <a:r>
-              <a:rPr lang="pl-PL" dirty="0" err="1" smtClean="0"/>
-              <a:t>Can</a:t>
-            </a:r>
-            <a:r>
-              <a:rPr lang="pl-PL" dirty="0" smtClean="0"/>
-              <a:t> be </a:t>
-            </a:r>
-            <a:r>
-              <a:rPr lang="pl-PL" dirty="0" err="1" smtClean="0"/>
-              <a:t>used</a:t>
-            </a:r>
-            <a:r>
-              <a:rPr lang="pl-PL" dirty="0" smtClean="0"/>
-              <a:t> for </a:t>
-            </a:r>
-            <a:r>
-              <a:rPr lang="pl-PL" dirty="0" err="1" smtClean="0"/>
-              <a:t>document</a:t>
-            </a:r>
-            <a:r>
-              <a:rPr lang="pl-PL" dirty="0" smtClean="0"/>
-              <a:t> </a:t>
-            </a:r>
-            <a:r>
-              <a:rPr lang="pl-PL" dirty="0" err="1" smtClean="0"/>
-              <a:t>analysis</a:t>
-            </a:r>
-            <a:r>
-              <a:rPr lang="pl-PL" dirty="0" smtClean="0"/>
-              <a:t> and </a:t>
-            </a:r>
-            <a:r>
-              <a:rPr lang="pl-PL" dirty="0" err="1" smtClean="0"/>
-              <a:t>visualization</a:t>
-            </a:r>
-            <a:r>
-              <a:rPr lang="pl-PL" dirty="0" smtClean="0"/>
-              <a:t>.</a:t>
-            </a:r>
-            <a:endParaRPr lang="en-GB" dirty="0"/>
+              <a:rPr lang="pl-PL" altLang="pl-PL">
+                <a:latin typeface="Gill Sans Nova" panose="020B0602020104020203" pitchFamily="34" charset="0"/>
+                <a:ea typeface="Gill Sans Nova" panose="020B0602020104020203" pitchFamily="34" charset="0"/>
+                <a:cs typeface="Gill Sans Nova" panose="020B0602020104020203" pitchFamily="34" charset="0"/>
+              </a:rPr>
+              <a:t>Can be used for document analysis and visualization.</a:t>
+            </a:r>
+            <a:endParaRPr lang="en-GB" altLang="pl-PL">
+              <a:latin typeface="Gill Sans Nova" panose="020B0602020104020203" pitchFamily="34" charset="0"/>
+              <a:ea typeface="Gill Sans Nova" panose="020B0602020104020203" pitchFamily="34" charset="0"/>
+              <a:cs typeface="Gill Sans Nova" panose="020B0602020104020203" pitchFamily="34" charset="0"/>
+            </a:endParaRPr>
           </a:p>
         </p:txBody>
       </p:sp>
       <p:pic>
         <p:nvPicPr>
-          <p:cNvPr id="4100" name="Picture 4" descr="Kibana"/>
+          <p:cNvPr id="14340" name="Picture 4" descr="Kibana">
+            <a:extLst>
+              <a:ext uri="{FF2B5EF4-FFF2-40B4-BE49-F238E27FC236}">
+                <a16:creationId xmlns:a16="http://schemas.microsoft.com/office/drawing/2014/main" id="{B2FBBD45-D198-BBA6-A0A4-16084D604C89}"/>
+              </a:ext>
+            </a:extLst>
+          </p:cNvPr>
           <p:cNvPicPr>
             <a:picLocks noChangeAspect="1" noChangeArrowheads="1"/>
           </p:cNvPicPr>
@@ -8093,13 +8545,16 @@
         </p:blipFill>
         <p:spPr bwMode="auto">
           <a:xfrm>
-            <a:off x="3496978" y="3967947"/>
-            <a:ext cx="4771323" cy="2178906"/>
+            <a:off x="3497263" y="3967163"/>
+            <a:ext cx="4770437" cy="2179637"/>
           </a:xfrm>
           <a:prstGeom prst="rect">
             <a:avLst/>
           </a:prstGeom>
           <a:noFill/>
+          <a:ln>
+            <a:noFill/>
+          </a:ln>
           <a:extLst>
             <a:ext uri="{909E8E84-426E-40DD-AFC4-6F175D3DCCD1}">
               <a14:hiddenFill xmlns:a14="http://schemas.microsoft.com/office/drawing/2010/main">
@@ -8108,15 +8563,20 @@
                 </a:solidFill>
               </a14:hiddenFill>
             </a:ext>
+            <a:ext uri="{91240B29-F687-4F45-9708-019B960494DF}">
+              <a14:hiddenLine xmlns:a14="http://schemas.microsoft.com/office/drawing/2010/main" w="9525">
+                <a:solidFill>
+                  <a:srgbClr val="000000"/>
+                </a:solidFill>
+                <a:miter lim="800000"/>
+                <a:headEnd/>
+                <a:tailEnd/>
+              </a14:hiddenLine>
+            </a:ext>
           </a:extLst>
         </p:spPr>
       </p:pic>
     </p:spTree>
-    <p:extLst>
-      <p:ext uri="{BB962C8B-B14F-4D97-AF65-F5344CB8AC3E}">
-        <p14:creationId xmlns:p14="http://schemas.microsoft.com/office/powerpoint/2010/main" val="1405774527"/>
-      </p:ext>
-    </p:extLst>
   </p:cSld>
   <p:clrMapOvr>
     <a:masterClrMapping/>
@@ -8144,205 +8604,250 @@
       </p:grpSpPr>
       <p:sp>
         <p:nvSpPr>
-          <p:cNvPr id="2" name="Tytuł 1"/>
-          <p:cNvSpPr>
+          <p:cNvPr id="15362" name="Tytuł 1">
+            <a:extLst>
+              <a:ext uri="{FF2B5EF4-FFF2-40B4-BE49-F238E27FC236}">
+                <a16:creationId xmlns:a16="http://schemas.microsoft.com/office/drawing/2014/main" id="{613CB1FC-BBE0-53B5-BF4A-5CF2CD1746AC}"/>
+              </a:ext>
+            </a:extLst>
+          </p:cNvPr>
+          <p:cNvSpPr txBox="1">
             <a:spLocks noGrp="1"/>
           </p:cNvSpPr>
           <p:nvPr>
             <p:ph type="title"/>
           </p:nvPr>
         </p:nvSpPr>
-        <p:spPr/>
+        <p:spPr>
+          <a:xfrm>
+            <a:off x="625475" y="590550"/>
+            <a:ext cx="10515600" cy="1325563"/>
+          </a:xfrm>
+        </p:spPr>
         <p:txBody>
           <a:bodyPr/>
           <a:lstStyle/>
           <a:p>
-            <a:r>
-              <a:rPr lang="pl-PL" dirty="0" err="1" smtClean="0"/>
+            <a:pPr eaLnBrk="1" hangingPunct="1"/>
+            <a:r>
+              <a:rPr lang="pl-PL" altLang="pl-PL">
+                <a:latin typeface="Gill Sans Nova" panose="020B0602020104020203" pitchFamily="34" charset="0"/>
+                <a:ea typeface="Gill Sans Nova" panose="020B0602020104020203" pitchFamily="34" charset="0"/>
+                <a:cs typeface="Gill Sans Nova" panose="020B0602020104020203" pitchFamily="34" charset="0"/>
+              </a:rPr>
               <a:t>Resources</a:t>
             </a:r>
-            <a:endParaRPr lang="en-GB" dirty="0"/>
+            <a:endParaRPr lang="en-GB" altLang="pl-PL">
+              <a:latin typeface="Gill Sans Nova" panose="020B0602020104020203" pitchFamily="34" charset="0"/>
+              <a:ea typeface="Gill Sans Nova" panose="020B0602020104020203" pitchFamily="34" charset="0"/>
+              <a:cs typeface="Gill Sans Nova" panose="020B0602020104020203" pitchFamily="34" charset="0"/>
+            </a:endParaRPr>
           </a:p>
         </p:txBody>
       </p:sp>
       <p:sp>
         <p:nvSpPr>
-          <p:cNvPr id="3" name="Symbol zastępczy tekstu 2"/>
-          <p:cNvSpPr>
+          <p:cNvPr id="15363" name="Symbol zastępczy tekstu 2">
+            <a:extLst>
+              <a:ext uri="{FF2B5EF4-FFF2-40B4-BE49-F238E27FC236}">
+                <a16:creationId xmlns:a16="http://schemas.microsoft.com/office/drawing/2014/main" id="{1F69A6C7-E3F4-458F-5770-86A1238BD8CE}"/>
+              </a:ext>
+            </a:extLst>
+          </p:cNvPr>
+          <p:cNvSpPr txBox="1">
             <a:spLocks noGrp="1"/>
           </p:cNvSpPr>
           <p:nvPr>
             <p:ph type="body" idx="1"/>
           </p:nvPr>
         </p:nvSpPr>
-        <p:spPr/>
+        <p:spPr>
+          <a:xfrm>
+            <a:off x="625475" y="2074863"/>
+            <a:ext cx="10515600" cy="4071937"/>
+          </a:xfrm>
+        </p:spPr>
         <p:txBody>
           <a:bodyPr/>
           <a:lstStyle/>
           <a:p>
-            <a:pPr marL="457200" indent="-457200">
-              <a:buFont typeface="Arial" panose="020B0604020202020204" pitchFamily="34" charset="0"/>
+            <a:pPr marL="457200" indent="-457200" eaLnBrk="1" hangingPunct="1">
+              <a:buFontTx/>
               <a:buChar char="•"/>
             </a:pPr>
             <a:r>
-              <a:rPr lang="en-GB" dirty="0" err="1"/>
-              <a:t>Elasticsearch</a:t>
-            </a:r>
-            <a:r>
-              <a:rPr lang="en-GB" dirty="0"/>
-              <a:t>: </a:t>
-            </a:r>
-            <a:r>
-              <a:rPr lang="en-GB" dirty="0">
+              <a:rPr lang="en-GB" altLang="pl-PL">
+                <a:latin typeface="Gill Sans Nova" panose="020B0602020104020203" pitchFamily="34" charset="0"/>
+                <a:ea typeface="Gill Sans Nova" panose="020B0602020104020203" pitchFamily="34" charset="0"/>
+                <a:cs typeface="Gill Sans Nova" panose="020B0602020104020203" pitchFamily="34" charset="0"/>
+              </a:rPr>
+              <a:t>Elasticsearch: </a:t>
+            </a:r>
+            <a:r>
+              <a:rPr lang="en-GB" altLang="pl-PL">
+                <a:latin typeface="Gill Sans Nova" panose="020B0602020104020203" pitchFamily="34" charset="0"/>
+                <a:ea typeface="Gill Sans Nova" panose="020B0602020104020203" pitchFamily="34" charset="0"/>
+                <a:cs typeface="Gill Sans Nova" panose="020B0602020104020203" pitchFamily="34" charset="0"/>
                 <a:hlinkClick r:id="rId2"/>
               </a:rPr>
               <a:t>https://www.elastic.co/downloads/elasticsearch </a:t>
             </a:r>
-            <a:endParaRPr lang="en-GB" dirty="0"/>
-          </a:p>
-          <a:p>
-            <a:pPr marL="457200" indent="-457200">
-              <a:buFont typeface="Arial" panose="020B0604020202020204" pitchFamily="34" charset="0"/>
+            <a:endParaRPr lang="en-GB" altLang="pl-PL">
+              <a:latin typeface="Gill Sans Nova" panose="020B0602020104020203" pitchFamily="34" charset="0"/>
+              <a:ea typeface="Gill Sans Nova" panose="020B0602020104020203" pitchFamily="34" charset="0"/>
+              <a:cs typeface="Gill Sans Nova" panose="020B0602020104020203" pitchFamily="34" charset="0"/>
+            </a:endParaRPr>
+          </a:p>
+          <a:p>
+            <a:pPr marL="457200" indent="-457200" eaLnBrk="1" hangingPunct="1">
+              <a:buFontTx/>
               <a:buChar char="•"/>
             </a:pPr>
             <a:r>
-              <a:rPr lang="en-GB" dirty="0" err="1"/>
-              <a:t>Kibana</a:t>
-            </a:r>
-            <a:r>
-              <a:rPr lang="en-GB" dirty="0"/>
-              <a:t>: </a:t>
-            </a:r>
-            <a:r>
-              <a:rPr lang="en-GB" dirty="0">
+              <a:rPr lang="en-GB" altLang="pl-PL">
+                <a:latin typeface="Gill Sans Nova" panose="020B0602020104020203" pitchFamily="34" charset="0"/>
+                <a:ea typeface="Gill Sans Nova" panose="020B0602020104020203" pitchFamily="34" charset="0"/>
+                <a:cs typeface="Gill Sans Nova" panose="020B0602020104020203" pitchFamily="34" charset="0"/>
+              </a:rPr>
+              <a:t>Kibana: </a:t>
+            </a:r>
+            <a:r>
+              <a:rPr lang="en-GB" altLang="pl-PL">
+                <a:latin typeface="Gill Sans Nova" panose="020B0602020104020203" pitchFamily="34" charset="0"/>
+                <a:ea typeface="Gill Sans Nova" panose="020B0602020104020203" pitchFamily="34" charset="0"/>
+                <a:cs typeface="Gill Sans Nova" panose="020B0602020104020203" pitchFamily="34" charset="0"/>
                 <a:hlinkClick r:id="rId3"/>
               </a:rPr>
               <a:t>https://www.elastic.co/downloads/kibana </a:t>
             </a:r>
-            <a:endParaRPr lang="en-GB" dirty="0"/>
-          </a:p>
-          <a:p>
-            <a:pPr marL="457200" indent="-457200">
-              <a:buFont typeface="Arial" panose="020B0604020202020204" pitchFamily="34" charset="0"/>
+            <a:endParaRPr lang="en-GB" altLang="pl-PL">
+              <a:latin typeface="Gill Sans Nova" panose="020B0602020104020203" pitchFamily="34" charset="0"/>
+              <a:ea typeface="Gill Sans Nova" panose="020B0602020104020203" pitchFamily="34" charset="0"/>
+              <a:cs typeface="Gill Sans Nova" panose="020B0602020104020203" pitchFamily="34" charset="0"/>
+            </a:endParaRPr>
+          </a:p>
+          <a:p>
+            <a:pPr marL="457200" indent="-457200" eaLnBrk="1" hangingPunct="1">
+              <a:buFontTx/>
               <a:buChar char="•"/>
             </a:pPr>
             <a:r>
-              <a:rPr lang="en-GB" dirty="0" err="1"/>
-              <a:t>europarl</a:t>
-            </a:r>
-            <a:r>
-              <a:rPr lang="en-GB" dirty="0"/>
-              <a:t> files</a:t>
-            </a:r>
-          </a:p>
-          <a:p>
-            <a:pPr marL="457200" indent="-457200">
-              <a:buFont typeface="Arial" panose="020B0604020202020204" pitchFamily="34" charset="0"/>
+              <a:rPr lang="en-GB" altLang="pl-PL">
+                <a:latin typeface="Gill Sans Nova" panose="020B0602020104020203" pitchFamily="34" charset="0"/>
+                <a:ea typeface="Gill Sans Nova" panose="020B0602020104020203" pitchFamily="34" charset="0"/>
+                <a:cs typeface="Gill Sans Nova" panose="020B0602020104020203" pitchFamily="34" charset="0"/>
+              </a:rPr>
+              <a:t>europarl files</a:t>
+            </a:r>
+          </a:p>
+          <a:p>
+            <a:pPr marL="457200" indent="-457200" eaLnBrk="1" hangingPunct="1">
+              <a:buFontTx/>
               <a:buChar char="•"/>
             </a:pPr>
             <a:r>
-              <a:rPr lang="en-GB" dirty="0"/>
-              <a:t>apache </a:t>
-            </a:r>
-            <a:r>
-              <a:rPr lang="en-GB" dirty="0" err="1"/>
-              <a:t>logfile</a:t>
-            </a:r>
-            <a:endParaRPr lang="en-GB" dirty="0"/>
-          </a:p>
-          <a:p>
-            <a:pPr marL="457200" indent="-457200">
-              <a:buFont typeface="Arial" panose="020B0604020202020204" pitchFamily="34" charset="0"/>
+              <a:rPr lang="en-GB" altLang="pl-PL">
+                <a:latin typeface="Gill Sans Nova" panose="020B0602020104020203" pitchFamily="34" charset="0"/>
+                <a:ea typeface="Gill Sans Nova" panose="020B0602020104020203" pitchFamily="34" charset="0"/>
+                <a:cs typeface="Gill Sans Nova" panose="020B0602020104020203" pitchFamily="34" charset="0"/>
+              </a:rPr>
+              <a:t>apache logfile</a:t>
+            </a:r>
+          </a:p>
+          <a:p>
+            <a:pPr marL="457200" indent="-457200" eaLnBrk="1" hangingPunct="1">
+              <a:buFontTx/>
               <a:buChar char="•"/>
             </a:pPr>
             <a:r>
-              <a:rPr lang="en-GB" dirty="0"/>
-              <a:t>data loading </a:t>
-            </a:r>
-            <a:r>
-              <a:rPr lang="en-GB" dirty="0" smtClean="0"/>
-              <a:t>tool</a:t>
-            </a:r>
-            <a:endParaRPr lang="pl-PL" dirty="0" smtClean="0"/>
-          </a:p>
-          <a:p>
-            <a:pPr marL="457200" indent="-457200">
-              <a:buFont typeface="Arial" panose="020B0604020202020204" pitchFamily="34" charset="0"/>
+              <a:rPr lang="en-GB" altLang="pl-PL">
+                <a:latin typeface="Gill Sans Nova" panose="020B0602020104020203" pitchFamily="34" charset="0"/>
+                <a:ea typeface="Gill Sans Nova" panose="020B0602020104020203" pitchFamily="34" charset="0"/>
+                <a:cs typeface="Gill Sans Nova" panose="020B0602020104020203" pitchFamily="34" charset="0"/>
+              </a:rPr>
+              <a:t>data loading tool</a:t>
+            </a:r>
+            <a:endParaRPr lang="pl-PL" altLang="pl-PL">
+              <a:latin typeface="Gill Sans Nova" panose="020B0602020104020203" pitchFamily="34" charset="0"/>
+              <a:ea typeface="Gill Sans Nova" panose="020B0602020104020203" pitchFamily="34" charset="0"/>
+              <a:cs typeface="Gill Sans Nova" panose="020B0602020104020203" pitchFamily="34" charset="0"/>
+            </a:endParaRPr>
+          </a:p>
+          <a:p>
+            <a:pPr marL="457200" indent="-457200" eaLnBrk="1" hangingPunct="1">
+              <a:buFontTx/>
               <a:buChar char="•"/>
             </a:pPr>
             <a:r>
-              <a:rPr lang="en-GB" dirty="0" smtClean="0"/>
+              <a:rPr lang="en-GB" altLang="pl-PL">
+                <a:latin typeface="Gill Sans Nova" panose="020B0602020104020203" pitchFamily="34" charset="0"/>
+                <a:ea typeface="Gill Sans Nova" panose="020B0602020104020203" pitchFamily="34" charset="0"/>
+                <a:cs typeface="Gill Sans Nova" panose="020B0602020104020203" pitchFamily="34" charset="0"/>
+              </a:rPr>
               <a:t>dictionary data</a:t>
             </a:r>
             <a:r>
-              <a:rPr lang="pl-PL" dirty="0" smtClean="0"/>
+              <a:rPr lang="pl-PL" altLang="pl-PL">
+                <a:latin typeface="Gill Sans Nova" panose="020B0602020104020203" pitchFamily="34" charset="0"/>
+                <a:ea typeface="Gill Sans Nova" panose="020B0602020104020203" pitchFamily="34" charset="0"/>
+                <a:cs typeface="Gill Sans Nova" panose="020B0602020104020203" pitchFamily="34" charset="0"/>
+              </a:rPr>
               <a:t>: </a:t>
             </a:r>
             <a:r>
-              <a:rPr lang="pl-PL" dirty="0" smtClean="0">
+              <a:rPr lang="pl-PL" altLang="pl-PL">
+                <a:latin typeface="Gill Sans Nova" panose="020B0602020104020203" pitchFamily="34" charset="0"/>
+                <a:ea typeface="Gill Sans Nova" panose="020B0602020104020203" pitchFamily="34" charset="0"/>
+                <a:cs typeface="Gill Sans Nova" panose="020B0602020104020203" pitchFamily="34" charset="0"/>
                 <a:hlinkClick r:id="rId4"/>
               </a:rPr>
-              <a:t>https</a:t>
-            </a:r>
-            <a:r>
-              <a:rPr lang="pl-PL" dirty="0">
-                <a:hlinkClick r:id="rId4"/>
-              </a:rPr>
-              <a:t>://</a:t>
-            </a:r>
-            <a:r>
-              <a:rPr lang="pl-PL" dirty="0" smtClean="0">
-                <a:hlinkClick r:id="rId4"/>
-              </a:rPr>
-              <a:t>github.com/hunspell</a:t>
-            </a:r>
-            <a:endParaRPr lang="en-GB" dirty="0"/>
-          </a:p>
-          <a:p>
-            <a:pPr marL="457200" indent="-457200">
-              <a:buFont typeface="Arial" panose="020B0604020202020204" pitchFamily="34" charset="0"/>
+              <a:t>https://github.com/hunspell</a:t>
+            </a:r>
+            <a:endParaRPr lang="en-GB" altLang="pl-PL">
+              <a:latin typeface="Gill Sans Nova" panose="020B0602020104020203" pitchFamily="34" charset="0"/>
+              <a:ea typeface="Gill Sans Nova" panose="020B0602020104020203" pitchFamily="34" charset="0"/>
+              <a:cs typeface="Gill Sans Nova" panose="020B0602020104020203" pitchFamily="34" charset="0"/>
+            </a:endParaRPr>
+          </a:p>
+          <a:p>
+            <a:pPr marL="457200" indent="-457200" eaLnBrk="1" hangingPunct="1">
+              <a:buFontTx/>
               <a:buChar char="•"/>
             </a:pPr>
             <a:r>
-              <a:rPr lang="en-GB" dirty="0"/>
-              <a:t>additional resources on </a:t>
-            </a:r>
-            <a:r>
-              <a:rPr lang="en-GB" dirty="0" err="1" smtClean="0"/>
-              <a:t>github</a:t>
-            </a:r>
-            <a:r>
-              <a:rPr lang="pl-PL" dirty="0" smtClean="0"/>
+              <a:rPr lang="en-GB" altLang="pl-PL">
+                <a:latin typeface="Gill Sans Nova" panose="020B0602020104020203" pitchFamily="34" charset="0"/>
+                <a:ea typeface="Gill Sans Nova" panose="020B0602020104020203" pitchFamily="34" charset="0"/>
+                <a:cs typeface="Gill Sans Nova" panose="020B0602020104020203" pitchFamily="34" charset="0"/>
+              </a:rPr>
+              <a:t>additional resources on github</a:t>
+            </a:r>
+            <a:r>
+              <a:rPr lang="pl-PL" altLang="pl-PL">
+                <a:latin typeface="Gill Sans Nova" panose="020B0602020104020203" pitchFamily="34" charset="0"/>
+                <a:ea typeface="Gill Sans Nova" panose="020B0602020104020203" pitchFamily="34" charset="0"/>
+                <a:cs typeface="Gill Sans Nova" panose="020B0602020104020203" pitchFamily="34" charset="0"/>
+              </a:rPr>
               <a:t>: </a:t>
             </a:r>
             <a:r>
-              <a:rPr lang="pl-PL" dirty="0" smtClean="0">
+              <a:rPr lang="pl-PL" altLang="pl-PL">
+                <a:latin typeface="Gill Sans Nova" panose="020B0602020104020203" pitchFamily="34" charset="0"/>
+                <a:ea typeface="Gill Sans Nova" panose="020B0602020104020203" pitchFamily="34" charset="0"/>
+                <a:cs typeface="Gill Sans Nova" panose="020B0602020104020203" pitchFamily="34" charset="0"/>
                 <a:hlinkClick r:id="rId5"/>
               </a:rPr>
-              <a:t>https</a:t>
-            </a:r>
-            <a:r>
-              <a:rPr lang="pl-PL" dirty="0">
-                <a:hlinkClick r:id="rId5"/>
-              </a:rPr>
-              <a:t>://</a:t>
-            </a:r>
-            <a:r>
-              <a:rPr lang="pl-PL" dirty="0" smtClean="0">
-                <a:hlinkClick r:id="rId5"/>
-              </a:rPr>
-              <a:t>github.com/dotjabber/spinaker-elasticsearch</a:t>
-            </a:r>
-            <a:endParaRPr lang="en-GB" dirty="0"/>
+              <a:t>https://github.com/dotjabber/spinaker-elasticsearch</a:t>
+            </a:r>
+            <a:endParaRPr lang="en-GB" altLang="pl-PL">
+              <a:latin typeface="Gill Sans Nova" panose="020B0602020104020203" pitchFamily="34" charset="0"/>
+              <a:ea typeface="Gill Sans Nova" panose="020B0602020104020203" pitchFamily="34" charset="0"/>
+              <a:cs typeface="Gill Sans Nova" panose="020B0602020104020203" pitchFamily="34" charset="0"/>
+            </a:endParaRPr>
           </a:p>
         </p:txBody>
       </p:sp>
     </p:spTree>
-    <p:extLst>
-      <p:ext uri="{BB962C8B-B14F-4D97-AF65-F5344CB8AC3E}">
-        <p14:creationId xmlns:p14="http://schemas.microsoft.com/office/powerpoint/2010/main" val="1120776226"/>
-      </p:ext>
-    </p:extLst>
   </p:cSld>
   <p:clrMapOvr>
     <a:masterClrMapping/>
@@ -10793,6 +11298,15 @@
 </file>
 
 <file path=customXml/item1.xml><?xml version="1.0" encoding="utf-8"?>
+<?mso-contentType ?>
+<FormTemplates xmlns="http://schemas.microsoft.com/sharepoint/v3/contenttype/forms">
+  <Display>DocumentLibraryForm</Display>
+  <Edit>DocumentLibraryForm</Edit>
+  <New>DocumentLibraryForm</New>
+</FormTemplates>
+</file>
+
+<file path=customXml/item2.xml><?xml version="1.0" encoding="utf-8"?>
 <ct:contentTypeSchema xmlns:ct="http://schemas.microsoft.com/office/2006/metadata/contentType" xmlns:ma="http://schemas.microsoft.com/office/2006/metadata/properties/metaAttributes" ct:_="" ma:_="" ma:contentTypeName="Dokument" ma:contentTypeID="0x01010066C5490B4B88FD4C9CF90EE75F02C33E" ma:contentTypeVersion="16" ma:contentTypeDescription="Utwórz nowy dokument." ma:contentTypeScope="" ma:versionID="9befc991a8bd6061e70b9708107339b1">
   <xsd:schema xmlns:xsd="http://www.w3.org/2001/XMLSchema" xmlns:xs="http://www.w3.org/2001/XMLSchema" xmlns:p="http://schemas.microsoft.com/office/2006/metadata/properties" xmlns:ns2="4c19037f-c4f2-409f-b703-4bfedb95d267" xmlns:ns3="92755776-c141-414b-b3f7-51302f91aa09" targetNamespace="http://schemas.microsoft.com/office/2006/metadata/properties" ma:root="true" ma:fieldsID="c527625168f0ac20fb932a28fa946bf5" ns2:_="" ns3:_="">
     <xsd:import namespace="4c19037f-c4f2-409f-b703-4bfedb95d267"/>
@@ -11035,10 +11549,10 @@
 </ct:contentTypeSchema>
 </file>
 
-<file path=customXml/item2.xml><?xml version="1.0" encoding="utf-8"?>
+<file path=customXml/item3.xml><?xml version="1.0" encoding="utf-8"?>
 <p:properties xmlns:p="http://schemas.microsoft.com/office/2006/metadata/properties" xmlns:xsi="http://www.w3.org/2001/XMLSchema-instance" xmlns:pc="http://schemas.microsoft.com/office/infopath/2007/PartnerControls">
   <documentManagement>
-    <TaxCatchAll xmlns="92755776-c141-414b-b3f7-51302f91aa09" xsi:nil="true"/>
+    <TaxCatchAll xmlns="92755776-c141-414b-b3f7-51302f91aa09"/>
     <lcf76f155ced4ddcb4097134ff3c332f xmlns="4c19037f-c4f2-409f-b703-4bfedb95d267">
       <Terms xmlns="http://schemas.microsoft.com/office/infopath/2007/PartnerControls"/>
     </lcf76f155ced4ddcb4097134ff3c332f>
@@ -11046,16 +11560,15 @@
 </p:properties>
 </file>
 
-<file path=customXml/item3.xml><?xml version="1.0" encoding="utf-8"?>
-<?mso-contentType ?>
-<FormTemplates xmlns="http://schemas.microsoft.com/sharepoint/v3/contenttype/forms">
-  <Display>DocumentLibraryForm</Display>
-  <Edit>DocumentLibraryForm</Edit>
-  <New>DocumentLibraryForm</New>
-</FormTemplates>
+<file path=customXml/itemProps1.xml><?xml version="1.0" encoding="utf-8"?>
+<ds:datastoreItem xmlns:ds="http://schemas.openxmlformats.org/officeDocument/2006/customXml" ds:itemID="{083E5304-4B44-45E8-B992-7EAE7193FB48}">
+  <ds:schemaRefs>
+    <ds:schemaRef ds:uri="http://schemas.microsoft.com/sharepoint/v3/contenttype/forms"/>
+  </ds:schemaRefs>
+</ds:datastoreItem>
 </file>
 
-<file path=customXml/itemProps1.xml><?xml version="1.0" encoding="utf-8"?>
+<file path=customXml/itemProps2.xml><?xml version="1.0" encoding="utf-8"?>
 <ds:datastoreItem xmlns:ds="http://schemas.openxmlformats.org/officeDocument/2006/customXml" ds:itemID="{BB31870E-6EF7-4CE7-972C-FD5C01649BA3}">
   <ds:schemaRefs>
     <ds:schemaRef ds:uri="http://schemas.microsoft.com/office/2006/metadata/contentType"/>
@@ -11074,21 +11587,11 @@
 </ds:datastoreItem>
 </file>
 
-<file path=customXml/itemProps2.xml><?xml version="1.0" encoding="utf-8"?>
-<ds:datastoreItem xmlns:ds="http://schemas.openxmlformats.org/officeDocument/2006/customXml" ds:itemID="{3EB550C2-CA33-4A7F-BAF6-30B793CCB73D}">
+<file path=customXml/itemProps3.xml><?xml version="1.0" encoding="utf-8"?>
+<ds:datastoreItem xmlns:ds="http://schemas.openxmlformats.org/officeDocument/2006/customXml" ds:itemID="{F8F9D3BB-F9BF-4824-9DA0-C28694DE0A15}">
   <ds:schemaRefs>
     <ds:schemaRef ds:uri="http://schemas.microsoft.com/office/2006/metadata/properties"/>
     <ds:schemaRef ds:uri="http://schemas.microsoft.com/office/infopath/2007/PartnerControls"/>
-    <ds:schemaRef ds:uri="92755776-c141-414b-b3f7-51302f91aa09"/>
-    <ds:schemaRef ds:uri="4c19037f-c4f2-409f-b703-4bfedb95d267"/>
-  </ds:schemaRefs>
-</ds:datastoreItem>
-</file>
-
-<file path=customXml/itemProps3.xml><?xml version="1.0" encoding="utf-8"?>
-<ds:datastoreItem xmlns:ds="http://schemas.openxmlformats.org/officeDocument/2006/customXml" ds:itemID="{083E5304-4B44-45E8-B992-7EAE7193FB48}">
-  <ds:schemaRefs>
-    <ds:schemaRef ds:uri="http://schemas.microsoft.com/sharepoint/v3/contenttype/forms"/>
   </ds:schemaRefs>
 </ds:datastoreItem>
 </file>
--- a/spinaker-elasticsearch.pptx
+++ b/spinaker-elasticsearch.pptx
@@ -6,7 +6,7 @@
     <p:sldMasterId id="2147483663" r:id="rId5"/>
   </p:sldMasterIdLst>
   <p:notesMasterIdLst>
-    <p:notesMasterId r:id="rId13"/>
+    <p:notesMasterId r:id="rId14"/>
   </p:notesMasterIdLst>
   <p:sldIdLst>
     <p:sldId id="256" r:id="rId6"/>
@@ -16,6 +16,7 @@
     <p:sldId id="261" r:id="rId10"/>
     <p:sldId id="263" r:id="rId11"/>
     <p:sldId id="264" r:id="rId12"/>
+    <p:sldId id="266" r:id="rId13"/>
   </p:sldIdLst>
   <p:sldSz cx="12192000" cy="6858000"/>
   <p:notesSz cx="6858000" cy="9144000"/>
@@ -153,6 +154,11 @@
       </a:defRPr>
     </a:lvl9pPr>
   </p:defaultTextStyle>
+  <p:extLst>
+    <p:ext uri="{EFAFB233-063F-42B5-8137-9DF3F51BA10A}">
+      <p15:sldGuideLst xmlns:p15="http://schemas.microsoft.com/office/powerpoint/2012/main"/>
+    </p:ext>
+  </p:extLst>
 </p:presentation>
 </file>
 
@@ -864,7 +870,7 @@
             <a:fld id="{82DBDF3D-99CB-4FE1-A423-D14FE3DE57AB}" type="datetimeFigureOut">
               <a:rPr lang="pl-PL" altLang="pl-PL"/>
               <a:pPr/>
-              <a:t>20.05.2022</a:t>
+              <a:t>23.05.2022</a:t>
             </a:fld>
             <a:endParaRPr lang="pl-PL" altLang="pl-PL"/>
           </a:p>
@@ -1159,7 +1165,7 @@
             <a:fld id="{A24B1316-D43C-44FB-85EA-80AB5DEC1843}" type="datetimeFigureOut">
               <a:rPr lang="pl-PL" altLang="pl-PL"/>
               <a:pPr/>
-              <a:t>20.05.2022</a:t>
+              <a:t>23.05.2022</a:t>
             </a:fld>
             <a:endParaRPr lang="pl-PL" altLang="pl-PL"/>
           </a:p>
@@ -1444,7 +1450,7 @@
             <a:fld id="{D62E81C2-7691-4AEA-81E1-80BEB2BA65AF}" type="datetimeFigureOut">
               <a:rPr lang="pl-PL" altLang="pl-PL"/>
               <a:pPr/>
-              <a:t>20.05.2022</a:t>
+              <a:t>23.05.2022</a:t>
             </a:fld>
             <a:endParaRPr lang="pl-PL" altLang="pl-PL"/>
           </a:p>
@@ -1876,7 +1882,7 @@
             <a:fld id="{016D6860-3DB7-4660-A897-B8CC5AABA1A5}" type="datetimeFigureOut">
               <a:rPr lang="pl-PL" altLang="pl-PL"/>
               <a:pPr/>
-              <a:t>20.05.2022</a:t>
+              <a:t>23.05.2022</a:t>
             </a:fld>
             <a:endParaRPr lang="pl-PL" altLang="pl-PL"/>
           </a:p>
@@ -2037,7 +2043,7 @@
             <a:fld id="{FF9B2D11-B312-43EE-B05B-77585268258E}" type="datetimeFigureOut">
               <a:rPr lang="pl-PL" altLang="pl-PL"/>
               <a:pPr/>
-              <a:t>20.05.2022</a:t>
+              <a:t>23.05.2022</a:t>
             </a:fld>
             <a:endParaRPr lang="pl-PL" altLang="pl-PL"/>
           </a:p>
@@ -2170,7 +2176,7 @@
             <a:fld id="{D4F080C7-4B41-4567-922A-1842566EDCDA}" type="datetimeFigureOut">
               <a:rPr lang="pl-PL" altLang="pl-PL"/>
               <a:pPr/>
-              <a:t>20.05.2022</a:t>
+              <a:t>23.05.2022</a:t>
             </a:fld>
             <a:endParaRPr lang="pl-PL" altLang="pl-PL"/>
           </a:p>
@@ -2501,7 +2507,7 @@
             <a:fld id="{D7B2EFBC-EF4F-4D5C-8AC0-7056533B41F2}" type="datetimeFigureOut">
               <a:rPr lang="pl-PL" altLang="pl-PL"/>
               <a:pPr/>
-              <a:t>20.05.2022</a:t>
+              <a:t>23.05.2022</a:t>
             </a:fld>
             <a:endParaRPr lang="pl-PL" altLang="pl-PL"/>
           </a:p>
@@ -2812,7 +2818,7 @@
             <a:fld id="{CDB5CE22-DC5E-4AC9-9CE4-5FD0C43ABA0C}" type="datetimeFigureOut">
               <a:rPr lang="pl-PL" altLang="pl-PL"/>
               <a:pPr/>
-              <a:t>20.05.2022</a:t>
+              <a:t>23.05.2022</a:t>
             </a:fld>
             <a:endParaRPr lang="pl-PL" altLang="pl-PL"/>
           </a:p>
@@ -3030,7 +3036,7 @@
             <a:fld id="{265C6CB3-DD19-4EFA-B33B-A464216AA4EC}" type="datetimeFigureOut">
               <a:rPr lang="pl-PL" altLang="pl-PL"/>
               <a:pPr/>
-              <a:t>20.05.2022</a:t>
+              <a:t>23.05.2022</a:t>
             </a:fld>
             <a:endParaRPr lang="pl-PL" altLang="pl-PL"/>
           </a:p>
@@ -3258,7 +3264,7 @@
             <a:fld id="{AEFD6F16-3EEB-45C8-88F6-86B418E2F1A7}" type="datetimeFigureOut">
               <a:rPr lang="pl-PL" altLang="pl-PL"/>
               <a:pPr/>
-              <a:t>20.05.2022</a:t>
+              <a:t>23.05.2022</a:t>
             </a:fld>
             <a:endParaRPr lang="pl-PL" altLang="pl-PL"/>
           </a:p>
@@ -4853,7 +4859,7 @@
             <a:fld id="{5FAD9AB5-B232-4A4B-B46D-C99F707A37AC}" type="datetimeFigureOut">
               <a:rPr lang="pl-PL" altLang="pl-PL"/>
               <a:pPr/>
-              <a:t>20.05.2022</a:t>
+              <a:t>23.05.2022</a:t>
             </a:fld>
             <a:endParaRPr lang="pl-PL" altLang="pl-PL"/>
           </a:p>
@@ -6129,7 +6135,7 @@
             <a:fld id="{526FE429-860E-44F4-BAA4-83B26C7E1917}" type="datetimeFigureOut">
               <a:rPr lang="pl-PL" altLang="pl-PL"/>
               <a:pPr/>
-              <a:t>20.05.2022</a:t>
+              <a:t>23.05.2022</a:t>
             </a:fld>
             <a:endParaRPr lang="pl-PL" altLang="pl-PL"/>
           </a:p>
@@ -6819,7 +6825,7 @@
         </p:nvSpPr>
         <p:spPr>
           <a:xfrm>
-            <a:off x="1524000" y="3602038"/>
+            <a:off x="361405" y="3692526"/>
             <a:ext cx="9144000" cy="1282700"/>
           </a:xfrm>
         </p:spPr>
@@ -6829,13 +6835,37 @@
           <a:p>
             <a:pPr algn="r" eaLnBrk="1" hangingPunct="1"/>
             <a:r>
-              <a:rPr lang="pl-PL" altLang="pl-PL">
+              <a:rPr lang="pl-PL" altLang="pl-PL" dirty="0">
                 <a:latin typeface="Gill Sans Nova" panose="020B0602020104020203" pitchFamily="34" charset="0"/>
                 <a:ea typeface="Gill Sans Nova" panose="020B0602020104020203" pitchFamily="34" charset="0"/>
                 <a:cs typeface="Gill Sans Nova" panose="020B0602020104020203" pitchFamily="34" charset="0"/>
               </a:rPr>
               <a:t>Maciej Kowalski</a:t>
             </a:r>
+          </a:p>
+          <a:p>
+            <a:pPr algn="r" eaLnBrk="1" hangingPunct="1"/>
+            <a:r>
+              <a:rPr lang="pl-PL" b="1" dirty="0" err="1"/>
+              <a:t>National</a:t>
+            </a:r>
+            <a:r>
+              <a:rPr lang="pl-PL" b="1" dirty="0"/>
+              <a:t> Information Processing </a:t>
+            </a:r>
+            <a:r>
+              <a:rPr lang="pl-PL" b="1" dirty="0" err="1"/>
+              <a:t>Institute</a:t>
+            </a:r>
+            <a:endParaRPr lang="pl-PL" b="1" dirty="0"/>
+          </a:p>
+          <a:p>
+            <a:pPr algn="r" eaLnBrk="1" hangingPunct="1"/>
+            <a:endParaRPr lang="pl-PL" altLang="pl-PL" dirty="0">
+              <a:latin typeface="Gill Sans Nova" panose="020B0602020104020203" pitchFamily="34" charset="0"/>
+              <a:ea typeface="Gill Sans Nova" panose="020B0602020104020203" pitchFamily="34" charset="0"/>
+              <a:cs typeface="Gill Sans Nova" panose="020B0602020104020203" pitchFamily="34" charset="0"/>
+            </a:endParaRPr>
           </a:p>
         </p:txBody>
       </p:sp>
@@ -6845,6 +6875,13 @@
     <a:masterClrMapping/>
   </p:clrMapOvr>
   <p:transition spd="med"/>
+  <p:timing>
+    <p:tnLst>
+      <p:par>
+        <p:cTn id="1" dur="indefinite" restart="never" nodeType="tmRoot"/>
+      </p:par>
+    </p:tnLst>
+  </p:timing>
 </p:sld>
 </file>
 
@@ -6926,7 +6963,7 @@
         </p:nvSpPr>
         <p:spPr>
           <a:xfrm>
-            <a:off x="625475" y="2074863"/>
+            <a:off x="625475" y="3270115"/>
             <a:ext cx="10515600" cy="4071937"/>
           </a:xfrm>
         </p:spPr>
@@ -7096,8 +7133,8 @@
           </a:stretch>
         </p:blipFill>
         <p:spPr bwMode="auto">
-          <a:xfrm rot="473622">
-            <a:off x="9280525" y="2949575"/>
+          <a:xfrm>
+            <a:off x="9371474" y="1531022"/>
             <a:ext cx="2273300" cy="2652713"/>
           </a:xfrm>
           <a:prstGeom prst="rect">
@@ -7134,6 +7171,13 @@
     <a:masterClrMapping/>
   </p:clrMapOvr>
   <p:transition spd="med"/>
+  <p:timing>
+    <p:tnLst>
+      <p:par>
+        <p:cTn id="1" dur="indefinite" restart="never" nodeType="tmRoot"/>
+      </p:par>
+    </p:tnLst>
+  </p:timing>
 </p:sld>
 </file>
 
@@ -7225,17 +7269,465 @@
           <a:p>
             <a:pPr eaLnBrk="1" hangingPunct="1"/>
             <a:r>
-              <a:rPr lang="pl-PL" altLang="pl-PL">
+              <a:rPr lang="pl-PL" altLang="pl-PL" dirty="0">
                 <a:latin typeface="Gill Sans Nova" panose="020B0602020104020203" pitchFamily="34" charset="0"/>
                 <a:ea typeface="Gill Sans Nova" panose="020B0602020104020203" pitchFamily="34" charset="0"/>
                 <a:cs typeface="Gill Sans Nova" panose="020B0602020104020203" pitchFamily="34" charset="0"/>
               </a:rPr>
-              <a:t>It is the basis of every search algorithm. Each index entry is a word (or term, it depends how you divide it) and a list of document where that particular word is located (possibly with locations within that document).</a:t>
+              <a:t>It </a:t>
+            </a:r>
+            <a:r>
+              <a:rPr lang="pl-PL" altLang="pl-PL" dirty="0" err="1">
+                <a:latin typeface="Gill Sans Nova" panose="020B0602020104020203" pitchFamily="34" charset="0"/>
+                <a:ea typeface="Gill Sans Nova" panose="020B0602020104020203" pitchFamily="34" charset="0"/>
+                <a:cs typeface="Gill Sans Nova" panose="020B0602020104020203" pitchFamily="34" charset="0"/>
+              </a:rPr>
+              <a:t>is</a:t>
+            </a:r>
+            <a:r>
+              <a:rPr lang="pl-PL" altLang="pl-PL" dirty="0">
+                <a:latin typeface="Gill Sans Nova" panose="020B0602020104020203" pitchFamily="34" charset="0"/>
+                <a:ea typeface="Gill Sans Nova" panose="020B0602020104020203" pitchFamily="34" charset="0"/>
+                <a:cs typeface="Gill Sans Nova" panose="020B0602020104020203" pitchFamily="34" charset="0"/>
+              </a:rPr>
+              <a:t> the </a:t>
+            </a:r>
+            <a:r>
+              <a:rPr lang="pl-PL" altLang="pl-PL" dirty="0" err="1">
+                <a:latin typeface="Gill Sans Nova" panose="020B0602020104020203" pitchFamily="34" charset="0"/>
+                <a:ea typeface="Gill Sans Nova" panose="020B0602020104020203" pitchFamily="34" charset="0"/>
+                <a:cs typeface="Gill Sans Nova" panose="020B0602020104020203" pitchFamily="34" charset="0"/>
+              </a:rPr>
+              <a:t>basis</a:t>
+            </a:r>
+            <a:r>
+              <a:rPr lang="pl-PL" altLang="pl-PL" dirty="0">
+                <a:latin typeface="Gill Sans Nova" panose="020B0602020104020203" pitchFamily="34" charset="0"/>
+                <a:ea typeface="Gill Sans Nova" panose="020B0602020104020203" pitchFamily="34" charset="0"/>
+                <a:cs typeface="Gill Sans Nova" panose="020B0602020104020203" pitchFamily="34" charset="0"/>
+              </a:rPr>
+              <a:t> of </a:t>
+            </a:r>
+            <a:r>
+              <a:rPr lang="pl-PL" altLang="pl-PL" dirty="0" err="1">
+                <a:latin typeface="Gill Sans Nova" panose="020B0602020104020203" pitchFamily="34" charset="0"/>
+                <a:ea typeface="Gill Sans Nova" panose="020B0602020104020203" pitchFamily="34" charset="0"/>
+                <a:cs typeface="Gill Sans Nova" panose="020B0602020104020203" pitchFamily="34" charset="0"/>
+              </a:rPr>
+              <a:t>every</a:t>
+            </a:r>
+            <a:r>
+              <a:rPr lang="pl-PL" altLang="pl-PL" dirty="0">
+                <a:latin typeface="Gill Sans Nova" panose="020B0602020104020203" pitchFamily="34" charset="0"/>
+                <a:ea typeface="Gill Sans Nova" panose="020B0602020104020203" pitchFamily="34" charset="0"/>
+                <a:cs typeface="Gill Sans Nova" panose="020B0602020104020203" pitchFamily="34" charset="0"/>
+              </a:rPr>
+              <a:t> </a:t>
+            </a:r>
+            <a:r>
+              <a:rPr lang="pl-PL" altLang="pl-PL" dirty="0" err="1">
+                <a:latin typeface="Gill Sans Nova" panose="020B0602020104020203" pitchFamily="34" charset="0"/>
+                <a:ea typeface="Gill Sans Nova" panose="020B0602020104020203" pitchFamily="34" charset="0"/>
+                <a:cs typeface="Gill Sans Nova" panose="020B0602020104020203" pitchFamily="34" charset="0"/>
+              </a:rPr>
+              <a:t>search</a:t>
+            </a:r>
+            <a:r>
+              <a:rPr lang="pl-PL" altLang="pl-PL" dirty="0">
+                <a:latin typeface="Gill Sans Nova" panose="020B0602020104020203" pitchFamily="34" charset="0"/>
+                <a:ea typeface="Gill Sans Nova" panose="020B0602020104020203" pitchFamily="34" charset="0"/>
+                <a:cs typeface="Gill Sans Nova" panose="020B0602020104020203" pitchFamily="34" charset="0"/>
+              </a:rPr>
+              <a:t> </a:t>
+            </a:r>
+            <a:r>
+              <a:rPr lang="pl-PL" altLang="pl-PL" dirty="0" err="1">
+                <a:latin typeface="Gill Sans Nova" panose="020B0602020104020203" pitchFamily="34" charset="0"/>
+                <a:ea typeface="Gill Sans Nova" panose="020B0602020104020203" pitchFamily="34" charset="0"/>
+                <a:cs typeface="Gill Sans Nova" panose="020B0602020104020203" pitchFamily="34" charset="0"/>
+              </a:rPr>
+              <a:t>algorithm</a:t>
+            </a:r>
+            <a:r>
+              <a:rPr lang="pl-PL" altLang="pl-PL" dirty="0">
+                <a:latin typeface="Gill Sans Nova" panose="020B0602020104020203" pitchFamily="34" charset="0"/>
+                <a:ea typeface="Gill Sans Nova" panose="020B0602020104020203" pitchFamily="34" charset="0"/>
+                <a:cs typeface="Gill Sans Nova" panose="020B0602020104020203" pitchFamily="34" charset="0"/>
+              </a:rPr>
+              <a:t>. </a:t>
+            </a:r>
+            <a:r>
+              <a:rPr lang="pl-PL" altLang="pl-PL" dirty="0" err="1">
+                <a:latin typeface="Gill Sans Nova" panose="020B0602020104020203" pitchFamily="34" charset="0"/>
+                <a:ea typeface="Gill Sans Nova" panose="020B0602020104020203" pitchFamily="34" charset="0"/>
+                <a:cs typeface="Gill Sans Nova" panose="020B0602020104020203" pitchFamily="34" charset="0"/>
+              </a:rPr>
+              <a:t>Each</a:t>
+            </a:r>
+            <a:r>
+              <a:rPr lang="pl-PL" altLang="pl-PL" dirty="0">
+                <a:latin typeface="Gill Sans Nova" panose="020B0602020104020203" pitchFamily="34" charset="0"/>
+                <a:ea typeface="Gill Sans Nova" panose="020B0602020104020203" pitchFamily="34" charset="0"/>
+                <a:cs typeface="Gill Sans Nova" panose="020B0602020104020203" pitchFamily="34" charset="0"/>
+              </a:rPr>
+              <a:t> index </a:t>
+            </a:r>
+            <a:r>
+              <a:rPr lang="pl-PL" altLang="pl-PL" dirty="0" err="1">
+                <a:latin typeface="Gill Sans Nova" panose="020B0602020104020203" pitchFamily="34" charset="0"/>
+                <a:ea typeface="Gill Sans Nova" panose="020B0602020104020203" pitchFamily="34" charset="0"/>
+                <a:cs typeface="Gill Sans Nova" panose="020B0602020104020203" pitchFamily="34" charset="0"/>
+              </a:rPr>
+              <a:t>entry</a:t>
+            </a:r>
+            <a:r>
+              <a:rPr lang="pl-PL" altLang="pl-PL" dirty="0">
+                <a:latin typeface="Gill Sans Nova" panose="020B0602020104020203" pitchFamily="34" charset="0"/>
+                <a:ea typeface="Gill Sans Nova" panose="020B0602020104020203" pitchFamily="34" charset="0"/>
+                <a:cs typeface="Gill Sans Nova" panose="020B0602020104020203" pitchFamily="34" charset="0"/>
+              </a:rPr>
+              <a:t> </a:t>
+            </a:r>
+            <a:r>
+              <a:rPr lang="pl-PL" altLang="pl-PL" dirty="0" err="1">
+                <a:latin typeface="Gill Sans Nova" panose="020B0602020104020203" pitchFamily="34" charset="0"/>
+                <a:ea typeface="Gill Sans Nova" panose="020B0602020104020203" pitchFamily="34" charset="0"/>
+                <a:cs typeface="Gill Sans Nova" panose="020B0602020104020203" pitchFamily="34" charset="0"/>
+              </a:rPr>
+              <a:t>is</a:t>
+            </a:r>
+            <a:r>
+              <a:rPr lang="pl-PL" altLang="pl-PL" dirty="0">
+                <a:latin typeface="Gill Sans Nova" panose="020B0602020104020203" pitchFamily="34" charset="0"/>
+                <a:ea typeface="Gill Sans Nova" panose="020B0602020104020203" pitchFamily="34" charset="0"/>
+                <a:cs typeface="Gill Sans Nova" panose="020B0602020104020203" pitchFamily="34" charset="0"/>
+              </a:rPr>
+              <a:t> a </a:t>
+            </a:r>
+            <a:r>
+              <a:rPr lang="pl-PL" altLang="pl-PL" dirty="0" err="1">
+                <a:latin typeface="Gill Sans Nova" panose="020B0602020104020203" pitchFamily="34" charset="0"/>
+                <a:ea typeface="Gill Sans Nova" panose="020B0602020104020203" pitchFamily="34" charset="0"/>
+                <a:cs typeface="Gill Sans Nova" panose="020B0602020104020203" pitchFamily="34" charset="0"/>
+              </a:rPr>
+              <a:t>word</a:t>
+            </a:r>
+            <a:r>
+              <a:rPr lang="pl-PL" altLang="pl-PL" dirty="0">
+                <a:latin typeface="Gill Sans Nova" panose="020B0602020104020203" pitchFamily="34" charset="0"/>
+                <a:ea typeface="Gill Sans Nova" panose="020B0602020104020203" pitchFamily="34" charset="0"/>
+                <a:cs typeface="Gill Sans Nova" panose="020B0602020104020203" pitchFamily="34" charset="0"/>
+              </a:rPr>
+              <a:t> (</a:t>
+            </a:r>
+            <a:r>
+              <a:rPr lang="pl-PL" altLang="pl-PL" dirty="0" err="1">
+                <a:latin typeface="Gill Sans Nova" panose="020B0602020104020203" pitchFamily="34" charset="0"/>
+                <a:ea typeface="Gill Sans Nova" panose="020B0602020104020203" pitchFamily="34" charset="0"/>
+                <a:cs typeface="Gill Sans Nova" panose="020B0602020104020203" pitchFamily="34" charset="0"/>
+              </a:rPr>
+              <a:t>or</a:t>
+            </a:r>
+            <a:r>
+              <a:rPr lang="pl-PL" altLang="pl-PL" dirty="0">
+                <a:latin typeface="Gill Sans Nova" panose="020B0602020104020203" pitchFamily="34" charset="0"/>
+                <a:ea typeface="Gill Sans Nova" panose="020B0602020104020203" pitchFamily="34" charset="0"/>
+                <a:cs typeface="Gill Sans Nova" panose="020B0602020104020203" pitchFamily="34" charset="0"/>
+              </a:rPr>
+              <a:t> term, </a:t>
+            </a:r>
+            <a:r>
+              <a:rPr lang="pl-PL" altLang="pl-PL" dirty="0" err="1">
+                <a:latin typeface="Gill Sans Nova" panose="020B0602020104020203" pitchFamily="34" charset="0"/>
+                <a:ea typeface="Gill Sans Nova" panose="020B0602020104020203" pitchFamily="34" charset="0"/>
+                <a:cs typeface="Gill Sans Nova" panose="020B0602020104020203" pitchFamily="34" charset="0"/>
+              </a:rPr>
+              <a:t>it</a:t>
+            </a:r>
+            <a:r>
+              <a:rPr lang="pl-PL" altLang="pl-PL" dirty="0">
+                <a:latin typeface="Gill Sans Nova" panose="020B0602020104020203" pitchFamily="34" charset="0"/>
+                <a:ea typeface="Gill Sans Nova" panose="020B0602020104020203" pitchFamily="34" charset="0"/>
+                <a:cs typeface="Gill Sans Nova" panose="020B0602020104020203" pitchFamily="34" charset="0"/>
+              </a:rPr>
+              <a:t> </a:t>
+            </a:r>
+            <a:r>
+              <a:rPr lang="pl-PL" altLang="pl-PL" dirty="0" err="1">
+                <a:latin typeface="Gill Sans Nova" panose="020B0602020104020203" pitchFamily="34" charset="0"/>
+                <a:ea typeface="Gill Sans Nova" panose="020B0602020104020203" pitchFamily="34" charset="0"/>
+                <a:cs typeface="Gill Sans Nova" panose="020B0602020104020203" pitchFamily="34" charset="0"/>
+              </a:rPr>
+              <a:t>depends</a:t>
+            </a:r>
+            <a:r>
+              <a:rPr lang="pl-PL" altLang="pl-PL" dirty="0">
+                <a:latin typeface="Gill Sans Nova" panose="020B0602020104020203" pitchFamily="34" charset="0"/>
+                <a:ea typeface="Gill Sans Nova" panose="020B0602020104020203" pitchFamily="34" charset="0"/>
+                <a:cs typeface="Gill Sans Nova" panose="020B0602020104020203" pitchFamily="34" charset="0"/>
+              </a:rPr>
+              <a:t> </a:t>
+            </a:r>
+            <a:r>
+              <a:rPr lang="pl-PL" altLang="pl-PL" dirty="0" err="1">
+                <a:latin typeface="Gill Sans Nova" panose="020B0602020104020203" pitchFamily="34" charset="0"/>
+                <a:ea typeface="Gill Sans Nova" panose="020B0602020104020203" pitchFamily="34" charset="0"/>
+                <a:cs typeface="Gill Sans Nova" panose="020B0602020104020203" pitchFamily="34" charset="0"/>
+              </a:rPr>
+              <a:t>how</a:t>
+            </a:r>
+            <a:r>
+              <a:rPr lang="pl-PL" altLang="pl-PL" dirty="0">
+                <a:latin typeface="Gill Sans Nova" panose="020B0602020104020203" pitchFamily="34" charset="0"/>
+                <a:ea typeface="Gill Sans Nova" panose="020B0602020104020203" pitchFamily="34" charset="0"/>
+                <a:cs typeface="Gill Sans Nova" panose="020B0602020104020203" pitchFamily="34" charset="0"/>
+              </a:rPr>
+              <a:t> </a:t>
+            </a:r>
+            <a:r>
+              <a:rPr lang="pl-PL" altLang="pl-PL" dirty="0" err="1">
+                <a:latin typeface="Gill Sans Nova" panose="020B0602020104020203" pitchFamily="34" charset="0"/>
+                <a:ea typeface="Gill Sans Nova" panose="020B0602020104020203" pitchFamily="34" charset="0"/>
+                <a:cs typeface="Gill Sans Nova" panose="020B0602020104020203" pitchFamily="34" charset="0"/>
+              </a:rPr>
+              <a:t>you</a:t>
+            </a:r>
+            <a:r>
+              <a:rPr lang="pl-PL" altLang="pl-PL" dirty="0">
+                <a:latin typeface="Gill Sans Nova" panose="020B0602020104020203" pitchFamily="34" charset="0"/>
+                <a:ea typeface="Gill Sans Nova" panose="020B0602020104020203" pitchFamily="34" charset="0"/>
+                <a:cs typeface="Gill Sans Nova" panose="020B0602020104020203" pitchFamily="34" charset="0"/>
+              </a:rPr>
+              <a:t> </a:t>
+            </a:r>
+            <a:r>
+              <a:rPr lang="pl-PL" altLang="pl-PL" dirty="0" err="1">
+                <a:latin typeface="Gill Sans Nova" panose="020B0602020104020203" pitchFamily="34" charset="0"/>
+                <a:ea typeface="Gill Sans Nova" panose="020B0602020104020203" pitchFamily="34" charset="0"/>
+                <a:cs typeface="Gill Sans Nova" panose="020B0602020104020203" pitchFamily="34" charset="0"/>
+              </a:rPr>
+              <a:t>divide</a:t>
+            </a:r>
+            <a:r>
+              <a:rPr lang="pl-PL" altLang="pl-PL" dirty="0">
+                <a:latin typeface="Gill Sans Nova" panose="020B0602020104020203" pitchFamily="34" charset="0"/>
+                <a:ea typeface="Gill Sans Nova" panose="020B0602020104020203" pitchFamily="34" charset="0"/>
+                <a:cs typeface="Gill Sans Nova" panose="020B0602020104020203" pitchFamily="34" charset="0"/>
+              </a:rPr>
+              <a:t> </a:t>
+            </a:r>
+            <a:r>
+              <a:rPr lang="pl-PL" altLang="pl-PL" dirty="0" err="1">
+                <a:latin typeface="Gill Sans Nova" panose="020B0602020104020203" pitchFamily="34" charset="0"/>
+                <a:ea typeface="Gill Sans Nova" panose="020B0602020104020203" pitchFamily="34" charset="0"/>
+                <a:cs typeface="Gill Sans Nova" panose="020B0602020104020203" pitchFamily="34" charset="0"/>
+              </a:rPr>
+              <a:t>it</a:t>
+            </a:r>
+            <a:r>
+              <a:rPr lang="pl-PL" altLang="pl-PL" dirty="0">
+                <a:latin typeface="Gill Sans Nova" panose="020B0602020104020203" pitchFamily="34" charset="0"/>
+                <a:ea typeface="Gill Sans Nova" panose="020B0602020104020203" pitchFamily="34" charset="0"/>
+                <a:cs typeface="Gill Sans Nova" panose="020B0602020104020203" pitchFamily="34" charset="0"/>
+              </a:rPr>
+              <a:t>) and a list of </a:t>
+            </a:r>
+            <a:r>
+              <a:rPr lang="pl-PL" altLang="pl-PL" dirty="0" err="1">
+                <a:latin typeface="Gill Sans Nova" panose="020B0602020104020203" pitchFamily="34" charset="0"/>
+                <a:ea typeface="Gill Sans Nova" panose="020B0602020104020203" pitchFamily="34" charset="0"/>
+                <a:cs typeface="Gill Sans Nova" panose="020B0602020104020203" pitchFamily="34" charset="0"/>
+              </a:rPr>
+              <a:t>document</a:t>
+            </a:r>
+            <a:r>
+              <a:rPr lang="pl-PL" altLang="pl-PL" dirty="0">
+                <a:latin typeface="Gill Sans Nova" panose="020B0602020104020203" pitchFamily="34" charset="0"/>
+                <a:ea typeface="Gill Sans Nova" panose="020B0602020104020203" pitchFamily="34" charset="0"/>
+                <a:cs typeface="Gill Sans Nova" panose="020B0602020104020203" pitchFamily="34" charset="0"/>
+              </a:rPr>
+              <a:t> </a:t>
+            </a:r>
+            <a:r>
+              <a:rPr lang="pl-PL" altLang="pl-PL" dirty="0" err="1">
+                <a:latin typeface="Gill Sans Nova" panose="020B0602020104020203" pitchFamily="34" charset="0"/>
+                <a:ea typeface="Gill Sans Nova" panose="020B0602020104020203" pitchFamily="34" charset="0"/>
+                <a:cs typeface="Gill Sans Nova" panose="020B0602020104020203" pitchFamily="34" charset="0"/>
+              </a:rPr>
+              <a:t>where</a:t>
+            </a:r>
+            <a:r>
+              <a:rPr lang="pl-PL" altLang="pl-PL" dirty="0">
+                <a:latin typeface="Gill Sans Nova" panose="020B0602020104020203" pitchFamily="34" charset="0"/>
+                <a:ea typeface="Gill Sans Nova" panose="020B0602020104020203" pitchFamily="34" charset="0"/>
+                <a:cs typeface="Gill Sans Nova" panose="020B0602020104020203" pitchFamily="34" charset="0"/>
+              </a:rPr>
+              <a:t> </a:t>
+            </a:r>
+            <a:r>
+              <a:rPr lang="pl-PL" altLang="pl-PL" dirty="0" err="1">
+                <a:latin typeface="Gill Sans Nova" panose="020B0602020104020203" pitchFamily="34" charset="0"/>
+                <a:ea typeface="Gill Sans Nova" panose="020B0602020104020203" pitchFamily="34" charset="0"/>
+                <a:cs typeface="Gill Sans Nova" panose="020B0602020104020203" pitchFamily="34" charset="0"/>
+              </a:rPr>
+              <a:t>that</a:t>
+            </a:r>
+            <a:r>
+              <a:rPr lang="pl-PL" altLang="pl-PL" dirty="0">
+                <a:latin typeface="Gill Sans Nova" panose="020B0602020104020203" pitchFamily="34" charset="0"/>
+                <a:ea typeface="Gill Sans Nova" panose="020B0602020104020203" pitchFamily="34" charset="0"/>
+                <a:cs typeface="Gill Sans Nova" panose="020B0602020104020203" pitchFamily="34" charset="0"/>
+              </a:rPr>
+              <a:t> </a:t>
+            </a:r>
+            <a:r>
+              <a:rPr lang="pl-PL" altLang="pl-PL" dirty="0" err="1">
+                <a:latin typeface="Gill Sans Nova" panose="020B0602020104020203" pitchFamily="34" charset="0"/>
+                <a:ea typeface="Gill Sans Nova" panose="020B0602020104020203" pitchFamily="34" charset="0"/>
+                <a:cs typeface="Gill Sans Nova" panose="020B0602020104020203" pitchFamily="34" charset="0"/>
+              </a:rPr>
+              <a:t>particular</a:t>
+            </a:r>
+            <a:r>
+              <a:rPr lang="pl-PL" altLang="pl-PL" dirty="0">
+                <a:latin typeface="Gill Sans Nova" panose="020B0602020104020203" pitchFamily="34" charset="0"/>
+                <a:ea typeface="Gill Sans Nova" panose="020B0602020104020203" pitchFamily="34" charset="0"/>
+                <a:cs typeface="Gill Sans Nova" panose="020B0602020104020203" pitchFamily="34" charset="0"/>
+              </a:rPr>
+              <a:t> </a:t>
+            </a:r>
+            <a:r>
+              <a:rPr lang="pl-PL" altLang="pl-PL" dirty="0" err="1">
+                <a:latin typeface="Gill Sans Nova" panose="020B0602020104020203" pitchFamily="34" charset="0"/>
+                <a:ea typeface="Gill Sans Nova" panose="020B0602020104020203" pitchFamily="34" charset="0"/>
+                <a:cs typeface="Gill Sans Nova" panose="020B0602020104020203" pitchFamily="34" charset="0"/>
+              </a:rPr>
+              <a:t>word</a:t>
+            </a:r>
+            <a:r>
+              <a:rPr lang="pl-PL" altLang="pl-PL" dirty="0">
+                <a:latin typeface="Gill Sans Nova" panose="020B0602020104020203" pitchFamily="34" charset="0"/>
+                <a:ea typeface="Gill Sans Nova" panose="020B0602020104020203" pitchFamily="34" charset="0"/>
+                <a:cs typeface="Gill Sans Nova" panose="020B0602020104020203" pitchFamily="34" charset="0"/>
+              </a:rPr>
+              <a:t> </a:t>
+            </a:r>
+            <a:r>
+              <a:rPr lang="pl-PL" altLang="pl-PL" dirty="0" err="1">
+                <a:latin typeface="Gill Sans Nova" panose="020B0602020104020203" pitchFamily="34" charset="0"/>
+                <a:ea typeface="Gill Sans Nova" panose="020B0602020104020203" pitchFamily="34" charset="0"/>
+                <a:cs typeface="Gill Sans Nova" panose="020B0602020104020203" pitchFamily="34" charset="0"/>
+              </a:rPr>
+              <a:t>is</a:t>
+            </a:r>
+            <a:r>
+              <a:rPr lang="pl-PL" altLang="pl-PL" dirty="0">
+                <a:latin typeface="Gill Sans Nova" panose="020B0602020104020203" pitchFamily="34" charset="0"/>
+                <a:ea typeface="Gill Sans Nova" panose="020B0602020104020203" pitchFamily="34" charset="0"/>
+                <a:cs typeface="Gill Sans Nova" panose="020B0602020104020203" pitchFamily="34" charset="0"/>
+              </a:rPr>
+              <a:t> </a:t>
+            </a:r>
+            <a:r>
+              <a:rPr lang="pl-PL" altLang="pl-PL" dirty="0" err="1">
+                <a:latin typeface="Gill Sans Nova" panose="020B0602020104020203" pitchFamily="34" charset="0"/>
+                <a:ea typeface="Gill Sans Nova" panose="020B0602020104020203" pitchFamily="34" charset="0"/>
+                <a:cs typeface="Gill Sans Nova" panose="020B0602020104020203" pitchFamily="34" charset="0"/>
+              </a:rPr>
+              <a:t>located</a:t>
+            </a:r>
+            <a:r>
+              <a:rPr lang="pl-PL" altLang="pl-PL" dirty="0">
+                <a:latin typeface="Gill Sans Nova" panose="020B0602020104020203" pitchFamily="34" charset="0"/>
+                <a:ea typeface="Gill Sans Nova" panose="020B0602020104020203" pitchFamily="34" charset="0"/>
+                <a:cs typeface="Gill Sans Nova" panose="020B0602020104020203" pitchFamily="34" charset="0"/>
+              </a:rPr>
+              <a:t> (</a:t>
+            </a:r>
+            <a:r>
+              <a:rPr lang="pl-PL" altLang="pl-PL" dirty="0" err="1">
+                <a:latin typeface="Gill Sans Nova" panose="020B0602020104020203" pitchFamily="34" charset="0"/>
+                <a:ea typeface="Gill Sans Nova" panose="020B0602020104020203" pitchFamily="34" charset="0"/>
+                <a:cs typeface="Gill Sans Nova" panose="020B0602020104020203" pitchFamily="34" charset="0"/>
+              </a:rPr>
+              <a:t>possibly</a:t>
+            </a:r>
+            <a:r>
+              <a:rPr lang="pl-PL" altLang="pl-PL" dirty="0">
+                <a:latin typeface="Gill Sans Nova" panose="020B0602020104020203" pitchFamily="34" charset="0"/>
+                <a:ea typeface="Gill Sans Nova" panose="020B0602020104020203" pitchFamily="34" charset="0"/>
+                <a:cs typeface="Gill Sans Nova" panose="020B0602020104020203" pitchFamily="34" charset="0"/>
+              </a:rPr>
+              <a:t> with </a:t>
+            </a:r>
+            <a:r>
+              <a:rPr lang="pl-PL" altLang="pl-PL" dirty="0" err="1">
+                <a:latin typeface="Gill Sans Nova" panose="020B0602020104020203" pitchFamily="34" charset="0"/>
+                <a:ea typeface="Gill Sans Nova" panose="020B0602020104020203" pitchFamily="34" charset="0"/>
+                <a:cs typeface="Gill Sans Nova" panose="020B0602020104020203" pitchFamily="34" charset="0"/>
+              </a:rPr>
+              <a:t>locations</a:t>
+            </a:r>
+            <a:r>
+              <a:rPr lang="pl-PL" altLang="pl-PL" dirty="0">
+                <a:latin typeface="Gill Sans Nova" panose="020B0602020104020203" pitchFamily="34" charset="0"/>
+                <a:ea typeface="Gill Sans Nova" panose="020B0602020104020203" pitchFamily="34" charset="0"/>
+                <a:cs typeface="Gill Sans Nova" panose="020B0602020104020203" pitchFamily="34" charset="0"/>
+              </a:rPr>
+              <a:t> </a:t>
+            </a:r>
+            <a:r>
+              <a:rPr lang="pl-PL" altLang="pl-PL" dirty="0" err="1">
+                <a:latin typeface="Gill Sans Nova" panose="020B0602020104020203" pitchFamily="34" charset="0"/>
+                <a:ea typeface="Gill Sans Nova" panose="020B0602020104020203" pitchFamily="34" charset="0"/>
+                <a:cs typeface="Gill Sans Nova" panose="020B0602020104020203" pitchFamily="34" charset="0"/>
+              </a:rPr>
+              <a:t>within</a:t>
+            </a:r>
+            <a:r>
+              <a:rPr lang="pl-PL" altLang="pl-PL" dirty="0">
+                <a:latin typeface="Gill Sans Nova" panose="020B0602020104020203" pitchFamily="34" charset="0"/>
+                <a:ea typeface="Gill Sans Nova" panose="020B0602020104020203" pitchFamily="34" charset="0"/>
+                <a:cs typeface="Gill Sans Nova" panose="020B0602020104020203" pitchFamily="34" charset="0"/>
+              </a:rPr>
+              <a:t> </a:t>
+            </a:r>
+            <a:r>
+              <a:rPr lang="pl-PL" altLang="pl-PL" dirty="0" err="1">
+                <a:latin typeface="Gill Sans Nova" panose="020B0602020104020203" pitchFamily="34" charset="0"/>
+                <a:ea typeface="Gill Sans Nova" panose="020B0602020104020203" pitchFamily="34" charset="0"/>
+                <a:cs typeface="Gill Sans Nova" panose="020B0602020104020203" pitchFamily="34" charset="0"/>
+              </a:rPr>
+              <a:t>that</a:t>
+            </a:r>
+            <a:r>
+              <a:rPr lang="pl-PL" altLang="pl-PL" dirty="0">
+                <a:latin typeface="Gill Sans Nova" panose="020B0602020104020203" pitchFamily="34" charset="0"/>
+                <a:ea typeface="Gill Sans Nova" panose="020B0602020104020203" pitchFamily="34" charset="0"/>
+                <a:cs typeface="Gill Sans Nova" panose="020B0602020104020203" pitchFamily="34" charset="0"/>
+              </a:rPr>
+              <a:t> </a:t>
+            </a:r>
+            <a:r>
+              <a:rPr lang="pl-PL" altLang="pl-PL" dirty="0" err="1">
+                <a:latin typeface="Gill Sans Nova" panose="020B0602020104020203" pitchFamily="34" charset="0"/>
+                <a:ea typeface="Gill Sans Nova" panose="020B0602020104020203" pitchFamily="34" charset="0"/>
+                <a:cs typeface="Gill Sans Nova" panose="020B0602020104020203" pitchFamily="34" charset="0"/>
+              </a:rPr>
+              <a:t>document</a:t>
+            </a:r>
+            <a:r>
+              <a:rPr lang="pl-PL" altLang="pl-PL" dirty="0">
+                <a:latin typeface="Gill Sans Nova" panose="020B0602020104020203" pitchFamily="34" charset="0"/>
+                <a:ea typeface="Gill Sans Nova" panose="020B0602020104020203" pitchFamily="34" charset="0"/>
+                <a:cs typeface="Gill Sans Nova" panose="020B0602020104020203" pitchFamily="34" charset="0"/>
+              </a:rPr>
+              <a:t>).</a:t>
             </a:r>
           </a:p>
           <a:p>
             <a:pPr eaLnBrk="1" hangingPunct="1"/>
-            <a:endParaRPr lang="pl-PL" altLang="pl-PL">
+            <a:endParaRPr lang="pl-PL" altLang="pl-PL" dirty="0">
               <a:latin typeface="Gill Sans Nova" panose="020B0602020104020203" pitchFamily="34" charset="0"/>
               <a:ea typeface="Gill Sans Nova" panose="020B0602020104020203" pitchFamily="34" charset="0"/>
               <a:cs typeface="Gill Sans Nova" panose="020B0602020104020203" pitchFamily="34" charset="0"/>
@@ -7244,7 +7736,7 @@
           <a:p>
             <a:pPr lvl="4" eaLnBrk="1" hangingPunct="1"/>
             <a:r>
-              <a:rPr lang="pl-PL" altLang="pl-PL">
+              <a:rPr lang="pl-PL" altLang="pl-PL" dirty="0">
                 <a:latin typeface="Gill Sans Nova" panose="020B0602020104020203" pitchFamily="34" charset="0"/>
                 <a:ea typeface="Gill Sans Nova" panose="020B0602020104020203" pitchFamily="34" charset="0"/>
                 <a:cs typeface="Gill Sans Nova" panose="020B0602020104020203" pitchFamily="34" charset="0"/>
@@ -7252,18 +7744,31 @@
               <a:t>D1) </a:t>
             </a:r>
             <a:r>
-              <a:rPr lang="pl-PL" altLang="pl-PL" i="1">
+              <a:rPr lang="pl-PL" altLang="pl-PL" i="1" dirty="0">
                 <a:latin typeface="Gill Sans Nova" panose="020B0602020104020203" pitchFamily="34" charset="0"/>
                 <a:ea typeface="Gill Sans Nova" panose="020B0602020104020203" pitchFamily="34" charset="0"/>
                 <a:cs typeface="Gill Sans Nova" panose="020B0602020104020203" pitchFamily="34" charset="0"/>
               </a:rPr>
-              <a:t>I love you</a:t>
-            </a:r>
+              <a:t>I love </a:t>
+            </a:r>
+            <a:r>
+              <a:rPr lang="pl-PL" altLang="pl-PL" i="1" dirty="0" err="1">
+                <a:latin typeface="Gill Sans Nova" panose="020B0602020104020203" pitchFamily="34" charset="0"/>
+                <a:ea typeface="Gill Sans Nova" panose="020B0602020104020203" pitchFamily="34" charset="0"/>
+                <a:cs typeface="Gill Sans Nova" panose="020B0602020104020203" pitchFamily="34" charset="0"/>
+              </a:rPr>
+              <a:t>you</a:t>
+            </a:r>
+            <a:endParaRPr lang="pl-PL" altLang="pl-PL" i="1" dirty="0">
+              <a:latin typeface="Gill Sans Nova" panose="020B0602020104020203" pitchFamily="34" charset="0"/>
+              <a:ea typeface="Gill Sans Nova" panose="020B0602020104020203" pitchFamily="34" charset="0"/>
+              <a:cs typeface="Gill Sans Nova" panose="020B0602020104020203" pitchFamily="34" charset="0"/>
+            </a:endParaRPr>
           </a:p>
           <a:p>
             <a:pPr lvl="4" eaLnBrk="1" hangingPunct="1"/>
             <a:r>
-              <a:rPr lang="pl-PL" altLang="pl-PL">
+              <a:rPr lang="pl-PL" altLang="pl-PL" dirty="0">
                 <a:latin typeface="Gill Sans Nova" panose="020B0602020104020203" pitchFamily="34" charset="0"/>
                 <a:ea typeface="Gill Sans Nova" panose="020B0602020104020203" pitchFamily="34" charset="0"/>
                 <a:cs typeface="Gill Sans Nova" panose="020B0602020104020203" pitchFamily="34" charset="0"/>
@@ -7271,18 +7776,34 @@
               <a:t>D2) </a:t>
             </a:r>
             <a:r>
-              <a:rPr lang="pl-PL" altLang="pl-PL" i="1">
+              <a:rPr lang="pl-PL" altLang="pl-PL" i="1" dirty="0">
                 <a:latin typeface="Gill Sans Nova" panose="020B0602020104020203" pitchFamily="34" charset="0"/>
                 <a:ea typeface="Gill Sans Nova" panose="020B0602020104020203" pitchFamily="34" charset="0"/>
                 <a:cs typeface="Gill Sans Nova" panose="020B0602020104020203" pitchFamily="34" charset="0"/>
               </a:rPr>
-              <a:t>Love is blind</a:t>
+              <a:t>Love </a:t>
+            </a:r>
+            <a:r>
+              <a:rPr lang="pl-PL" altLang="pl-PL" i="1" dirty="0" err="1">
+                <a:latin typeface="Gill Sans Nova" panose="020B0602020104020203" pitchFamily="34" charset="0"/>
+                <a:ea typeface="Gill Sans Nova" panose="020B0602020104020203" pitchFamily="34" charset="0"/>
+                <a:cs typeface="Gill Sans Nova" panose="020B0602020104020203" pitchFamily="34" charset="0"/>
+              </a:rPr>
+              <a:t>is</a:t>
+            </a:r>
+            <a:r>
+              <a:rPr lang="pl-PL" altLang="pl-PL" i="1" dirty="0">
+                <a:latin typeface="Gill Sans Nova" panose="020B0602020104020203" pitchFamily="34" charset="0"/>
+                <a:ea typeface="Gill Sans Nova" panose="020B0602020104020203" pitchFamily="34" charset="0"/>
+                <a:cs typeface="Gill Sans Nova" panose="020B0602020104020203" pitchFamily="34" charset="0"/>
+              </a:rPr>
+              <a:t> blind</a:t>
             </a:r>
           </a:p>
           <a:p>
             <a:pPr lvl="4" eaLnBrk="1" hangingPunct="1"/>
             <a:r>
-              <a:rPr lang="pl-PL" altLang="pl-PL">
+              <a:rPr lang="pl-PL" altLang="pl-PL" dirty="0">
                 <a:latin typeface="Gill Sans Nova" panose="020B0602020104020203" pitchFamily="34" charset="0"/>
                 <a:ea typeface="Gill Sans Nova" panose="020B0602020104020203" pitchFamily="34" charset="0"/>
                 <a:cs typeface="Gill Sans Nova" panose="020B0602020104020203" pitchFamily="34" charset="0"/>
@@ -7290,17 +7811,30 @@
               <a:t>D3) </a:t>
             </a:r>
             <a:r>
-              <a:rPr lang="pl-PL" altLang="pl-PL" i="1">
+              <a:rPr lang="pl-PL" altLang="pl-PL" i="1" dirty="0">
                 <a:latin typeface="Gill Sans Nova" panose="020B0602020104020203" pitchFamily="34" charset="0"/>
                 <a:ea typeface="Gill Sans Nova" panose="020B0602020104020203" pitchFamily="34" charset="0"/>
                 <a:cs typeface="Gill Sans Nova" panose="020B0602020104020203" pitchFamily="34" charset="0"/>
               </a:rPr>
-              <a:t>Blind justice</a:t>
-            </a:r>
+              <a:t>Blind </a:t>
+            </a:r>
+            <a:r>
+              <a:rPr lang="pl-PL" altLang="pl-PL" i="1" dirty="0" err="1">
+                <a:latin typeface="Gill Sans Nova" panose="020B0602020104020203" pitchFamily="34" charset="0"/>
+                <a:ea typeface="Gill Sans Nova" panose="020B0602020104020203" pitchFamily="34" charset="0"/>
+                <a:cs typeface="Gill Sans Nova" panose="020B0602020104020203" pitchFamily="34" charset="0"/>
+              </a:rPr>
+              <a:t>justice</a:t>
+            </a:r>
+            <a:endParaRPr lang="pl-PL" altLang="pl-PL" i="1" dirty="0">
+              <a:latin typeface="Gill Sans Nova" panose="020B0602020104020203" pitchFamily="34" charset="0"/>
+              <a:ea typeface="Gill Sans Nova" panose="020B0602020104020203" pitchFamily="34" charset="0"/>
+              <a:cs typeface="Gill Sans Nova" panose="020B0602020104020203" pitchFamily="34" charset="0"/>
+            </a:endParaRPr>
           </a:p>
           <a:p>
             <a:pPr eaLnBrk="1" hangingPunct="1"/>
-            <a:endParaRPr lang="en-GB" altLang="pl-PL">
+            <a:endParaRPr lang="en-GB" altLang="pl-PL" dirty="0">
               <a:latin typeface="Gill Sans Nova" panose="020B0602020104020203" pitchFamily="34" charset="0"/>
               <a:ea typeface="Gill Sans Nova" panose="020B0602020104020203" pitchFamily="34" charset="0"/>
               <a:cs typeface="Gill Sans Nova" panose="020B0602020104020203" pitchFamily="34" charset="0"/>
@@ -7690,8 +8224,8 @@
         </p:nvSpPr>
         <p:spPr>
           <a:xfrm>
-            <a:off x="5474315" y="5808488"/>
-            <a:ext cx="5855127" cy="369330"/>
+            <a:off x="6336349" y="5639387"/>
+            <a:ext cx="5521702" cy="353941"/>
           </a:xfrm>
           <a:prstGeom prst="rect">
             <a:avLst/>
@@ -7732,7 +8266,7 @@
               <a:defRPr/>
             </a:pPr>
             <a:r>
-              <a:rPr lang="pl-PL" kern="0" dirty="0" err="1">
+              <a:rPr lang="pl-PL" sz="1700" kern="0" dirty="0" err="1">
                 <a:latin typeface="+mn-lt"/>
                 <a:cs typeface="+mn-cs"/>
                 <a:sym typeface="Calibri"/>
@@ -7740,14 +8274,14 @@
               <a:t>More</a:t>
             </a:r>
             <a:r>
-              <a:rPr lang="pl-PL" kern="0" dirty="0">
+              <a:rPr lang="pl-PL" sz="1700" kern="0" dirty="0">
                 <a:latin typeface="+mn-lt"/>
                 <a:cs typeface="+mn-cs"/>
                 <a:sym typeface="Calibri"/>
               </a:rPr>
               <a:t>: https://xlinux.nist.gov/dads/HTML/invertedIndex.html</a:t>
             </a:r>
-            <a:endParaRPr lang="en-GB" kern="0" dirty="0">
+            <a:endParaRPr lang="en-GB" sz="1700" kern="0" dirty="0">
               <a:latin typeface="+mn-lt"/>
               <a:cs typeface="+mn-cs"/>
               <a:sym typeface="Calibri"/>
@@ -7761,6 +8295,13 @@
     <a:masterClrMapping/>
   </p:clrMapOvr>
   <p:transition spd="med"/>
+  <p:timing>
+    <p:tnLst>
+      <p:par>
+        <p:cTn id="1" dur="indefinite" restart="never" nodeType="tmRoot"/>
+      </p:par>
+    </p:tnLst>
+  </p:timing>
 </p:sld>
 </file>
 
@@ -7839,7 +8380,7 @@
           <p:nvPr/>
         </p:nvPicPr>
         <p:blipFill>
-          <a:blip r:embed="rId2">
+          <a:blip r:embed="rId2" cstate="hqprint">
             <a:extLst>
               <a:ext uri="{28A0092B-C50C-407E-A947-70E740481C1C}">
                 <a14:useLocalDpi xmlns:a14="http://schemas.microsoft.com/office/drawing/2010/main" val="0"/>
@@ -7852,8 +8393,8 @@
           </a:stretch>
         </p:blipFill>
         <p:spPr bwMode="auto">
-          <a:xfrm rot="-325569">
-            <a:off x="973138" y="2078038"/>
+          <a:xfrm>
+            <a:off x="804736" y="1997075"/>
             <a:ext cx="3549650" cy="2863850"/>
           </a:xfrm>
           <a:prstGeom prst="rect">
@@ -7899,7 +8440,7 @@
           <p:nvPr/>
         </p:nvPicPr>
         <p:blipFill>
-          <a:blip r:embed="rId3">
+          <a:blip r:embed="rId3" cstate="hqprint">
             <a:extLst>
               <a:ext uri="{28A0092B-C50C-407E-A947-70E740481C1C}">
                 <a14:useLocalDpi xmlns:a14="http://schemas.microsoft.com/office/drawing/2010/main" val="0"/>
@@ -7913,8 +8454,68 @@
         </p:blipFill>
         <p:spPr bwMode="auto">
           <a:xfrm>
-            <a:off x="8394700" y="1916113"/>
-            <a:ext cx="3335338" cy="1684337"/>
+            <a:off x="8622330" y="1428355"/>
+            <a:ext cx="2660431" cy="1343511"/>
+          </a:xfrm>
+          <a:prstGeom prst="rect">
+            <a:avLst/>
+          </a:prstGeom>
+          <a:noFill/>
+          <a:ln>
+            <a:noFill/>
+          </a:ln>
+          <a:extLst>
+            <a:ext uri="{909E8E84-426E-40DD-AFC4-6F175D3DCCD1}">
+              <a14:hiddenFill xmlns:a14="http://schemas.microsoft.com/office/drawing/2010/main">
+                <a:solidFill>
+                  <a:srgbClr val="FFFFFF"/>
+                </a:solidFill>
+              </a14:hiddenFill>
+            </a:ext>
+            <a:ext uri="{91240B29-F687-4F45-9708-019B960494DF}">
+              <a14:hiddenLine xmlns:a14="http://schemas.microsoft.com/office/drawing/2010/main" w="9525">
+                <a:solidFill>
+                  <a:srgbClr val="000000"/>
+                </a:solidFill>
+                <a:miter lim="800000"/>
+                <a:headEnd/>
+                <a:tailEnd/>
+              </a14:hiddenLine>
+            </a:ext>
+          </a:extLst>
+        </p:spPr>
+      </p:pic>
+      <p:pic>
+        <p:nvPicPr>
+          <p:cNvPr id="12294" name="Picture 8" descr="https://upload.wikimedia.org/wikipedia/commons/thumb/d/d1/Apache_Nutch_logo.svg/320px-Apache_Nutch_logo.svg.png">
+            <a:extLst>
+              <a:ext uri="{FF2B5EF4-FFF2-40B4-BE49-F238E27FC236}">
+                <a16:creationId xmlns:a16="http://schemas.microsoft.com/office/drawing/2014/main" id="{9DBC77C3-8B7D-8B51-575D-A930DC6B2FDC}"/>
+              </a:ext>
+            </a:extLst>
+          </p:cNvPr>
+          <p:cNvPicPr>
+            <a:picLocks noChangeAspect="1" noChangeArrowheads="1"/>
+          </p:cNvPicPr>
+          <p:nvPr/>
+        </p:nvPicPr>
+        <p:blipFill>
+          <a:blip r:embed="rId4">
+            <a:extLst>
+              <a:ext uri="{28A0092B-C50C-407E-A947-70E740481C1C}">
+                <a14:useLocalDpi xmlns:a14="http://schemas.microsoft.com/office/drawing/2010/main" val="0"/>
+              </a:ext>
+            </a:extLst>
+          </a:blip>
+          <a:srcRect/>
+          <a:stretch>
+            <a:fillRect/>
+          </a:stretch>
+        </p:blipFill>
+        <p:spPr bwMode="auto">
+          <a:xfrm rot="650059">
+            <a:off x="1432442" y="4375149"/>
+            <a:ext cx="3048000" cy="1133475"/>
           </a:xfrm>
           <a:prstGeom prst="rect">
             <a:avLst/>
@@ -7959,7 +8560,7 @@
           <p:nvPr/>
         </p:nvPicPr>
         <p:blipFill>
-          <a:blip r:embed="rId4">
+          <a:blip r:embed="rId5">
             <a:extLst>
               <a:ext uri="{28A0092B-C50C-407E-A947-70E740481C1C}">
                 <a14:useLocalDpi xmlns:a14="http://schemas.microsoft.com/office/drawing/2010/main" val="0"/>
@@ -7973,68 +8574,8 @@
         </p:blipFill>
         <p:spPr bwMode="auto">
           <a:xfrm>
-            <a:off x="4764088" y="1916113"/>
+            <a:off x="4711697" y="2169495"/>
             <a:ext cx="3314700" cy="606425"/>
-          </a:xfrm>
-          <a:prstGeom prst="rect">
-            <a:avLst/>
-          </a:prstGeom>
-          <a:noFill/>
-          <a:ln>
-            <a:noFill/>
-          </a:ln>
-          <a:extLst>
-            <a:ext uri="{909E8E84-426E-40DD-AFC4-6F175D3DCCD1}">
-              <a14:hiddenFill xmlns:a14="http://schemas.microsoft.com/office/drawing/2010/main">
-                <a:solidFill>
-                  <a:srgbClr val="FFFFFF"/>
-                </a:solidFill>
-              </a14:hiddenFill>
-            </a:ext>
-            <a:ext uri="{91240B29-F687-4F45-9708-019B960494DF}">
-              <a14:hiddenLine xmlns:a14="http://schemas.microsoft.com/office/drawing/2010/main" w="9525">
-                <a:solidFill>
-                  <a:srgbClr val="000000"/>
-                </a:solidFill>
-                <a:miter lim="800000"/>
-                <a:headEnd/>
-                <a:tailEnd/>
-              </a14:hiddenLine>
-            </a:ext>
-          </a:extLst>
-        </p:spPr>
-      </p:pic>
-      <p:pic>
-        <p:nvPicPr>
-          <p:cNvPr id="12294" name="Picture 8" descr="https://upload.wikimedia.org/wikipedia/commons/thumb/d/d1/Apache_Nutch_logo.svg/320px-Apache_Nutch_logo.svg.png">
-            <a:extLst>
-              <a:ext uri="{FF2B5EF4-FFF2-40B4-BE49-F238E27FC236}">
-                <a16:creationId xmlns:a16="http://schemas.microsoft.com/office/drawing/2014/main" id="{9DBC77C3-8B7D-8B51-575D-A930DC6B2FDC}"/>
-              </a:ext>
-            </a:extLst>
-          </p:cNvPr>
-          <p:cNvPicPr>
-            <a:picLocks noChangeAspect="1" noChangeArrowheads="1"/>
-          </p:cNvPicPr>
-          <p:nvPr/>
-        </p:nvPicPr>
-        <p:blipFill>
-          <a:blip r:embed="rId5">
-            <a:extLst>
-              <a:ext uri="{28A0092B-C50C-407E-A947-70E740481C1C}">
-                <a14:useLocalDpi xmlns:a14="http://schemas.microsoft.com/office/drawing/2010/main" val="0"/>
-              </a:ext>
-            </a:extLst>
-          </a:blip>
-          <a:srcRect/>
-          <a:stretch>
-            <a:fillRect/>
-          </a:stretch>
-        </p:blipFill>
-        <p:spPr bwMode="auto">
-          <a:xfrm rot="650059">
-            <a:off x="2020888" y="4370388"/>
-            <a:ext cx="3048000" cy="1133475"/>
           </a:xfrm>
           <a:prstGeom prst="rect">
             <a:avLst/>
@@ -8092,8 +8633,8 @@
           </a:stretch>
         </p:blipFill>
         <p:spPr bwMode="auto">
-          <a:xfrm rot="455990">
-            <a:off x="4781550" y="2759075"/>
+          <a:xfrm>
+            <a:off x="4997447" y="2889011"/>
             <a:ext cx="2743200" cy="2171700"/>
           </a:xfrm>
           <a:prstGeom prst="rect">
@@ -8152,9 +8693,9 @@
           </a:stretch>
         </p:blipFill>
         <p:spPr bwMode="auto">
-          <a:xfrm rot="-522333">
-            <a:off x="7065963" y="4211638"/>
-            <a:ext cx="4876800" cy="1066800"/>
+          <a:xfrm>
+            <a:off x="8151480" y="3974861"/>
+            <a:ext cx="3576003" cy="782251"/>
           </a:xfrm>
           <a:prstGeom prst="rect">
             <a:avLst/>
@@ -8190,6 +8731,13 @@
     <a:masterClrMapping/>
   </p:clrMapOvr>
   <p:transition spd="med"/>
+  <p:timing>
+    <p:tnLst>
+      <p:par>
+        <p:cTn id="1" dur="indefinite" restart="never" nodeType="tmRoot"/>
+      </p:par>
+    </p:tnLst>
+  </p:timing>
 </p:sld>
 </file>
 
@@ -8356,8 +8904,8 @@
         </p:blipFill>
         <p:spPr bwMode="auto">
           <a:xfrm>
-            <a:off x="2097088" y="4483100"/>
-            <a:ext cx="7570787" cy="1663700"/>
+            <a:off x="2858997" y="4443911"/>
+            <a:ext cx="6474006" cy="1422680"/>
           </a:xfrm>
           <a:prstGeom prst="rect">
             <a:avLst/>
@@ -8393,6 +8941,13 @@
     <a:masterClrMapping/>
   </p:clrMapOvr>
   <p:transition spd="med"/>
+  <p:timing>
+    <p:tnLst>
+      <p:par>
+        <p:cTn id="1" dur="indefinite" restart="never" nodeType="tmRoot"/>
+      </p:par>
+    </p:tnLst>
+  </p:timing>
 </p:sld>
 </file>
 
@@ -8582,6 +9137,13 @@
     <a:masterClrMapping/>
   </p:clrMapOvr>
   <p:transition spd="med"/>
+  <p:timing>
+    <p:tnLst>
+      <p:par>
+        <p:cTn id="1" dur="indefinite" restart="never" nodeType="tmRoot"/>
+      </p:par>
+    </p:tnLst>
+  </p:timing>
 </p:sld>
 </file>
 
@@ -8663,7 +9225,7 @@
         </p:nvSpPr>
         <p:spPr>
           <a:xfrm>
-            <a:off x="625475" y="2074863"/>
+            <a:off x="625475" y="1735229"/>
             <a:ext cx="10515600" cy="4071937"/>
           </a:xfrm>
         </p:spPr>
@@ -8676,7 +9238,7 @@
               <a:buChar char="•"/>
             </a:pPr>
             <a:r>
-              <a:rPr lang="en-GB" altLang="pl-PL">
+              <a:rPr lang="en-GB" altLang="pl-PL" dirty="0">
                 <a:latin typeface="Gill Sans Nova" panose="020B0602020104020203" pitchFamily="34" charset="0"/>
                 <a:ea typeface="Gill Sans Nova" panose="020B0602020104020203" pitchFamily="34" charset="0"/>
                 <a:cs typeface="Gill Sans Nova" panose="020B0602020104020203" pitchFamily="34" charset="0"/>
@@ -8684,7 +9246,7 @@
               <a:t>Elasticsearch: </a:t>
             </a:r>
             <a:r>
-              <a:rPr lang="en-GB" altLang="pl-PL">
+              <a:rPr lang="en-GB" altLang="pl-PL" dirty="0">
                 <a:latin typeface="Gill Sans Nova" panose="020B0602020104020203" pitchFamily="34" charset="0"/>
                 <a:ea typeface="Gill Sans Nova" panose="020B0602020104020203" pitchFamily="34" charset="0"/>
                 <a:cs typeface="Gill Sans Nova" panose="020B0602020104020203" pitchFamily="34" charset="0"/>
@@ -8692,7 +9254,7 @@
               </a:rPr>
               <a:t>https://www.elastic.co/downloads/elasticsearch </a:t>
             </a:r>
-            <a:endParaRPr lang="en-GB" altLang="pl-PL">
+            <a:endParaRPr lang="en-GB" altLang="pl-PL" dirty="0">
               <a:latin typeface="Gill Sans Nova" panose="020B0602020104020203" pitchFamily="34" charset="0"/>
               <a:ea typeface="Gill Sans Nova" panose="020B0602020104020203" pitchFamily="34" charset="0"/>
               <a:cs typeface="Gill Sans Nova" panose="020B0602020104020203" pitchFamily="34" charset="0"/>
@@ -8704,7 +9266,7 @@
               <a:buChar char="•"/>
             </a:pPr>
             <a:r>
-              <a:rPr lang="en-GB" altLang="pl-PL">
+              <a:rPr lang="en-GB" altLang="pl-PL" dirty="0">
                 <a:latin typeface="Gill Sans Nova" panose="020B0602020104020203" pitchFamily="34" charset="0"/>
                 <a:ea typeface="Gill Sans Nova" panose="020B0602020104020203" pitchFamily="34" charset="0"/>
                 <a:cs typeface="Gill Sans Nova" panose="020B0602020104020203" pitchFamily="34" charset="0"/>
@@ -8712,7 +9274,7 @@
               <a:t>Kibana: </a:t>
             </a:r>
             <a:r>
-              <a:rPr lang="en-GB" altLang="pl-PL">
+              <a:rPr lang="en-GB" altLang="pl-PL" dirty="0">
                 <a:latin typeface="Gill Sans Nova" panose="020B0602020104020203" pitchFamily="34" charset="0"/>
                 <a:ea typeface="Gill Sans Nova" panose="020B0602020104020203" pitchFamily="34" charset="0"/>
                 <a:cs typeface="Gill Sans Nova" panose="020B0602020104020203" pitchFamily="34" charset="0"/>
@@ -8720,7 +9282,7 @@
               </a:rPr>
               <a:t>https://www.elastic.co/downloads/kibana </a:t>
             </a:r>
-            <a:endParaRPr lang="en-GB" altLang="pl-PL">
+            <a:endParaRPr lang="en-GB" altLang="pl-PL" dirty="0">
               <a:latin typeface="Gill Sans Nova" panose="020B0602020104020203" pitchFamily="34" charset="0"/>
               <a:ea typeface="Gill Sans Nova" panose="020B0602020104020203" pitchFamily="34" charset="0"/>
               <a:cs typeface="Gill Sans Nova" panose="020B0602020104020203" pitchFamily="34" charset="0"/>
@@ -8732,12 +9294,20 @@
               <a:buChar char="•"/>
             </a:pPr>
             <a:r>
-              <a:rPr lang="en-GB" altLang="pl-PL">
+              <a:rPr lang="en-GB" altLang="pl-PL" dirty="0" err="1">
                 <a:latin typeface="Gill Sans Nova" panose="020B0602020104020203" pitchFamily="34" charset="0"/>
                 <a:ea typeface="Gill Sans Nova" panose="020B0602020104020203" pitchFamily="34" charset="0"/>
                 <a:cs typeface="Gill Sans Nova" panose="020B0602020104020203" pitchFamily="34" charset="0"/>
               </a:rPr>
-              <a:t>europarl files</a:t>
+              <a:t>europarl</a:t>
+            </a:r>
+            <a:r>
+              <a:rPr lang="en-GB" altLang="pl-PL" dirty="0">
+                <a:latin typeface="Gill Sans Nova" panose="020B0602020104020203" pitchFamily="34" charset="0"/>
+                <a:ea typeface="Gill Sans Nova" panose="020B0602020104020203" pitchFamily="34" charset="0"/>
+                <a:cs typeface="Gill Sans Nova" panose="020B0602020104020203" pitchFamily="34" charset="0"/>
+              </a:rPr>
+              <a:t> files</a:t>
             </a:r>
           </a:p>
           <a:p>
@@ -8746,12 +9316,20 @@
               <a:buChar char="•"/>
             </a:pPr>
             <a:r>
-              <a:rPr lang="en-GB" altLang="pl-PL">
+              <a:rPr lang="en-GB" altLang="pl-PL" dirty="0" err="1">
                 <a:latin typeface="Gill Sans Nova" panose="020B0602020104020203" pitchFamily="34" charset="0"/>
                 <a:ea typeface="Gill Sans Nova" panose="020B0602020104020203" pitchFamily="34" charset="0"/>
                 <a:cs typeface="Gill Sans Nova" panose="020B0602020104020203" pitchFamily="34" charset="0"/>
               </a:rPr>
-              <a:t>apache logfile</a:t>
+              <a:t>apache</a:t>
+            </a:r>
+            <a:r>
+              <a:rPr lang="en-GB" altLang="pl-PL" dirty="0">
+                <a:latin typeface="Gill Sans Nova" panose="020B0602020104020203" pitchFamily="34" charset="0"/>
+                <a:ea typeface="Gill Sans Nova" panose="020B0602020104020203" pitchFamily="34" charset="0"/>
+                <a:cs typeface="Gill Sans Nova" panose="020B0602020104020203" pitchFamily="34" charset="0"/>
+              </a:rPr>
+              <a:t> logfile</a:t>
             </a:r>
           </a:p>
           <a:p>
@@ -8760,14 +9338,14 @@
               <a:buChar char="•"/>
             </a:pPr>
             <a:r>
-              <a:rPr lang="en-GB" altLang="pl-PL">
+              <a:rPr lang="en-GB" altLang="pl-PL" dirty="0">
                 <a:latin typeface="Gill Sans Nova" panose="020B0602020104020203" pitchFamily="34" charset="0"/>
                 <a:ea typeface="Gill Sans Nova" panose="020B0602020104020203" pitchFamily="34" charset="0"/>
                 <a:cs typeface="Gill Sans Nova" panose="020B0602020104020203" pitchFamily="34" charset="0"/>
               </a:rPr>
               <a:t>data loading tool</a:t>
             </a:r>
-            <a:endParaRPr lang="pl-PL" altLang="pl-PL">
+            <a:endParaRPr lang="pl-PL" altLang="pl-PL" dirty="0">
               <a:latin typeface="Gill Sans Nova" panose="020B0602020104020203" pitchFamily="34" charset="0"/>
               <a:ea typeface="Gill Sans Nova" panose="020B0602020104020203" pitchFamily="34" charset="0"/>
               <a:cs typeface="Gill Sans Nova" panose="020B0602020104020203" pitchFamily="34" charset="0"/>
@@ -8779,7 +9357,7 @@
               <a:buChar char="•"/>
             </a:pPr>
             <a:r>
-              <a:rPr lang="en-GB" altLang="pl-PL">
+              <a:rPr lang="en-GB" altLang="pl-PL" dirty="0">
                 <a:latin typeface="Gill Sans Nova" panose="020B0602020104020203" pitchFamily="34" charset="0"/>
                 <a:ea typeface="Gill Sans Nova" panose="020B0602020104020203" pitchFamily="34" charset="0"/>
                 <a:cs typeface="Gill Sans Nova" panose="020B0602020104020203" pitchFamily="34" charset="0"/>
@@ -8787,7 +9365,7 @@
               <a:t>dictionary data</a:t>
             </a:r>
             <a:r>
-              <a:rPr lang="pl-PL" altLang="pl-PL">
+              <a:rPr lang="pl-PL" altLang="pl-PL" dirty="0">
                 <a:latin typeface="Gill Sans Nova" panose="020B0602020104020203" pitchFamily="34" charset="0"/>
                 <a:ea typeface="Gill Sans Nova" panose="020B0602020104020203" pitchFamily="34" charset="0"/>
                 <a:cs typeface="Gill Sans Nova" panose="020B0602020104020203" pitchFamily="34" charset="0"/>
@@ -8795,7 +9373,7 @@
               <a:t>: </a:t>
             </a:r>
             <a:r>
-              <a:rPr lang="pl-PL" altLang="pl-PL">
+              <a:rPr lang="pl-PL" altLang="pl-PL" dirty="0">
                 <a:latin typeface="Gill Sans Nova" panose="020B0602020104020203" pitchFamily="34" charset="0"/>
                 <a:ea typeface="Gill Sans Nova" panose="020B0602020104020203" pitchFamily="34" charset="0"/>
                 <a:cs typeface="Gill Sans Nova" panose="020B0602020104020203" pitchFamily="34" charset="0"/>
@@ -8803,7 +9381,7 @@
               </a:rPr>
               <a:t>https://github.com/hunspell</a:t>
             </a:r>
-            <a:endParaRPr lang="en-GB" altLang="pl-PL">
+            <a:endParaRPr lang="en-GB" altLang="pl-PL" dirty="0">
               <a:latin typeface="Gill Sans Nova" panose="020B0602020104020203" pitchFamily="34" charset="0"/>
               <a:ea typeface="Gill Sans Nova" panose="020B0602020104020203" pitchFamily="34" charset="0"/>
               <a:cs typeface="Gill Sans Nova" panose="020B0602020104020203" pitchFamily="34" charset="0"/>
@@ -8815,15 +9393,23 @@
               <a:buChar char="•"/>
             </a:pPr>
             <a:r>
-              <a:rPr lang="en-GB" altLang="pl-PL">
+              <a:rPr lang="en-GB" altLang="pl-PL" dirty="0">
                 <a:latin typeface="Gill Sans Nova" panose="020B0602020104020203" pitchFamily="34" charset="0"/>
                 <a:ea typeface="Gill Sans Nova" panose="020B0602020104020203" pitchFamily="34" charset="0"/>
                 <a:cs typeface="Gill Sans Nova" panose="020B0602020104020203" pitchFamily="34" charset="0"/>
               </a:rPr>
-              <a:t>additional resources on github</a:t>
-            </a:r>
-            <a:r>
-              <a:rPr lang="pl-PL" altLang="pl-PL">
+              <a:t>additional resources on </a:t>
+            </a:r>
+            <a:r>
+              <a:rPr lang="en-GB" altLang="pl-PL" dirty="0" err="1">
+                <a:latin typeface="Gill Sans Nova" panose="020B0602020104020203" pitchFamily="34" charset="0"/>
+                <a:ea typeface="Gill Sans Nova" panose="020B0602020104020203" pitchFamily="34" charset="0"/>
+                <a:cs typeface="Gill Sans Nova" panose="020B0602020104020203" pitchFamily="34" charset="0"/>
+              </a:rPr>
+              <a:t>github</a:t>
+            </a:r>
+            <a:r>
+              <a:rPr lang="pl-PL" altLang="pl-PL" dirty="0">
                 <a:latin typeface="Gill Sans Nova" panose="020B0602020104020203" pitchFamily="34" charset="0"/>
                 <a:ea typeface="Gill Sans Nova" panose="020B0602020104020203" pitchFamily="34" charset="0"/>
                 <a:cs typeface="Gill Sans Nova" panose="020B0602020104020203" pitchFamily="34" charset="0"/>
@@ -8831,7 +9417,7 @@
               <a:t>: </a:t>
             </a:r>
             <a:r>
-              <a:rPr lang="pl-PL" altLang="pl-PL">
+              <a:rPr lang="pl-PL" altLang="pl-PL" dirty="0">
                 <a:latin typeface="Gill Sans Nova" panose="020B0602020104020203" pitchFamily="34" charset="0"/>
                 <a:ea typeface="Gill Sans Nova" panose="020B0602020104020203" pitchFamily="34" charset="0"/>
                 <a:cs typeface="Gill Sans Nova" panose="020B0602020104020203" pitchFamily="34" charset="0"/>
@@ -8839,7 +9425,7 @@
               </a:rPr>
               <a:t>https://github.com/dotjabber/spinaker-elasticsearch</a:t>
             </a:r>
-            <a:endParaRPr lang="en-GB" altLang="pl-PL">
+            <a:endParaRPr lang="en-GB" altLang="pl-PL" dirty="0">
               <a:latin typeface="Gill Sans Nova" panose="020B0602020104020203" pitchFamily="34" charset="0"/>
               <a:ea typeface="Gill Sans Nova" panose="020B0602020104020203" pitchFamily="34" charset="0"/>
               <a:cs typeface="Gill Sans Nova" panose="020B0602020104020203" pitchFamily="34" charset="0"/>
@@ -8853,6 +9439,144 @@
     <a:masterClrMapping/>
   </p:clrMapOvr>
   <p:transition spd="med"/>
+  <p:timing>
+    <p:tnLst>
+      <p:par>
+        <p:cTn id="1" dur="indefinite" restart="never" nodeType="tmRoot"/>
+      </p:par>
+    </p:tnLst>
+  </p:timing>
+</p:sld>
+</file>
+
+<file path=ppt/slides/slide8.xml><?xml version="1.0" encoding="utf-8"?>
+<p:sld xmlns:a="http://schemas.openxmlformats.org/drawingml/2006/main" xmlns:r="http://schemas.openxmlformats.org/officeDocument/2006/relationships" xmlns:p="http://schemas.openxmlformats.org/presentationml/2006/main">
+  <p:cSld>
+    <p:spTree>
+      <p:nvGrpSpPr>
+        <p:cNvPr id="1" name=""/>
+        <p:cNvGrpSpPr/>
+        <p:nvPr/>
+      </p:nvGrpSpPr>
+      <p:grpSpPr>
+        <a:xfrm>
+          <a:off x="0" y="0"/>
+          <a:ext cx="0" cy="0"/>
+          <a:chOff x="0" y="0"/>
+          <a:chExt cx="0" cy="0"/>
+        </a:xfrm>
+      </p:grpSpPr>
+      <p:sp>
+        <p:nvSpPr>
+          <p:cNvPr id="7" name="Symbol zastępczy tekstu 2">
+            <a:extLst>
+              <a:ext uri="{FF2B5EF4-FFF2-40B4-BE49-F238E27FC236}">
+                <a16:creationId xmlns:a16="http://schemas.microsoft.com/office/drawing/2014/main" id="{97CA64E5-4B70-FF25-0C98-816689EBEBBF}"/>
+              </a:ext>
+            </a:extLst>
+          </p:cNvPr>
+          <p:cNvSpPr txBox="1">
+            <a:spLocks noGrp="1"/>
+          </p:cNvSpPr>
+          <p:nvPr>
+            <p:ph type="body" sz="quarter" idx="1"/>
+          </p:nvPr>
+        </p:nvSpPr>
+        <p:spPr>
+          <a:xfrm>
+            <a:off x="361405" y="4004253"/>
+            <a:ext cx="9144000" cy="993774"/>
+          </a:xfrm>
+        </p:spPr>
+        <p:txBody>
+          <a:bodyPr/>
+          <a:lstStyle/>
+          <a:p>
+            <a:pPr algn="r" eaLnBrk="1" hangingPunct="1"/>
+            <a:r>
+              <a:rPr lang="pl-PL" altLang="pl-PL" dirty="0">
+                <a:latin typeface="Gill Sans Nova" panose="020B0602020104020203" pitchFamily="34" charset="0"/>
+                <a:ea typeface="Gill Sans Nova" panose="020B0602020104020203" pitchFamily="34" charset="0"/>
+                <a:cs typeface="Gill Sans Nova" panose="020B0602020104020203" pitchFamily="34" charset="0"/>
+              </a:rPr>
+              <a:t>Maciej Kowalski</a:t>
+            </a:r>
+          </a:p>
+          <a:p>
+            <a:pPr algn="r" eaLnBrk="1" hangingPunct="1"/>
+            <a:r>
+              <a:rPr lang="pl-PL" b="1" dirty="0" err="1"/>
+              <a:t>National</a:t>
+            </a:r>
+            <a:r>
+              <a:rPr lang="pl-PL" b="1" dirty="0"/>
+              <a:t> Information Processing </a:t>
+            </a:r>
+            <a:r>
+              <a:rPr lang="pl-PL" b="1" dirty="0" err="1" smtClean="0"/>
+              <a:t>Institute</a:t>
+            </a:r>
+            <a:endParaRPr lang="pl-PL" b="1" dirty="0"/>
+          </a:p>
+        </p:txBody>
+      </p:sp>
+      <p:sp>
+        <p:nvSpPr>
+          <p:cNvPr id="6" name="Tytuł 1"/>
+          <p:cNvSpPr>
+            <a:spLocks noGrp="1"/>
+          </p:cNvSpPr>
+          <p:nvPr>
+            <p:ph type="title"/>
+          </p:nvPr>
+        </p:nvSpPr>
+        <p:spPr>
+          <a:xfrm>
+            <a:off x="1775520" y="2564904"/>
+            <a:ext cx="8641976" cy="1031757"/>
+          </a:xfrm>
+        </p:spPr>
+        <p:txBody>
+          <a:bodyPr>
+            <a:normAutofit/>
+          </a:bodyPr>
+          <a:lstStyle/>
+          <a:p>
+            <a:pPr algn="ctr"/>
+            <a:r>
+              <a:rPr lang="pl-PL" sz="5400" dirty="0" err="1" smtClean="0"/>
+              <a:t>Thank</a:t>
+            </a:r>
+            <a:r>
+              <a:rPr lang="pl-PL" sz="5400" dirty="0" smtClean="0"/>
+              <a:t> </a:t>
+            </a:r>
+            <a:r>
+              <a:rPr lang="pl-PL" sz="5400" dirty="0" err="1" smtClean="0"/>
+              <a:t>you</a:t>
+            </a:r>
+            <a:endParaRPr lang="pl-PL" sz="5400" dirty="0"/>
+          </a:p>
+        </p:txBody>
+      </p:sp>
+    </p:spTree>
+    <p:extLst>
+      <p:ext uri="{BB962C8B-B14F-4D97-AF65-F5344CB8AC3E}">
+        <p14:creationId xmlns:p14="http://schemas.microsoft.com/office/powerpoint/2010/main" val="4079496034"/>
+      </p:ext>
+    </p:extLst>
+  </p:cSld>
+  <p:clrMapOvr>
+    <a:masterClrMapping/>
+  </p:clrMapOvr>
+  <p:transition spd="med"/>
+  <p:timing>
+    <p:tnLst>
+      <p:par>
+        <p:cTn id="1" dur="indefinite" restart="never" nodeType="tmRoot"/>
+      </p:par>
+    </p:tnLst>
+  </p:timing>
 </p:sld>
 </file>
 
@@ -11298,15 +12022,6 @@
 </file>
 
 <file path=customXml/item1.xml><?xml version="1.0" encoding="utf-8"?>
-<?mso-contentType ?>
-<FormTemplates xmlns="http://schemas.microsoft.com/sharepoint/v3/contenttype/forms">
-  <Display>DocumentLibraryForm</Display>
-  <Edit>DocumentLibraryForm</Edit>
-  <New>DocumentLibraryForm</New>
-</FormTemplates>
-</file>
-
-<file path=customXml/item2.xml><?xml version="1.0" encoding="utf-8"?>
 <ct:contentTypeSchema xmlns:ct="http://schemas.microsoft.com/office/2006/metadata/contentType" xmlns:ma="http://schemas.microsoft.com/office/2006/metadata/properties/metaAttributes" ct:_="" ma:_="" ma:contentTypeName="Dokument" ma:contentTypeID="0x01010066C5490B4B88FD4C9CF90EE75F02C33E" ma:contentTypeVersion="16" ma:contentTypeDescription="Utwórz nowy dokument." ma:contentTypeScope="" ma:versionID="9befc991a8bd6061e70b9708107339b1">
   <xsd:schema xmlns:xsd="http://www.w3.org/2001/XMLSchema" xmlns:xs="http://www.w3.org/2001/XMLSchema" xmlns:p="http://schemas.microsoft.com/office/2006/metadata/properties" xmlns:ns2="4c19037f-c4f2-409f-b703-4bfedb95d267" xmlns:ns3="92755776-c141-414b-b3f7-51302f91aa09" targetNamespace="http://schemas.microsoft.com/office/2006/metadata/properties" ma:root="true" ma:fieldsID="c527625168f0ac20fb932a28fa946bf5" ns2:_="" ns3:_="">
     <xsd:import namespace="4c19037f-c4f2-409f-b703-4bfedb95d267"/>
@@ -11549,6 +12264,15 @@
 </ct:contentTypeSchema>
 </file>
 
+<file path=customXml/item2.xml><?xml version="1.0" encoding="utf-8"?>
+<?mso-contentType ?>
+<FormTemplates xmlns="http://schemas.microsoft.com/sharepoint/v3/contenttype/forms">
+  <Display>DocumentLibraryForm</Display>
+  <Edit>DocumentLibraryForm</Edit>
+  <New>DocumentLibraryForm</New>
+</FormTemplates>
+</file>
+
 <file path=customXml/item3.xml><?xml version="1.0" encoding="utf-8"?>
 <p:properties xmlns:p="http://schemas.microsoft.com/office/2006/metadata/properties" xmlns:xsi="http://www.w3.org/2001/XMLSchema-instance" xmlns:pc="http://schemas.microsoft.com/office/infopath/2007/PartnerControls">
   <documentManagement>
@@ -11561,14 +12285,6 @@
 </file>
 
 <file path=customXml/itemProps1.xml><?xml version="1.0" encoding="utf-8"?>
-<ds:datastoreItem xmlns:ds="http://schemas.openxmlformats.org/officeDocument/2006/customXml" ds:itemID="{083E5304-4B44-45E8-B992-7EAE7193FB48}">
-  <ds:schemaRefs>
-    <ds:schemaRef ds:uri="http://schemas.microsoft.com/sharepoint/v3/contenttype/forms"/>
-  </ds:schemaRefs>
-</ds:datastoreItem>
-</file>
-
-<file path=customXml/itemProps2.xml><?xml version="1.0" encoding="utf-8"?>
 <ds:datastoreItem xmlns:ds="http://schemas.openxmlformats.org/officeDocument/2006/customXml" ds:itemID="{BB31870E-6EF7-4CE7-972C-FD5C01649BA3}">
   <ds:schemaRefs>
     <ds:schemaRef ds:uri="http://schemas.microsoft.com/office/2006/metadata/contentType"/>
@@ -11587,11 +12303,21 @@
 </ds:datastoreItem>
 </file>
 
+<file path=customXml/itemProps2.xml><?xml version="1.0" encoding="utf-8"?>
+<ds:datastoreItem xmlns:ds="http://schemas.openxmlformats.org/officeDocument/2006/customXml" ds:itemID="{083E5304-4B44-45E8-B992-7EAE7193FB48}">
+  <ds:schemaRefs>
+    <ds:schemaRef ds:uri="http://schemas.microsoft.com/sharepoint/v3/contenttype/forms"/>
+  </ds:schemaRefs>
+</ds:datastoreItem>
+</file>
+
 <file path=customXml/itemProps3.xml><?xml version="1.0" encoding="utf-8"?>
 <ds:datastoreItem xmlns:ds="http://schemas.openxmlformats.org/officeDocument/2006/customXml" ds:itemID="{F8F9D3BB-F9BF-4824-9DA0-C28694DE0A15}">
   <ds:schemaRefs>
     <ds:schemaRef ds:uri="http://schemas.microsoft.com/office/2006/metadata/properties"/>
     <ds:schemaRef ds:uri="http://schemas.microsoft.com/office/infopath/2007/PartnerControls"/>
+    <ds:schemaRef ds:uri="92755776-c141-414b-b3f7-51302f91aa09"/>
+    <ds:schemaRef ds:uri="4c19037f-c4f2-409f-b703-4bfedb95d267"/>
   </ds:schemaRefs>
 </ds:datastoreItem>
 </file>